--- a/download/FFXIV_SIMHELPER_사용설명서.pptx
+++ b/download/FFXIV_SIMHELPER_사용설명서.pptx
@@ -278,7 +278,7 @@
           <a:p>
             <a:fld id="{9050A44A-E7AC-42E3-BF88-51E8420F666E}" type="datetimeFigureOut">
               <a:rPr lang="ko-KR" altLang="en-US" smtClean="0"/>
-              <a:t>2024-09-26</a:t>
+              <a:t>2024-10-05</a:t>
             </a:fld>
             <a:endParaRPr lang="ko-KR" altLang="en-US"/>
           </a:p>
@@ -476,7 +476,7 @@
           <a:p>
             <a:fld id="{9050A44A-E7AC-42E3-BF88-51E8420F666E}" type="datetimeFigureOut">
               <a:rPr lang="ko-KR" altLang="en-US" smtClean="0"/>
-              <a:t>2024-09-26</a:t>
+              <a:t>2024-10-05</a:t>
             </a:fld>
             <a:endParaRPr lang="ko-KR" altLang="en-US"/>
           </a:p>
@@ -684,7 +684,7 @@
           <a:p>
             <a:fld id="{9050A44A-E7AC-42E3-BF88-51E8420F666E}" type="datetimeFigureOut">
               <a:rPr lang="ko-KR" altLang="en-US" smtClean="0"/>
-              <a:t>2024-09-26</a:t>
+              <a:t>2024-10-05</a:t>
             </a:fld>
             <a:endParaRPr lang="ko-KR" altLang="en-US"/>
           </a:p>
@@ -797,7 +797,7 @@
           <a:p>
             <a:fld id="{F29F08CF-DC57-46EC-9C0B-8BA20E3F6924}" type="datetimeFigureOut">
               <a:rPr lang="ko-KR" altLang="en-US" smtClean="0"/>
-              <a:t>2024-09-26</a:t>
+              <a:t>2024-10-05</a:t>
             </a:fld>
             <a:endParaRPr lang="ko-KR" altLang="en-US"/>
           </a:p>
@@ -995,7 +995,7 @@
           <a:p>
             <a:fld id="{9050A44A-E7AC-42E3-BF88-51E8420F666E}" type="datetimeFigureOut">
               <a:rPr lang="ko-KR" altLang="en-US" smtClean="0"/>
-              <a:t>2024-09-26</a:t>
+              <a:t>2024-10-05</a:t>
             </a:fld>
             <a:endParaRPr lang="ko-KR" altLang="en-US"/>
           </a:p>
@@ -1270,7 +1270,7 @@
           <a:p>
             <a:fld id="{9050A44A-E7AC-42E3-BF88-51E8420F666E}" type="datetimeFigureOut">
               <a:rPr lang="ko-KR" altLang="en-US" smtClean="0"/>
-              <a:t>2024-09-26</a:t>
+              <a:t>2024-10-05</a:t>
             </a:fld>
             <a:endParaRPr lang="ko-KR" altLang="en-US"/>
           </a:p>
@@ -1535,7 +1535,7 @@
           <a:p>
             <a:fld id="{9050A44A-E7AC-42E3-BF88-51E8420F666E}" type="datetimeFigureOut">
               <a:rPr lang="ko-KR" altLang="en-US" smtClean="0"/>
-              <a:t>2024-09-26</a:t>
+              <a:t>2024-10-05</a:t>
             </a:fld>
             <a:endParaRPr lang="ko-KR" altLang="en-US"/>
           </a:p>
@@ -1947,7 +1947,7 @@
           <a:p>
             <a:fld id="{9050A44A-E7AC-42E3-BF88-51E8420F666E}" type="datetimeFigureOut">
               <a:rPr lang="ko-KR" altLang="en-US" smtClean="0"/>
-              <a:t>2024-09-26</a:t>
+              <a:t>2024-10-05</a:t>
             </a:fld>
             <a:endParaRPr lang="ko-KR" altLang="en-US"/>
           </a:p>
@@ -2088,7 +2088,7 @@
           <a:p>
             <a:fld id="{9050A44A-E7AC-42E3-BF88-51E8420F666E}" type="datetimeFigureOut">
               <a:rPr lang="ko-KR" altLang="en-US" smtClean="0"/>
-              <a:t>2024-09-26</a:t>
+              <a:t>2024-10-05</a:t>
             </a:fld>
             <a:endParaRPr lang="ko-KR" altLang="en-US"/>
           </a:p>
@@ -2201,7 +2201,7 @@
           <a:p>
             <a:fld id="{9050A44A-E7AC-42E3-BF88-51E8420F666E}" type="datetimeFigureOut">
               <a:rPr lang="ko-KR" altLang="en-US" smtClean="0"/>
-              <a:t>2024-09-26</a:t>
+              <a:t>2024-10-05</a:t>
             </a:fld>
             <a:endParaRPr lang="ko-KR" altLang="en-US"/>
           </a:p>
@@ -2512,7 +2512,7 @@
           <a:p>
             <a:fld id="{9050A44A-E7AC-42E3-BF88-51E8420F666E}" type="datetimeFigureOut">
               <a:rPr lang="ko-KR" altLang="en-US" smtClean="0"/>
-              <a:t>2024-09-26</a:t>
+              <a:t>2024-10-05</a:t>
             </a:fld>
             <a:endParaRPr lang="ko-KR" altLang="en-US"/>
           </a:p>
@@ -2800,7 +2800,7 @@
           <a:p>
             <a:fld id="{9050A44A-E7AC-42E3-BF88-51E8420F666E}" type="datetimeFigureOut">
               <a:rPr lang="ko-KR" altLang="en-US" smtClean="0"/>
-              <a:t>2024-09-26</a:t>
+              <a:t>2024-10-05</a:t>
             </a:fld>
             <a:endParaRPr lang="ko-KR" altLang="en-US"/>
           </a:p>
@@ -3041,7 +3041,7 @@
           <a:p>
             <a:fld id="{9050A44A-E7AC-42E3-BF88-51E8420F666E}" type="datetimeFigureOut">
               <a:rPr lang="ko-KR" altLang="en-US" smtClean="0"/>
-              <a:t>2024-09-26</a:t>
+              <a:t>2024-10-05</a:t>
             </a:fld>
             <a:endParaRPr lang="ko-KR" altLang="en-US"/>
           </a:p>
@@ -3959,93 +3959,6 @@
       </p:sp>
       <p:sp>
         <p:nvSpPr>
-          <p:cNvPr id="22" name="TextBox 21">
-            <a:extLst>
-              <a:ext uri="{FF2B5EF4-FFF2-40B4-BE49-F238E27FC236}">
-                <a16:creationId xmlns:a16="http://schemas.microsoft.com/office/drawing/2014/main" id="{555A23D9-0E6E-4436-B3B4-BD47EF89C488}"/>
-              </a:ext>
-            </a:extLst>
-          </p:cNvPr>
-          <p:cNvSpPr txBox="1"/>
-          <p:nvPr/>
-        </p:nvSpPr>
-        <p:spPr>
-          <a:xfrm>
-            <a:off x="5218019" y="486806"/>
-            <a:ext cx="1097620" cy="372655"/>
-          </a:xfrm>
-          <a:prstGeom prst="rect">
-            <a:avLst/>
-          </a:prstGeom>
-          <a:noFill/>
-        </p:spPr>
-        <p:txBody>
-          <a:bodyPr wrap="none" rtlCol="0" anchor="ctr">
-            <a:noAutofit/>
-          </a:bodyPr>
-          <a:lstStyle/>
-          <a:p>
-            <a:pPr algn="ctr">
-              <a:lnSpc>
-                <a:spcPct val="110000"/>
-              </a:lnSpc>
-            </a:pPr>
-            <a:r>
-              <a:rPr lang="en-US" altLang="ko-KR" sz="2000" spc="-80" dirty="0">
-                <a:ln>
-                  <a:solidFill>
-                    <a:srgbClr val="5F0080">
-                      <a:alpha val="0"/>
-                    </a:srgbClr>
-                  </a:solidFill>
-                </a:ln>
-                <a:solidFill>
-                  <a:schemeClr val="tx1">
-                    <a:lumMod val="85000"/>
-                    <a:lumOff val="15000"/>
-                  </a:schemeClr>
-                </a:solidFill>
-                <a:latin typeface="Noto Sans KR" panose="020B0200000000000000" pitchFamily="50" charset="-127"/>
-                <a:ea typeface="Noto Sans KR" panose="020B0200000000000000" pitchFamily="50" charset="-127"/>
-              </a:rPr>
-              <a:t>Step </a:t>
-            </a:r>
-            <a:r>
-              <a:rPr lang="en-US" altLang="ko-KR" sz="2000" spc="-80" dirty="0">
-                <a:ln>
-                  <a:solidFill>
-                    <a:srgbClr val="5F0080">
-                      <a:alpha val="0"/>
-                    </a:srgbClr>
-                  </a:solidFill>
-                </a:ln>
-                <a:solidFill>
-                  <a:srgbClr val="00B0F0"/>
-                </a:solidFill>
-                <a:latin typeface="Noto Sans KR" panose="020B0200000000000000" pitchFamily="50" charset="-127"/>
-                <a:ea typeface="Noto Sans KR" panose="020B0200000000000000" pitchFamily="50" charset="-127"/>
-              </a:rPr>
-              <a:t>2</a:t>
-            </a:r>
-            <a:endParaRPr lang="en-US" altLang="ko-KR" sz="2000" spc="-80" dirty="0">
-              <a:ln>
-                <a:solidFill>
-                  <a:srgbClr val="5F0080">
-                    <a:alpha val="0"/>
-                  </a:srgbClr>
-                </a:solidFill>
-              </a:ln>
-              <a:solidFill>
-                <a:srgbClr val="5F0080"/>
-              </a:solidFill>
-              <a:latin typeface="Noto Sans KR" panose="020B0200000000000000" pitchFamily="50" charset="-127"/>
-              <a:ea typeface="Noto Sans KR" panose="020B0200000000000000" pitchFamily="50" charset="-127"/>
-            </a:endParaRPr>
-          </a:p>
-        </p:txBody>
-      </p:sp>
-      <p:sp>
-        <p:nvSpPr>
           <p:cNvPr id="32" name="직사각형 31">
             <a:extLst>
               <a:ext uri="{FF2B5EF4-FFF2-40B4-BE49-F238E27FC236}">
@@ -4065,7 +3978,7 @@
             <a:avLst/>
           </a:prstGeom>
           <a:solidFill>
-            <a:srgbClr val="5F0080"/>
+            <a:srgbClr val="00B0F0"/>
           </a:solidFill>
           <a:ln>
             <a:noFill/>
@@ -4148,12 +4061,72 @@
           </a:p>
         </p:txBody>
       </p:sp>
-      <p:sp>
-        <p:nvSpPr>
-          <p:cNvPr id="5" name="TextBox 4">
-            <a:extLst>
-              <a:ext uri="{FF2B5EF4-FFF2-40B4-BE49-F238E27FC236}">
-                <a16:creationId xmlns:a16="http://schemas.microsoft.com/office/drawing/2014/main" id="{6F044208-A88B-607D-4BF5-0527163A7D7F}"/>
+      <p:pic>
+        <p:nvPicPr>
+          <p:cNvPr id="4" name="그림 3">
+            <a:extLst>
+              <a:ext uri="{FF2B5EF4-FFF2-40B4-BE49-F238E27FC236}">
+                <a16:creationId xmlns:a16="http://schemas.microsoft.com/office/drawing/2014/main" id="{1C63FF26-B1D5-2298-45D9-17EA4387B512}"/>
+              </a:ext>
+            </a:extLst>
+          </p:cNvPr>
+          <p:cNvPicPr>
+            <a:picLocks noChangeAspect="1"/>
+          </p:cNvPicPr>
+          <p:nvPr/>
+        </p:nvPicPr>
+        <p:blipFill>
+          <a:blip r:embed="rId2"/>
+          <a:stretch>
+            <a:fillRect/>
+          </a:stretch>
+        </p:blipFill>
+        <p:spPr>
+          <a:xfrm>
+            <a:off x="2042919" y="1188238"/>
+            <a:ext cx="7429346" cy="4053428"/>
+          </a:xfrm>
+          <a:prstGeom prst="rect">
+            <a:avLst/>
+          </a:prstGeom>
+        </p:spPr>
+      </p:pic>
+      <p:pic>
+        <p:nvPicPr>
+          <p:cNvPr id="6" name="그림 5">
+            <a:extLst>
+              <a:ext uri="{FF2B5EF4-FFF2-40B4-BE49-F238E27FC236}">
+                <a16:creationId xmlns:a16="http://schemas.microsoft.com/office/drawing/2014/main" id="{D4792201-F573-E875-8BE3-222544516080}"/>
+              </a:ext>
+            </a:extLst>
+          </p:cNvPr>
+          <p:cNvPicPr>
+            <a:picLocks noChangeAspect="1"/>
+          </p:cNvPicPr>
+          <p:nvPr/>
+        </p:nvPicPr>
+        <p:blipFill>
+          <a:blip r:embed="rId3"/>
+          <a:stretch>
+            <a:fillRect/>
+          </a:stretch>
+        </p:blipFill>
+        <p:spPr>
+          <a:xfrm>
+            <a:off x="1550150" y="859461"/>
+            <a:ext cx="8340436" cy="5138542"/>
+          </a:xfrm>
+          <a:prstGeom prst="rect">
+            <a:avLst/>
+          </a:prstGeom>
+        </p:spPr>
+      </p:pic>
+      <p:sp>
+        <p:nvSpPr>
+          <p:cNvPr id="7" name="TextBox 6">
+            <a:extLst>
+              <a:ext uri="{FF2B5EF4-FFF2-40B4-BE49-F238E27FC236}">
+                <a16:creationId xmlns:a16="http://schemas.microsoft.com/office/drawing/2014/main" id="{78CED026-E715-99FC-AF50-122035D8EED2}"/>
               </a:ext>
             </a:extLst>
           </p:cNvPr>
@@ -4162,8 +4135,8 @@
         </p:nvSpPr>
         <p:spPr>
           <a:xfrm>
-            <a:off x="4049050" y="5245335"/>
-            <a:ext cx="3435556" cy="363305"/>
+            <a:off x="3433524" y="6061886"/>
+            <a:ext cx="4573688" cy="453650"/>
           </a:xfrm>
           <a:prstGeom prst="rect">
             <a:avLst/>
@@ -4182,7 +4155,7 @@
               </a:lnSpc>
             </a:pPr>
             <a:r>
-              <a:rPr lang="ko-KR" altLang="en-US" sz="1500" spc="-50" dirty="0" err="1">
+              <a:rPr lang="ko-KR" altLang="en-US" sz="2000" b="1" spc="-50" dirty="0" err="1">
                 <a:ln>
                   <a:solidFill>
                     <a:srgbClr val="5F0080">
@@ -4199,7 +4172,7 @@
               <a:t>직업칸을</a:t>
             </a:r>
             <a:r>
-              <a:rPr lang="ko-KR" altLang="en-US" sz="1500" spc="-50" dirty="0">
+              <a:rPr lang="ko-KR" altLang="en-US" sz="2000" b="1" spc="-50" dirty="0">
                 <a:ln>
                   <a:solidFill>
                     <a:srgbClr val="5F0080">
@@ -4215,7 +4188,7 @@
               </a:rPr>
               <a:t> 클릭하여 원하는 직업을 선택한다</a:t>
             </a:r>
-            <a:endParaRPr lang="en-US" altLang="ko-KR" sz="1500" spc="-50" dirty="0">
+            <a:endParaRPr lang="en-US" altLang="ko-KR" sz="2000" spc="-50" dirty="0">
               <a:ln>
                 <a:solidFill>
                   <a:srgbClr val="5F0080">
@@ -4232,36 +4205,93 @@
           </a:p>
         </p:txBody>
       </p:sp>
-      <p:pic>
-        <p:nvPicPr>
-          <p:cNvPr id="4" name="그림 3">
-            <a:extLst>
-              <a:ext uri="{FF2B5EF4-FFF2-40B4-BE49-F238E27FC236}">
-                <a16:creationId xmlns:a16="http://schemas.microsoft.com/office/drawing/2014/main" id="{1C63FF26-B1D5-2298-45D9-17EA4387B512}"/>
-              </a:ext>
-            </a:extLst>
-          </p:cNvPr>
-          <p:cNvPicPr>
-            <a:picLocks noChangeAspect="1"/>
-          </p:cNvPicPr>
-          <p:nvPr/>
-        </p:nvPicPr>
-        <p:blipFill>
-          <a:blip r:embed="rId2"/>
-          <a:stretch>
-            <a:fillRect/>
-          </a:stretch>
-        </p:blipFill>
-        <p:spPr>
-          <a:xfrm>
-            <a:off x="2535050" y="1267849"/>
-            <a:ext cx="6463556" cy="3566422"/>
-          </a:xfrm>
-          <a:prstGeom prst="rect">
-            <a:avLst/>
-          </a:prstGeom>
-        </p:spPr>
-      </p:pic>
+      <p:sp>
+        <p:nvSpPr>
+          <p:cNvPr id="8" name="TextBox 7">
+            <a:extLst>
+              <a:ext uri="{FF2B5EF4-FFF2-40B4-BE49-F238E27FC236}">
+                <a16:creationId xmlns:a16="http://schemas.microsoft.com/office/drawing/2014/main" id="{AF9784D7-92BC-ECD1-E776-3F43533C89EC}"/>
+              </a:ext>
+            </a:extLst>
+          </p:cNvPr>
+          <p:cNvSpPr txBox="1"/>
+          <p:nvPr/>
+        </p:nvSpPr>
+        <p:spPr>
+          <a:xfrm>
+            <a:off x="5171558" y="322417"/>
+            <a:ext cx="1097620" cy="372655"/>
+          </a:xfrm>
+          <a:prstGeom prst="rect">
+            <a:avLst/>
+          </a:prstGeom>
+          <a:noFill/>
+        </p:spPr>
+        <p:txBody>
+          <a:bodyPr wrap="none" rtlCol="0" anchor="ctr">
+            <a:noAutofit/>
+          </a:bodyPr>
+          <a:lstStyle/>
+          <a:p>
+            <a:pPr algn="ctr">
+              <a:lnSpc>
+                <a:spcPct val="110000"/>
+              </a:lnSpc>
+            </a:pPr>
+            <a:r>
+              <a:rPr lang="en-US" altLang="ko-KR" sz="2800" b="1" spc="-80" dirty="0">
+                <a:ln>
+                  <a:solidFill>
+                    <a:srgbClr val="5F0080">
+                      <a:alpha val="0"/>
+                    </a:srgbClr>
+                  </a:solidFill>
+                </a:ln>
+                <a:solidFill>
+                  <a:schemeClr val="tx1">
+                    <a:lumMod val="85000"/>
+                    <a:lumOff val="15000"/>
+                  </a:schemeClr>
+                </a:solidFill>
+                <a:latin typeface="Noto Sans KR" panose="020B0200000000000000" pitchFamily="50" charset="-127"/>
+                <a:ea typeface="Noto Sans KR" panose="020B0200000000000000" pitchFamily="50" charset="-127"/>
+              </a:rPr>
+              <a:t>Step </a:t>
+            </a:r>
+            <a:r>
+              <a:rPr lang="en-US" altLang="ko-KR" sz="2800" b="1" spc="-80" dirty="0">
+                <a:ln>
+                  <a:solidFill>
+                    <a:srgbClr val="5F0080">
+                      <a:alpha val="0"/>
+                    </a:srgbClr>
+                  </a:solidFill>
+                </a:ln>
+                <a:solidFill>
+                  <a:srgbClr val="00B0F0"/>
+                </a:solidFill>
+                <a:latin typeface="Noto Sans KR" panose="020B0200000000000000" pitchFamily="50" charset="-127"/>
+                <a:ea typeface="Noto Sans KR" panose="020B0200000000000000" pitchFamily="50" charset="-127"/>
+              </a:rPr>
+              <a:t>2</a:t>
+            </a:r>
+            <a:endParaRPr lang="en-US" altLang="ko-KR" sz="2800" b="1" spc="-80" dirty="0">
+              <a:ln>
+                <a:solidFill>
+                  <a:srgbClr val="5F0080">
+                    <a:alpha val="0"/>
+                  </a:srgbClr>
+                </a:solidFill>
+              </a:ln>
+              <a:solidFill>
+                <a:srgbClr val="5F0080"/>
+              </a:solidFill>
+              <a:latin typeface="Noto Sans KR" panose="020B0200000000000000" pitchFamily="50" charset="-127"/>
+              <a:ea typeface="Noto Sans KR" panose="020B0200000000000000" pitchFamily="50" charset="-127"/>
+            </a:endParaRPr>
+          </a:p>
+        </p:txBody>
+      </p:sp>
     </p:spTree>
     <p:extLst>
       <p:ext uri="{BB962C8B-B14F-4D97-AF65-F5344CB8AC3E}">
@@ -4348,93 +4378,6 @@
       </p:sp>
       <p:sp>
         <p:nvSpPr>
-          <p:cNvPr id="22" name="TextBox 21">
-            <a:extLst>
-              <a:ext uri="{FF2B5EF4-FFF2-40B4-BE49-F238E27FC236}">
-                <a16:creationId xmlns:a16="http://schemas.microsoft.com/office/drawing/2014/main" id="{555A23D9-0E6E-4436-B3B4-BD47EF89C488}"/>
-              </a:ext>
-            </a:extLst>
-          </p:cNvPr>
-          <p:cNvSpPr txBox="1"/>
-          <p:nvPr/>
-        </p:nvSpPr>
-        <p:spPr>
-          <a:xfrm>
-            <a:off x="5218019" y="486806"/>
-            <a:ext cx="1097620" cy="372655"/>
-          </a:xfrm>
-          <a:prstGeom prst="rect">
-            <a:avLst/>
-          </a:prstGeom>
-          <a:noFill/>
-        </p:spPr>
-        <p:txBody>
-          <a:bodyPr wrap="none" rtlCol="0" anchor="ctr">
-            <a:noAutofit/>
-          </a:bodyPr>
-          <a:lstStyle/>
-          <a:p>
-            <a:pPr algn="ctr">
-              <a:lnSpc>
-                <a:spcPct val="110000"/>
-              </a:lnSpc>
-            </a:pPr>
-            <a:r>
-              <a:rPr lang="en-US" altLang="ko-KR" sz="2000" spc="-80" dirty="0">
-                <a:ln>
-                  <a:solidFill>
-                    <a:srgbClr val="5F0080">
-                      <a:alpha val="0"/>
-                    </a:srgbClr>
-                  </a:solidFill>
-                </a:ln>
-                <a:solidFill>
-                  <a:schemeClr val="tx1">
-                    <a:lumMod val="85000"/>
-                    <a:lumOff val="15000"/>
-                  </a:schemeClr>
-                </a:solidFill>
-                <a:latin typeface="Noto Sans KR" panose="020B0200000000000000" pitchFamily="50" charset="-127"/>
-                <a:ea typeface="Noto Sans KR" panose="020B0200000000000000" pitchFamily="50" charset="-127"/>
-              </a:rPr>
-              <a:t>Step </a:t>
-            </a:r>
-            <a:r>
-              <a:rPr lang="en-US" altLang="ko-KR" sz="2000" spc="-80" dirty="0">
-                <a:ln>
-                  <a:solidFill>
-                    <a:srgbClr val="5F0080">
-                      <a:alpha val="0"/>
-                    </a:srgbClr>
-                  </a:solidFill>
-                </a:ln>
-                <a:solidFill>
-                  <a:srgbClr val="00B0F0"/>
-                </a:solidFill>
-                <a:latin typeface="Noto Sans KR" panose="020B0200000000000000" pitchFamily="50" charset="-127"/>
-                <a:ea typeface="Noto Sans KR" panose="020B0200000000000000" pitchFamily="50" charset="-127"/>
-              </a:rPr>
-              <a:t>3</a:t>
-            </a:r>
-            <a:endParaRPr lang="en-US" altLang="ko-KR" sz="2000" spc="-80" dirty="0">
-              <a:ln>
-                <a:solidFill>
-                  <a:srgbClr val="5F0080">
-                    <a:alpha val="0"/>
-                  </a:srgbClr>
-                </a:solidFill>
-              </a:ln>
-              <a:solidFill>
-                <a:srgbClr val="5F0080"/>
-              </a:solidFill>
-              <a:latin typeface="Noto Sans KR" panose="020B0200000000000000" pitchFamily="50" charset="-127"/>
-              <a:ea typeface="Noto Sans KR" panose="020B0200000000000000" pitchFamily="50" charset="-127"/>
-            </a:endParaRPr>
-          </a:p>
-        </p:txBody>
-      </p:sp>
-      <p:sp>
-        <p:nvSpPr>
           <p:cNvPr id="32" name="직사각형 31">
             <a:extLst>
               <a:ext uri="{FF2B5EF4-FFF2-40B4-BE49-F238E27FC236}">
@@ -4454,7 +4397,7 @@
             <a:avLst/>
           </a:prstGeom>
           <a:solidFill>
-            <a:srgbClr val="5F0080"/>
+            <a:srgbClr val="00B0F0"/>
           </a:solidFill>
           <a:ln>
             <a:noFill/>
@@ -4537,12 +4480,72 @@
           </a:p>
         </p:txBody>
       </p:sp>
-      <p:sp>
-        <p:nvSpPr>
-          <p:cNvPr id="5" name="TextBox 4">
-            <a:extLst>
-              <a:ext uri="{FF2B5EF4-FFF2-40B4-BE49-F238E27FC236}">
-                <a16:creationId xmlns:a16="http://schemas.microsoft.com/office/drawing/2014/main" id="{6F044208-A88B-607D-4BF5-0527163A7D7F}"/>
+      <p:pic>
+        <p:nvPicPr>
+          <p:cNvPr id="3" name="그림 2">
+            <a:extLst>
+              <a:ext uri="{FF2B5EF4-FFF2-40B4-BE49-F238E27FC236}">
+                <a16:creationId xmlns:a16="http://schemas.microsoft.com/office/drawing/2014/main" id="{4EA955A6-76C5-1C6C-E4ED-294CD491AFB7}"/>
+              </a:ext>
+            </a:extLst>
+          </p:cNvPr>
+          <p:cNvPicPr>
+            <a:picLocks noChangeAspect="1"/>
+          </p:cNvPicPr>
+          <p:nvPr/>
+        </p:nvPicPr>
+        <p:blipFill>
+          <a:blip r:embed="rId2"/>
+          <a:stretch>
+            <a:fillRect/>
+          </a:stretch>
+        </p:blipFill>
+        <p:spPr>
+          <a:xfrm>
+            <a:off x="2005693" y="1161326"/>
+            <a:ext cx="7429346" cy="4042271"/>
+          </a:xfrm>
+          <a:prstGeom prst="rect">
+            <a:avLst/>
+          </a:prstGeom>
+        </p:spPr>
+      </p:pic>
+      <p:pic>
+        <p:nvPicPr>
+          <p:cNvPr id="6" name="그림 5">
+            <a:extLst>
+              <a:ext uri="{FF2B5EF4-FFF2-40B4-BE49-F238E27FC236}">
+                <a16:creationId xmlns:a16="http://schemas.microsoft.com/office/drawing/2014/main" id="{F6F8E1B6-426F-4445-D203-20AC33E90974}"/>
+              </a:ext>
+            </a:extLst>
+          </p:cNvPr>
+          <p:cNvPicPr>
+            <a:picLocks noChangeAspect="1"/>
+          </p:cNvPicPr>
+          <p:nvPr/>
+        </p:nvPicPr>
+        <p:blipFill>
+          <a:blip r:embed="rId3"/>
+          <a:stretch>
+            <a:fillRect/>
+          </a:stretch>
+        </p:blipFill>
+        <p:spPr>
+          <a:xfrm>
+            <a:off x="1550150" y="859461"/>
+            <a:ext cx="8340436" cy="5138542"/>
+          </a:xfrm>
+          <a:prstGeom prst="rect">
+            <a:avLst/>
+          </a:prstGeom>
+        </p:spPr>
+      </p:pic>
+      <p:sp>
+        <p:nvSpPr>
+          <p:cNvPr id="8" name="TextBox 7">
+            <a:extLst>
+              <a:ext uri="{FF2B5EF4-FFF2-40B4-BE49-F238E27FC236}">
+                <a16:creationId xmlns:a16="http://schemas.microsoft.com/office/drawing/2014/main" id="{33730470-E5D2-6101-9F27-EEAC2526C6A4}"/>
               </a:ext>
             </a:extLst>
           </p:cNvPr>
@@ -4551,8 +4554,8 @@
         </p:nvSpPr>
         <p:spPr>
           <a:xfrm>
-            <a:off x="3521794" y="5240267"/>
-            <a:ext cx="4211409" cy="363305"/>
+            <a:off x="3132965" y="6061886"/>
+            <a:ext cx="5174815" cy="453650"/>
           </a:xfrm>
           <a:prstGeom prst="rect">
             <a:avLst/>
@@ -4571,7 +4574,7 @@
               </a:lnSpc>
             </a:pPr>
             <a:r>
-              <a:rPr lang="ko-KR" altLang="en-US" sz="1500" spc="-50" dirty="0">
+              <a:rPr lang="ko-KR" altLang="en-US" sz="2000" b="1" spc="-50" dirty="0">
                 <a:ln>
                   <a:solidFill>
                     <a:srgbClr val="5F0080">
@@ -4588,7 +4591,7 @@
               <a:t>종족 </a:t>
             </a:r>
             <a:r>
-              <a:rPr lang="ko-KR" altLang="en-US" sz="1500" spc="-50" dirty="0" err="1">
+              <a:rPr lang="ko-KR" altLang="en-US" sz="2000" b="1" spc="-50" dirty="0" err="1">
                 <a:ln>
                   <a:solidFill>
                     <a:srgbClr val="5F0080">
@@ -4605,7 +4608,7 @@
               <a:t>특성칸을</a:t>
             </a:r>
             <a:r>
-              <a:rPr lang="ko-KR" altLang="en-US" sz="1500" spc="-50" dirty="0">
+              <a:rPr lang="ko-KR" altLang="en-US" sz="2000" b="1" spc="-50" dirty="0">
                 <a:ln>
                   <a:solidFill>
                     <a:srgbClr val="5F0080">
@@ -4619,9 +4622,9 @@
                 <a:latin typeface="Noto Sans KR" panose="020B0200000000000000" pitchFamily="50" charset="-127"/>
                 <a:ea typeface="Noto Sans KR" panose="020B0200000000000000" pitchFamily="50" charset="-127"/>
               </a:rPr>
-              <a:t> 클릭하여 원하는 종족 특성을 선택한다</a:t>
-            </a:r>
-            <a:endParaRPr lang="en-US" altLang="ko-KR" sz="1500" spc="-50" dirty="0">
+              <a:t> 클릭하여 원하는 종족을 선택한다</a:t>
+            </a:r>
+            <a:endParaRPr lang="en-US" altLang="ko-KR" sz="2000" spc="-50" dirty="0">
               <a:ln>
                 <a:solidFill>
                   <a:srgbClr val="5F0080">
@@ -4638,36 +4641,93 @@
           </a:p>
         </p:txBody>
       </p:sp>
-      <p:pic>
-        <p:nvPicPr>
-          <p:cNvPr id="6" name="그림 5">
-            <a:extLst>
-              <a:ext uri="{FF2B5EF4-FFF2-40B4-BE49-F238E27FC236}">
-                <a16:creationId xmlns:a16="http://schemas.microsoft.com/office/drawing/2014/main" id="{EB5FE5E1-E7CE-3184-C368-D639CF5AD2ED}"/>
-              </a:ext>
-            </a:extLst>
-          </p:cNvPr>
-          <p:cNvPicPr>
-            <a:picLocks noChangeAspect="1"/>
-          </p:cNvPicPr>
-          <p:nvPr/>
-        </p:nvPicPr>
-        <p:blipFill>
-          <a:blip r:embed="rId2"/>
-          <a:stretch>
-            <a:fillRect/>
-          </a:stretch>
-        </p:blipFill>
-        <p:spPr>
-          <a:xfrm>
-            <a:off x="2535051" y="1254428"/>
-            <a:ext cx="6463556" cy="3561355"/>
-          </a:xfrm>
-          <a:prstGeom prst="rect">
-            <a:avLst/>
-          </a:prstGeom>
-        </p:spPr>
-      </p:pic>
+      <p:sp>
+        <p:nvSpPr>
+          <p:cNvPr id="10" name="TextBox 9">
+            <a:extLst>
+              <a:ext uri="{FF2B5EF4-FFF2-40B4-BE49-F238E27FC236}">
+                <a16:creationId xmlns:a16="http://schemas.microsoft.com/office/drawing/2014/main" id="{1FBA9668-F698-64DC-2228-B11B118B86E7}"/>
+              </a:ext>
+            </a:extLst>
+          </p:cNvPr>
+          <p:cNvSpPr txBox="1"/>
+          <p:nvPr/>
+        </p:nvSpPr>
+        <p:spPr>
+          <a:xfrm>
+            <a:off x="5171554" y="342464"/>
+            <a:ext cx="1097620" cy="372655"/>
+          </a:xfrm>
+          <a:prstGeom prst="rect">
+            <a:avLst/>
+          </a:prstGeom>
+          <a:noFill/>
+        </p:spPr>
+        <p:txBody>
+          <a:bodyPr wrap="none" rtlCol="0" anchor="ctr">
+            <a:noAutofit/>
+          </a:bodyPr>
+          <a:lstStyle/>
+          <a:p>
+            <a:pPr algn="ctr">
+              <a:lnSpc>
+                <a:spcPct val="110000"/>
+              </a:lnSpc>
+            </a:pPr>
+            <a:r>
+              <a:rPr lang="en-US" altLang="ko-KR" sz="2800" b="1" spc="-80" dirty="0">
+                <a:ln>
+                  <a:solidFill>
+                    <a:srgbClr val="5F0080">
+                      <a:alpha val="0"/>
+                    </a:srgbClr>
+                  </a:solidFill>
+                </a:ln>
+                <a:solidFill>
+                  <a:schemeClr val="tx1">
+                    <a:lumMod val="85000"/>
+                    <a:lumOff val="15000"/>
+                  </a:schemeClr>
+                </a:solidFill>
+                <a:latin typeface="Noto Sans KR" panose="020B0200000000000000" pitchFamily="50" charset="-127"/>
+                <a:ea typeface="Noto Sans KR" panose="020B0200000000000000" pitchFamily="50" charset="-127"/>
+              </a:rPr>
+              <a:t>Step </a:t>
+            </a:r>
+            <a:r>
+              <a:rPr lang="en-US" altLang="ko-KR" sz="2800" b="1" spc="-80" dirty="0">
+                <a:ln>
+                  <a:solidFill>
+                    <a:srgbClr val="5F0080">
+                      <a:alpha val="0"/>
+                    </a:srgbClr>
+                  </a:solidFill>
+                </a:ln>
+                <a:solidFill>
+                  <a:srgbClr val="00B0F0"/>
+                </a:solidFill>
+                <a:latin typeface="Noto Sans KR" panose="020B0200000000000000" pitchFamily="50" charset="-127"/>
+                <a:ea typeface="Noto Sans KR" panose="020B0200000000000000" pitchFamily="50" charset="-127"/>
+              </a:rPr>
+              <a:t>3</a:t>
+            </a:r>
+            <a:endParaRPr lang="en-US" altLang="ko-KR" sz="2800" b="1" spc="-80" dirty="0">
+              <a:ln>
+                <a:solidFill>
+                  <a:srgbClr val="5F0080">
+                    <a:alpha val="0"/>
+                  </a:srgbClr>
+                </a:solidFill>
+              </a:ln>
+              <a:solidFill>
+                <a:srgbClr val="5F0080"/>
+              </a:solidFill>
+              <a:latin typeface="Noto Sans KR" panose="020B0200000000000000" pitchFamily="50" charset="-127"/>
+              <a:ea typeface="Noto Sans KR" panose="020B0200000000000000" pitchFamily="50" charset="-127"/>
+            </a:endParaRPr>
+          </a:p>
+        </p:txBody>
+      </p:sp>
     </p:spTree>
     <p:extLst>
       <p:ext uri="{BB962C8B-B14F-4D97-AF65-F5344CB8AC3E}">
@@ -4754,93 +4814,6 @@
       </p:sp>
       <p:sp>
         <p:nvSpPr>
-          <p:cNvPr id="22" name="TextBox 21">
-            <a:extLst>
-              <a:ext uri="{FF2B5EF4-FFF2-40B4-BE49-F238E27FC236}">
-                <a16:creationId xmlns:a16="http://schemas.microsoft.com/office/drawing/2014/main" id="{555A23D9-0E6E-4436-B3B4-BD47EF89C488}"/>
-              </a:ext>
-            </a:extLst>
-          </p:cNvPr>
-          <p:cNvSpPr txBox="1"/>
-          <p:nvPr/>
-        </p:nvSpPr>
-        <p:spPr>
-          <a:xfrm>
-            <a:off x="5218019" y="486806"/>
-            <a:ext cx="1097620" cy="372655"/>
-          </a:xfrm>
-          <a:prstGeom prst="rect">
-            <a:avLst/>
-          </a:prstGeom>
-          <a:noFill/>
-        </p:spPr>
-        <p:txBody>
-          <a:bodyPr wrap="none" rtlCol="0" anchor="ctr">
-            <a:noAutofit/>
-          </a:bodyPr>
-          <a:lstStyle/>
-          <a:p>
-            <a:pPr algn="ctr">
-              <a:lnSpc>
-                <a:spcPct val="110000"/>
-              </a:lnSpc>
-            </a:pPr>
-            <a:r>
-              <a:rPr lang="en-US" altLang="ko-KR" sz="2000" spc="-80" dirty="0">
-                <a:ln>
-                  <a:solidFill>
-                    <a:srgbClr val="5F0080">
-                      <a:alpha val="0"/>
-                    </a:srgbClr>
-                  </a:solidFill>
-                </a:ln>
-                <a:solidFill>
-                  <a:schemeClr val="tx1">
-                    <a:lumMod val="85000"/>
-                    <a:lumOff val="15000"/>
-                  </a:schemeClr>
-                </a:solidFill>
-                <a:latin typeface="Noto Sans KR" panose="020B0200000000000000" pitchFamily="50" charset="-127"/>
-                <a:ea typeface="Noto Sans KR" panose="020B0200000000000000" pitchFamily="50" charset="-127"/>
-              </a:rPr>
-              <a:t>Step </a:t>
-            </a:r>
-            <a:r>
-              <a:rPr lang="en-US" altLang="ko-KR" sz="2000" spc="-80" dirty="0">
-                <a:ln>
-                  <a:solidFill>
-                    <a:srgbClr val="5F0080">
-                      <a:alpha val="0"/>
-                    </a:srgbClr>
-                  </a:solidFill>
-                </a:ln>
-                <a:solidFill>
-                  <a:srgbClr val="00B0F0"/>
-                </a:solidFill>
-                <a:latin typeface="Noto Sans KR" panose="020B0200000000000000" pitchFamily="50" charset="-127"/>
-                <a:ea typeface="Noto Sans KR" panose="020B0200000000000000" pitchFamily="50" charset="-127"/>
-              </a:rPr>
-              <a:t>4</a:t>
-            </a:r>
-            <a:endParaRPr lang="en-US" altLang="ko-KR" sz="2000" spc="-80" dirty="0">
-              <a:ln>
-                <a:solidFill>
-                  <a:srgbClr val="5F0080">
-                    <a:alpha val="0"/>
-                  </a:srgbClr>
-                </a:solidFill>
-              </a:ln>
-              <a:solidFill>
-                <a:srgbClr val="5F0080"/>
-              </a:solidFill>
-              <a:latin typeface="Noto Sans KR" panose="020B0200000000000000" pitchFamily="50" charset="-127"/>
-              <a:ea typeface="Noto Sans KR" panose="020B0200000000000000" pitchFamily="50" charset="-127"/>
-            </a:endParaRPr>
-          </a:p>
-        </p:txBody>
-      </p:sp>
-      <p:sp>
-        <p:nvSpPr>
           <p:cNvPr id="32" name="직사각형 31">
             <a:extLst>
               <a:ext uri="{FF2B5EF4-FFF2-40B4-BE49-F238E27FC236}">
@@ -4860,7 +4833,7 @@
             <a:avLst/>
           </a:prstGeom>
           <a:solidFill>
-            <a:srgbClr val="5F0080"/>
+            <a:srgbClr val="00B0F0"/>
           </a:solidFill>
           <a:ln>
             <a:noFill/>
@@ -4943,12 +4916,72 @@
           </a:p>
         </p:txBody>
       </p:sp>
-      <p:sp>
-        <p:nvSpPr>
-          <p:cNvPr id="5" name="TextBox 4">
-            <a:extLst>
-              <a:ext uri="{FF2B5EF4-FFF2-40B4-BE49-F238E27FC236}">
-                <a16:creationId xmlns:a16="http://schemas.microsoft.com/office/drawing/2014/main" id="{6F044208-A88B-607D-4BF5-0527163A7D7F}"/>
+      <p:pic>
+        <p:nvPicPr>
+          <p:cNvPr id="6" name="그림 5">
+            <a:extLst>
+              <a:ext uri="{FF2B5EF4-FFF2-40B4-BE49-F238E27FC236}">
+                <a16:creationId xmlns:a16="http://schemas.microsoft.com/office/drawing/2014/main" id="{2CBE42D9-7437-2EF3-5B84-D34FAFAC0E03}"/>
+              </a:ext>
+            </a:extLst>
+          </p:cNvPr>
+          <p:cNvPicPr>
+            <a:picLocks noChangeAspect="1"/>
+          </p:cNvPicPr>
+          <p:nvPr/>
+        </p:nvPicPr>
+        <p:blipFill>
+          <a:blip r:embed="rId2"/>
+          <a:stretch>
+            <a:fillRect/>
+          </a:stretch>
+        </p:blipFill>
+        <p:spPr>
+          <a:xfrm>
+            <a:off x="2005693" y="1161327"/>
+            <a:ext cx="7429346" cy="4042270"/>
+          </a:xfrm>
+          <a:prstGeom prst="rect">
+            <a:avLst/>
+          </a:prstGeom>
+        </p:spPr>
+      </p:pic>
+      <p:pic>
+        <p:nvPicPr>
+          <p:cNvPr id="5" name="그림 4">
+            <a:extLst>
+              <a:ext uri="{FF2B5EF4-FFF2-40B4-BE49-F238E27FC236}">
+                <a16:creationId xmlns:a16="http://schemas.microsoft.com/office/drawing/2014/main" id="{8C3CA0CC-8A41-F499-5859-7CDA1AB7BE5D}"/>
+              </a:ext>
+            </a:extLst>
+          </p:cNvPr>
+          <p:cNvPicPr>
+            <a:picLocks noChangeAspect="1"/>
+          </p:cNvPicPr>
+          <p:nvPr/>
+        </p:nvPicPr>
+        <p:blipFill>
+          <a:blip r:embed="rId3"/>
+          <a:stretch>
+            <a:fillRect/>
+          </a:stretch>
+        </p:blipFill>
+        <p:spPr>
+          <a:xfrm>
+            <a:off x="1550150" y="859461"/>
+            <a:ext cx="8340436" cy="5138542"/>
+          </a:xfrm>
+          <a:prstGeom prst="rect">
+            <a:avLst/>
+          </a:prstGeom>
+        </p:spPr>
+      </p:pic>
+      <p:sp>
+        <p:nvSpPr>
+          <p:cNvPr id="7" name="TextBox 6">
+            <a:extLst>
+              <a:ext uri="{FF2B5EF4-FFF2-40B4-BE49-F238E27FC236}">
+                <a16:creationId xmlns:a16="http://schemas.microsoft.com/office/drawing/2014/main" id="{A2DC3856-C68B-60AD-2560-46DDA33D15ED}"/>
               </a:ext>
             </a:extLst>
           </p:cNvPr>
@@ -4957,8 +4990,95 @@
         </p:nvSpPr>
         <p:spPr>
           <a:xfrm>
-            <a:off x="3715760" y="5240267"/>
-            <a:ext cx="3823483" cy="363305"/>
+            <a:off x="5171554" y="342464"/>
+            <a:ext cx="1097620" cy="372655"/>
+          </a:xfrm>
+          <a:prstGeom prst="rect">
+            <a:avLst/>
+          </a:prstGeom>
+          <a:noFill/>
+        </p:spPr>
+        <p:txBody>
+          <a:bodyPr wrap="none" rtlCol="0" anchor="ctr">
+            <a:noAutofit/>
+          </a:bodyPr>
+          <a:lstStyle/>
+          <a:p>
+            <a:pPr algn="ctr">
+              <a:lnSpc>
+                <a:spcPct val="110000"/>
+              </a:lnSpc>
+            </a:pPr>
+            <a:r>
+              <a:rPr lang="en-US" altLang="ko-KR" sz="2800" b="1" spc="-80" dirty="0">
+                <a:ln>
+                  <a:solidFill>
+                    <a:srgbClr val="5F0080">
+                      <a:alpha val="0"/>
+                    </a:srgbClr>
+                  </a:solidFill>
+                </a:ln>
+                <a:solidFill>
+                  <a:schemeClr val="tx1">
+                    <a:lumMod val="85000"/>
+                    <a:lumOff val="15000"/>
+                  </a:schemeClr>
+                </a:solidFill>
+                <a:latin typeface="Noto Sans KR" panose="020B0200000000000000" pitchFamily="50" charset="-127"/>
+                <a:ea typeface="Noto Sans KR" panose="020B0200000000000000" pitchFamily="50" charset="-127"/>
+              </a:rPr>
+              <a:t>Step </a:t>
+            </a:r>
+            <a:r>
+              <a:rPr lang="en-US" altLang="ko-KR" sz="2800" b="1" spc="-80" dirty="0">
+                <a:ln>
+                  <a:solidFill>
+                    <a:srgbClr val="5F0080">
+                      <a:alpha val="0"/>
+                    </a:srgbClr>
+                  </a:solidFill>
+                </a:ln>
+                <a:solidFill>
+                  <a:srgbClr val="00B0F0"/>
+                </a:solidFill>
+                <a:latin typeface="Noto Sans KR" panose="020B0200000000000000" pitchFamily="50" charset="-127"/>
+                <a:ea typeface="Noto Sans KR" panose="020B0200000000000000" pitchFamily="50" charset="-127"/>
+              </a:rPr>
+              <a:t>4</a:t>
+            </a:r>
+            <a:endParaRPr lang="en-US" altLang="ko-KR" sz="2800" b="1" spc="-80" dirty="0">
+              <a:ln>
+                <a:solidFill>
+                  <a:srgbClr val="5F0080">
+                    <a:alpha val="0"/>
+                  </a:srgbClr>
+                </a:solidFill>
+              </a:ln>
+              <a:solidFill>
+                <a:srgbClr val="5F0080"/>
+              </a:solidFill>
+              <a:latin typeface="Noto Sans KR" panose="020B0200000000000000" pitchFamily="50" charset="-127"/>
+              <a:ea typeface="Noto Sans KR" panose="020B0200000000000000" pitchFamily="50" charset="-127"/>
+            </a:endParaRPr>
+          </a:p>
+        </p:txBody>
+      </p:sp>
+      <p:sp>
+        <p:nvSpPr>
+          <p:cNvPr id="8" name="TextBox 7">
+            <a:extLst>
+              <a:ext uri="{FF2B5EF4-FFF2-40B4-BE49-F238E27FC236}">
+                <a16:creationId xmlns:a16="http://schemas.microsoft.com/office/drawing/2014/main" id="{D1D861B3-00C6-4556-7A27-B6244405DB46}"/>
+              </a:ext>
+            </a:extLst>
+          </p:cNvPr>
+          <p:cNvSpPr txBox="1"/>
+          <p:nvPr/>
+        </p:nvSpPr>
+        <p:spPr>
+          <a:xfrm>
+            <a:off x="3171443" y="6061886"/>
+            <a:ext cx="5097870" cy="453650"/>
           </a:xfrm>
           <a:prstGeom prst="rect">
             <a:avLst/>
@@ -4977,7 +5097,7 @@
               </a:lnSpc>
             </a:pPr>
             <a:r>
-              <a:rPr lang="ko-KR" altLang="en-US" sz="1500" spc="-50" dirty="0">
+              <a:rPr lang="ko-KR" altLang="en-US" sz="2000" b="1" spc="-50" dirty="0">
                 <a:ln>
                   <a:solidFill>
                     <a:srgbClr val="5F0080">
@@ -4994,7 +5114,7 @@
               <a:t>각 </a:t>
             </a:r>
             <a:r>
-              <a:rPr lang="ko-KR" altLang="en-US" sz="1500" spc="-50" dirty="0" err="1">
+              <a:rPr lang="ko-KR" altLang="en-US" sz="2000" b="1" spc="-50" dirty="0" err="1">
                 <a:ln>
                   <a:solidFill>
                     <a:srgbClr val="5F0080">
@@ -5011,7 +5131,7 @@
               <a:t>장비칸을</a:t>
             </a:r>
             <a:r>
-              <a:rPr lang="ko-KR" altLang="en-US" sz="1500" spc="-50" dirty="0">
+              <a:rPr lang="ko-KR" altLang="en-US" sz="2000" b="1" spc="-50" dirty="0">
                 <a:ln>
                   <a:solidFill>
                     <a:srgbClr val="5F0080">
@@ -5027,7 +5147,7 @@
               </a:rPr>
               <a:t> 클릭하여 원하는 장비를 설정합니다</a:t>
             </a:r>
-            <a:endParaRPr lang="en-US" altLang="ko-KR" sz="1500" spc="-50" dirty="0">
+            <a:endParaRPr lang="en-US" altLang="ko-KR" sz="2000" spc="-50" dirty="0">
               <a:ln>
                 <a:solidFill>
                   <a:srgbClr val="5F0080">
@@ -5044,36 +5164,6 @@
           </a:p>
         </p:txBody>
       </p:sp>
-      <p:pic>
-        <p:nvPicPr>
-          <p:cNvPr id="4" name="그림 3">
-            <a:extLst>
-              <a:ext uri="{FF2B5EF4-FFF2-40B4-BE49-F238E27FC236}">
-                <a16:creationId xmlns:a16="http://schemas.microsoft.com/office/drawing/2014/main" id="{32B15D44-A956-2F58-2969-CB5B8F4A815F}"/>
-              </a:ext>
-            </a:extLst>
-          </p:cNvPr>
-          <p:cNvPicPr>
-            <a:picLocks noChangeAspect="1"/>
-          </p:cNvPicPr>
-          <p:nvPr/>
-        </p:nvPicPr>
-        <p:blipFill>
-          <a:blip r:embed="rId2"/>
-          <a:stretch>
-            <a:fillRect/>
-          </a:stretch>
-        </p:blipFill>
-        <p:spPr>
-          <a:xfrm>
-            <a:off x="2535052" y="1267848"/>
-            <a:ext cx="6463556" cy="3566423"/>
-          </a:xfrm>
-          <a:prstGeom prst="rect">
-            <a:avLst/>
-          </a:prstGeom>
-        </p:spPr>
-      </p:pic>
     </p:spTree>
     <p:extLst>
       <p:ext uri="{BB962C8B-B14F-4D97-AF65-F5344CB8AC3E}">
@@ -5160,93 +5250,6 @@
       </p:sp>
       <p:sp>
         <p:nvSpPr>
-          <p:cNvPr id="22" name="TextBox 21">
-            <a:extLst>
-              <a:ext uri="{FF2B5EF4-FFF2-40B4-BE49-F238E27FC236}">
-                <a16:creationId xmlns:a16="http://schemas.microsoft.com/office/drawing/2014/main" id="{555A23D9-0E6E-4436-B3B4-BD47EF89C488}"/>
-              </a:ext>
-            </a:extLst>
-          </p:cNvPr>
-          <p:cNvSpPr txBox="1"/>
-          <p:nvPr/>
-        </p:nvSpPr>
-        <p:spPr>
-          <a:xfrm>
-            <a:off x="5218019" y="486806"/>
-            <a:ext cx="1097620" cy="372655"/>
-          </a:xfrm>
-          <a:prstGeom prst="rect">
-            <a:avLst/>
-          </a:prstGeom>
-          <a:noFill/>
-        </p:spPr>
-        <p:txBody>
-          <a:bodyPr wrap="none" rtlCol="0" anchor="ctr">
-            <a:noAutofit/>
-          </a:bodyPr>
-          <a:lstStyle/>
-          <a:p>
-            <a:pPr algn="ctr">
-              <a:lnSpc>
-                <a:spcPct val="110000"/>
-              </a:lnSpc>
-            </a:pPr>
-            <a:r>
-              <a:rPr lang="en-US" altLang="ko-KR" sz="2000" spc="-80" dirty="0">
-                <a:ln>
-                  <a:solidFill>
-                    <a:srgbClr val="5F0080">
-                      <a:alpha val="0"/>
-                    </a:srgbClr>
-                  </a:solidFill>
-                </a:ln>
-                <a:solidFill>
-                  <a:schemeClr val="tx1">
-                    <a:lumMod val="85000"/>
-                    <a:lumOff val="15000"/>
-                  </a:schemeClr>
-                </a:solidFill>
-                <a:latin typeface="Noto Sans KR" panose="020B0200000000000000" pitchFamily="50" charset="-127"/>
-                <a:ea typeface="Noto Sans KR" panose="020B0200000000000000" pitchFamily="50" charset="-127"/>
-              </a:rPr>
-              <a:t>Step </a:t>
-            </a:r>
-            <a:r>
-              <a:rPr lang="en-US" altLang="ko-KR" sz="2000" spc="-80" dirty="0">
-                <a:ln>
-                  <a:solidFill>
-                    <a:srgbClr val="5F0080">
-                      <a:alpha val="0"/>
-                    </a:srgbClr>
-                  </a:solidFill>
-                </a:ln>
-                <a:solidFill>
-                  <a:srgbClr val="00B0F0"/>
-                </a:solidFill>
-                <a:latin typeface="Noto Sans KR" panose="020B0200000000000000" pitchFamily="50" charset="-127"/>
-                <a:ea typeface="Noto Sans KR" panose="020B0200000000000000" pitchFamily="50" charset="-127"/>
-              </a:rPr>
-              <a:t>5</a:t>
-            </a:r>
-            <a:endParaRPr lang="en-US" altLang="ko-KR" sz="2000" spc="-80" dirty="0">
-              <a:ln>
-                <a:solidFill>
-                  <a:srgbClr val="5F0080">
-                    <a:alpha val="0"/>
-                  </a:srgbClr>
-                </a:solidFill>
-              </a:ln>
-              <a:solidFill>
-                <a:srgbClr val="5F0080"/>
-              </a:solidFill>
-              <a:latin typeface="Noto Sans KR" panose="020B0200000000000000" pitchFamily="50" charset="-127"/>
-              <a:ea typeface="Noto Sans KR" panose="020B0200000000000000" pitchFamily="50" charset="-127"/>
-            </a:endParaRPr>
-          </a:p>
-        </p:txBody>
-      </p:sp>
-      <p:sp>
-        <p:nvSpPr>
           <p:cNvPr id="32" name="직사각형 31">
             <a:extLst>
               <a:ext uri="{FF2B5EF4-FFF2-40B4-BE49-F238E27FC236}">
@@ -5266,7 +5269,7 @@
             <a:avLst/>
           </a:prstGeom>
           <a:solidFill>
-            <a:srgbClr val="5F0080"/>
+            <a:srgbClr val="00B0F0"/>
           </a:solidFill>
           <a:ln>
             <a:noFill/>
@@ -5349,12 +5352,72 @@
           </a:p>
         </p:txBody>
       </p:sp>
-      <p:sp>
-        <p:nvSpPr>
-          <p:cNvPr id="5" name="TextBox 4">
-            <a:extLst>
-              <a:ext uri="{FF2B5EF4-FFF2-40B4-BE49-F238E27FC236}">
-                <a16:creationId xmlns:a16="http://schemas.microsoft.com/office/drawing/2014/main" id="{6F044208-A88B-607D-4BF5-0527163A7D7F}"/>
+      <p:pic>
+        <p:nvPicPr>
+          <p:cNvPr id="4" name="그림 3">
+            <a:extLst>
+              <a:ext uri="{FF2B5EF4-FFF2-40B4-BE49-F238E27FC236}">
+                <a16:creationId xmlns:a16="http://schemas.microsoft.com/office/drawing/2014/main" id="{D13B970E-548E-A55E-84D9-967D1470F9BB}"/>
+              </a:ext>
+            </a:extLst>
+          </p:cNvPr>
+          <p:cNvPicPr>
+            <a:picLocks noChangeAspect="1"/>
+          </p:cNvPicPr>
+          <p:nvPr/>
+        </p:nvPicPr>
+        <p:blipFill>
+          <a:blip r:embed="rId2"/>
+          <a:stretch>
+            <a:fillRect/>
+          </a:stretch>
+        </p:blipFill>
+        <p:spPr>
+          <a:xfrm>
+            <a:off x="2005691" y="1150169"/>
+            <a:ext cx="7429347" cy="4053427"/>
+          </a:xfrm>
+          <a:prstGeom prst="rect">
+            <a:avLst/>
+          </a:prstGeom>
+        </p:spPr>
+      </p:pic>
+      <p:pic>
+        <p:nvPicPr>
+          <p:cNvPr id="5" name="그림 4">
+            <a:extLst>
+              <a:ext uri="{FF2B5EF4-FFF2-40B4-BE49-F238E27FC236}">
+                <a16:creationId xmlns:a16="http://schemas.microsoft.com/office/drawing/2014/main" id="{69F1E524-058C-B694-1AD4-6F180AB5618D}"/>
+              </a:ext>
+            </a:extLst>
+          </p:cNvPr>
+          <p:cNvPicPr>
+            <a:picLocks noChangeAspect="1"/>
+          </p:cNvPicPr>
+          <p:nvPr/>
+        </p:nvPicPr>
+        <p:blipFill>
+          <a:blip r:embed="rId3"/>
+          <a:stretch>
+            <a:fillRect/>
+          </a:stretch>
+        </p:blipFill>
+        <p:spPr>
+          <a:xfrm>
+            <a:off x="1550150" y="859461"/>
+            <a:ext cx="8340436" cy="5138542"/>
+          </a:xfrm>
+          <a:prstGeom prst="rect">
+            <a:avLst/>
+          </a:prstGeom>
+        </p:spPr>
+      </p:pic>
+      <p:sp>
+        <p:nvSpPr>
+          <p:cNvPr id="6" name="TextBox 5">
+            <a:extLst>
+              <a:ext uri="{FF2B5EF4-FFF2-40B4-BE49-F238E27FC236}">
+                <a16:creationId xmlns:a16="http://schemas.microsoft.com/office/drawing/2014/main" id="{B93C64B8-D559-BAA8-8041-B3827B768709}"/>
               </a:ext>
             </a:extLst>
           </p:cNvPr>
@@ -5363,8 +5426,95 @@
         </p:nvSpPr>
         <p:spPr>
           <a:xfrm>
-            <a:off x="2818086" y="5240267"/>
-            <a:ext cx="5618846" cy="363305"/>
+            <a:off x="5171554" y="342464"/>
+            <a:ext cx="1097620" cy="372655"/>
+          </a:xfrm>
+          <a:prstGeom prst="rect">
+            <a:avLst/>
+          </a:prstGeom>
+          <a:noFill/>
+        </p:spPr>
+        <p:txBody>
+          <a:bodyPr wrap="none" rtlCol="0" anchor="ctr">
+            <a:noAutofit/>
+          </a:bodyPr>
+          <a:lstStyle/>
+          <a:p>
+            <a:pPr algn="ctr">
+              <a:lnSpc>
+                <a:spcPct val="110000"/>
+              </a:lnSpc>
+            </a:pPr>
+            <a:r>
+              <a:rPr lang="en-US" altLang="ko-KR" sz="2800" b="1" spc="-80" dirty="0">
+                <a:ln>
+                  <a:solidFill>
+                    <a:srgbClr val="5F0080">
+                      <a:alpha val="0"/>
+                    </a:srgbClr>
+                  </a:solidFill>
+                </a:ln>
+                <a:solidFill>
+                  <a:schemeClr val="tx1">
+                    <a:lumMod val="85000"/>
+                    <a:lumOff val="15000"/>
+                  </a:schemeClr>
+                </a:solidFill>
+                <a:latin typeface="Noto Sans KR" panose="020B0200000000000000" pitchFamily="50" charset="-127"/>
+                <a:ea typeface="Noto Sans KR" panose="020B0200000000000000" pitchFamily="50" charset="-127"/>
+              </a:rPr>
+              <a:t>Step </a:t>
+            </a:r>
+            <a:r>
+              <a:rPr lang="en-US" altLang="ko-KR" sz="2800" b="1" spc="-80" dirty="0">
+                <a:ln>
+                  <a:solidFill>
+                    <a:srgbClr val="5F0080">
+                      <a:alpha val="0"/>
+                    </a:srgbClr>
+                  </a:solidFill>
+                </a:ln>
+                <a:solidFill>
+                  <a:srgbClr val="00B0F0"/>
+                </a:solidFill>
+                <a:latin typeface="Noto Sans KR" panose="020B0200000000000000" pitchFamily="50" charset="-127"/>
+                <a:ea typeface="Noto Sans KR" panose="020B0200000000000000" pitchFamily="50" charset="-127"/>
+              </a:rPr>
+              <a:t>5</a:t>
+            </a:r>
+            <a:endParaRPr lang="en-US" altLang="ko-KR" sz="2800" b="1" spc="-80" dirty="0">
+              <a:ln>
+                <a:solidFill>
+                  <a:srgbClr val="5F0080">
+                    <a:alpha val="0"/>
+                  </a:srgbClr>
+                </a:solidFill>
+              </a:ln>
+              <a:solidFill>
+                <a:srgbClr val="5F0080"/>
+              </a:solidFill>
+              <a:latin typeface="Noto Sans KR" panose="020B0200000000000000" pitchFamily="50" charset="-127"/>
+              <a:ea typeface="Noto Sans KR" panose="020B0200000000000000" pitchFamily="50" charset="-127"/>
+            </a:endParaRPr>
+          </a:p>
+        </p:txBody>
+      </p:sp>
+      <p:sp>
+        <p:nvSpPr>
+          <p:cNvPr id="7" name="TextBox 6">
+            <a:extLst>
+              <a:ext uri="{FF2B5EF4-FFF2-40B4-BE49-F238E27FC236}">
+                <a16:creationId xmlns:a16="http://schemas.microsoft.com/office/drawing/2014/main" id="{C6D38236-AB5C-FA5F-236E-7C98D00D8E55}"/>
+              </a:ext>
+            </a:extLst>
+          </p:cNvPr>
+          <p:cNvSpPr txBox="1"/>
+          <p:nvPr/>
+        </p:nvSpPr>
+        <p:spPr>
+          <a:xfrm>
+            <a:off x="1969994" y="6061886"/>
+            <a:ext cx="7500772" cy="453650"/>
           </a:xfrm>
           <a:prstGeom prst="rect">
             <a:avLst/>
@@ -5383,7 +5533,7 @@
               </a:lnSpc>
             </a:pPr>
             <a:r>
-              <a:rPr lang="ko-KR" altLang="en-US" sz="1500" spc="-50" dirty="0" err="1">
+              <a:rPr lang="ko-KR" altLang="en-US" sz="2000" b="1" spc="-50" dirty="0">
                 <a:ln>
                   <a:solidFill>
                     <a:srgbClr val="5F0080">
@@ -5397,10 +5547,10 @@
                 <a:latin typeface="Noto Sans KR" panose="020B0200000000000000" pitchFamily="50" charset="-127"/>
                 <a:ea typeface="Noto Sans KR" panose="020B0200000000000000" pitchFamily="50" charset="-127"/>
               </a:rPr>
-              <a:t>장비칸</a:t>
-            </a:r>
-            <a:r>
-              <a:rPr lang="ko-KR" altLang="en-US" sz="1500" spc="-50" dirty="0">
+              <a:t>장비 칸 밑에 </a:t>
+            </a:r>
+            <a:r>
+              <a:rPr lang="ko-KR" altLang="en-US" sz="2000" b="1" spc="-50" dirty="0" err="1">
                 <a:ln>
                   <a:solidFill>
                     <a:srgbClr val="5F0080">
@@ -5414,10 +5564,10 @@
                 <a:latin typeface="Noto Sans KR" panose="020B0200000000000000" pitchFamily="50" charset="-127"/>
                 <a:ea typeface="Noto Sans KR" panose="020B0200000000000000" pitchFamily="50" charset="-127"/>
               </a:rPr>
-              <a:t> 밑에 </a:t>
-            </a:r>
-            <a:r>
-              <a:rPr lang="ko-KR" altLang="en-US" sz="1500" spc="-50" dirty="0" err="1">
+              <a:t>마테리얼</a:t>
+            </a:r>
+            <a:r>
+              <a:rPr lang="ko-KR" altLang="en-US" sz="2000" b="1" spc="-50" dirty="0">
                 <a:ln>
                   <a:solidFill>
                     <a:srgbClr val="5F0080">
@@ -5431,26 +5581,9 @@
                 <a:latin typeface="Noto Sans KR" panose="020B0200000000000000" pitchFamily="50" charset="-127"/>
                 <a:ea typeface="Noto Sans KR" panose="020B0200000000000000" pitchFamily="50" charset="-127"/>
               </a:rPr>
-              <a:t>마테리얼칸을</a:t>
-            </a:r>
-            <a:r>
-              <a:rPr lang="ko-KR" altLang="en-US" sz="1500" spc="-50" dirty="0">
-                <a:ln>
-                  <a:solidFill>
-                    <a:srgbClr val="5F0080">
-                      <a:alpha val="0"/>
-                    </a:srgbClr>
-                  </a:solidFill>
-                </a:ln>
-                <a:solidFill>
-                  <a:schemeClr val="bg1"/>
-                </a:solidFill>
-                <a:latin typeface="Noto Sans KR" panose="020B0200000000000000" pitchFamily="50" charset="-127"/>
-                <a:ea typeface="Noto Sans KR" panose="020B0200000000000000" pitchFamily="50" charset="-127"/>
-              </a:rPr>
-              <a:t> 클릭하여 원하는 능력치를 설정하시면 됩니다</a:t>
-            </a:r>
-            <a:endParaRPr lang="en-US" altLang="ko-KR" sz="1500" spc="-50" dirty="0">
+              <a:t> 칸을 클릭하여 원하는 능력치를 설정하면 됩니다</a:t>
+            </a:r>
+            <a:endParaRPr lang="en-US" altLang="ko-KR" sz="2000" spc="-50" dirty="0">
               <a:ln>
                 <a:solidFill>
                   <a:srgbClr val="5F0080">
@@ -5467,36 +5600,6 @@
           </a:p>
         </p:txBody>
       </p:sp>
-      <p:pic>
-        <p:nvPicPr>
-          <p:cNvPr id="2" name="그림 1">
-            <a:extLst>
-              <a:ext uri="{FF2B5EF4-FFF2-40B4-BE49-F238E27FC236}">
-                <a16:creationId xmlns:a16="http://schemas.microsoft.com/office/drawing/2014/main" id="{AE2DB3C3-AFDA-516C-591B-55B11AA5D955}"/>
-              </a:ext>
-            </a:extLst>
-          </p:cNvPr>
-          <p:cNvPicPr>
-            <a:picLocks noChangeAspect="1"/>
-          </p:cNvPicPr>
-          <p:nvPr/>
-        </p:nvPicPr>
-        <p:blipFill>
-          <a:blip r:embed="rId2"/>
-          <a:stretch>
-            <a:fillRect/>
-          </a:stretch>
-        </p:blipFill>
-        <p:spPr>
-          <a:xfrm>
-            <a:off x="2535053" y="1254428"/>
-            <a:ext cx="6463556" cy="3579843"/>
-          </a:xfrm>
-          <a:prstGeom prst="rect">
-            <a:avLst/>
-          </a:prstGeom>
-        </p:spPr>
-      </p:pic>
     </p:spTree>
     <p:extLst>
       <p:ext uri="{BB962C8B-B14F-4D97-AF65-F5344CB8AC3E}">
@@ -5583,93 +5686,6 @@
       </p:sp>
       <p:sp>
         <p:nvSpPr>
-          <p:cNvPr id="22" name="TextBox 21">
-            <a:extLst>
-              <a:ext uri="{FF2B5EF4-FFF2-40B4-BE49-F238E27FC236}">
-                <a16:creationId xmlns:a16="http://schemas.microsoft.com/office/drawing/2014/main" id="{555A23D9-0E6E-4436-B3B4-BD47EF89C488}"/>
-              </a:ext>
-            </a:extLst>
-          </p:cNvPr>
-          <p:cNvSpPr txBox="1"/>
-          <p:nvPr/>
-        </p:nvSpPr>
-        <p:spPr>
-          <a:xfrm>
-            <a:off x="5218019" y="486806"/>
-            <a:ext cx="1097620" cy="372655"/>
-          </a:xfrm>
-          <a:prstGeom prst="rect">
-            <a:avLst/>
-          </a:prstGeom>
-          <a:noFill/>
-        </p:spPr>
-        <p:txBody>
-          <a:bodyPr wrap="none" rtlCol="0" anchor="ctr">
-            <a:noAutofit/>
-          </a:bodyPr>
-          <a:lstStyle/>
-          <a:p>
-            <a:pPr algn="ctr">
-              <a:lnSpc>
-                <a:spcPct val="110000"/>
-              </a:lnSpc>
-            </a:pPr>
-            <a:r>
-              <a:rPr lang="en-US" altLang="ko-KR" sz="2000" spc="-80" dirty="0">
-                <a:ln>
-                  <a:solidFill>
-                    <a:srgbClr val="5F0080">
-                      <a:alpha val="0"/>
-                    </a:srgbClr>
-                  </a:solidFill>
-                </a:ln>
-                <a:solidFill>
-                  <a:schemeClr val="tx1">
-                    <a:lumMod val="85000"/>
-                    <a:lumOff val="15000"/>
-                  </a:schemeClr>
-                </a:solidFill>
-                <a:latin typeface="Noto Sans KR" panose="020B0200000000000000" pitchFamily="50" charset="-127"/>
-                <a:ea typeface="Noto Sans KR" panose="020B0200000000000000" pitchFamily="50" charset="-127"/>
-              </a:rPr>
-              <a:t>Step </a:t>
-            </a:r>
-            <a:r>
-              <a:rPr lang="en-US" altLang="ko-KR" sz="2000" spc="-80" dirty="0">
-                <a:ln>
-                  <a:solidFill>
-                    <a:srgbClr val="5F0080">
-                      <a:alpha val="0"/>
-                    </a:srgbClr>
-                  </a:solidFill>
-                </a:ln>
-                <a:solidFill>
-                  <a:srgbClr val="00B0F0"/>
-                </a:solidFill>
-                <a:latin typeface="Noto Sans KR" panose="020B0200000000000000" pitchFamily="50" charset="-127"/>
-                <a:ea typeface="Noto Sans KR" panose="020B0200000000000000" pitchFamily="50" charset="-127"/>
-              </a:rPr>
-              <a:t>6</a:t>
-            </a:r>
-            <a:endParaRPr lang="en-US" altLang="ko-KR" sz="2000" spc="-80" dirty="0">
-              <a:ln>
-                <a:solidFill>
-                  <a:srgbClr val="5F0080">
-                    <a:alpha val="0"/>
-                  </a:srgbClr>
-                </a:solidFill>
-              </a:ln>
-              <a:solidFill>
-                <a:srgbClr val="5F0080"/>
-              </a:solidFill>
-              <a:latin typeface="Noto Sans KR" panose="020B0200000000000000" pitchFamily="50" charset="-127"/>
-              <a:ea typeface="Noto Sans KR" panose="020B0200000000000000" pitchFamily="50" charset="-127"/>
-            </a:endParaRPr>
-          </a:p>
-        </p:txBody>
-      </p:sp>
-      <p:sp>
-        <p:nvSpPr>
           <p:cNvPr id="32" name="직사각형 31">
             <a:extLst>
               <a:ext uri="{FF2B5EF4-FFF2-40B4-BE49-F238E27FC236}">
@@ -5689,7 +5705,7 @@
             <a:avLst/>
           </a:prstGeom>
           <a:solidFill>
-            <a:srgbClr val="5F0080"/>
+            <a:srgbClr val="00B0F0"/>
           </a:solidFill>
           <a:ln>
             <a:noFill/>
@@ -5772,12 +5788,166 @@
           </a:p>
         </p:txBody>
       </p:sp>
+      <p:sp>
+        <p:nvSpPr>
+          <p:cNvPr id="6" name="TextBox 5">
+            <a:extLst>
+              <a:ext uri="{FF2B5EF4-FFF2-40B4-BE49-F238E27FC236}">
+                <a16:creationId xmlns:a16="http://schemas.microsoft.com/office/drawing/2014/main" id="{F1E5C6F3-6178-7D7F-35F5-02EEC4A17A3C}"/>
+              </a:ext>
+            </a:extLst>
+          </p:cNvPr>
+          <p:cNvSpPr txBox="1"/>
+          <p:nvPr/>
+        </p:nvSpPr>
+        <p:spPr>
+          <a:xfrm>
+            <a:off x="5171554" y="342464"/>
+            <a:ext cx="1097620" cy="372655"/>
+          </a:xfrm>
+          <a:prstGeom prst="rect">
+            <a:avLst/>
+          </a:prstGeom>
+          <a:noFill/>
+        </p:spPr>
+        <p:txBody>
+          <a:bodyPr wrap="none" rtlCol="0" anchor="ctr">
+            <a:noAutofit/>
+          </a:bodyPr>
+          <a:lstStyle/>
+          <a:p>
+            <a:pPr algn="ctr">
+              <a:lnSpc>
+                <a:spcPct val="110000"/>
+              </a:lnSpc>
+            </a:pPr>
+            <a:r>
+              <a:rPr lang="en-US" altLang="ko-KR" sz="2800" b="1" spc="-80" dirty="0">
+                <a:ln>
+                  <a:solidFill>
+                    <a:srgbClr val="5F0080">
+                      <a:alpha val="0"/>
+                    </a:srgbClr>
+                  </a:solidFill>
+                </a:ln>
+                <a:solidFill>
+                  <a:schemeClr val="tx1">
+                    <a:lumMod val="85000"/>
+                    <a:lumOff val="15000"/>
+                  </a:schemeClr>
+                </a:solidFill>
+                <a:latin typeface="Noto Sans KR" panose="020B0200000000000000" pitchFamily="50" charset="-127"/>
+                <a:ea typeface="Noto Sans KR" panose="020B0200000000000000" pitchFamily="50" charset="-127"/>
+              </a:rPr>
+              <a:t>Step </a:t>
+            </a:r>
+            <a:r>
+              <a:rPr lang="en-US" altLang="ko-KR" sz="2800" b="1" spc="-80" dirty="0">
+                <a:ln>
+                  <a:solidFill>
+                    <a:srgbClr val="5F0080">
+                      <a:alpha val="0"/>
+                    </a:srgbClr>
+                  </a:solidFill>
+                </a:ln>
+                <a:solidFill>
+                  <a:srgbClr val="00B0F0"/>
+                </a:solidFill>
+                <a:latin typeface="Noto Sans KR" panose="020B0200000000000000" pitchFamily="50" charset="-127"/>
+                <a:ea typeface="Noto Sans KR" panose="020B0200000000000000" pitchFamily="50" charset="-127"/>
+              </a:rPr>
+              <a:t>6</a:t>
+            </a:r>
+            <a:endParaRPr lang="en-US" altLang="ko-KR" sz="2800" b="1" spc="-80" dirty="0">
+              <a:ln>
+                <a:solidFill>
+                  <a:srgbClr val="5F0080">
+                    <a:alpha val="0"/>
+                  </a:srgbClr>
+                </a:solidFill>
+              </a:ln>
+              <a:solidFill>
+                <a:srgbClr val="5F0080"/>
+              </a:solidFill>
+              <a:latin typeface="Noto Sans KR" panose="020B0200000000000000" pitchFamily="50" charset="-127"/>
+              <a:ea typeface="Noto Sans KR" panose="020B0200000000000000" pitchFamily="50" charset="-127"/>
+            </a:endParaRPr>
+          </a:p>
+        </p:txBody>
+      </p:sp>
+      <p:sp>
+        <p:nvSpPr>
+          <p:cNvPr id="7" name="TextBox 6">
+            <a:extLst>
+              <a:ext uri="{FF2B5EF4-FFF2-40B4-BE49-F238E27FC236}">
+                <a16:creationId xmlns:a16="http://schemas.microsoft.com/office/drawing/2014/main" id="{DA915CBA-4056-5BD0-4F52-D5AE68231F0B}"/>
+              </a:ext>
+            </a:extLst>
+          </p:cNvPr>
+          <p:cNvSpPr txBox="1"/>
+          <p:nvPr/>
+        </p:nvSpPr>
+        <p:spPr>
+          <a:xfrm>
+            <a:off x="1107580" y="6061886"/>
+            <a:ext cx="9225602" cy="453650"/>
+          </a:xfrm>
+          <a:prstGeom prst="rect">
+            <a:avLst/>
+          </a:prstGeom>
+          <a:noFill/>
+        </p:spPr>
+        <p:txBody>
+          <a:bodyPr wrap="none" rtlCol="0">
+            <a:spAutoFit/>
+          </a:bodyPr>
+          <a:lstStyle/>
+          <a:p>
+            <a:pPr algn="ctr">
+              <a:lnSpc>
+                <a:spcPct val="130000"/>
+              </a:lnSpc>
+            </a:pPr>
+            <a:r>
+              <a:rPr lang="ko-KR" altLang="en-US" sz="2000" b="1" spc="-50" dirty="0">
+                <a:ln>
+                  <a:solidFill>
+                    <a:srgbClr val="5F0080">
+                      <a:alpha val="0"/>
+                    </a:srgbClr>
+                  </a:solidFill>
+                </a:ln>
+                <a:solidFill>
+                  <a:schemeClr val="bg1"/>
+                </a:solidFill>
+                <a:latin typeface="Noto Sans KR" panose="020B0200000000000000" pitchFamily="50" charset="-127"/>
+                <a:ea typeface="Noto Sans KR" panose="020B0200000000000000" pitchFamily="50" charset="-127"/>
+              </a:rPr>
+              <a:t>원하는 세팅을 모두 기입한 이후 왼쪽 장비셋에 해당 세팅의 이름을 결정한 후 저장합니다</a:t>
+            </a:r>
+            <a:endParaRPr lang="en-US" altLang="ko-KR" sz="2000" spc="-50" dirty="0">
+              <a:ln>
+                <a:solidFill>
+                  <a:srgbClr val="5F0080">
+                    <a:alpha val="0"/>
+                  </a:srgbClr>
+                </a:solidFill>
+              </a:ln>
+              <a:solidFill>
+                <a:schemeClr val="bg1"/>
+              </a:solidFill>
+              <a:latin typeface="Noto Sans KR" panose="020B0200000000000000" pitchFamily="50" charset="-127"/>
+              <a:ea typeface="Noto Sans KR" panose="020B0200000000000000" pitchFamily="50" charset="-127"/>
+            </a:endParaRPr>
+          </a:p>
+        </p:txBody>
+      </p:sp>
       <p:pic>
         <p:nvPicPr>
-          <p:cNvPr id="4" name="그림 3">
-            <a:extLst>
-              <a:ext uri="{FF2B5EF4-FFF2-40B4-BE49-F238E27FC236}">
-                <a16:creationId xmlns:a16="http://schemas.microsoft.com/office/drawing/2014/main" id="{52357A21-AEE3-C093-C79F-61119CE911A4}"/>
+          <p:cNvPr id="11" name="그림 10">
+            <a:extLst>
+              <a:ext uri="{FF2B5EF4-FFF2-40B4-BE49-F238E27FC236}">
+                <a16:creationId xmlns:a16="http://schemas.microsoft.com/office/drawing/2014/main" id="{6211DA50-CDEE-7F62-3735-29495885A5C0}"/>
               </a:ext>
             </a:extLst>
           </p:cNvPr>
@@ -5794,81 +5964,44 @@
         </p:blipFill>
         <p:spPr>
           <a:xfrm>
-            <a:off x="2079699" y="1265457"/>
-            <a:ext cx="7095620" cy="3588099"/>
+            <a:off x="2005691" y="1150169"/>
+            <a:ext cx="7477304" cy="4053427"/>
           </a:xfrm>
           <a:prstGeom prst="rect">
             <a:avLst/>
           </a:prstGeom>
         </p:spPr>
       </p:pic>
-      <p:sp>
-        <p:nvSpPr>
-          <p:cNvPr id="13" name="TextBox 12">
-            <a:extLst>
-              <a:ext uri="{FF2B5EF4-FFF2-40B4-BE49-F238E27FC236}">
-                <a16:creationId xmlns:a16="http://schemas.microsoft.com/office/drawing/2014/main" id="{EDC79EAF-59D6-5F68-B9E2-8F70348A9A8B}"/>
-              </a:ext>
-            </a:extLst>
-          </p:cNvPr>
-          <p:cNvSpPr txBox="1"/>
-          <p:nvPr/>
-        </p:nvSpPr>
-        <p:spPr>
-          <a:xfrm>
-            <a:off x="2188106" y="5240267"/>
-            <a:ext cx="6878806" cy="363305"/>
-          </a:xfrm>
-          <a:prstGeom prst="rect">
-            <a:avLst/>
-          </a:prstGeom>
-          <a:noFill/>
-        </p:spPr>
-        <p:txBody>
-          <a:bodyPr wrap="none" rtlCol="0">
-            <a:spAutoFit/>
-          </a:bodyPr>
-          <a:lstStyle/>
-          <a:p>
-            <a:pPr algn="ctr">
-              <a:lnSpc>
-                <a:spcPct val="130000"/>
-              </a:lnSpc>
-            </a:pPr>
-            <a:r>
-              <a:rPr lang="ko-KR" altLang="en-US" sz="1500" spc="-50" dirty="0">
-                <a:ln>
-                  <a:solidFill>
-                    <a:srgbClr val="5F0080">
-                      <a:alpha val="0"/>
-                    </a:srgbClr>
-                  </a:solidFill>
-                </a:ln>
-                <a:solidFill>
-                  <a:schemeClr val="bg1"/>
-                </a:solidFill>
-                <a:latin typeface="Noto Sans KR" panose="020B0200000000000000" pitchFamily="50" charset="-127"/>
-                <a:ea typeface="Noto Sans KR" panose="020B0200000000000000" pitchFamily="50" charset="-127"/>
-              </a:rPr>
-              <a:t>원하는 세팅을 모두 기입한 이후 왼쪽 장비셋에 해당 세팅의 이름을 결정한 후 저장합니다</a:t>
-            </a:r>
-            <a:endParaRPr lang="en-US" altLang="ko-KR" sz="1500" spc="-50" dirty="0">
-              <a:ln>
-                <a:solidFill>
-                  <a:srgbClr val="5F0080">
-                    <a:alpha val="0"/>
-                  </a:srgbClr>
-                </a:solidFill>
-              </a:ln>
-              <a:solidFill>
-                <a:schemeClr val="bg1"/>
-              </a:solidFill>
-              <a:latin typeface="Noto Sans KR" panose="020B0200000000000000" pitchFamily="50" charset="-127"/>
-              <a:ea typeface="Noto Sans KR" panose="020B0200000000000000" pitchFamily="50" charset="-127"/>
-            </a:endParaRPr>
-          </a:p>
-        </p:txBody>
-      </p:sp>
+      <p:pic>
+        <p:nvPicPr>
+          <p:cNvPr id="12" name="그림 11">
+            <a:extLst>
+              <a:ext uri="{FF2B5EF4-FFF2-40B4-BE49-F238E27FC236}">
+                <a16:creationId xmlns:a16="http://schemas.microsoft.com/office/drawing/2014/main" id="{27F724F3-BEEB-4706-8C49-6C5B2734DBE9}"/>
+              </a:ext>
+            </a:extLst>
+          </p:cNvPr>
+          <p:cNvPicPr>
+            <a:picLocks noChangeAspect="1"/>
+          </p:cNvPicPr>
+          <p:nvPr/>
+        </p:nvPicPr>
+        <p:blipFill>
+          <a:blip r:embed="rId3"/>
+          <a:stretch>
+            <a:fillRect/>
+          </a:stretch>
+        </p:blipFill>
+        <p:spPr>
+          <a:xfrm>
+            <a:off x="1550150" y="803564"/>
+            <a:ext cx="8340436" cy="5194439"/>
+          </a:xfrm>
+          <a:prstGeom prst="rect">
+            <a:avLst/>
+          </a:prstGeom>
+        </p:spPr>
+      </p:pic>
     </p:spTree>
     <p:extLst>
       <p:ext uri="{BB962C8B-B14F-4D97-AF65-F5344CB8AC3E}">
@@ -5955,93 +6088,6 @@
       </p:sp>
       <p:sp>
         <p:nvSpPr>
-          <p:cNvPr id="22" name="TextBox 21">
-            <a:extLst>
-              <a:ext uri="{FF2B5EF4-FFF2-40B4-BE49-F238E27FC236}">
-                <a16:creationId xmlns:a16="http://schemas.microsoft.com/office/drawing/2014/main" id="{555A23D9-0E6E-4436-B3B4-BD47EF89C488}"/>
-              </a:ext>
-            </a:extLst>
-          </p:cNvPr>
-          <p:cNvSpPr txBox="1"/>
-          <p:nvPr/>
-        </p:nvSpPr>
-        <p:spPr>
-          <a:xfrm>
-            <a:off x="5218019" y="486806"/>
-            <a:ext cx="1097620" cy="372655"/>
-          </a:xfrm>
-          <a:prstGeom prst="rect">
-            <a:avLst/>
-          </a:prstGeom>
-          <a:noFill/>
-        </p:spPr>
-        <p:txBody>
-          <a:bodyPr wrap="none" rtlCol="0" anchor="ctr">
-            <a:noAutofit/>
-          </a:bodyPr>
-          <a:lstStyle/>
-          <a:p>
-            <a:pPr algn="ctr">
-              <a:lnSpc>
-                <a:spcPct val="110000"/>
-              </a:lnSpc>
-            </a:pPr>
-            <a:r>
-              <a:rPr lang="en-US" altLang="ko-KR" sz="2000" spc="-80" dirty="0">
-                <a:ln>
-                  <a:solidFill>
-                    <a:srgbClr val="5F0080">
-                      <a:alpha val="0"/>
-                    </a:srgbClr>
-                  </a:solidFill>
-                </a:ln>
-                <a:solidFill>
-                  <a:schemeClr val="tx1">
-                    <a:lumMod val="85000"/>
-                    <a:lumOff val="15000"/>
-                  </a:schemeClr>
-                </a:solidFill>
-                <a:latin typeface="Noto Sans KR" panose="020B0200000000000000" pitchFamily="50" charset="-127"/>
-                <a:ea typeface="Noto Sans KR" panose="020B0200000000000000" pitchFamily="50" charset="-127"/>
-              </a:rPr>
-              <a:t>Step </a:t>
-            </a:r>
-            <a:r>
-              <a:rPr lang="en-US" altLang="ko-KR" sz="2000" spc="-80" dirty="0">
-                <a:ln>
-                  <a:solidFill>
-                    <a:srgbClr val="5F0080">
-                      <a:alpha val="0"/>
-                    </a:srgbClr>
-                  </a:solidFill>
-                </a:ln>
-                <a:solidFill>
-                  <a:srgbClr val="00B0F0"/>
-                </a:solidFill>
-                <a:latin typeface="Noto Sans KR" panose="020B0200000000000000" pitchFamily="50" charset="-127"/>
-                <a:ea typeface="Noto Sans KR" panose="020B0200000000000000" pitchFamily="50" charset="-127"/>
-              </a:rPr>
-              <a:t>7</a:t>
-            </a:r>
-            <a:endParaRPr lang="en-US" altLang="ko-KR" sz="2000" spc="-80" dirty="0">
-              <a:ln>
-                <a:solidFill>
-                  <a:srgbClr val="5F0080">
-                    <a:alpha val="0"/>
-                  </a:srgbClr>
-                </a:solidFill>
-              </a:ln>
-              <a:solidFill>
-                <a:srgbClr val="5F0080"/>
-              </a:solidFill>
-              <a:latin typeface="Noto Sans KR" panose="020B0200000000000000" pitchFamily="50" charset="-127"/>
-              <a:ea typeface="Noto Sans KR" panose="020B0200000000000000" pitchFamily="50" charset="-127"/>
-            </a:endParaRPr>
-          </a:p>
-        </p:txBody>
-      </p:sp>
-      <p:sp>
-        <p:nvSpPr>
           <p:cNvPr id="32" name="직사각형 31">
             <a:extLst>
               <a:ext uri="{FF2B5EF4-FFF2-40B4-BE49-F238E27FC236}">
@@ -6061,7 +6107,7 @@
             <a:avLst/>
           </a:prstGeom>
           <a:solidFill>
-            <a:srgbClr val="5F0080"/>
+            <a:srgbClr val="00B0F0"/>
           </a:solidFill>
           <a:ln>
             <a:noFill/>
@@ -6144,12 +6190,200 @@
           </a:p>
         </p:txBody>
       </p:sp>
+      <p:sp>
+        <p:nvSpPr>
+          <p:cNvPr id="7" name="TextBox 6">
+            <a:extLst>
+              <a:ext uri="{FF2B5EF4-FFF2-40B4-BE49-F238E27FC236}">
+                <a16:creationId xmlns:a16="http://schemas.microsoft.com/office/drawing/2014/main" id="{DB369463-DFE6-62C6-7C32-72B6E3BEB234}"/>
+              </a:ext>
+            </a:extLst>
+          </p:cNvPr>
+          <p:cNvSpPr txBox="1"/>
+          <p:nvPr/>
+        </p:nvSpPr>
+        <p:spPr>
+          <a:xfrm>
+            <a:off x="5171554" y="342464"/>
+            <a:ext cx="1097620" cy="372655"/>
+          </a:xfrm>
+          <a:prstGeom prst="rect">
+            <a:avLst/>
+          </a:prstGeom>
+          <a:noFill/>
+        </p:spPr>
+        <p:txBody>
+          <a:bodyPr wrap="none" rtlCol="0" anchor="ctr">
+            <a:noAutofit/>
+          </a:bodyPr>
+          <a:lstStyle/>
+          <a:p>
+            <a:pPr algn="ctr">
+              <a:lnSpc>
+                <a:spcPct val="110000"/>
+              </a:lnSpc>
+            </a:pPr>
+            <a:r>
+              <a:rPr lang="en-US" altLang="ko-KR" sz="2800" b="1" spc="-80" dirty="0">
+                <a:ln>
+                  <a:solidFill>
+                    <a:srgbClr val="5F0080">
+                      <a:alpha val="0"/>
+                    </a:srgbClr>
+                  </a:solidFill>
+                </a:ln>
+                <a:solidFill>
+                  <a:schemeClr val="tx1">
+                    <a:lumMod val="85000"/>
+                    <a:lumOff val="15000"/>
+                  </a:schemeClr>
+                </a:solidFill>
+                <a:latin typeface="Noto Sans KR" panose="020B0200000000000000" pitchFamily="50" charset="-127"/>
+                <a:ea typeface="Noto Sans KR" panose="020B0200000000000000" pitchFamily="50" charset="-127"/>
+              </a:rPr>
+              <a:t>Step </a:t>
+            </a:r>
+            <a:r>
+              <a:rPr lang="en-US" altLang="ko-KR" sz="2800" b="1" spc="-80" dirty="0">
+                <a:ln>
+                  <a:solidFill>
+                    <a:srgbClr val="5F0080">
+                      <a:alpha val="0"/>
+                    </a:srgbClr>
+                  </a:solidFill>
+                </a:ln>
+                <a:solidFill>
+                  <a:srgbClr val="00B0F0"/>
+                </a:solidFill>
+                <a:latin typeface="Noto Sans KR" panose="020B0200000000000000" pitchFamily="50" charset="-127"/>
+                <a:ea typeface="Noto Sans KR" panose="020B0200000000000000" pitchFamily="50" charset="-127"/>
+              </a:rPr>
+              <a:t>7</a:t>
+            </a:r>
+            <a:endParaRPr lang="en-US" altLang="ko-KR" sz="2800" b="1" spc="-80" dirty="0">
+              <a:ln>
+                <a:solidFill>
+                  <a:srgbClr val="5F0080">
+                    <a:alpha val="0"/>
+                  </a:srgbClr>
+                </a:solidFill>
+              </a:ln>
+              <a:solidFill>
+                <a:srgbClr val="5F0080"/>
+              </a:solidFill>
+              <a:latin typeface="Noto Sans KR" panose="020B0200000000000000" pitchFamily="50" charset="-127"/>
+              <a:ea typeface="Noto Sans KR" panose="020B0200000000000000" pitchFamily="50" charset="-127"/>
+            </a:endParaRPr>
+          </a:p>
+        </p:txBody>
+      </p:sp>
+      <p:sp>
+        <p:nvSpPr>
+          <p:cNvPr id="8" name="TextBox 7">
+            <a:extLst>
+              <a:ext uri="{FF2B5EF4-FFF2-40B4-BE49-F238E27FC236}">
+                <a16:creationId xmlns:a16="http://schemas.microsoft.com/office/drawing/2014/main" id="{C369072D-782C-0AF1-51B5-730C010FB044}"/>
+              </a:ext>
+            </a:extLst>
+          </p:cNvPr>
+          <p:cNvSpPr txBox="1"/>
+          <p:nvPr/>
+        </p:nvSpPr>
+        <p:spPr>
+          <a:xfrm>
+            <a:off x="3907219" y="6061886"/>
+            <a:ext cx="3626314" cy="453650"/>
+          </a:xfrm>
+          <a:prstGeom prst="rect">
+            <a:avLst/>
+          </a:prstGeom>
+          <a:noFill/>
+        </p:spPr>
+        <p:txBody>
+          <a:bodyPr wrap="none" rtlCol="0">
+            <a:spAutoFit/>
+          </a:bodyPr>
+          <a:lstStyle/>
+          <a:p>
+            <a:pPr algn="ctr">
+              <a:lnSpc>
+                <a:spcPct val="130000"/>
+              </a:lnSpc>
+            </a:pPr>
+            <a:r>
+              <a:rPr lang="ko-KR" altLang="en-US" sz="2000" b="1" spc="-50" dirty="0">
+                <a:ln>
+                  <a:solidFill>
+                    <a:srgbClr val="5F0080">
+                      <a:alpha val="0"/>
+                    </a:srgbClr>
+                  </a:solidFill>
+                </a:ln>
+                <a:solidFill>
+                  <a:schemeClr val="bg1"/>
+                </a:solidFill>
+                <a:latin typeface="Noto Sans KR" panose="020B0200000000000000" pitchFamily="50" charset="-127"/>
+                <a:ea typeface="Noto Sans KR" panose="020B0200000000000000" pitchFamily="50" charset="-127"/>
+              </a:rPr>
+              <a:t>이제 </a:t>
+            </a:r>
+            <a:r>
+              <a:rPr lang="en-US" altLang="ko-KR" sz="2000" b="1" spc="-50" dirty="0">
+                <a:ln>
+                  <a:solidFill>
+                    <a:srgbClr val="5F0080">
+                      <a:alpha val="0"/>
+                    </a:srgbClr>
+                  </a:solidFill>
+                </a:ln>
+                <a:solidFill>
+                  <a:schemeClr val="bg1"/>
+                </a:solidFill>
+                <a:latin typeface="Noto Sans KR" panose="020B0200000000000000" pitchFamily="50" charset="-127"/>
+                <a:ea typeface="Noto Sans KR" panose="020B0200000000000000" pitchFamily="50" charset="-127"/>
+              </a:rPr>
+              <a:t>SIMULATE </a:t>
+            </a:r>
+            <a:r>
+              <a:rPr lang="ko-KR" altLang="en-US" sz="2000" b="1" spc="-50" dirty="0">
+                <a:ln>
+                  <a:solidFill>
+                    <a:srgbClr val="5F0080">
+                      <a:alpha val="0"/>
+                    </a:srgbClr>
+                  </a:solidFill>
+                </a:ln>
+                <a:solidFill>
+                  <a:schemeClr val="bg1"/>
+                </a:solidFill>
+                <a:latin typeface="Noto Sans KR" panose="020B0200000000000000" pitchFamily="50" charset="-127"/>
+                <a:ea typeface="Noto Sans KR" panose="020B0200000000000000" pitchFamily="50" charset="-127"/>
+              </a:rPr>
+              <a:t>버튼을 누릅니다</a:t>
+            </a:r>
+            <a:endParaRPr lang="en-US" altLang="ko-KR" sz="2000" spc="-50" dirty="0">
+              <a:ln>
+                <a:solidFill>
+                  <a:srgbClr val="5F0080">
+                    <a:alpha val="0"/>
+                  </a:srgbClr>
+                </a:solidFill>
+              </a:ln>
+              <a:solidFill>
+                <a:schemeClr val="bg1"/>
+              </a:solidFill>
+              <a:latin typeface="Noto Sans KR" panose="020B0200000000000000" pitchFamily="50" charset="-127"/>
+              <a:ea typeface="Noto Sans KR" panose="020B0200000000000000" pitchFamily="50" charset="-127"/>
+            </a:endParaRPr>
+          </a:p>
+        </p:txBody>
+      </p:sp>
       <p:pic>
         <p:nvPicPr>
-          <p:cNvPr id="10" name="그림 9">
-            <a:extLst>
-              <a:ext uri="{FF2B5EF4-FFF2-40B4-BE49-F238E27FC236}">
-                <a16:creationId xmlns:a16="http://schemas.microsoft.com/office/drawing/2014/main" id="{783F9967-C40A-77D9-CDA2-4C413289C17B}"/>
+          <p:cNvPr id="11" name="그림 10">
+            <a:extLst>
+              <a:ext uri="{FF2B5EF4-FFF2-40B4-BE49-F238E27FC236}">
+                <a16:creationId xmlns:a16="http://schemas.microsoft.com/office/drawing/2014/main" id="{3A61352F-A389-F4BA-F76B-643BAC841499}"/>
               </a:ext>
             </a:extLst>
           </p:cNvPr>
@@ -6166,115 +6400,44 @@
         </p:blipFill>
         <p:spPr>
           <a:xfrm>
-            <a:off x="2079700" y="1265458"/>
-            <a:ext cx="7095620" cy="3578342"/>
+            <a:off x="2005689" y="1150169"/>
+            <a:ext cx="7432025" cy="4053427"/>
           </a:xfrm>
           <a:prstGeom prst="rect">
             <a:avLst/>
           </a:prstGeom>
         </p:spPr>
       </p:pic>
-      <p:sp>
-        <p:nvSpPr>
-          <p:cNvPr id="12" name="TextBox 11">
-            <a:extLst>
-              <a:ext uri="{FF2B5EF4-FFF2-40B4-BE49-F238E27FC236}">
-                <a16:creationId xmlns:a16="http://schemas.microsoft.com/office/drawing/2014/main" id="{8E412635-180E-4C01-831A-14856E0EF591}"/>
-              </a:ext>
-            </a:extLst>
-          </p:cNvPr>
-          <p:cNvSpPr txBox="1"/>
-          <p:nvPr/>
-        </p:nvSpPr>
-        <p:spPr>
-          <a:xfrm>
-            <a:off x="4421891" y="5240267"/>
-            <a:ext cx="2411238" cy="363305"/>
-          </a:xfrm>
-          <a:prstGeom prst="rect">
-            <a:avLst/>
-          </a:prstGeom>
-          <a:noFill/>
-        </p:spPr>
-        <p:txBody>
-          <a:bodyPr wrap="none" rtlCol="0">
-            <a:spAutoFit/>
-          </a:bodyPr>
-          <a:lstStyle/>
-          <a:p>
-            <a:pPr algn="ctr">
-              <a:lnSpc>
-                <a:spcPct val="130000"/>
-              </a:lnSpc>
-            </a:pPr>
-            <a:r>
-              <a:rPr lang="ko-KR" altLang="en-US" sz="1500" spc="-50" dirty="0">
-                <a:ln>
-                  <a:solidFill>
-                    <a:srgbClr val="5F0080">
-                      <a:alpha val="0"/>
-                    </a:srgbClr>
-                  </a:solidFill>
-                </a:ln>
-                <a:solidFill>
-                  <a:schemeClr val="bg1"/>
-                </a:solidFill>
-                <a:latin typeface="Noto Sans KR" panose="020B0200000000000000" pitchFamily="50" charset="-127"/>
-                <a:ea typeface="Noto Sans KR" panose="020B0200000000000000" pitchFamily="50" charset="-127"/>
-              </a:rPr>
-              <a:t>이후 </a:t>
-            </a:r>
-            <a:r>
-              <a:rPr lang="en-US" altLang="ko-KR" sz="1500" spc="-50" dirty="0">
-                <a:ln>
-                  <a:solidFill>
-                    <a:srgbClr val="5F0080">
-                      <a:alpha val="0"/>
-                    </a:srgbClr>
-                  </a:solidFill>
-                </a:ln>
-                <a:solidFill>
-                  <a:schemeClr val="bg1"/>
-                </a:solidFill>
-                <a:latin typeface="Noto Sans KR" panose="020B0200000000000000" pitchFamily="50" charset="-127"/>
-                <a:ea typeface="Noto Sans KR" panose="020B0200000000000000" pitchFamily="50" charset="-127"/>
-              </a:rPr>
-              <a:t>Simulate </a:t>
-            </a:r>
-            <a:r>
-              <a:rPr lang="ko-KR" altLang="en-US" sz="1500" spc="-50" dirty="0">
-                <a:ln>
-                  <a:solidFill>
-                    <a:srgbClr val="5F0080">
-                      <a:alpha val="0"/>
-                    </a:srgbClr>
-                  </a:solidFill>
-                </a:ln>
-                <a:solidFill>
-                  <a:schemeClr val="bg1"/>
-                </a:solidFill>
-                <a:latin typeface="Noto Sans KR" panose="020B0200000000000000" pitchFamily="50" charset="-127"/>
-                <a:ea typeface="Noto Sans KR" panose="020B0200000000000000" pitchFamily="50" charset="-127"/>
-              </a:rPr>
-              <a:t>버튼을 누르면</a:t>
-            </a:r>
-            <a:endParaRPr lang="en-US" altLang="ko-KR" sz="1500" spc="-50" dirty="0">
-              <a:ln>
-                <a:solidFill>
-                  <a:srgbClr val="5F0080">
-                    <a:alpha val="0"/>
-                  </a:srgbClr>
-                </a:solidFill>
-              </a:ln>
-              <a:solidFill>
-                <a:schemeClr val="bg1"/>
-              </a:solidFill>
-              <a:latin typeface="Noto Sans KR" panose="020B0200000000000000" pitchFamily="50" charset="-127"/>
-              <a:ea typeface="Noto Sans KR" panose="020B0200000000000000" pitchFamily="50" charset="-127"/>
-            </a:endParaRPr>
-          </a:p>
-        </p:txBody>
-      </p:sp>
+      <p:pic>
+        <p:nvPicPr>
+          <p:cNvPr id="12" name="그림 11">
+            <a:extLst>
+              <a:ext uri="{FF2B5EF4-FFF2-40B4-BE49-F238E27FC236}">
+                <a16:creationId xmlns:a16="http://schemas.microsoft.com/office/drawing/2014/main" id="{BF7DBC90-FF0C-559E-390E-20F11B9A2F8F}"/>
+              </a:ext>
+            </a:extLst>
+          </p:cNvPr>
+          <p:cNvPicPr>
+            <a:picLocks noChangeAspect="1"/>
+          </p:cNvPicPr>
+          <p:nvPr/>
+        </p:nvPicPr>
+        <p:blipFill>
+          <a:blip r:embed="rId3"/>
+          <a:stretch>
+            <a:fillRect/>
+          </a:stretch>
+        </p:blipFill>
+        <p:spPr>
+          <a:xfrm>
+            <a:off x="1550150" y="803564"/>
+            <a:ext cx="8340436" cy="5194439"/>
+          </a:xfrm>
+          <a:prstGeom prst="rect">
+            <a:avLst/>
+          </a:prstGeom>
+        </p:spPr>
+      </p:pic>
     </p:spTree>
     <p:extLst>
       <p:ext uri="{BB962C8B-B14F-4D97-AF65-F5344CB8AC3E}">
@@ -6361,97 +6524,10 @@
       </p:sp>
       <p:sp>
         <p:nvSpPr>
-          <p:cNvPr id="22" name="TextBox 21">
-            <a:extLst>
-              <a:ext uri="{FF2B5EF4-FFF2-40B4-BE49-F238E27FC236}">
-                <a16:creationId xmlns:a16="http://schemas.microsoft.com/office/drawing/2014/main" id="{555A23D9-0E6E-4436-B3B4-BD47EF89C488}"/>
-              </a:ext>
-            </a:extLst>
-          </p:cNvPr>
-          <p:cNvSpPr txBox="1"/>
-          <p:nvPr/>
-        </p:nvSpPr>
-        <p:spPr>
-          <a:xfrm>
-            <a:off x="5218019" y="486806"/>
-            <a:ext cx="1097620" cy="372655"/>
-          </a:xfrm>
-          <a:prstGeom prst="rect">
-            <a:avLst/>
-          </a:prstGeom>
-          <a:noFill/>
-        </p:spPr>
-        <p:txBody>
-          <a:bodyPr wrap="none" rtlCol="0" anchor="ctr">
-            <a:noAutofit/>
-          </a:bodyPr>
-          <a:lstStyle/>
-          <a:p>
-            <a:pPr algn="ctr">
-              <a:lnSpc>
-                <a:spcPct val="110000"/>
-              </a:lnSpc>
-            </a:pPr>
-            <a:r>
-              <a:rPr lang="en-US" altLang="ko-KR" sz="2000" spc="-80" dirty="0">
-                <a:ln>
-                  <a:solidFill>
-                    <a:srgbClr val="5F0080">
-                      <a:alpha val="0"/>
-                    </a:srgbClr>
-                  </a:solidFill>
-                </a:ln>
-                <a:solidFill>
-                  <a:schemeClr val="tx1">
-                    <a:lumMod val="85000"/>
-                    <a:lumOff val="15000"/>
-                  </a:schemeClr>
-                </a:solidFill>
-                <a:latin typeface="Noto Sans KR" panose="020B0200000000000000" pitchFamily="50" charset="-127"/>
-                <a:ea typeface="Noto Sans KR" panose="020B0200000000000000" pitchFamily="50" charset="-127"/>
-              </a:rPr>
-              <a:t>Step </a:t>
-            </a:r>
-            <a:r>
-              <a:rPr lang="en-US" altLang="ko-KR" sz="2000" spc="-80" dirty="0">
-                <a:ln>
-                  <a:solidFill>
-                    <a:srgbClr val="5F0080">
-                      <a:alpha val="0"/>
-                    </a:srgbClr>
-                  </a:solidFill>
-                </a:ln>
-                <a:solidFill>
-                  <a:srgbClr val="00B0F0"/>
-                </a:solidFill>
-                <a:latin typeface="Noto Sans KR" panose="020B0200000000000000" pitchFamily="50" charset="-127"/>
-                <a:ea typeface="Noto Sans KR" panose="020B0200000000000000" pitchFamily="50" charset="-127"/>
-              </a:rPr>
-              <a:t>9-1</a:t>
-            </a:r>
-            <a:endParaRPr lang="en-US" altLang="ko-KR" sz="2000" spc="-80" dirty="0">
-              <a:ln>
-                <a:solidFill>
-                  <a:srgbClr val="5F0080">
-                    <a:alpha val="0"/>
-                  </a:srgbClr>
-                </a:solidFill>
-              </a:ln>
-              <a:solidFill>
-                <a:srgbClr val="5F0080"/>
-              </a:solidFill>
-              <a:latin typeface="Noto Sans KR" panose="020B0200000000000000" pitchFamily="50" charset="-127"/>
-              <a:ea typeface="Noto Sans KR" panose="020B0200000000000000" pitchFamily="50" charset="-127"/>
-            </a:endParaRPr>
-          </a:p>
-        </p:txBody>
-      </p:sp>
-      <p:sp>
-        <p:nvSpPr>
-          <p:cNvPr id="32" name="직사각형 31">
-            <a:extLst>
-              <a:ext uri="{FF2B5EF4-FFF2-40B4-BE49-F238E27FC236}">
-                <a16:creationId xmlns:a16="http://schemas.microsoft.com/office/drawing/2014/main" id="{DF506191-7123-4B7A-82AE-2E95C3BCF629}"/>
+          <p:cNvPr id="3" name="직사각형 2">
+            <a:extLst>
+              <a:ext uri="{FF2B5EF4-FFF2-40B4-BE49-F238E27FC236}">
+                <a16:creationId xmlns:a16="http://schemas.microsoft.com/office/drawing/2014/main" id="{D9FB4F2E-B2CC-63AA-02FF-8B5C6E4DECAE}"/>
               </a:ext>
             </a:extLst>
           </p:cNvPr>
@@ -6460,14 +6536,14 @@
         </p:nvSpPr>
         <p:spPr>
           <a:xfrm>
-            <a:off x="0" y="0"/>
-            <a:ext cx="12192000" cy="184941"/>
+            <a:off x="0" y="4351328"/>
+            <a:ext cx="12192000" cy="2506672"/>
           </a:xfrm>
           <a:prstGeom prst="rect">
             <a:avLst/>
           </a:prstGeom>
           <a:solidFill>
-            <a:srgbClr val="5F0080"/>
+            <a:srgbClr val="00B0F0"/>
           </a:solidFill>
           <a:ln>
             <a:noFill/>
@@ -6500,10 +6576,10 @@
       </p:sp>
       <p:sp>
         <p:nvSpPr>
-          <p:cNvPr id="9" name="직사각형 8">
-            <a:extLst>
-              <a:ext uri="{FF2B5EF4-FFF2-40B4-BE49-F238E27FC236}">
-                <a16:creationId xmlns:a16="http://schemas.microsoft.com/office/drawing/2014/main" id="{6E0429CD-A3E9-5AE0-6F40-536B92F8E5A4}"/>
+          <p:cNvPr id="32" name="직사각형 31">
+            <a:extLst>
+              <a:ext uri="{FF2B5EF4-FFF2-40B4-BE49-F238E27FC236}">
+                <a16:creationId xmlns:a16="http://schemas.microsoft.com/office/drawing/2014/main" id="{DF506191-7123-4B7A-82AE-2E95C3BCF629}"/>
               </a:ext>
             </a:extLst>
           </p:cNvPr>
@@ -6512,8 +6588,8 @@
         </p:nvSpPr>
         <p:spPr>
           <a:xfrm>
-            <a:off x="0" y="4351328"/>
-            <a:ext cx="12192000" cy="2506672"/>
+            <a:off x="0" y="0"/>
+            <a:ext cx="12192000" cy="184941"/>
           </a:xfrm>
           <a:prstGeom prst="rect">
             <a:avLst/>
@@ -6550,12 +6626,42 @@
           </a:p>
         </p:txBody>
       </p:sp>
+      <p:pic>
+        <p:nvPicPr>
+          <p:cNvPr id="4" name="그림 3">
+            <a:extLst>
+              <a:ext uri="{FF2B5EF4-FFF2-40B4-BE49-F238E27FC236}">
+                <a16:creationId xmlns:a16="http://schemas.microsoft.com/office/drawing/2014/main" id="{49F4F280-E5D9-B827-15AA-D317AE7FF3A8}"/>
+              </a:ext>
+            </a:extLst>
+          </p:cNvPr>
+          <p:cNvPicPr>
+            <a:picLocks noChangeAspect="1"/>
+          </p:cNvPicPr>
+          <p:nvPr/>
+        </p:nvPicPr>
+        <p:blipFill>
+          <a:blip r:embed="rId2"/>
+          <a:stretch>
+            <a:fillRect/>
+          </a:stretch>
+        </p:blipFill>
+        <p:spPr>
+          <a:xfrm>
+            <a:off x="1779441" y="1220863"/>
+            <a:ext cx="7974752" cy="4336867"/>
+          </a:xfrm>
+          <a:prstGeom prst="rect">
+            <a:avLst/>
+          </a:prstGeom>
+        </p:spPr>
+      </p:pic>
       <p:sp>
         <p:nvSpPr>
           <p:cNvPr id="5" name="TextBox 4">
             <a:extLst>
               <a:ext uri="{FF2B5EF4-FFF2-40B4-BE49-F238E27FC236}">
-                <a16:creationId xmlns:a16="http://schemas.microsoft.com/office/drawing/2014/main" id="{6F044208-A88B-607D-4BF5-0527163A7D7F}"/>
+                <a16:creationId xmlns:a16="http://schemas.microsoft.com/office/drawing/2014/main" id="{39C89856-0F40-9CE7-5141-BBA94F5BAFC0}"/>
               </a:ext>
             </a:extLst>
           </p:cNvPr>
@@ -6564,8 +6670,95 @@
         </p:nvSpPr>
         <p:spPr>
           <a:xfrm>
-            <a:off x="3334826" y="5245335"/>
-            <a:ext cx="4616970" cy="363305"/>
+            <a:off x="5171554" y="342464"/>
+            <a:ext cx="1097620" cy="372655"/>
+          </a:xfrm>
+          <a:prstGeom prst="rect">
+            <a:avLst/>
+          </a:prstGeom>
+          <a:noFill/>
+        </p:spPr>
+        <p:txBody>
+          <a:bodyPr wrap="none" rtlCol="0" anchor="ctr">
+            <a:noAutofit/>
+          </a:bodyPr>
+          <a:lstStyle/>
+          <a:p>
+            <a:pPr algn="ctr">
+              <a:lnSpc>
+                <a:spcPct val="110000"/>
+              </a:lnSpc>
+            </a:pPr>
+            <a:r>
+              <a:rPr lang="en-US" altLang="ko-KR" sz="2800" b="1" spc="-80" dirty="0">
+                <a:ln>
+                  <a:solidFill>
+                    <a:srgbClr val="5F0080">
+                      <a:alpha val="0"/>
+                    </a:srgbClr>
+                  </a:solidFill>
+                </a:ln>
+                <a:solidFill>
+                  <a:schemeClr val="tx1">
+                    <a:lumMod val="85000"/>
+                    <a:lumOff val="15000"/>
+                  </a:schemeClr>
+                </a:solidFill>
+                <a:latin typeface="Noto Sans KR" panose="020B0200000000000000" pitchFamily="50" charset="-127"/>
+                <a:ea typeface="Noto Sans KR" panose="020B0200000000000000" pitchFamily="50" charset="-127"/>
+              </a:rPr>
+              <a:t>Step </a:t>
+            </a:r>
+            <a:r>
+              <a:rPr lang="en-US" altLang="ko-KR" sz="2800" b="1" spc="-80" dirty="0">
+                <a:ln>
+                  <a:solidFill>
+                    <a:srgbClr val="5F0080">
+                      <a:alpha val="0"/>
+                    </a:srgbClr>
+                  </a:solidFill>
+                </a:ln>
+                <a:solidFill>
+                  <a:srgbClr val="00B0F0"/>
+                </a:solidFill>
+                <a:latin typeface="Noto Sans KR" panose="020B0200000000000000" pitchFamily="50" charset="-127"/>
+                <a:ea typeface="Noto Sans KR" panose="020B0200000000000000" pitchFamily="50" charset="-127"/>
+              </a:rPr>
+              <a:t>8-1</a:t>
+            </a:r>
+            <a:endParaRPr lang="en-US" altLang="ko-KR" sz="2800" b="1" spc="-80" dirty="0">
+              <a:ln>
+                <a:solidFill>
+                  <a:srgbClr val="5F0080">
+                    <a:alpha val="0"/>
+                  </a:srgbClr>
+                </a:solidFill>
+              </a:ln>
+              <a:solidFill>
+                <a:srgbClr val="5F0080"/>
+              </a:solidFill>
+              <a:latin typeface="Noto Sans KR" panose="020B0200000000000000" pitchFamily="50" charset="-127"/>
+              <a:ea typeface="Noto Sans KR" panose="020B0200000000000000" pitchFamily="50" charset="-127"/>
+            </a:endParaRPr>
+          </a:p>
+        </p:txBody>
+      </p:sp>
+      <p:sp>
+        <p:nvSpPr>
+          <p:cNvPr id="6" name="TextBox 5">
+            <a:extLst>
+              <a:ext uri="{FF2B5EF4-FFF2-40B4-BE49-F238E27FC236}">
+                <a16:creationId xmlns:a16="http://schemas.microsoft.com/office/drawing/2014/main" id="{6D607203-9043-8E88-FCFE-DC6844FD39B6}"/>
+              </a:ext>
+            </a:extLst>
+          </p:cNvPr>
+          <p:cNvSpPr txBox="1"/>
+          <p:nvPr/>
+        </p:nvSpPr>
+        <p:spPr>
+          <a:xfrm>
+            <a:off x="1615732" y="6061886"/>
+            <a:ext cx="8209300" cy="453650"/>
           </a:xfrm>
           <a:prstGeom prst="rect">
             <a:avLst/>
@@ -6584,7 +6777,7 @@
               </a:lnSpc>
             </a:pPr>
             <a:r>
-              <a:rPr lang="ko-KR" altLang="en-US" sz="1500" spc="-50" dirty="0">
+              <a:rPr lang="ko-KR" altLang="en-US" sz="2000" b="1" spc="-50" dirty="0">
                 <a:ln>
                   <a:solidFill>
                     <a:srgbClr val="5F0080">
@@ -6598,10 +6791,10 @@
                 <a:latin typeface="Noto Sans KR" panose="020B0200000000000000" pitchFamily="50" charset="-127"/>
                 <a:ea typeface="Noto Sans KR" panose="020B0200000000000000" pitchFamily="50" charset="-127"/>
               </a:rPr>
-              <a:t>사용자가 설정한 장비들의 평균 </a:t>
-            </a:r>
-            <a:r>
-              <a:rPr lang="en-US" altLang="ko-KR" sz="1500" spc="-50" dirty="0">
+              <a:t>첫 번째 화면에는 사용자가 설정한 장비들의 평균 </a:t>
+            </a:r>
+            <a:r>
+              <a:rPr lang="en-US" altLang="ko-KR" sz="2000" b="1" spc="-50" dirty="0">
                 <a:ln>
                   <a:solidFill>
                     <a:srgbClr val="5F0080">
@@ -6618,7 +6811,7 @@
               <a:t>DPS, </a:t>
             </a:r>
             <a:r>
-              <a:rPr lang="ko-KR" altLang="en-US" sz="1500" spc="-50" dirty="0">
+              <a:rPr lang="ko-KR" altLang="en-US" sz="2000" b="1" spc="-50" dirty="0">
                 <a:ln>
                   <a:solidFill>
                     <a:srgbClr val="5F0080">
@@ -6635,7 +6828,7 @@
               <a:t>공대 </a:t>
             </a:r>
             <a:r>
-              <a:rPr lang="en-US" altLang="ko-KR" sz="1500" spc="-50" dirty="0">
+              <a:rPr lang="en-US" altLang="ko-KR" sz="2000" b="1" spc="-50" dirty="0">
                 <a:ln>
                   <a:solidFill>
                     <a:srgbClr val="5F0080">
@@ -6652,7 +6845,7 @@
               <a:t>DPS</a:t>
             </a:r>
             <a:r>
-              <a:rPr lang="ko-KR" altLang="en-US" sz="1500" spc="-50" dirty="0">
+              <a:rPr lang="ko-KR" altLang="en-US" sz="2000" b="1" spc="-50" dirty="0">
                 <a:ln>
                   <a:solidFill>
                     <a:srgbClr val="5F0080">
@@ -6666,9 +6859,9 @@
                 <a:latin typeface="Noto Sans KR" panose="020B0200000000000000" pitchFamily="50" charset="-127"/>
                 <a:ea typeface="Noto Sans KR" panose="020B0200000000000000" pitchFamily="50" charset="-127"/>
               </a:rPr>
-              <a:t>가 나타나며</a:t>
-            </a:r>
-            <a:endParaRPr lang="en-US" altLang="ko-KR" sz="1500" spc="-50" dirty="0">
+              <a:t>가 기재됩니다</a:t>
+            </a:r>
+            <a:endParaRPr lang="en-US" altLang="ko-KR" sz="2000" spc="-50" dirty="0">
               <a:ln>
                 <a:solidFill>
                   <a:srgbClr val="5F0080">
@@ -6687,10 +6880,10 @@
       </p:sp>
       <p:pic>
         <p:nvPicPr>
-          <p:cNvPr id="19" name="그림 18">
-            <a:extLst>
-              <a:ext uri="{FF2B5EF4-FFF2-40B4-BE49-F238E27FC236}">
-                <a16:creationId xmlns:a16="http://schemas.microsoft.com/office/drawing/2014/main" id="{7D744F1B-F2D0-41B5-A5BC-BF9635308D56}"/>
+          <p:cNvPr id="7" name="그림 6">
+            <a:extLst>
+              <a:ext uri="{FF2B5EF4-FFF2-40B4-BE49-F238E27FC236}">
+                <a16:creationId xmlns:a16="http://schemas.microsoft.com/office/drawing/2014/main" id="{E725F279-554E-5702-E030-93DA55F2800A}"/>
               </a:ext>
             </a:extLst>
           </p:cNvPr>
@@ -6700,15 +6893,15 @@
           <p:nvPr/>
         </p:nvPicPr>
         <p:blipFill>
-          <a:blip r:embed="rId2"/>
+          <a:blip r:embed="rId3"/>
           <a:stretch>
             <a:fillRect/>
           </a:stretch>
         </p:blipFill>
         <p:spPr>
           <a:xfrm>
-            <a:off x="2079700" y="1265458"/>
-            <a:ext cx="7095619" cy="3552051"/>
+            <a:off x="1550150" y="859461"/>
+            <a:ext cx="8340436" cy="5138542"/>
           </a:xfrm>
           <a:prstGeom prst="rect">
             <a:avLst/>
@@ -6801,93 +6994,6 @@
       </p:sp>
       <p:sp>
         <p:nvSpPr>
-          <p:cNvPr id="22" name="TextBox 21">
-            <a:extLst>
-              <a:ext uri="{FF2B5EF4-FFF2-40B4-BE49-F238E27FC236}">
-                <a16:creationId xmlns:a16="http://schemas.microsoft.com/office/drawing/2014/main" id="{555A23D9-0E6E-4436-B3B4-BD47EF89C488}"/>
-              </a:ext>
-            </a:extLst>
-          </p:cNvPr>
-          <p:cNvSpPr txBox="1"/>
-          <p:nvPr/>
-        </p:nvSpPr>
-        <p:spPr>
-          <a:xfrm>
-            <a:off x="5218019" y="486806"/>
-            <a:ext cx="1097620" cy="372655"/>
-          </a:xfrm>
-          <a:prstGeom prst="rect">
-            <a:avLst/>
-          </a:prstGeom>
-          <a:noFill/>
-        </p:spPr>
-        <p:txBody>
-          <a:bodyPr wrap="none" rtlCol="0" anchor="ctr">
-            <a:noAutofit/>
-          </a:bodyPr>
-          <a:lstStyle/>
-          <a:p>
-            <a:pPr algn="ctr">
-              <a:lnSpc>
-                <a:spcPct val="110000"/>
-              </a:lnSpc>
-            </a:pPr>
-            <a:r>
-              <a:rPr lang="en-US" altLang="ko-KR" sz="2000" spc="-80" dirty="0">
-                <a:ln>
-                  <a:solidFill>
-                    <a:srgbClr val="5F0080">
-                      <a:alpha val="0"/>
-                    </a:srgbClr>
-                  </a:solidFill>
-                </a:ln>
-                <a:solidFill>
-                  <a:schemeClr val="tx1">
-                    <a:lumMod val="85000"/>
-                    <a:lumOff val="15000"/>
-                  </a:schemeClr>
-                </a:solidFill>
-                <a:latin typeface="Noto Sans KR" panose="020B0200000000000000" pitchFamily="50" charset="-127"/>
-                <a:ea typeface="Noto Sans KR" panose="020B0200000000000000" pitchFamily="50" charset="-127"/>
-              </a:rPr>
-              <a:t>Step </a:t>
-            </a:r>
-            <a:r>
-              <a:rPr lang="en-US" altLang="ko-KR" sz="2000" spc="-80" dirty="0">
-                <a:ln>
-                  <a:solidFill>
-                    <a:srgbClr val="5F0080">
-                      <a:alpha val="0"/>
-                    </a:srgbClr>
-                  </a:solidFill>
-                </a:ln>
-                <a:solidFill>
-                  <a:srgbClr val="00B0F0"/>
-                </a:solidFill>
-                <a:latin typeface="Noto Sans KR" panose="020B0200000000000000" pitchFamily="50" charset="-127"/>
-                <a:ea typeface="Noto Sans KR" panose="020B0200000000000000" pitchFamily="50" charset="-127"/>
-              </a:rPr>
-              <a:t>9-2</a:t>
-            </a:r>
-            <a:endParaRPr lang="en-US" altLang="ko-KR" sz="2000" spc="-80" dirty="0">
-              <a:ln>
-                <a:solidFill>
-                  <a:srgbClr val="5F0080">
-                    <a:alpha val="0"/>
-                  </a:srgbClr>
-                </a:solidFill>
-              </a:ln>
-              <a:solidFill>
-                <a:srgbClr val="5F0080"/>
-              </a:solidFill>
-              <a:latin typeface="Noto Sans KR" panose="020B0200000000000000" pitchFamily="50" charset="-127"/>
-              <a:ea typeface="Noto Sans KR" panose="020B0200000000000000" pitchFamily="50" charset="-127"/>
-            </a:endParaRPr>
-          </a:p>
-        </p:txBody>
-      </p:sp>
-      <p:sp>
-        <p:nvSpPr>
           <p:cNvPr id="32" name="직사각형 31">
             <a:extLst>
               <a:ext uri="{FF2B5EF4-FFF2-40B4-BE49-F238E27FC236}">
@@ -6907,7 +7013,7 @@
             <a:avLst/>
           </a:prstGeom>
           <a:solidFill>
-            <a:srgbClr val="5F0080"/>
+            <a:srgbClr val="00B0F0"/>
           </a:solidFill>
           <a:ln>
             <a:noFill/>
@@ -6992,10 +7098,97 @@
       </p:sp>
       <p:sp>
         <p:nvSpPr>
+          <p:cNvPr id="4" name="TextBox 3">
+            <a:extLst>
+              <a:ext uri="{FF2B5EF4-FFF2-40B4-BE49-F238E27FC236}">
+                <a16:creationId xmlns:a16="http://schemas.microsoft.com/office/drawing/2014/main" id="{674A95E7-3904-2867-FBBA-331D3F248B3C}"/>
+              </a:ext>
+            </a:extLst>
+          </p:cNvPr>
+          <p:cNvSpPr txBox="1"/>
+          <p:nvPr/>
+        </p:nvSpPr>
+        <p:spPr>
+          <a:xfrm>
+            <a:off x="5171554" y="342464"/>
+            <a:ext cx="1097620" cy="372655"/>
+          </a:xfrm>
+          <a:prstGeom prst="rect">
+            <a:avLst/>
+          </a:prstGeom>
+          <a:noFill/>
+        </p:spPr>
+        <p:txBody>
+          <a:bodyPr wrap="none" rtlCol="0" anchor="ctr">
+            <a:noAutofit/>
+          </a:bodyPr>
+          <a:lstStyle/>
+          <a:p>
+            <a:pPr algn="ctr">
+              <a:lnSpc>
+                <a:spcPct val="110000"/>
+              </a:lnSpc>
+            </a:pPr>
+            <a:r>
+              <a:rPr lang="en-US" altLang="ko-KR" sz="2800" b="1" spc="-80" dirty="0">
+                <a:ln>
+                  <a:solidFill>
+                    <a:srgbClr val="5F0080">
+                      <a:alpha val="0"/>
+                    </a:srgbClr>
+                  </a:solidFill>
+                </a:ln>
+                <a:solidFill>
+                  <a:schemeClr val="tx1">
+                    <a:lumMod val="85000"/>
+                    <a:lumOff val="15000"/>
+                  </a:schemeClr>
+                </a:solidFill>
+                <a:latin typeface="Noto Sans KR" panose="020B0200000000000000" pitchFamily="50" charset="-127"/>
+                <a:ea typeface="Noto Sans KR" panose="020B0200000000000000" pitchFamily="50" charset="-127"/>
+              </a:rPr>
+              <a:t>Step </a:t>
+            </a:r>
+            <a:r>
+              <a:rPr lang="en-US" altLang="ko-KR" sz="2800" b="1" spc="-80" dirty="0">
+                <a:ln>
+                  <a:solidFill>
+                    <a:srgbClr val="5F0080">
+                      <a:alpha val="0"/>
+                    </a:srgbClr>
+                  </a:solidFill>
+                </a:ln>
+                <a:solidFill>
+                  <a:srgbClr val="00B0F0"/>
+                </a:solidFill>
+                <a:latin typeface="Noto Sans KR" panose="020B0200000000000000" pitchFamily="50" charset="-127"/>
+                <a:ea typeface="Noto Sans KR" panose="020B0200000000000000" pitchFamily="50" charset="-127"/>
+              </a:rPr>
+              <a:t>8-2</a:t>
+            </a:r>
+            <a:endParaRPr lang="en-US" altLang="ko-KR" sz="2800" b="1" spc="-80" dirty="0">
+              <a:ln>
+                <a:solidFill>
+                  <a:srgbClr val="5F0080">
+                    <a:alpha val="0"/>
+                  </a:srgbClr>
+                </a:solidFill>
+              </a:ln>
+              <a:solidFill>
+                <a:srgbClr val="5F0080"/>
+              </a:solidFill>
+              <a:latin typeface="Noto Sans KR" panose="020B0200000000000000" pitchFamily="50" charset="-127"/>
+              <a:ea typeface="Noto Sans KR" panose="020B0200000000000000" pitchFamily="50" charset="-127"/>
+            </a:endParaRPr>
+          </a:p>
+        </p:txBody>
+      </p:sp>
+      <p:sp>
+        <p:nvSpPr>
           <p:cNvPr id="5" name="TextBox 4">
             <a:extLst>
               <a:ext uri="{FF2B5EF4-FFF2-40B4-BE49-F238E27FC236}">
-                <a16:creationId xmlns:a16="http://schemas.microsoft.com/office/drawing/2014/main" id="{6F044208-A88B-607D-4BF5-0527163A7D7F}"/>
+                <a16:creationId xmlns:a16="http://schemas.microsoft.com/office/drawing/2014/main" id="{66253D23-8F1A-48A3-C5EA-6178E6956400}"/>
               </a:ext>
             </a:extLst>
           </p:cNvPr>
@@ -7004,8 +7197,8 @@
         </p:nvSpPr>
         <p:spPr>
           <a:xfrm>
-            <a:off x="4204460" y="5245335"/>
-            <a:ext cx="2877711" cy="363305"/>
+            <a:off x="3810238" y="6061886"/>
+            <a:ext cx="3820277" cy="453650"/>
           </a:xfrm>
           <a:prstGeom prst="rect">
             <a:avLst/>
@@ -7024,7 +7217,7 @@
               </a:lnSpc>
             </a:pPr>
             <a:r>
-              <a:rPr lang="ko-KR" altLang="en-US" sz="1500" spc="-50" dirty="0">
+              <a:rPr lang="ko-KR" altLang="en-US" sz="2000" b="1" spc="-50" dirty="0">
                 <a:ln>
                   <a:solidFill>
                     <a:srgbClr val="5F0080">
@@ -7038,9 +7231,9 @@
                 <a:latin typeface="Noto Sans KR" panose="020B0200000000000000" pitchFamily="50" charset="-127"/>
                 <a:ea typeface="Noto Sans KR" panose="020B0200000000000000" pitchFamily="50" charset="-127"/>
               </a:rPr>
-              <a:t>사용자의 스킬마다의 데미지 분포도</a:t>
-            </a:r>
-            <a:endParaRPr lang="en-US" altLang="ko-KR" sz="1500" spc="-50" dirty="0">
+              <a:t>사용자의 데미지 분포도가 나타나고</a:t>
+            </a:r>
+            <a:endParaRPr lang="en-US" altLang="ko-KR" sz="2000" spc="-50" dirty="0">
               <a:ln>
                 <a:solidFill>
                   <a:srgbClr val="5F0080">
@@ -7059,10 +7252,10 @@
       </p:sp>
       <p:pic>
         <p:nvPicPr>
-          <p:cNvPr id="6" name="그림 5">
-            <a:extLst>
-              <a:ext uri="{FF2B5EF4-FFF2-40B4-BE49-F238E27FC236}">
-                <a16:creationId xmlns:a16="http://schemas.microsoft.com/office/drawing/2014/main" id="{A518D600-9343-A30C-FA66-86043F06DA0C}"/>
+          <p:cNvPr id="10" name="그림 9">
+            <a:extLst>
+              <a:ext uri="{FF2B5EF4-FFF2-40B4-BE49-F238E27FC236}">
+                <a16:creationId xmlns:a16="http://schemas.microsoft.com/office/drawing/2014/main" id="{14C1EF04-58F1-975C-E95B-1C25A885DF02}"/>
               </a:ext>
             </a:extLst>
           </p:cNvPr>
@@ -7079,8 +7272,38 @@
         </p:blipFill>
         <p:spPr>
           <a:xfrm>
-            <a:off x="2079698" y="1265459"/>
-            <a:ext cx="7095619" cy="3560350"/>
+            <a:off x="1786035" y="1228508"/>
+            <a:ext cx="7968157" cy="4329221"/>
+          </a:xfrm>
+          <a:prstGeom prst="rect">
+            <a:avLst/>
+          </a:prstGeom>
+        </p:spPr>
+      </p:pic>
+      <p:pic>
+        <p:nvPicPr>
+          <p:cNvPr id="11" name="그림 10">
+            <a:extLst>
+              <a:ext uri="{FF2B5EF4-FFF2-40B4-BE49-F238E27FC236}">
+                <a16:creationId xmlns:a16="http://schemas.microsoft.com/office/drawing/2014/main" id="{B36BEC74-94F3-F600-25D0-BA31D3336113}"/>
+              </a:ext>
+            </a:extLst>
+          </p:cNvPr>
+          <p:cNvPicPr>
+            <a:picLocks noChangeAspect="1"/>
+          </p:cNvPicPr>
+          <p:nvPr/>
+        </p:nvPicPr>
+        <p:blipFill>
+          <a:blip r:embed="rId3"/>
+          <a:stretch>
+            <a:fillRect/>
+          </a:stretch>
+        </p:blipFill>
+        <p:spPr>
+          <a:xfrm>
+            <a:off x="1550150" y="859461"/>
+            <a:ext cx="8340436" cy="5138542"/>
           </a:xfrm>
           <a:prstGeom prst="rect">
             <a:avLst/>
@@ -7173,93 +7396,6 @@
       </p:sp>
       <p:sp>
         <p:nvSpPr>
-          <p:cNvPr id="22" name="TextBox 21">
-            <a:extLst>
-              <a:ext uri="{FF2B5EF4-FFF2-40B4-BE49-F238E27FC236}">
-                <a16:creationId xmlns:a16="http://schemas.microsoft.com/office/drawing/2014/main" id="{555A23D9-0E6E-4436-B3B4-BD47EF89C488}"/>
-              </a:ext>
-            </a:extLst>
-          </p:cNvPr>
-          <p:cNvSpPr txBox="1"/>
-          <p:nvPr/>
-        </p:nvSpPr>
-        <p:spPr>
-          <a:xfrm>
-            <a:off x="5218019" y="486806"/>
-            <a:ext cx="1097620" cy="372655"/>
-          </a:xfrm>
-          <a:prstGeom prst="rect">
-            <a:avLst/>
-          </a:prstGeom>
-          <a:noFill/>
-        </p:spPr>
-        <p:txBody>
-          <a:bodyPr wrap="none" rtlCol="0" anchor="ctr">
-            <a:noAutofit/>
-          </a:bodyPr>
-          <a:lstStyle/>
-          <a:p>
-            <a:pPr algn="ctr">
-              <a:lnSpc>
-                <a:spcPct val="110000"/>
-              </a:lnSpc>
-            </a:pPr>
-            <a:r>
-              <a:rPr lang="en-US" altLang="ko-KR" sz="2000" spc="-80" dirty="0">
-                <a:ln>
-                  <a:solidFill>
-                    <a:srgbClr val="5F0080">
-                      <a:alpha val="0"/>
-                    </a:srgbClr>
-                  </a:solidFill>
-                </a:ln>
-                <a:solidFill>
-                  <a:schemeClr val="tx1">
-                    <a:lumMod val="85000"/>
-                    <a:lumOff val="15000"/>
-                  </a:schemeClr>
-                </a:solidFill>
-                <a:latin typeface="Noto Sans KR" panose="020B0200000000000000" pitchFamily="50" charset="-127"/>
-                <a:ea typeface="Noto Sans KR" panose="020B0200000000000000" pitchFamily="50" charset="-127"/>
-              </a:rPr>
-              <a:t>Step </a:t>
-            </a:r>
-            <a:r>
-              <a:rPr lang="en-US" altLang="ko-KR" sz="2000" spc="-80" dirty="0">
-                <a:ln>
-                  <a:solidFill>
-                    <a:srgbClr val="5F0080">
-                      <a:alpha val="0"/>
-                    </a:srgbClr>
-                  </a:solidFill>
-                </a:ln>
-                <a:solidFill>
-                  <a:srgbClr val="00B0F0"/>
-                </a:solidFill>
-                <a:latin typeface="Noto Sans KR" panose="020B0200000000000000" pitchFamily="50" charset="-127"/>
-                <a:ea typeface="Noto Sans KR" panose="020B0200000000000000" pitchFamily="50" charset="-127"/>
-              </a:rPr>
-              <a:t>9-3</a:t>
-            </a:r>
-            <a:endParaRPr lang="en-US" altLang="ko-KR" sz="2000" spc="-80" dirty="0">
-              <a:ln>
-                <a:solidFill>
-                  <a:srgbClr val="5F0080">
-                    <a:alpha val="0"/>
-                  </a:srgbClr>
-                </a:solidFill>
-              </a:ln>
-              <a:solidFill>
-                <a:srgbClr val="5F0080"/>
-              </a:solidFill>
-              <a:latin typeface="Noto Sans KR" panose="020B0200000000000000" pitchFamily="50" charset="-127"/>
-              <a:ea typeface="Noto Sans KR" panose="020B0200000000000000" pitchFamily="50" charset="-127"/>
-            </a:endParaRPr>
-          </a:p>
-        </p:txBody>
-      </p:sp>
-      <p:sp>
-        <p:nvSpPr>
           <p:cNvPr id="32" name="직사각형 31">
             <a:extLst>
               <a:ext uri="{FF2B5EF4-FFF2-40B4-BE49-F238E27FC236}">
@@ -7279,7 +7415,7 @@
             <a:avLst/>
           </a:prstGeom>
           <a:solidFill>
-            <a:srgbClr val="5F0080"/>
+            <a:srgbClr val="00B0F0"/>
           </a:solidFill>
           <a:ln>
             <a:noFill/>
@@ -7364,10 +7500,10 @@
       </p:sp>
       <p:sp>
         <p:nvSpPr>
-          <p:cNvPr id="5" name="TextBox 4">
-            <a:extLst>
-              <a:ext uri="{FF2B5EF4-FFF2-40B4-BE49-F238E27FC236}">
-                <a16:creationId xmlns:a16="http://schemas.microsoft.com/office/drawing/2014/main" id="{6F044208-A88B-607D-4BF5-0527163A7D7F}"/>
+          <p:cNvPr id="4" name="TextBox 3">
+            <a:extLst>
+              <a:ext uri="{FF2B5EF4-FFF2-40B4-BE49-F238E27FC236}">
+                <a16:creationId xmlns:a16="http://schemas.microsoft.com/office/drawing/2014/main" id="{05CDC996-AFB1-00E3-AF57-B1701A90A60C}"/>
               </a:ext>
             </a:extLst>
           </p:cNvPr>
@@ -7376,8 +7512,125 @@
         </p:nvSpPr>
         <p:spPr>
           <a:xfrm>
-            <a:off x="2754546" y="5245335"/>
-            <a:ext cx="5777544" cy="363305"/>
+            <a:off x="5171554" y="342464"/>
+            <a:ext cx="1097620" cy="372655"/>
+          </a:xfrm>
+          <a:prstGeom prst="rect">
+            <a:avLst/>
+          </a:prstGeom>
+          <a:noFill/>
+        </p:spPr>
+        <p:txBody>
+          <a:bodyPr wrap="none" rtlCol="0" anchor="ctr">
+            <a:noAutofit/>
+          </a:bodyPr>
+          <a:lstStyle/>
+          <a:p>
+            <a:pPr algn="ctr">
+              <a:lnSpc>
+                <a:spcPct val="110000"/>
+              </a:lnSpc>
+            </a:pPr>
+            <a:r>
+              <a:rPr lang="en-US" altLang="ko-KR" sz="2800" b="1" spc="-80" dirty="0">
+                <a:ln>
+                  <a:solidFill>
+                    <a:srgbClr val="5F0080">
+                      <a:alpha val="0"/>
+                    </a:srgbClr>
+                  </a:solidFill>
+                </a:ln>
+                <a:solidFill>
+                  <a:schemeClr val="tx1">
+                    <a:lumMod val="85000"/>
+                    <a:lumOff val="15000"/>
+                  </a:schemeClr>
+                </a:solidFill>
+                <a:latin typeface="Noto Sans KR" panose="020B0200000000000000" pitchFamily="50" charset="-127"/>
+                <a:ea typeface="Noto Sans KR" panose="020B0200000000000000" pitchFamily="50" charset="-127"/>
+              </a:rPr>
+              <a:t>Step </a:t>
+            </a:r>
+            <a:r>
+              <a:rPr lang="en-US" altLang="ko-KR" sz="2800" b="1" spc="-80" dirty="0">
+                <a:ln>
+                  <a:solidFill>
+                    <a:srgbClr val="5F0080">
+                      <a:alpha val="0"/>
+                    </a:srgbClr>
+                  </a:solidFill>
+                </a:ln>
+                <a:solidFill>
+                  <a:srgbClr val="00B0F0"/>
+                </a:solidFill>
+                <a:latin typeface="Noto Sans KR" panose="020B0200000000000000" pitchFamily="50" charset="-127"/>
+                <a:ea typeface="Noto Sans KR" panose="020B0200000000000000" pitchFamily="50" charset="-127"/>
+              </a:rPr>
+              <a:t>8-3</a:t>
+            </a:r>
+            <a:endParaRPr lang="en-US" altLang="ko-KR" sz="2800" b="1" spc="-80" dirty="0">
+              <a:ln>
+                <a:solidFill>
+                  <a:srgbClr val="5F0080">
+                    <a:alpha val="0"/>
+                  </a:srgbClr>
+                </a:solidFill>
+              </a:ln>
+              <a:solidFill>
+                <a:srgbClr val="5F0080"/>
+              </a:solidFill>
+              <a:latin typeface="Noto Sans KR" panose="020B0200000000000000" pitchFamily="50" charset="-127"/>
+              <a:ea typeface="Noto Sans KR" panose="020B0200000000000000" pitchFamily="50" charset="-127"/>
+            </a:endParaRPr>
+          </a:p>
+        </p:txBody>
+      </p:sp>
+      <p:pic>
+        <p:nvPicPr>
+          <p:cNvPr id="8" name="그림 7">
+            <a:extLst>
+              <a:ext uri="{FF2B5EF4-FFF2-40B4-BE49-F238E27FC236}">
+                <a16:creationId xmlns:a16="http://schemas.microsoft.com/office/drawing/2014/main" id="{6EE5E289-D528-E528-5E24-E3532EA963B1}"/>
+              </a:ext>
+            </a:extLst>
+          </p:cNvPr>
+          <p:cNvPicPr>
+            <a:picLocks noChangeAspect="1"/>
+          </p:cNvPicPr>
+          <p:nvPr/>
+        </p:nvPicPr>
+        <p:blipFill>
+          <a:blip r:embed="rId2"/>
+          <a:stretch>
+            <a:fillRect/>
+          </a:stretch>
+        </p:blipFill>
+        <p:spPr>
+          <a:xfrm>
+            <a:off x="1782785" y="1221581"/>
+            <a:ext cx="7968157" cy="4336151"/>
+          </a:xfrm>
+          <a:prstGeom prst="rect">
+            <a:avLst/>
+          </a:prstGeom>
+        </p:spPr>
+      </p:pic>
+      <p:sp>
+        <p:nvSpPr>
+          <p:cNvPr id="10" name="TextBox 9">
+            <a:extLst>
+              <a:ext uri="{FF2B5EF4-FFF2-40B4-BE49-F238E27FC236}">
+                <a16:creationId xmlns:a16="http://schemas.microsoft.com/office/drawing/2014/main" id="{4A3097BB-F75A-298A-338D-D1E1A549E920}"/>
+              </a:ext>
+            </a:extLst>
+          </p:cNvPr>
+          <p:cNvSpPr txBox="1"/>
+          <p:nvPr/>
+        </p:nvSpPr>
+        <p:spPr>
+          <a:xfrm>
+            <a:off x="2674515" y="6061886"/>
+            <a:ext cx="6091732" cy="453650"/>
           </a:xfrm>
           <a:prstGeom prst="rect">
             <a:avLst/>
@@ -7396,7 +7649,7 @@
               </a:lnSpc>
             </a:pPr>
             <a:r>
-              <a:rPr lang="ko-KR" altLang="en-US" sz="1500" spc="-50" dirty="0">
+              <a:rPr lang="ko-KR" altLang="en-US" sz="2000" b="1" spc="-50" dirty="0">
                 <a:ln>
                   <a:solidFill>
                     <a:srgbClr val="5F0080">
@@ -7410,10 +7663,10 @@
                 <a:latin typeface="Noto Sans KR" panose="020B0200000000000000" pitchFamily="50" charset="-127"/>
                 <a:ea typeface="Noto Sans KR" panose="020B0200000000000000" pitchFamily="50" charset="-127"/>
               </a:rPr>
-              <a:t>마지막으로 시뮬레이션 과정에서 사용된 </a:t>
-            </a:r>
-            <a:r>
-              <a:rPr lang="ko-KR" altLang="en-US" sz="1500" spc="-50" dirty="0" err="1">
+              <a:t>시뮬레이션 과정에서 진행된 </a:t>
+            </a:r>
+            <a:r>
+              <a:rPr lang="ko-KR" altLang="en-US" sz="2000" b="1" spc="-50" dirty="0" err="1">
                 <a:ln>
                   <a:solidFill>
                     <a:srgbClr val="5F0080">
@@ -7430,7 +7683,7 @@
               <a:t>딜사이클</a:t>
             </a:r>
             <a:r>
-              <a:rPr lang="ko-KR" altLang="en-US" sz="1500" spc="-50" dirty="0">
+              <a:rPr lang="ko-KR" altLang="en-US" sz="2000" b="1" spc="-50" dirty="0">
                 <a:ln>
                   <a:solidFill>
                     <a:srgbClr val="5F0080">
@@ -7444,9 +7697,9 @@
                 <a:latin typeface="Noto Sans KR" panose="020B0200000000000000" pitchFamily="50" charset="-127"/>
                 <a:ea typeface="Noto Sans KR" panose="020B0200000000000000" pitchFamily="50" charset="-127"/>
               </a:rPr>
-              <a:t> 샘플이 나타나게 됩니다</a:t>
-            </a:r>
-            <a:endParaRPr lang="en-US" altLang="ko-KR" sz="1500" spc="-50" dirty="0">
+              <a:t> 샘플이 나타납니다</a:t>
+            </a:r>
+            <a:endParaRPr lang="en-US" altLang="ko-KR" sz="2000" spc="-50" dirty="0">
               <a:ln>
                 <a:solidFill>
                   <a:srgbClr val="5F0080">
@@ -7465,10 +7718,10 @@
       </p:sp>
       <p:pic>
         <p:nvPicPr>
-          <p:cNvPr id="8" name="그림 7">
-            <a:extLst>
-              <a:ext uri="{FF2B5EF4-FFF2-40B4-BE49-F238E27FC236}">
-                <a16:creationId xmlns:a16="http://schemas.microsoft.com/office/drawing/2014/main" id="{C38DEE25-168C-7EFB-D430-C4B01071B809}"/>
+          <p:cNvPr id="11" name="그림 10">
+            <a:extLst>
+              <a:ext uri="{FF2B5EF4-FFF2-40B4-BE49-F238E27FC236}">
+                <a16:creationId xmlns:a16="http://schemas.microsoft.com/office/drawing/2014/main" id="{93E9AC44-B746-DB53-41FD-B021345A720C}"/>
               </a:ext>
             </a:extLst>
           </p:cNvPr>
@@ -7478,15 +7731,15 @@
           <p:nvPr/>
         </p:nvPicPr>
         <p:blipFill>
-          <a:blip r:embed="rId2"/>
+          <a:blip r:embed="rId3"/>
           <a:stretch>
             <a:fillRect/>
           </a:stretch>
         </p:blipFill>
         <p:spPr>
           <a:xfrm>
-            <a:off x="2079699" y="1265458"/>
-            <a:ext cx="7095619" cy="3563054"/>
+            <a:off x="1550150" y="859461"/>
+            <a:ext cx="8340436" cy="5138542"/>
           </a:xfrm>
           <a:prstGeom prst="rect">
             <a:avLst/>
@@ -7579,93 +7832,6 @@
       </p:sp>
       <p:sp>
         <p:nvSpPr>
-          <p:cNvPr id="22" name="TextBox 21">
-            <a:extLst>
-              <a:ext uri="{FF2B5EF4-FFF2-40B4-BE49-F238E27FC236}">
-                <a16:creationId xmlns:a16="http://schemas.microsoft.com/office/drawing/2014/main" id="{555A23D9-0E6E-4436-B3B4-BD47EF89C488}"/>
-              </a:ext>
-            </a:extLst>
-          </p:cNvPr>
-          <p:cNvSpPr txBox="1"/>
-          <p:nvPr/>
-        </p:nvSpPr>
-        <p:spPr>
-          <a:xfrm>
-            <a:off x="5218019" y="486806"/>
-            <a:ext cx="1097620" cy="372655"/>
-          </a:xfrm>
-          <a:prstGeom prst="rect">
-            <a:avLst/>
-          </a:prstGeom>
-          <a:noFill/>
-        </p:spPr>
-        <p:txBody>
-          <a:bodyPr wrap="none" rtlCol="0" anchor="ctr">
-            <a:noAutofit/>
-          </a:bodyPr>
-          <a:lstStyle/>
-          <a:p>
-            <a:pPr algn="ctr">
-              <a:lnSpc>
-                <a:spcPct val="110000"/>
-              </a:lnSpc>
-            </a:pPr>
-            <a:r>
-              <a:rPr lang="en-US" altLang="ko-KR" sz="2000" spc="-80" dirty="0">
-                <a:ln>
-                  <a:solidFill>
-                    <a:srgbClr val="5F0080">
-                      <a:alpha val="0"/>
-                    </a:srgbClr>
-                  </a:solidFill>
-                </a:ln>
-                <a:solidFill>
-                  <a:schemeClr val="tx1">
-                    <a:lumMod val="85000"/>
-                    <a:lumOff val="15000"/>
-                  </a:schemeClr>
-                </a:solidFill>
-                <a:latin typeface="Noto Sans KR" panose="020B0200000000000000" pitchFamily="50" charset="-127"/>
-                <a:ea typeface="Noto Sans KR" panose="020B0200000000000000" pitchFamily="50" charset="-127"/>
-              </a:rPr>
-              <a:t>Step </a:t>
-            </a:r>
-            <a:r>
-              <a:rPr lang="en-US" altLang="ko-KR" sz="2000" spc="-80" dirty="0">
-                <a:ln>
-                  <a:solidFill>
-                    <a:srgbClr val="5F0080">
-                      <a:alpha val="0"/>
-                    </a:srgbClr>
-                  </a:solidFill>
-                </a:ln>
-                <a:solidFill>
-                  <a:srgbClr val="00B0F0"/>
-                </a:solidFill>
-                <a:latin typeface="Noto Sans KR" panose="020B0200000000000000" pitchFamily="50" charset="-127"/>
-                <a:ea typeface="Noto Sans KR" panose="020B0200000000000000" pitchFamily="50" charset="-127"/>
-              </a:rPr>
-              <a:t>10</a:t>
-            </a:r>
-            <a:endParaRPr lang="en-US" altLang="ko-KR" sz="2000" spc="-80" dirty="0">
-              <a:ln>
-                <a:solidFill>
-                  <a:srgbClr val="5F0080">
-                    <a:alpha val="0"/>
-                  </a:srgbClr>
-                </a:solidFill>
-              </a:ln>
-              <a:solidFill>
-                <a:srgbClr val="5F0080"/>
-              </a:solidFill>
-              <a:latin typeface="Noto Sans KR" panose="020B0200000000000000" pitchFamily="50" charset="-127"/>
-              <a:ea typeface="Noto Sans KR" panose="020B0200000000000000" pitchFamily="50" charset="-127"/>
-            </a:endParaRPr>
-          </a:p>
-        </p:txBody>
-      </p:sp>
-      <p:sp>
-        <p:nvSpPr>
           <p:cNvPr id="32" name="직사각형 31">
             <a:extLst>
               <a:ext uri="{FF2B5EF4-FFF2-40B4-BE49-F238E27FC236}">
@@ -7685,7 +7851,7 @@
             <a:avLst/>
           </a:prstGeom>
           <a:solidFill>
-            <a:srgbClr val="5F0080"/>
+            <a:srgbClr val="00B0F0"/>
           </a:solidFill>
           <a:ln>
             <a:noFill/>
@@ -7730,7 +7896,7 @@
         </p:nvSpPr>
         <p:spPr>
           <a:xfrm>
-            <a:off x="0" y="4351328"/>
+            <a:off x="0" y="4376156"/>
             <a:ext cx="12192000" cy="2506672"/>
           </a:xfrm>
           <a:prstGeom prst="rect">
@@ -7770,10 +7936,10 @@
       </p:sp>
       <p:sp>
         <p:nvSpPr>
-          <p:cNvPr id="6" name="TextBox 5">
-            <a:extLst>
-              <a:ext uri="{FF2B5EF4-FFF2-40B4-BE49-F238E27FC236}">
-                <a16:creationId xmlns:a16="http://schemas.microsoft.com/office/drawing/2014/main" id="{3400D50A-9DC7-9989-6CBF-798C86ABF159}"/>
+          <p:cNvPr id="4" name="TextBox 3">
+            <a:extLst>
+              <a:ext uri="{FF2B5EF4-FFF2-40B4-BE49-F238E27FC236}">
+                <a16:creationId xmlns:a16="http://schemas.microsoft.com/office/drawing/2014/main" id="{D487CCD8-FDE6-B90D-95DC-795484466FEB}"/>
               </a:ext>
             </a:extLst>
           </p:cNvPr>
@@ -7782,8 +7948,95 @@
         </p:nvSpPr>
         <p:spPr>
           <a:xfrm>
-            <a:off x="2373833" y="5245335"/>
-            <a:ext cx="6538970" cy="363305"/>
+            <a:off x="5171554" y="342464"/>
+            <a:ext cx="1097620" cy="372655"/>
+          </a:xfrm>
+          <a:prstGeom prst="rect">
+            <a:avLst/>
+          </a:prstGeom>
+          <a:noFill/>
+        </p:spPr>
+        <p:txBody>
+          <a:bodyPr wrap="none" rtlCol="0" anchor="ctr">
+            <a:noAutofit/>
+          </a:bodyPr>
+          <a:lstStyle/>
+          <a:p>
+            <a:pPr algn="ctr">
+              <a:lnSpc>
+                <a:spcPct val="110000"/>
+              </a:lnSpc>
+            </a:pPr>
+            <a:r>
+              <a:rPr lang="en-US" altLang="ko-KR" sz="2800" b="1" spc="-80" dirty="0">
+                <a:ln>
+                  <a:solidFill>
+                    <a:srgbClr val="5F0080">
+                      <a:alpha val="0"/>
+                    </a:srgbClr>
+                  </a:solidFill>
+                </a:ln>
+                <a:solidFill>
+                  <a:schemeClr val="tx1">
+                    <a:lumMod val="85000"/>
+                    <a:lumOff val="15000"/>
+                  </a:schemeClr>
+                </a:solidFill>
+                <a:latin typeface="Noto Sans KR" panose="020B0200000000000000" pitchFamily="50" charset="-127"/>
+                <a:ea typeface="Noto Sans KR" panose="020B0200000000000000" pitchFamily="50" charset="-127"/>
+              </a:rPr>
+              <a:t>Step </a:t>
+            </a:r>
+            <a:r>
+              <a:rPr lang="en-US" altLang="ko-KR" sz="2800" b="1" spc="-80" dirty="0">
+                <a:ln>
+                  <a:solidFill>
+                    <a:srgbClr val="5F0080">
+                      <a:alpha val="0"/>
+                    </a:srgbClr>
+                  </a:solidFill>
+                </a:ln>
+                <a:solidFill>
+                  <a:srgbClr val="00B0F0"/>
+                </a:solidFill>
+                <a:latin typeface="Noto Sans KR" panose="020B0200000000000000" pitchFamily="50" charset="-127"/>
+                <a:ea typeface="Noto Sans KR" panose="020B0200000000000000" pitchFamily="50" charset="-127"/>
+              </a:rPr>
+              <a:t>10</a:t>
+            </a:r>
+            <a:endParaRPr lang="en-US" altLang="ko-KR" sz="2800" b="1" spc="-80" dirty="0">
+              <a:ln>
+                <a:solidFill>
+                  <a:srgbClr val="5F0080">
+                    <a:alpha val="0"/>
+                  </a:srgbClr>
+                </a:solidFill>
+              </a:ln>
+              <a:solidFill>
+                <a:srgbClr val="5F0080"/>
+              </a:solidFill>
+              <a:latin typeface="Noto Sans KR" panose="020B0200000000000000" pitchFamily="50" charset="-127"/>
+              <a:ea typeface="Noto Sans KR" panose="020B0200000000000000" pitchFamily="50" charset="-127"/>
+            </a:endParaRPr>
+          </a:p>
+        </p:txBody>
+      </p:sp>
+      <p:sp>
+        <p:nvSpPr>
+          <p:cNvPr id="5" name="TextBox 4">
+            <a:extLst>
+              <a:ext uri="{FF2B5EF4-FFF2-40B4-BE49-F238E27FC236}">
+                <a16:creationId xmlns:a16="http://schemas.microsoft.com/office/drawing/2014/main" id="{44236AE5-85FF-0E47-290F-75395C26A43D}"/>
+              </a:ext>
+            </a:extLst>
+          </p:cNvPr>
+          <p:cNvSpPr txBox="1"/>
+          <p:nvPr/>
+        </p:nvSpPr>
+        <p:spPr>
+          <a:xfrm>
+            <a:off x="3023970" y="6061886"/>
+            <a:ext cx="5392823" cy="453650"/>
           </a:xfrm>
           <a:prstGeom prst="rect">
             <a:avLst/>
@@ -7802,7 +8055,7 @@
               </a:lnSpc>
             </a:pPr>
             <a:r>
-              <a:rPr lang="ko-KR" altLang="en-US" sz="1500" spc="-50" dirty="0">
+              <a:rPr lang="ko-KR" altLang="en-US" sz="2000" b="1" spc="-50" dirty="0">
                 <a:ln>
                   <a:solidFill>
                     <a:srgbClr val="5F0080">
@@ -7816,10 +8069,10 @@
                 <a:latin typeface="Noto Sans KR" panose="020B0200000000000000" pitchFamily="50" charset="-127"/>
                 <a:ea typeface="Noto Sans KR" panose="020B0200000000000000" pitchFamily="50" charset="-127"/>
               </a:rPr>
-              <a:t>만약 다른 결과를 알고 싶다면 처음부터 일일이 설정할 필요 없이 </a:t>
-            </a:r>
-            <a:r>
-              <a:rPr lang="ko-KR" altLang="en-US" sz="1500" spc="-50" dirty="0" err="1">
+              <a:t>만약 다른 결과를 알고 싶다면 </a:t>
+            </a:r>
+            <a:r>
+              <a:rPr lang="ko-KR" altLang="en-US" sz="2000" b="1" spc="-50" dirty="0" err="1">
                 <a:ln>
                   <a:solidFill>
                     <a:srgbClr val="5F0080">
@@ -7836,7 +8089,7 @@
               <a:t>로드칸을</a:t>
             </a:r>
             <a:r>
-              <a:rPr lang="ko-KR" altLang="en-US" sz="1500" spc="-50" dirty="0">
+              <a:rPr lang="ko-KR" altLang="en-US" sz="2000" b="1" spc="-50" dirty="0">
                 <a:ln>
                   <a:solidFill>
                     <a:srgbClr val="5F0080">
@@ -7850,9 +8103,9 @@
                 <a:latin typeface="Noto Sans KR" panose="020B0200000000000000" pitchFamily="50" charset="-127"/>
                 <a:ea typeface="Noto Sans KR" panose="020B0200000000000000" pitchFamily="50" charset="-127"/>
               </a:rPr>
-              <a:t> 클릭할 시</a:t>
-            </a:r>
-            <a:endParaRPr lang="en-US" altLang="ko-KR" sz="1500" spc="-50" dirty="0">
+              <a:t> 클릭합니다</a:t>
+            </a:r>
+            <a:endParaRPr lang="en-US" altLang="ko-KR" sz="2000" spc="-50" dirty="0">
               <a:ln>
                 <a:solidFill>
                   <a:srgbClr val="5F0080">
@@ -7871,10 +8124,10 @@
       </p:sp>
       <p:pic>
         <p:nvPicPr>
-          <p:cNvPr id="21" name="그림 20">
-            <a:extLst>
-              <a:ext uri="{FF2B5EF4-FFF2-40B4-BE49-F238E27FC236}">
-                <a16:creationId xmlns:a16="http://schemas.microsoft.com/office/drawing/2014/main" id="{BA3EF806-414E-ABF9-E474-F7BD1A5A13AD}"/>
+          <p:cNvPr id="7" name="그림 6">
+            <a:extLst>
+              <a:ext uri="{FF2B5EF4-FFF2-40B4-BE49-F238E27FC236}">
+                <a16:creationId xmlns:a16="http://schemas.microsoft.com/office/drawing/2014/main" id="{32B02FF3-918F-2B5F-236A-A800A84905E1}"/>
               </a:ext>
             </a:extLst>
           </p:cNvPr>
@@ -7891,8 +8144,38 @@
         </p:blipFill>
         <p:spPr>
           <a:xfrm>
-            <a:off x="2079700" y="1254428"/>
-            <a:ext cx="7095620" cy="3578342"/>
+            <a:off x="2005688" y="1150170"/>
+            <a:ext cx="7432025" cy="4053426"/>
+          </a:xfrm>
+          <a:prstGeom prst="rect">
+            <a:avLst/>
+          </a:prstGeom>
+        </p:spPr>
+      </p:pic>
+      <p:pic>
+        <p:nvPicPr>
+          <p:cNvPr id="8" name="그림 7">
+            <a:extLst>
+              <a:ext uri="{FF2B5EF4-FFF2-40B4-BE49-F238E27FC236}">
+                <a16:creationId xmlns:a16="http://schemas.microsoft.com/office/drawing/2014/main" id="{F512897A-8522-7A7F-5617-B2544C90B21F}"/>
+              </a:ext>
+            </a:extLst>
+          </p:cNvPr>
+          <p:cNvPicPr>
+            <a:picLocks noChangeAspect="1"/>
+          </p:cNvPicPr>
+          <p:nvPr/>
+        </p:nvPicPr>
+        <p:blipFill>
+          <a:blip r:embed="rId3"/>
+          <a:stretch>
+            <a:fillRect/>
+          </a:stretch>
+        </p:blipFill>
+        <p:spPr>
+          <a:xfrm>
+            <a:off x="1550149" y="794327"/>
+            <a:ext cx="8341995" cy="5203676"/>
           </a:xfrm>
           <a:prstGeom prst="rect">
             <a:avLst/>
@@ -8548,93 +8831,6 @@
       </p:sp>
       <p:sp>
         <p:nvSpPr>
-          <p:cNvPr id="22" name="TextBox 21">
-            <a:extLst>
-              <a:ext uri="{FF2B5EF4-FFF2-40B4-BE49-F238E27FC236}">
-                <a16:creationId xmlns:a16="http://schemas.microsoft.com/office/drawing/2014/main" id="{555A23D9-0E6E-4436-B3B4-BD47EF89C488}"/>
-              </a:ext>
-            </a:extLst>
-          </p:cNvPr>
-          <p:cNvSpPr txBox="1"/>
-          <p:nvPr/>
-        </p:nvSpPr>
-        <p:spPr>
-          <a:xfrm>
-            <a:off x="5218019" y="486806"/>
-            <a:ext cx="1097620" cy="372655"/>
-          </a:xfrm>
-          <a:prstGeom prst="rect">
-            <a:avLst/>
-          </a:prstGeom>
-          <a:noFill/>
-        </p:spPr>
-        <p:txBody>
-          <a:bodyPr wrap="none" rtlCol="0" anchor="ctr">
-            <a:noAutofit/>
-          </a:bodyPr>
-          <a:lstStyle/>
-          <a:p>
-            <a:pPr algn="ctr">
-              <a:lnSpc>
-                <a:spcPct val="110000"/>
-              </a:lnSpc>
-            </a:pPr>
-            <a:r>
-              <a:rPr lang="en-US" altLang="ko-KR" sz="2000" spc="-80" dirty="0">
-                <a:ln>
-                  <a:solidFill>
-                    <a:srgbClr val="5F0080">
-                      <a:alpha val="0"/>
-                    </a:srgbClr>
-                  </a:solidFill>
-                </a:ln>
-                <a:solidFill>
-                  <a:schemeClr val="tx1">
-                    <a:lumMod val="85000"/>
-                    <a:lumOff val="15000"/>
-                  </a:schemeClr>
-                </a:solidFill>
-                <a:latin typeface="Noto Sans KR" panose="020B0200000000000000" pitchFamily="50" charset="-127"/>
-                <a:ea typeface="Noto Sans KR" panose="020B0200000000000000" pitchFamily="50" charset="-127"/>
-              </a:rPr>
-              <a:t>Step </a:t>
-            </a:r>
-            <a:r>
-              <a:rPr lang="en-US" altLang="ko-KR" sz="2000" spc="-80" dirty="0">
-                <a:ln>
-                  <a:solidFill>
-                    <a:srgbClr val="5F0080">
-                      <a:alpha val="0"/>
-                    </a:srgbClr>
-                  </a:solidFill>
-                </a:ln>
-                <a:solidFill>
-                  <a:srgbClr val="00B0F0"/>
-                </a:solidFill>
-                <a:latin typeface="Noto Sans KR" panose="020B0200000000000000" pitchFamily="50" charset="-127"/>
-                <a:ea typeface="Noto Sans KR" panose="020B0200000000000000" pitchFamily="50" charset="-127"/>
-              </a:rPr>
-              <a:t>11</a:t>
-            </a:r>
-            <a:endParaRPr lang="en-US" altLang="ko-KR" sz="2000" spc="-80" dirty="0">
-              <a:ln>
-                <a:solidFill>
-                  <a:srgbClr val="5F0080">
-                    <a:alpha val="0"/>
-                  </a:srgbClr>
-                </a:solidFill>
-              </a:ln>
-              <a:solidFill>
-                <a:srgbClr val="5F0080"/>
-              </a:solidFill>
-              <a:latin typeface="Noto Sans KR" panose="020B0200000000000000" pitchFamily="50" charset="-127"/>
-              <a:ea typeface="Noto Sans KR" panose="020B0200000000000000" pitchFamily="50" charset="-127"/>
-            </a:endParaRPr>
-          </a:p>
-        </p:txBody>
-      </p:sp>
-      <p:sp>
-        <p:nvSpPr>
           <p:cNvPr id="32" name="직사각형 31">
             <a:extLst>
               <a:ext uri="{FF2B5EF4-FFF2-40B4-BE49-F238E27FC236}">
@@ -8654,7 +8850,7 @@
             <a:avLst/>
           </a:prstGeom>
           <a:solidFill>
-            <a:srgbClr val="5F0080"/>
+            <a:srgbClr val="00B0F0"/>
           </a:solidFill>
           <a:ln>
             <a:noFill/>
@@ -8742,7 +8938,7 @@
           <p:cNvPr id="4" name="TextBox 3">
             <a:extLst>
               <a:ext uri="{FF2B5EF4-FFF2-40B4-BE49-F238E27FC236}">
-                <a16:creationId xmlns:a16="http://schemas.microsoft.com/office/drawing/2014/main" id="{7CD8959C-F846-6607-9855-47A48EF763A6}"/>
+                <a16:creationId xmlns:a16="http://schemas.microsoft.com/office/drawing/2014/main" id="{36745074-FB86-D50A-2C73-2FC287DABC8E}"/>
               </a:ext>
             </a:extLst>
           </p:cNvPr>
@@ -8751,8 +8947,95 @@
         </p:nvSpPr>
         <p:spPr>
           <a:xfrm>
-            <a:off x="3064727" y="5245335"/>
-            <a:ext cx="5157181" cy="363305"/>
+            <a:off x="5171554" y="342464"/>
+            <a:ext cx="1097620" cy="372655"/>
+          </a:xfrm>
+          <a:prstGeom prst="rect">
+            <a:avLst/>
+          </a:prstGeom>
+          <a:noFill/>
+        </p:spPr>
+        <p:txBody>
+          <a:bodyPr wrap="none" rtlCol="0" anchor="ctr">
+            <a:noAutofit/>
+          </a:bodyPr>
+          <a:lstStyle/>
+          <a:p>
+            <a:pPr algn="ctr">
+              <a:lnSpc>
+                <a:spcPct val="110000"/>
+              </a:lnSpc>
+            </a:pPr>
+            <a:r>
+              <a:rPr lang="en-US" altLang="ko-KR" sz="2800" b="1" spc="-80" dirty="0">
+                <a:ln>
+                  <a:solidFill>
+                    <a:srgbClr val="5F0080">
+                      <a:alpha val="0"/>
+                    </a:srgbClr>
+                  </a:solidFill>
+                </a:ln>
+                <a:solidFill>
+                  <a:schemeClr val="tx1">
+                    <a:lumMod val="85000"/>
+                    <a:lumOff val="15000"/>
+                  </a:schemeClr>
+                </a:solidFill>
+                <a:latin typeface="Noto Sans KR" panose="020B0200000000000000" pitchFamily="50" charset="-127"/>
+                <a:ea typeface="Noto Sans KR" panose="020B0200000000000000" pitchFamily="50" charset="-127"/>
+              </a:rPr>
+              <a:t>Step </a:t>
+            </a:r>
+            <a:r>
+              <a:rPr lang="en-US" altLang="ko-KR" sz="2800" b="1" spc="-80" dirty="0">
+                <a:ln>
+                  <a:solidFill>
+                    <a:srgbClr val="5F0080">
+                      <a:alpha val="0"/>
+                    </a:srgbClr>
+                  </a:solidFill>
+                </a:ln>
+                <a:solidFill>
+                  <a:srgbClr val="00B0F0"/>
+                </a:solidFill>
+                <a:latin typeface="Noto Sans KR" panose="020B0200000000000000" pitchFamily="50" charset="-127"/>
+                <a:ea typeface="Noto Sans KR" panose="020B0200000000000000" pitchFamily="50" charset="-127"/>
+              </a:rPr>
+              <a:t>11</a:t>
+            </a:r>
+            <a:endParaRPr lang="en-US" altLang="ko-KR" sz="2800" b="1" spc="-80" dirty="0">
+              <a:ln>
+                <a:solidFill>
+                  <a:srgbClr val="5F0080">
+                    <a:alpha val="0"/>
+                  </a:srgbClr>
+                </a:solidFill>
+              </a:ln>
+              <a:solidFill>
+                <a:srgbClr val="5F0080"/>
+              </a:solidFill>
+              <a:latin typeface="Noto Sans KR" panose="020B0200000000000000" pitchFamily="50" charset="-127"/>
+              <a:ea typeface="Noto Sans KR" panose="020B0200000000000000" pitchFamily="50" charset="-127"/>
+            </a:endParaRPr>
+          </a:p>
+        </p:txBody>
+      </p:sp>
+      <p:sp>
+        <p:nvSpPr>
+          <p:cNvPr id="5" name="TextBox 4">
+            <a:extLst>
+              <a:ext uri="{FF2B5EF4-FFF2-40B4-BE49-F238E27FC236}">
+                <a16:creationId xmlns:a16="http://schemas.microsoft.com/office/drawing/2014/main" id="{C5F439E6-80D0-723F-F375-406A5AEC530A}"/>
+              </a:ext>
+            </a:extLst>
+          </p:cNvPr>
+          <p:cNvSpPr txBox="1"/>
+          <p:nvPr/>
+        </p:nvSpPr>
+        <p:spPr>
+          <a:xfrm>
+            <a:off x="1860987" y="6061886"/>
+            <a:ext cx="7718780" cy="453650"/>
           </a:xfrm>
           <a:prstGeom prst="rect">
             <a:avLst/>
@@ -8771,7 +9054,7 @@
               </a:lnSpc>
             </a:pPr>
             <a:r>
-              <a:rPr lang="ko-KR" altLang="en-US" sz="1500" spc="-50" dirty="0">
+              <a:rPr lang="ko-KR" altLang="en-US" sz="2000" b="1" spc="-50" dirty="0">
                 <a:ln>
                   <a:solidFill>
                     <a:srgbClr val="5F0080">
@@ -8785,9 +9068,9 @@
                 <a:latin typeface="Noto Sans KR" panose="020B0200000000000000" pitchFamily="50" charset="-127"/>
                 <a:ea typeface="Noto Sans KR" panose="020B0200000000000000" pitchFamily="50" charset="-127"/>
               </a:rPr>
-              <a:t>직전에 저장되었던 세팅이 나오기에 장비를 쉽게 바꿀 수 있습니다</a:t>
-            </a:r>
-            <a:endParaRPr lang="en-US" altLang="ko-KR" sz="1500" spc="-50" dirty="0">
+              <a:t>로드 시 직전에 저장되었던 세팅이 나오므로 장비를 쉽게 바꿀 수 있습니다</a:t>
+            </a:r>
+            <a:endParaRPr lang="en-US" altLang="ko-KR" sz="2000" b="1" spc="-50" dirty="0">
               <a:ln>
                 <a:solidFill>
                   <a:srgbClr val="5F0080">
@@ -8806,10 +9089,10 @@
       </p:sp>
       <p:pic>
         <p:nvPicPr>
-          <p:cNvPr id="8" name="그림 7">
-            <a:extLst>
-              <a:ext uri="{FF2B5EF4-FFF2-40B4-BE49-F238E27FC236}">
-                <a16:creationId xmlns:a16="http://schemas.microsoft.com/office/drawing/2014/main" id="{25648579-19EB-40A1-6135-DC5A2B8FF80F}"/>
+          <p:cNvPr id="7" name="그림 6">
+            <a:extLst>
+              <a:ext uri="{FF2B5EF4-FFF2-40B4-BE49-F238E27FC236}">
+                <a16:creationId xmlns:a16="http://schemas.microsoft.com/office/drawing/2014/main" id="{EE6FE87A-4DC2-05E6-9AAA-1723DDFCF2B1}"/>
               </a:ext>
             </a:extLst>
           </p:cNvPr>
@@ -8826,8 +9109,38 @@
         </p:blipFill>
         <p:spPr>
           <a:xfrm>
-            <a:off x="2079699" y="1249360"/>
-            <a:ext cx="7095619" cy="3594440"/>
+            <a:off x="2005687" y="1150170"/>
+            <a:ext cx="7432025" cy="4053426"/>
+          </a:xfrm>
+          <a:prstGeom prst="rect">
+            <a:avLst/>
+          </a:prstGeom>
+        </p:spPr>
+      </p:pic>
+      <p:pic>
+        <p:nvPicPr>
+          <p:cNvPr id="8" name="그림 7">
+            <a:extLst>
+              <a:ext uri="{FF2B5EF4-FFF2-40B4-BE49-F238E27FC236}">
+                <a16:creationId xmlns:a16="http://schemas.microsoft.com/office/drawing/2014/main" id="{5E089C12-5897-3625-93CE-5C82D0E86FCE}"/>
+              </a:ext>
+            </a:extLst>
+          </p:cNvPr>
+          <p:cNvPicPr>
+            <a:picLocks noChangeAspect="1"/>
+          </p:cNvPicPr>
+          <p:nvPr/>
+        </p:nvPicPr>
+        <p:blipFill>
+          <a:blip r:embed="rId3"/>
+          <a:stretch>
+            <a:fillRect/>
+          </a:stretch>
+        </p:blipFill>
+        <p:spPr>
+          <a:xfrm>
+            <a:off x="1550149" y="794327"/>
+            <a:ext cx="8341995" cy="5203676"/>
           </a:xfrm>
           <a:prstGeom prst="rect">
             <a:avLst/>
@@ -8985,7 +9298,7 @@
         <p:spPr>
           <a:xfrm>
             <a:off x="5017036" y="476395"/>
-            <a:ext cx="4620176" cy="565026"/>
+            <a:ext cx="4815742" cy="565026"/>
           </a:xfrm>
           <a:prstGeom prst="rect">
             <a:avLst/>
@@ -9004,7 +9317,7 @@
               </a:lnSpc>
             </a:pPr>
             <a:r>
-              <a:rPr lang="en-US" altLang="ko-KR" sz="3000" spc="-80" dirty="0">
+              <a:rPr lang="en-US" altLang="ko-KR" sz="3000" b="1" spc="-80" dirty="0">
                 <a:ln>
                   <a:solidFill>
                     <a:srgbClr val="5F0080">
@@ -9024,7 +9337,7 @@
               <a:t>FFXIV SIMHELPER</a:t>
             </a:r>
             <a:r>
-              <a:rPr lang="ko-KR" altLang="en-US" sz="3000" spc="-80" dirty="0">
+              <a:rPr lang="ko-KR" altLang="en-US" sz="3000" b="1" spc="-80" dirty="0">
                 <a:ln>
                   <a:solidFill>
                     <a:srgbClr val="5F0080">
@@ -9043,7 +9356,7 @@
               </a:rPr>
               <a:t> 실행하기</a:t>
             </a:r>
-            <a:endParaRPr lang="en-US" altLang="ko-KR" sz="3000" spc="-80" dirty="0">
+            <a:endParaRPr lang="en-US" altLang="ko-KR" sz="3000" b="1" spc="-80" dirty="0">
               <a:ln>
                 <a:solidFill>
                   <a:srgbClr val="5F0080">
@@ -9088,6 +9401,47 @@
           <a:prstGeom prst="rect">
             <a:avLst/>
           </a:prstGeom>
+        </p:spPr>
+      </p:pic>
+      <p:pic>
+        <p:nvPicPr>
+          <p:cNvPr id="5" name="그림 4" descr="노트북 투명 GIF.gif">
+            <a:extLst>
+              <a:ext uri="{FF2B5EF4-FFF2-40B4-BE49-F238E27FC236}">
+                <a16:creationId xmlns:a16="http://schemas.microsoft.com/office/drawing/2014/main" id="{5F064BCD-7F06-EE19-6FFC-3AD12E361C33}"/>
+              </a:ext>
+              <a:ext uri="{C183D7F6-B498-43B3-948B-1728B52AA6E4}">
+                <adec:decorative xmlns:adec="http://schemas.microsoft.com/office/drawing/2017/decorative" val="0"/>
+              </a:ext>
+            </a:extLst>
+          </p:cNvPr>
+          <p:cNvPicPr>
+            <a:picLocks noChangeAspect="1"/>
+          </p:cNvPicPr>
+          <p:nvPr/>
+        </p:nvPicPr>
+        <p:blipFill>
+          <a:blip r:embed="rId3"/>
+          <a:srcRect r="10769"/>
+          <a:stretch>
+            <a:fillRect/>
+          </a:stretch>
+        </p:blipFill>
+        <p:spPr bwMode="auto">
+          <a:xfrm>
+            <a:off x="2540000" y="1136073"/>
+            <a:ext cx="9494982" cy="5107709"/>
+          </a:xfrm>
+          <a:prstGeom prst="rect">
+            <a:avLst/>
+          </a:prstGeom>
+          <a:effectLst>
+            <a:outerShdw blurRad="50800" dist="38100" dir="5400000" algn="t" rotWithShape="0">
+              <a:prstClr val="black">
+                <a:alpha val="40000"/>
+              </a:prstClr>
+            </a:outerShdw>
+          </a:effectLst>
         </p:spPr>
       </p:pic>
     </p:spTree>
@@ -9176,10 +9530,156 @@
       </p:sp>
       <p:sp>
         <p:nvSpPr>
-          <p:cNvPr id="21" name="직사각형 20">
-            <a:extLst>
-              <a:ext uri="{FF2B5EF4-FFF2-40B4-BE49-F238E27FC236}">
-                <a16:creationId xmlns:a16="http://schemas.microsoft.com/office/drawing/2014/main" id="{027BA219-B386-4835-83B6-EC8AA96BA769}"/>
+          <p:cNvPr id="22" name="TextBox 21">
+            <a:extLst>
+              <a:ext uri="{FF2B5EF4-FFF2-40B4-BE49-F238E27FC236}">
+                <a16:creationId xmlns:a16="http://schemas.microsoft.com/office/drawing/2014/main" id="{555A23D9-0E6E-4436-B3B4-BD47EF89C488}"/>
+              </a:ext>
+            </a:extLst>
+          </p:cNvPr>
+          <p:cNvSpPr txBox="1"/>
+          <p:nvPr/>
+        </p:nvSpPr>
+        <p:spPr>
+          <a:xfrm>
+            <a:off x="1787857" y="330323"/>
+            <a:ext cx="1097620" cy="372655"/>
+          </a:xfrm>
+          <a:prstGeom prst="rect">
+            <a:avLst/>
+          </a:prstGeom>
+          <a:noFill/>
+        </p:spPr>
+        <p:txBody>
+          <a:bodyPr wrap="none" rtlCol="0" anchor="ctr">
+            <a:noAutofit/>
+          </a:bodyPr>
+          <a:lstStyle/>
+          <a:p>
+            <a:pPr algn="ctr">
+              <a:lnSpc>
+                <a:spcPct val="110000"/>
+              </a:lnSpc>
+            </a:pPr>
+            <a:r>
+              <a:rPr lang="en-US" altLang="ko-KR" sz="2800" b="1" spc="-80" dirty="0">
+                <a:ln>
+                  <a:solidFill>
+                    <a:srgbClr val="5F0080">
+                      <a:alpha val="0"/>
+                    </a:srgbClr>
+                  </a:solidFill>
+                </a:ln>
+                <a:solidFill>
+                  <a:schemeClr val="tx1">
+                    <a:lumMod val="85000"/>
+                    <a:lumOff val="15000"/>
+                  </a:schemeClr>
+                </a:solidFill>
+                <a:latin typeface="Noto Sans KR" panose="020B0200000000000000" pitchFamily="50" charset="-127"/>
+                <a:ea typeface="Noto Sans KR" panose="020B0200000000000000" pitchFamily="50" charset="-127"/>
+              </a:rPr>
+              <a:t>Step </a:t>
+            </a:r>
+            <a:r>
+              <a:rPr lang="en-US" altLang="ko-KR" sz="2800" b="1" spc="-80" dirty="0">
+                <a:ln>
+                  <a:solidFill>
+                    <a:srgbClr val="5F0080">
+                      <a:alpha val="0"/>
+                    </a:srgbClr>
+                  </a:solidFill>
+                </a:ln>
+                <a:solidFill>
+                  <a:srgbClr val="5F0080"/>
+                </a:solidFill>
+                <a:latin typeface="Noto Sans KR" panose="020B0200000000000000" pitchFamily="50" charset="-127"/>
+                <a:ea typeface="Noto Sans KR" panose="020B0200000000000000" pitchFamily="50" charset="-127"/>
+              </a:rPr>
+              <a:t>1</a:t>
+            </a:r>
+          </a:p>
+        </p:txBody>
+      </p:sp>
+      <p:sp>
+        <p:nvSpPr>
+          <p:cNvPr id="23" name="TextBox 22">
+            <a:extLst>
+              <a:ext uri="{FF2B5EF4-FFF2-40B4-BE49-F238E27FC236}">
+                <a16:creationId xmlns:a16="http://schemas.microsoft.com/office/drawing/2014/main" id="{9A35CA04-0E13-4897-BA83-005ABEAAD9C1}"/>
+              </a:ext>
+            </a:extLst>
+          </p:cNvPr>
+          <p:cNvSpPr txBox="1"/>
+          <p:nvPr/>
+        </p:nvSpPr>
+        <p:spPr>
+          <a:xfrm>
+            <a:off x="8072673" y="338766"/>
+            <a:ext cx="1097620" cy="372655"/>
+          </a:xfrm>
+          <a:prstGeom prst="rect">
+            <a:avLst/>
+          </a:prstGeom>
+          <a:noFill/>
+        </p:spPr>
+        <p:txBody>
+          <a:bodyPr wrap="none" rtlCol="0" anchor="ctr">
+            <a:noAutofit/>
+          </a:bodyPr>
+          <a:lstStyle/>
+          <a:p>
+            <a:pPr algn="ctr">
+              <a:lnSpc>
+                <a:spcPct val="110000"/>
+              </a:lnSpc>
+            </a:pPr>
+            <a:r>
+              <a:rPr lang="en-US" altLang="ko-KR" sz="2800" b="1" spc="-80" dirty="0">
+                <a:ln>
+                  <a:solidFill>
+                    <a:srgbClr val="5F0080">
+                      <a:alpha val="0"/>
+                    </a:srgbClr>
+                  </a:solidFill>
+                </a:ln>
+                <a:solidFill>
+                  <a:schemeClr val="tx1">
+                    <a:lumMod val="85000"/>
+                    <a:lumOff val="15000"/>
+                  </a:schemeClr>
+                </a:solidFill>
+                <a:latin typeface="Noto Sans KR" panose="020B0200000000000000" pitchFamily="50" charset="-127"/>
+                <a:ea typeface="Noto Sans KR" panose="020B0200000000000000" pitchFamily="50" charset="-127"/>
+              </a:rPr>
+              <a:t>Step </a:t>
+            </a:r>
+            <a:r>
+              <a:rPr lang="en-US" altLang="ko-KR" sz="2800" b="1" spc="-80" dirty="0">
+                <a:ln>
+                  <a:solidFill>
+                    <a:srgbClr val="5F0080">
+                      <a:alpha val="0"/>
+                    </a:srgbClr>
+                  </a:solidFill>
+                </a:ln>
+                <a:solidFill>
+                  <a:srgbClr val="5F0080"/>
+                </a:solidFill>
+                <a:latin typeface="Noto Sans KR" panose="020B0200000000000000" pitchFamily="50" charset="-127"/>
+                <a:ea typeface="Noto Sans KR" panose="020B0200000000000000" pitchFamily="50" charset="-127"/>
+              </a:rPr>
+              <a:t>2</a:t>
+            </a:r>
+          </a:p>
+        </p:txBody>
+      </p:sp>
+      <p:sp>
+        <p:nvSpPr>
+          <p:cNvPr id="32" name="직사각형 31">
+            <a:extLst>
+              <a:ext uri="{FF2B5EF4-FFF2-40B4-BE49-F238E27FC236}">
+                <a16:creationId xmlns:a16="http://schemas.microsoft.com/office/drawing/2014/main" id="{DF506191-7123-4B7A-82AE-2E95C3BCF629}"/>
               </a:ext>
             </a:extLst>
           </p:cNvPr>
@@ -9188,8 +9688,8 @@
         </p:nvSpPr>
         <p:spPr>
           <a:xfrm>
-            <a:off x="0" y="4304396"/>
-            <a:ext cx="12192000" cy="2506672"/>
+            <a:off x="0" y="0"/>
+            <a:ext cx="12192000" cy="184941"/>
           </a:xfrm>
           <a:prstGeom prst="rect">
             <a:avLst/>
@@ -9226,204 +9726,6 @@
           </a:p>
         </p:txBody>
       </p:sp>
-      <p:sp>
-        <p:nvSpPr>
-          <p:cNvPr id="22" name="TextBox 21">
-            <a:extLst>
-              <a:ext uri="{FF2B5EF4-FFF2-40B4-BE49-F238E27FC236}">
-                <a16:creationId xmlns:a16="http://schemas.microsoft.com/office/drawing/2014/main" id="{555A23D9-0E6E-4436-B3B4-BD47EF89C488}"/>
-              </a:ext>
-            </a:extLst>
-          </p:cNvPr>
-          <p:cNvSpPr txBox="1"/>
-          <p:nvPr/>
-        </p:nvSpPr>
-        <p:spPr>
-          <a:xfrm>
-            <a:off x="1787857" y="330323"/>
-            <a:ext cx="1097620" cy="372655"/>
-          </a:xfrm>
-          <a:prstGeom prst="rect">
-            <a:avLst/>
-          </a:prstGeom>
-          <a:noFill/>
-        </p:spPr>
-        <p:txBody>
-          <a:bodyPr wrap="none" rtlCol="0" anchor="ctr">
-            <a:noAutofit/>
-          </a:bodyPr>
-          <a:lstStyle/>
-          <a:p>
-            <a:pPr algn="ctr">
-              <a:lnSpc>
-                <a:spcPct val="110000"/>
-              </a:lnSpc>
-            </a:pPr>
-            <a:r>
-              <a:rPr lang="en-US" altLang="ko-KR" sz="2000" spc="-80" dirty="0">
-                <a:ln>
-                  <a:solidFill>
-                    <a:srgbClr val="5F0080">
-                      <a:alpha val="0"/>
-                    </a:srgbClr>
-                  </a:solidFill>
-                </a:ln>
-                <a:solidFill>
-                  <a:schemeClr val="tx1">
-                    <a:lumMod val="85000"/>
-                    <a:lumOff val="15000"/>
-                  </a:schemeClr>
-                </a:solidFill>
-                <a:latin typeface="Noto Sans KR" panose="020B0200000000000000" pitchFamily="50" charset="-127"/>
-                <a:ea typeface="Noto Sans KR" panose="020B0200000000000000" pitchFamily="50" charset="-127"/>
-              </a:rPr>
-              <a:t>Step </a:t>
-            </a:r>
-            <a:r>
-              <a:rPr lang="en-US" altLang="ko-KR" sz="2000" spc="-80" dirty="0">
-                <a:ln>
-                  <a:solidFill>
-                    <a:srgbClr val="5F0080">
-                      <a:alpha val="0"/>
-                    </a:srgbClr>
-                  </a:solidFill>
-                </a:ln>
-                <a:solidFill>
-                  <a:srgbClr val="5F0080"/>
-                </a:solidFill>
-                <a:latin typeface="Noto Sans KR" panose="020B0200000000000000" pitchFamily="50" charset="-127"/>
-                <a:ea typeface="Noto Sans KR" panose="020B0200000000000000" pitchFamily="50" charset="-127"/>
-              </a:rPr>
-              <a:t>1</a:t>
-            </a:r>
-          </a:p>
-        </p:txBody>
-      </p:sp>
-      <p:sp>
-        <p:nvSpPr>
-          <p:cNvPr id="23" name="TextBox 22">
-            <a:extLst>
-              <a:ext uri="{FF2B5EF4-FFF2-40B4-BE49-F238E27FC236}">
-                <a16:creationId xmlns:a16="http://schemas.microsoft.com/office/drawing/2014/main" id="{9A35CA04-0E13-4897-BA83-005ABEAAD9C1}"/>
-              </a:ext>
-            </a:extLst>
-          </p:cNvPr>
-          <p:cNvSpPr txBox="1"/>
-          <p:nvPr/>
-        </p:nvSpPr>
-        <p:spPr>
-          <a:xfrm>
-            <a:off x="8072673" y="338766"/>
-            <a:ext cx="1097620" cy="372655"/>
-          </a:xfrm>
-          <a:prstGeom prst="rect">
-            <a:avLst/>
-          </a:prstGeom>
-          <a:noFill/>
-        </p:spPr>
-        <p:txBody>
-          <a:bodyPr wrap="none" rtlCol="0" anchor="ctr">
-            <a:noAutofit/>
-          </a:bodyPr>
-          <a:lstStyle/>
-          <a:p>
-            <a:pPr algn="ctr">
-              <a:lnSpc>
-                <a:spcPct val="110000"/>
-              </a:lnSpc>
-            </a:pPr>
-            <a:r>
-              <a:rPr lang="en-US" altLang="ko-KR" sz="2000" spc="-80" dirty="0">
-                <a:ln>
-                  <a:solidFill>
-                    <a:srgbClr val="5F0080">
-                      <a:alpha val="0"/>
-                    </a:srgbClr>
-                  </a:solidFill>
-                </a:ln>
-                <a:solidFill>
-                  <a:schemeClr val="tx1">
-                    <a:lumMod val="85000"/>
-                    <a:lumOff val="15000"/>
-                  </a:schemeClr>
-                </a:solidFill>
-                <a:latin typeface="Noto Sans KR" panose="020B0200000000000000" pitchFamily="50" charset="-127"/>
-                <a:ea typeface="Noto Sans KR" panose="020B0200000000000000" pitchFamily="50" charset="-127"/>
-              </a:rPr>
-              <a:t>Step </a:t>
-            </a:r>
-            <a:r>
-              <a:rPr lang="en-US" altLang="ko-KR" sz="2000" spc="-80" dirty="0">
-                <a:ln>
-                  <a:solidFill>
-                    <a:srgbClr val="5F0080">
-                      <a:alpha val="0"/>
-                    </a:srgbClr>
-                  </a:solidFill>
-                </a:ln>
-                <a:solidFill>
-                  <a:srgbClr val="5F0080"/>
-                </a:solidFill>
-                <a:latin typeface="Noto Sans KR" panose="020B0200000000000000" pitchFamily="50" charset="-127"/>
-                <a:ea typeface="Noto Sans KR" panose="020B0200000000000000" pitchFamily="50" charset="-127"/>
-              </a:rPr>
-              <a:t>2</a:t>
-            </a:r>
-          </a:p>
-        </p:txBody>
-      </p:sp>
-      <p:sp>
-        <p:nvSpPr>
-          <p:cNvPr id="32" name="직사각형 31">
-            <a:extLst>
-              <a:ext uri="{FF2B5EF4-FFF2-40B4-BE49-F238E27FC236}">
-                <a16:creationId xmlns:a16="http://schemas.microsoft.com/office/drawing/2014/main" id="{DF506191-7123-4B7A-82AE-2E95C3BCF629}"/>
-              </a:ext>
-            </a:extLst>
-          </p:cNvPr>
-          <p:cNvSpPr/>
-          <p:nvPr/>
-        </p:nvSpPr>
-        <p:spPr>
-          <a:xfrm>
-            <a:off x="0" y="0"/>
-            <a:ext cx="12192000" cy="184941"/>
-          </a:xfrm>
-          <a:prstGeom prst="rect">
-            <a:avLst/>
-          </a:prstGeom>
-          <a:solidFill>
-            <a:srgbClr val="5F0080"/>
-          </a:solidFill>
-          <a:ln>
-            <a:noFill/>
-          </a:ln>
-        </p:spPr>
-        <p:style>
-          <a:lnRef idx="2">
-            <a:schemeClr val="accent1">
-              <a:shade val="50000"/>
-            </a:schemeClr>
-          </a:lnRef>
-          <a:fillRef idx="1">
-            <a:schemeClr val="accent1"/>
-          </a:fillRef>
-          <a:effectRef idx="0">
-            <a:schemeClr val="accent1"/>
-          </a:effectRef>
-          <a:fontRef idx="minor">
-            <a:schemeClr val="lt1"/>
-          </a:fontRef>
-        </p:style>
-        <p:txBody>
-          <a:bodyPr rtlCol="0" anchor="ctr"/>
-          <a:lstStyle/>
-          <a:p>
-            <a:pPr algn="ctr"/>
-            <a:endParaRPr lang="ko-KR" altLang="en-US"/>
-          </a:p>
-        </p:txBody>
-      </p:sp>
       <p:pic>
         <p:nvPicPr>
           <p:cNvPr id="8" name="그림 7">
@@ -9446,7 +9748,7 @@
         </p:blipFill>
         <p:spPr>
           <a:xfrm>
-            <a:off x="419365" y="1072040"/>
+            <a:off x="648152" y="1424878"/>
             <a:ext cx="3993744" cy="1862412"/>
           </a:xfrm>
           <a:prstGeom prst="rect">
@@ -9476,8 +9778,8 @@
         </p:blipFill>
         <p:spPr>
           <a:xfrm>
-            <a:off x="6517914" y="956053"/>
-            <a:ext cx="4576806" cy="2095007"/>
+            <a:off x="6365802" y="1363850"/>
+            <a:ext cx="5230737" cy="2251620"/>
           </a:xfrm>
           <a:prstGeom prst="rect">
             <a:avLst/>
@@ -9572,10 +9874,148 @@
       </p:cxnSp>
       <p:sp>
         <p:nvSpPr>
-          <p:cNvPr id="26" name="TextBox 25">
-            <a:extLst>
-              <a:ext uri="{FF2B5EF4-FFF2-40B4-BE49-F238E27FC236}">
-                <a16:creationId xmlns:a16="http://schemas.microsoft.com/office/drawing/2014/main" id="{3188E78B-C3D5-652E-A7F6-91C70B44DC7C}"/>
+          <p:cNvPr id="2" name="직사각형 1">
+            <a:extLst>
+              <a:ext uri="{FF2B5EF4-FFF2-40B4-BE49-F238E27FC236}">
+                <a16:creationId xmlns:a16="http://schemas.microsoft.com/office/drawing/2014/main" id="{BFC7B2DE-91D5-C3F0-6FBA-B6B121C766FD}"/>
+              </a:ext>
+            </a:extLst>
+          </p:cNvPr>
+          <p:cNvSpPr/>
+          <p:nvPr/>
+        </p:nvSpPr>
+        <p:spPr>
+          <a:xfrm>
+            <a:off x="0" y="4961434"/>
+            <a:ext cx="12192000" cy="1849633"/>
+          </a:xfrm>
+          <a:prstGeom prst="rect">
+            <a:avLst/>
+          </a:prstGeom>
+          <a:solidFill>
+            <a:srgbClr val="5F0080"/>
+          </a:solidFill>
+          <a:ln>
+            <a:noFill/>
+          </a:ln>
+        </p:spPr>
+        <p:style>
+          <a:lnRef idx="2">
+            <a:schemeClr val="accent1">
+              <a:shade val="50000"/>
+            </a:schemeClr>
+          </a:lnRef>
+          <a:fillRef idx="1">
+            <a:schemeClr val="accent1"/>
+          </a:fillRef>
+          <a:effectRef idx="0">
+            <a:schemeClr val="accent1"/>
+          </a:effectRef>
+          <a:fontRef idx="minor">
+            <a:schemeClr val="lt1"/>
+          </a:fontRef>
+        </p:style>
+        <p:txBody>
+          <a:bodyPr rtlCol="0" anchor="ctr"/>
+          <a:lstStyle/>
+          <a:p>
+            <a:pPr algn="ctr"/>
+            <a:endParaRPr lang="ko-KR" altLang="en-US"/>
+          </a:p>
+        </p:txBody>
+      </p:sp>
+      <p:cxnSp>
+        <p:nvCxnSpPr>
+          <p:cNvPr id="3" name="직선 연결선 2">
+            <a:extLst>
+              <a:ext uri="{FF2B5EF4-FFF2-40B4-BE49-F238E27FC236}">
+                <a16:creationId xmlns:a16="http://schemas.microsoft.com/office/drawing/2014/main" id="{F998D635-DCB5-0F0C-3863-87F559A71C5E}"/>
+              </a:ext>
+            </a:extLst>
+          </p:cNvPr>
+          <p:cNvCxnSpPr>
+            <a:cxnSpLocks/>
+          </p:cNvCxnSpPr>
+          <p:nvPr/>
+        </p:nvCxnSpPr>
+        <p:spPr>
+          <a:xfrm>
+            <a:off x="5770340" y="46932"/>
+            <a:ext cx="0" cy="4914502"/>
+          </a:xfrm>
+          <a:prstGeom prst="line">
+            <a:avLst/>
+          </a:prstGeom>
+          <a:ln w="12700">
+            <a:solidFill>
+              <a:srgbClr val="5F0080"/>
+            </a:solidFill>
+          </a:ln>
+        </p:spPr>
+        <p:style>
+          <a:lnRef idx="1">
+            <a:schemeClr val="accent1"/>
+          </a:lnRef>
+          <a:fillRef idx="0">
+            <a:schemeClr val="accent1"/>
+          </a:fillRef>
+          <a:effectRef idx="0">
+            <a:schemeClr val="accent1"/>
+          </a:effectRef>
+          <a:fontRef idx="minor">
+            <a:schemeClr val="tx1"/>
+          </a:fontRef>
+        </p:style>
+      </p:cxnSp>
+      <p:cxnSp>
+        <p:nvCxnSpPr>
+          <p:cNvPr id="4" name="직선 연결선 3">
+            <a:extLst>
+              <a:ext uri="{FF2B5EF4-FFF2-40B4-BE49-F238E27FC236}">
+                <a16:creationId xmlns:a16="http://schemas.microsoft.com/office/drawing/2014/main" id="{328FB144-C9C2-4774-C16E-72B5B128C39C}"/>
+              </a:ext>
+            </a:extLst>
+          </p:cNvPr>
+          <p:cNvCxnSpPr>
+            <a:cxnSpLocks/>
+          </p:cNvCxnSpPr>
+          <p:nvPr/>
+        </p:nvCxnSpPr>
+        <p:spPr>
+          <a:xfrm flipV="1">
+            <a:off x="5770340" y="4961434"/>
+            <a:ext cx="0" cy="1843494"/>
+          </a:xfrm>
+          <a:prstGeom prst="line">
+            <a:avLst/>
+          </a:prstGeom>
+          <a:ln w="12700">
+            <a:solidFill>
+              <a:schemeClr val="bg1"/>
+            </a:solidFill>
+          </a:ln>
+        </p:spPr>
+        <p:style>
+          <a:lnRef idx="1">
+            <a:schemeClr val="accent1"/>
+          </a:lnRef>
+          <a:fillRef idx="0">
+            <a:schemeClr val="accent1"/>
+          </a:fillRef>
+          <a:effectRef idx="0">
+            <a:schemeClr val="accent1"/>
+          </a:effectRef>
+          <a:fontRef idx="minor">
+            <a:schemeClr val="tx1"/>
+          </a:fontRef>
+        </p:style>
+      </p:cxnSp>
+      <p:sp>
+        <p:nvSpPr>
+          <p:cNvPr id="5" name="TextBox 4">
+            <a:extLst>
+              <a:ext uri="{FF2B5EF4-FFF2-40B4-BE49-F238E27FC236}">
+                <a16:creationId xmlns:a16="http://schemas.microsoft.com/office/drawing/2014/main" id="{66A2C71B-EA55-0987-31C7-C17748AB05B1}"/>
               </a:ext>
             </a:extLst>
           </p:cNvPr>
@@ -9584,8 +10024,8 @@
         </p:nvSpPr>
         <p:spPr>
           <a:xfrm>
-            <a:off x="1144240" y="4467715"/>
-            <a:ext cx="3360214" cy="363305"/>
+            <a:off x="552945" y="5066611"/>
+            <a:ext cx="4184159" cy="417487"/>
           </a:xfrm>
           <a:prstGeom prst="rect">
             <a:avLst/>
@@ -9604,7 +10044,7 @@
               </a:lnSpc>
             </a:pPr>
             <a:r>
-              <a:rPr lang="en-US" altLang="ko-KR" sz="1500" spc="-50" dirty="0">
+              <a:rPr lang="en-US" altLang="ko-KR" sz="1800" b="1" spc="-50" dirty="0">
                 <a:ln>
                   <a:solidFill>
                     <a:srgbClr val="5F0080">
@@ -9621,7 +10061,7 @@
               <a:t>Google</a:t>
             </a:r>
             <a:r>
-              <a:rPr lang="ko-KR" altLang="en-US" sz="1500" spc="-50" dirty="0">
+              <a:rPr lang="ko-KR" altLang="en-US" sz="1800" b="1" spc="-50" dirty="0">
                 <a:ln>
                   <a:solidFill>
                     <a:srgbClr val="5F0080">
@@ -9638,7 +10078,7 @@
               <a:t>에 </a:t>
             </a:r>
             <a:r>
-              <a:rPr lang="en-US" altLang="ko-KR" sz="1500" spc="-50" dirty="0">
+              <a:rPr lang="en-US" altLang="ko-KR" sz="1800" b="1" spc="-50" dirty="0">
                 <a:ln>
                   <a:solidFill>
                     <a:srgbClr val="5F0080">
@@ -9655,7 +10095,7 @@
               <a:t>FFXIV SIMHELPER</a:t>
             </a:r>
             <a:r>
-              <a:rPr lang="ko-KR" altLang="en-US" sz="1500" spc="-50" dirty="0">
+              <a:rPr lang="ko-KR" altLang="en-US" sz="1800" b="1" spc="-50" dirty="0">
                 <a:ln>
                   <a:solidFill>
                     <a:srgbClr val="5F0080">
@@ -9671,7 +10111,7 @@
               </a:rPr>
               <a:t>를 검색한다</a:t>
             </a:r>
-            <a:endParaRPr lang="en-US" altLang="ko-KR" sz="1500" spc="-50" dirty="0">
+            <a:endParaRPr lang="en-US" altLang="ko-KR" sz="1800" b="1" spc="-50" dirty="0">
               <a:ln>
                 <a:solidFill>
                   <a:srgbClr val="5F0080">
@@ -9690,10 +10130,10 @@
       </p:sp>
       <p:sp>
         <p:nvSpPr>
-          <p:cNvPr id="27" name="TextBox 26">
-            <a:extLst>
-              <a:ext uri="{FF2B5EF4-FFF2-40B4-BE49-F238E27FC236}">
-                <a16:creationId xmlns:a16="http://schemas.microsoft.com/office/drawing/2014/main" id="{611CC482-5D64-60DD-4117-791A6445073D}"/>
+          <p:cNvPr id="6" name="TextBox 5">
+            <a:extLst>
+              <a:ext uri="{FF2B5EF4-FFF2-40B4-BE49-F238E27FC236}">
+                <a16:creationId xmlns:a16="http://schemas.microsoft.com/office/drawing/2014/main" id="{D5AB265E-FA30-889F-8864-BD9BD1E44882}"/>
               </a:ext>
             </a:extLst>
           </p:cNvPr>
@@ -9702,8 +10142,8 @@
         </p:nvSpPr>
         <p:spPr>
           <a:xfrm>
-            <a:off x="7260186" y="4474266"/>
-            <a:ext cx="3441968" cy="363305"/>
+            <a:off x="6517914" y="5048529"/>
+            <a:ext cx="4716355" cy="453650"/>
           </a:xfrm>
           <a:prstGeom prst="rect">
             <a:avLst/>
@@ -9722,16 +10162,16 @@
               </a:lnSpc>
             </a:pPr>
             <a:r>
-              <a:rPr lang="ko-KR" altLang="en-US" sz="1500" spc="-50" dirty="0">
-                <a:ln>
-                  <a:solidFill>
-                    <a:srgbClr val="5F0080">
-                      <a:alpha val="0"/>
-                    </a:srgbClr>
-                  </a:solidFill>
-                </a:ln>
-                <a:solidFill>
-                  <a:srgbClr val="FF0000"/>
+              <a:rPr lang="ko-KR" altLang="en-US" sz="2000" b="1" spc="-50" dirty="0">
+                <a:ln>
+                  <a:solidFill>
+                    <a:srgbClr val="5F0080">
+                      <a:alpha val="0"/>
+                    </a:srgbClr>
+                  </a:solidFill>
+                </a:ln>
+                <a:solidFill>
+                  <a:schemeClr val="bg1"/>
                 </a:solidFill>
                 <a:latin typeface="Noto Sans KR" panose="020B0200000000000000" pitchFamily="50" charset="-127"/>
                 <a:ea typeface="Noto Sans KR" panose="020B0200000000000000" pitchFamily="50" charset="-127"/>
@@ -9739,16 +10179,16 @@
               <a:t>검색창에서 </a:t>
             </a:r>
             <a:r>
-              <a:rPr lang="en-US" altLang="ko-KR" sz="1500" spc="-50" dirty="0">
-                <a:ln>
-                  <a:solidFill>
-                    <a:srgbClr val="5F0080">
-                      <a:alpha val="0"/>
-                    </a:srgbClr>
-                  </a:solidFill>
-                </a:ln>
-                <a:solidFill>
-                  <a:srgbClr val="FF0000"/>
+              <a:rPr lang="en-US" altLang="ko-KR" sz="2000" b="1" spc="-50" dirty="0">
+                <a:ln>
+                  <a:solidFill>
+                    <a:srgbClr val="5F0080">
+                      <a:alpha val="0"/>
+                    </a:srgbClr>
+                  </a:solidFill>
+                </a:ln>
+                <a:solidFill>
+                  <a:schemeClr val="bg1"/>
                 </a:solidFill>
                 <a:latin typeface="Noto Sans KR" panose="020B0200000000000000" pitchFamily="50" charset="-127"/>
                 <a:ea typeface="Noto Sans KR" panose="020B0200000000000000" pitchFamily="50" charset="-127"/>
@@ -9756,23 +10196,23 @@
               <a:t>FFXIV SIMHELPER</a:t>
             </a:r>
             <a:r>
-              <a:rPr lang="ko-KR" altLang="en-US" sz="1500" spc="-50" dirty="0">
-                <a:ln>
-                  <a:solidFill>
-                    <a:srgbClr val="5F0080">
-                      <a:alpha val="0"/>
-                    </a:srgbClr>
-                  </a:solidFill>
-                </a:ln>
-                <a:solidFill>
-                  <a:srgbClr val="FF0000"/>
+              <a:rPr lang="ko-KR" altLang="en-US" sz="2000" b="1" spc="-50" dirty="0">
+                <a:ln>
+                  <a:solidFill>
+                    <a:srgbClr val="5F0080">
+                      <a:alpha val="0"/>
+                    </a:srgbClr>
+                  </a:solidFill>
+                </a:ln>
+                <a:solidFill>
+                  <a:schemeClr val="bg1"/>
                 </a:solidFill>
                 <a:latin typeface="Noto Sans KR" panose="020B0200000000000000" pitchFamily="50" charset="-127"/>
                 <a:ea typeface="Noto Sans KR" panose="020B0200000000000000" pitchFamily="50" charset="-127"/>
               </a:rPr>
               <a:t>를 클릭한다</a:t>
             </a:r>
-            <a:endParaRPr lang="en-US" altLang="ko-KR" sz="1500" spc="-50" dirty="0">
+            <a:endParaRPr lang="en-US" altLang="ko-KR" sz="2000" b="1" spc="-50" dirty="0">
               <a:ln>
                 <a:solidFill>
                   <a:srgbClr val="5F0080">
@@ -9781,7 +10221,7 @@
                 </a:solidFill>
               </a:ln>
               <a:solidFill>
-                <a:srgbClr val="FF0000"/>
+                <a:schemeClr val="bg1"/>
               </a:solidFill>
               <a:latin typeface="Noto Sans KR" panose="020B0200000000000000" pitchFamily="50" charset="-127"/>
               <a:ea typeface="Noto Sans KR" panose="020B0200000000000000" pitchFamily="50" charset="-127"/>
@@ -9789,6 +10229,66 @@
           </a:p>
         </p:txBody>
       </p:sp>
+      <p:pic>
+        <p:nvPicPr>
+          <p:cNvPr id="19" name="그림 18">
+            <a:extLst>
+              <a:ext uri="{FF2B5EF4-FFF2-40B4-BE49-F238E27FC236}">
+                <a16:creationId xmlns:a16="http://schemas.microsoft.com/office/drawing/2014/main" id="{9999D9D2-F15A-684B-F657-EEB81B1F102F}"/>
+              </a:ext>
+            </a:extLst>
+          </p:cNvPr>
+          <p:cNvPicPr>
+            <a:picLocks noChangeAspect="1"/>
+          </p:cNvPicPr>
+          <p:nvPr/>
+        </p:nvPicPr>
+        <p:blipFill>
+          <a:blip r:embed="rId4"/>
+          <a:stretch>
+            <a:fillRect/>
+          </a:stretch>
+        </p:blipFill>
+        <p:spPr>
+          <a:xfrm>
+            <a:off x="5929371" y="1100434"/>
+            <a:ext cx="5893170" cy="3065166"/>
+          </a:xfrm>
+          <a:prstGeom prst="rect">
+            <a:avLst/>
+          </a:prstGeom>
+        </p:spPr>
+      </p:pic>
+      <p:pic>
+        <p:nvPicPr>
+          <p:cNvPr id="20" name="그림 19">
+            <a:extLst>
+              <a:ext uri="{FF2B5EF4-FFF2-40B4-BE49-F238E27FC236}">
+                <a16:creationId xmlns:a16="http://schemas.microsoft.com/office/drawing/2014/main" id="{48ACDADF-19EC-308B-702C-9FB192DBC383}"/>
+              </a:ext>
+            </a:extLst>
+          </p:cNvPr>
+          <p:cNvPicPr>
+            <a:picLocks noChangeAspect="1"/>
+          </p:cNvPicPr>
+          <p:nvPr/>
+        </p:nvPicPr>
+        <p:blipFill>
+          <a:blip r:embed="rId4"/>
+          <a:stretch>
+            <a:fillRect/>
+          </a:stretch>
+        </p:blipFill>
+        <p:spPr>
+          <a:xfrm>
+            <a:off x="244097" y="1100434"/>
+            <a:ext cx="5282760" cy="3065166"/>
+          </a:xfrm>
+          <a:prstGeom prst="rect">
+            <a:avLst/>
+          </a:prstGeom>
+        </p:spPr>
+      </p:pic>
     </p:spTree>
     <p:extLst>
       <p:ext uri="{BB962C8B-B14F-4D97-AF65-F5344CB8AC3E}">
@@ -9887,7 +10387,7 @@
         </p:nvSpPr>
         <p:spPr>
           <a:xfrm>
-            <a:off x="2658715" y="311947"/>
+            <a:off x="2316920" y="312055"/>
             <a:ext cx="1097620" cy="372655"/>
           </a:xfrm>
           <a:prstGeom prst="rect">
@@ -9907,7 +10407,7 @@
               </a:lnSpc>
             </a:pPr>
             <a:r>
-              <a:rPr lang="en-US" altLang="ko-KR" sz="2000" spc="-80" dirty="0">
+              <a:rPr lang="en-US" altLang="ko-KR" sz="2800" b="1" spc="-80" dirty="0">
                 <a:ln>
                   <a:solidFill>
                     <a:srgbClr val="5F0080">
@@ -9927,7 +10427,7 @@
               <a:t>Step </a:t>
             </a:r>
             <a:r>
-              <a:rPr lang="en-US" altLang="ko-KR" sz="2000" spc="-80" dirty="0">
+              <a:rPr lang="en-US" altLang="ko-KR" sz="2800" b="1" spc="-80" dirty="0">
                 <a:ln>
                   <a:solidFill>
                     <a:srgbClr val="5F0080">
@@ -9980,7 +10480,7 @@
               </a:lnSpc>
             </a:pPr>
             <a:r>
-              <a:rPr lang="en-US" altLang="ko-KR" sz="2000" spc="-80" dirty="0">
+              <a:rPr lang="en-US" altLang="ko-KR" sz="2800" b="1" spc="-80" dirty="0">
                 <a:ln>
                   <a:solidFill>
                     <a:srgbClr val="5F0080">
@@ -10000,7 +10500,7 @@
               <a:t>Step </a:t>
             </a:r>
             <a:r>
-              <a:rPr lang="en-US" altLang="ko-KR" sz="2000" spc="-80" dirty="0">
+              <a:rPr lang="en-US" altLang="ko-KR" sz="2800" b="1" spc="-80" dirty="0">
                 <a:ln>
                   <a:solidFill>
                     <a:srgbClr val="5F0080">
@@ -10093,8 +10593,8 @@
         </p:blipFill>
         <p:spPr>
           <a:xfrm>
-            <a:off x="1014856" y="1478507"/>
-            <a:ext cx="4385337" cy="778647"/>
+            <a:off x="391043" y="2151037"/>
+            <a:ext cx="5068926" cy="900023"/>
           </a:xfrm>
           <a:prstGeom prst="rect">
             <a:avLst/>
@@ -10123,20 +10623,63 @@
         </p:blipFill>
         <p:spPr>
           <a:xfrm>
-            <a:off x="8210030" y="1176183"/>
-            <a:ext cx="1571844" cy="1495634"/>
+            <a:off x="7755993" y="1289693"/>
+            <a:ext cx="2481988" cy="2361650"/>
           </a:xfrm>
           <a:prstGeom prst="rect">
             <a:avLst/>
           </a:prstGeom>
         </p:spPr>
       </p:pic>
-      <p:sp>
-        <p:nvSpPr>
-          <p:cNvPr id="10" name="직사각형 9">
-            <a:extLst>
-              <a:ext uri="{FF2B5EF4-FFF2-40B4-BE49-F238E27FC236}">
-                <a16:creationId xmlns:a16="http://schemas.microsoft.com/office/drawing/2014/main" id="{D61A2475-37B6-C627-2ABD-3B5FC437733E}"/>
+      <p:cxnSp>
+        <p:nvCxnSpPr>
+          <p:cNvPr id="11" name="직선 연결선 10">
+            <a:extLst>
+              <a:ext uri="{FF2B5EF4-FFF2-40B4-BE49-F238E27FC236}">
+                <a16:creationId xmlns:a16="http://schemas.microsoft.com/office/drawing/2014/main" id="{1C9A85B2-5E90-2AD4-8E8A-14D06798CE7F}"/>
+              </a:ext>
+            </a:extLst>
+          </p:cNvPr>
+          <p:cNvCxnSpPr>
+            <a:cxnSpLocks/>
+          </p:cNvCxnSpPr>
+          <p:nvPr/>
+        </p:nvCxnSpPr>
+        <p:spPr>
+          <a:xfrm>
+            <a:off x="5994275" y="0"/>
+            <a:ext cx="0" cy="4914502"/>
+          </a:xfrm>
+          <a:prstGeom prst="line">
+            <a:avLst/>
+          </a:prstGeom>
+          <a:ln w="12700">
+            <a:solidFill>
+              <a:srgbClr val="5F0080"/>
+            </a:solidFill>
+          </a:ln>
+        </p:spPr>
+        <p:style>
+          <a:lnRef idx="1">
+            <a:schemeClr val="accent1"/>
+          </a:lnRef>
+          <a:fillRef idx="0">
+            <a:schemeClr val="accent1"/>
+          </a:fillRef>
+          <a:effectRef idx="0">
+            <a:schemeClr val="accent1"/>
+          </a:effectRef>
+          <a:fontRef idx="minor">
+            <a:schemeClr val="tx1"/>
+          </a:fontRef>
+        </p:style>
+      </p:cxnSp>
+      <p:sp>
+        <p:nvSpPr>
+          <p:cNvPr id="2" name="직사각형 1">
+            <a:extLst>
+              <a:ext uri="{FF2B5EF4-FFF2-40B4-BE49-F238E27FC236}">
+                <a16:creationId xmlns:a16="http://schemas.microsoft.com/office/drawing/2014/main" id="{38A00F16-9A90-255B-CD3E-46396732A8FD}"/>
               </a:ext>
             </a:extLst>
           </p:cNvPr>
@@ -10145,8 +10688,8 @@
         </p:nvSpPr>
         <p:spPr>
           <a:xfrm>
-            <a:off x="0" y="4351328"/>
-            <a:ext cx="12192000" cy="2506672"/>
+            <a:off x="0" y="4961434"/>
+            <a:ext cx="12192000" cy="1849633"/>
           </a:xfrm>
           <a:prstGeom prst="rect">
             <a:avLst/>
@@ -10185,10 +10728,10 @@
       </p:sp>
       <p:sp>
         <p:nvSpPr>
-          <p:cNvPr id="8" name="TextBox 7">
-            <a:extLst>
-              <a:ext uri="{FF2B5EF4-FFF2-40B4-BE49-F238E27FC236}">
-                <a16:creationId xmlns:a16="http://schemas.microsoft.com/office/drawing/2014/main" id="{CEDC20AC-10C4-4033-3C19-593E37702291}"/>
+          <p:cNvPr id="4" name="TextBox 3">
+            <a:extLst>
+              <a:ext uri="{FF2B5EF4-FFF2-40B4-BE49-F238E27FC236}">
+                <a16:creationId xmlns:a16="http://schemas.microsoft.com/office/drawing/2014/main" id="{DBA1C38F-7E40-3BEA-DCE6-7B748E445A1F}"/>
               </a:ext>
             </a:extLst>
           </p:cNvPr>
@@ -10197,8 +10740,8 @@
         </p:nvSpPr>
         <p:spPr>
           <a:xfrm>
-            <a:off x="7119923" y="4474266"/>
-            <a:ext cx="3722494" cy="363305"/>
+            <a:off x="120631" y="5091312"/>
+            <a:ext cx="5529078" cy="417487"/>
           </a:xfrm>
           <a:prstGeom prst="rect">
             <a:avLst/>
@@ -10217,108 +10760,7 @@
               </a:lnSpc>
             </a:pPr>
             <a:r>
-              <a:rPr lang="ko-KR" altLang="en-US" sz="1500" spc="-50" dirty="0">
-                <a:ln>
-                  <a:solidFill>
-                    <a:srgbClr val="5F0080">
-                      <a:alpha val="0"/>
-                    </a:srgbClr>
-                  </a:solidFill>
-                </a:ln>
-                <a:solidFill>
-                  <a:schemeClr val="bg1"/>
-                </a:solidFill>
-                <a:latin typeface="Noto Sans KR" panose="020B0200000000000000" pitchFamily="50" charset="-127"/>
-                <a:ea typeface="Noto Sans KR" panose="020B0200000000000000" pitchFamily="50" charset="-127"/>
-              </a:rPr>
-              <a:t>다운받은 </a:t>
-            </a:r>
-            <a:r>
-              <a:rPr lang="en-US" altLang="ko-KR" sz="1500" spc="-50" dirty="0">
-                <a:ln>
-                  <a:solidFill>
-                    <a:srgbClr val="5F0080">
-                      <a:alpha val="0"/>
-                    </a:srgbClr>
-                  </a:solidFill>
-                </a:ln>
-                <a:solidFill>
-                  <a:schemeClr val="bg1"/>
-                </a:solidFill>
-                <a:latin typeface="Noto Sans KR" panose="020B0200000000000000" pitchFamily="50" charset="-127"/>
-                <a:ea typeface="Noto Sans KR" panose="020B0200000000000000" pitchFamily="50" charset="-127"/>
-              </a:rPr>
-              <a:t>FFXIV SIMHELPER </a:t>
-            </a:r>
-            <a:r>
-              <a:rPr lang="ko-KR" altLang="en-US" sz="1500" spc="-50" dirty="0">
-                <a:ln>
-                  <a:solidFill>
-                    <a:srgbClr val="5F0080">
-                      <a:alpha val="0"/>
-                    </a:srgbClr>
-                  </a:solidFill>
-                </a:ln>
-                <a:solidFill>
-                  <a:schemeClr val="bg1"/>
-                </a:solidFill>
-                <a:latin typeface="Noto Sans KR" panose="020B0200000000000000" pitchFamily="50" charset="-127"/>
-                <a:ea typeface="Noto Sans KR" panose="020B0200000000000000" pitchFamily="50" charset="-127"/>
-              </a:rPr>
-              <a:t>파일을 클릭한다  </a:t>
-            </a:r>
-            <a:endParaRPr lang="en-US" altLang="ko-KR" sz="1500" spc="-50" dirty="0">
-              <a:ln>
-                <a:solidFill>
-                  <a:srgbClr val="5F0080">
-                    <a:alpha val="0"/>
-                  </a:srgbClr>
-                </a:solidFill>
-              </a:ln>
-              <a:solidFill>
-                <a:schemeClr val="bg1"/>
-              </a:solidFill>
-              <a:latin typeface="Noto Sans KR" panose="020B0200000000000000" pitchFamily="50" charset="-127"/>
-              <a:ea typeface="Noto Sans KR" panose="020B0200000000000000" pitchFamily="50" charset="-127"/>
-            </a:endParaRPr>
-          </a:p>
-        </p:txBody>
-      </p:sp>
-      <p:sp>
-        <p:nvSpPr>
-          <p:cNvPr id="9" name="TextBox 8">
-            <a:extLst>
-              <a:ext uri="{FF2B5EF4-FFF2-40B4-BE49-F238E27FC236}">
-                <a16:creationId xmlns:a16="http://schemas.microsoft.com/office/drawing/2014/main" id="{1759DA8D-2EF2-30B7-65F4-B1C3C05D9FF5}"/>
-              </a:ext>
-            </a:extLst>
-          </p:cNvPr>
-          <p:cNvSpPr txBox="1"/>
-          <p:nvPr/>
-        </p:nvSpPr>
-        <p:spPr>
-          <a:xfrm>
-            <a:off x="580784" y="4467715"/>
-            <a:ext cx="4487127" cy="363305"/>
-          </a:xfrm>
-          <a:prstGeom prst="rect">
-            <a:avLst/>
-          </a:prstGeom>
-          <a:noFill/>
-        </p:spPr>
-        <p:txBody>
-          <a:bodyPr wrap="none" rtlCol="0">
-            <a:spAutoFit/>
-          </a:bodyPr>
-          <a:lstStyle/>
-          <a:p>
-            <a:pPr algn="ctr">
-              <a:lnSpc>
-                <a:spcPct val="130000"/>
-              </a:lnSpc>
-            </a:pPr>
-            <a:r>
-              <a:rPr lang="en-US" altLang="ko-KR" sz="1500" spc="-50" dirty="0">
+              <a:rPr lang="en-US" altLang="ko-KR" b="1" spc="-50" dirty="0">
                 <a:ln>
                   <a:solidFill>
                     <a:srgbClr val="5F0080">
@@ -10335,7 +10777,7 @@
               <a:t>FFXIV SIMHELPER</a:t>
             </a:r>
             <a:r>
-              <a:rPr lang="ko-KR" altLang="en-US" sz="1500" spc="-50" dirty="0">
+              <a:rPr lang="ko-KR" altLang="en-US" b="1" spc="-50" dirty="0">
                 <a:ln>
                   <a:solidFill>
                     <a:srgbClr val="5F0080">
@@ -10352,7 +10794,7 @@
               <a:t>의 </a:t>
             </a:r>
             <a:r>
-              <a:rPr lang="en-US" altLang="ko-KR" sz="1500" spc="-50" dirty="0">
+              <a:rPr lang="en-US" altLang="ko-KR" b="1" spc="-50" dirty="0">
                 <a:ln>
                   <a:solidFill>
                     <a:srgbClr val="5F0080">
@@ -10369,7 +10811,7 @@
               <a:t>Code</a:t>
             </a:r>
             <a:r>
-              <a:rPr lang="ko-KR" altLang="en-US" sz="1500" spc="-50" dirty="0">
+              <a:rPr lang="ko-KR" altLang="en-US" b="1" spc="-50" dirty="0">
                 <a:ln>
                   <a:solidFill>
                     <a:srgbClr val="5F0080">
@@ -10385,7 +10827,7 @@
               </a:rPr>
               <a:t>를 클릭하여 다운로드 받는다</a:t>
             </a:r>
-            <a:endParaRPr lang="en-US" altLang="ko-KR" sz="1500" spc="-50" dirty="0">
+            <a:endParaRPr lang="en-US" altLang="ko-KR" b="1" spc="-50" dirty="0">
               <a:ln>
                 <a:solidFill>
                   <a:srgbClr val="5F0080">
@@ -10404,10 +10846,10 @@
       </p:sp>
       <p:cxnSp>
         <p:nvCxnSpPr>
-          <p:cNvPr id="11" name="직선 연결선 10">
-            <a:extLst>
-              <a:ext uri="{FF2B5EF4-FFF2-40B4-BE49-F238E27FC236}">
-                <a16:creationId xmlns:a16="http://schemas.microsoft.com/office/drawing/2014/main" id="{1C9A85B2-5E90-2AD4-8E8A-14D06798CE7F}"/>
+          <p:cNvPr id="12" name="직선 연결선 11">
+            <a:extLst>
+              <a:ext uri="{FF2B5EF4-FFF2-40B4-BE49-F238E27FC236}">
+                <a16:creationId xmlns:a16="http://schemas.microsoft.com/office/drawing/2014/main" id="{DD541B8F-F6B8-D1D7-96FB-1FF0E2F7B3C5}"/>
               </a:ext>
             </a:extLst>
           </p:cNvPr>
@@ -10417,16 +10859,16 @@
           <p:nvPr/>
         </p:nvCxnSpPr>
         <p:spPr>
-          <a:xfrm>
-            <a:off x="5770340" y="46932"/>
-            <a:ext cx="0" cy="4441944"/>
+          <a:xfrm flipV="1">
+            <a:off x="5994275" y="4967573"/>
+            <a:ext cx="0" cy="1843494"/>
           </a:xfrm>
           <a:prstGeom prst="line">
             <a:avLst/>
           </a:prstGeom>
           <a:ln w="12700">
             <a:solidFill>
-              <a:srgbClr val="5F0080"/>
+              <a:schemeClr val="bg1"/>
             </a:solidFill>
           </a:ln>
         </p:spPr>
@@ -10445,49 +10887,167 @@
           </a:fontRef>
         </p:style>
       </p:cxnSp>
-      <p:cxnSp>
-        <p:nvCxnSpPr>
-          <p:cNvPr id="12" name="직선 연결선 11">
-            <a:extLst>
-              <a:ext uri="{FF2B5EF4-FFF2-40B4-BE49-F238E27FC236}">
-                <a16:creationId xmlns:a16="http://schemas.microsoft.com/office/drawing/2014/main" id="{DD541B8F-F6B8-D1D7-96FB-1FF0E2F7B3C5}"/>
-              </a:ext>
-            </a:extLst>
-          </p:cNvPr>
-          <p:cNvCxnSpPr>
-            <a:cxnSpLocks/>
-          </p:cNvCxnSpPr>
-          <p:nvPr/>
-        </p:nvCxnSpPr>
-        <p:spPr>
-          <a:xfrm rot="16200000">
-            <a:off x="4520074" y="5554662"/>
-            <a:ext cx="2500532" cy="0"/>
-          </a:xfrm>
-          <a:prstGeom prst="line">
-            <a:avLst/>
-          </a:prstGeom>
-          <a:ln w="12700">
-            <a:solidFill>
-              <a:schemeClr val="bg1"/>
-            </a:solidFill>
-          </a:ln>
-        </p:spPr>
-        <p:style>
-          <a:lnRef idx="1">
-            <a:schemeClr val="accent1"/>
-          </a:lnRef>
-          <a:fillRef idx="0">
-            <a:schemeClr val="accent1"/>
-          </a:fillRef>
-          <a:effectRef idx="0">
-            <a:schemeClr val="accent1"/>
-          </a:effectRef>
-          <a:fontRef idx="minor">
-            <a:schemeClr val="tx1"/>
-          </a:fontRef>
-        </p:style>
-      </p:cxnSp>
+      <p:sp>
+        <p:nvSpPr>
+          <p:cNvPr id="15" name="TextBox 14">
+            <a:extLst>
+              <a:ext uri="{FF2B5EF4-FFF2-40B4-BE49-F238E27FC236}">
+                <a16:creationId xmlns:a16="http://schemas.microsoft.com/office/drawing/2014/main" id="{B67DBDEA-5609-177F-A34F-31A1AEC53642}"/>
+              </a:ext>
+            </a:extLst>
+          </p:cNvPr>
+          <p:cNvSpPr txBox="1"/>
+          <p:nvPr/>
+        </p:nvSpPr>
+        <p:spPr>
+          <a:xfrm>
+            <a:off x="6431434" y="5091778"/>
+            <a:ext cx="5099473" cy="453650"/>
+          </a:xfrm>
+          <a:prstGeom prst="rect">
+            <a:avLst/>
+          </a:prstGeom>
+          <a:noFill/>
+        </p:spPr>
+        <p:txBody>
+          <a:bodyPr wrap="none" rtlCol="0">
+            <a:spAutoFit/>
+          </a:bodyPr>
+          <a:lstStyle/>
+          <a:p>
+            <a:pPr algn="ctr">
+              <a:lnSpc>
+                <a:spcPct val="130000"/>
+              </a:lnSpc>
+            </a:pPr>
+            <a:r>
+              <a:rPr lang="ko-KR" altLang="en-US" sz="2000" b="1" spc="-50" dirty="0">
+                <a:ln>
+                  <a:solidFill>
+                    <a:srgbClr val="5F0080">
+                      <a:alpha val="0"/>
+                    </a:srgbClr>
+                  </a:solidFill>
+                </a:ln>
+                <a:solidFill>
+                  <a:schemeClr val="bg1"/>
+                </a:solidFill>
+                <a:latin typeface="Noto Sans KR" panose="020B0200000000000000" pitchFamily="50" charset="-127"/>
+                <a:ea typeface="Noto Sans KR" panose="020B0200000000000000" pitchFamily="50" charset="-127"/>
+              </a:rPr>
+              <a:t>다운받은 </a:t>
+            </a:r>
+            <a:r>
+              <a:rPr lang="en-US" altLang="ko-KR" sz="2000" b="1" spc="-50" dirty="0">
+                <a:ln>
+                  <a:solidFill>
+                    <a:srgbClr val="5F0080">
+                      <a:alpha val="0"/>
+                    </a:srgbClr>
+                  </a:solidFill>
+                </a:ln>
+                <a:solidFill>
+                  <a:schemeClr val="bg1"/>
+                </a:solidFill>
+                <a:latin typeface="Noto Sans KR" panose="020B0200000000000000" pitchFamily="50" charset="-127"/>
+                <a:ea typeface="Noto Sans KR" panose="020B0200000000000000" pitchFamily="50" charset="-127"/>
+              </a:rPr>
+              <a:t>FFXIV SIMHELPER </a:t>
+            </a:r>
+            <a:r>
+              <a:rPr lang="ko-KR" altLang="en-US" sz="2000" b="1" spc="-50" dirty="0">
+                <a:ln>
+                  <a:solidFill>
+                    <a:srgbClr val="5F0080">
+                      <a:alpha val="0"/>
+                    </a:srgbClr>
+                  </a:solidFill>
+                </a:ln>
+                <a:solidFill>
+                  <a:schemeClr val="bg1"/>
+                </a:solidFill>
+                <a:latin typeface="Noto Sans KR" panose="020B0200000000000000" pitchFamily="50" charset="-127"/>
+                <a:ea typeface="Noto Sans KR" panose="020B0200000000000000" pitchFamily="50" charset="-127"/>
+              </a:rPr>
+              <a:t>파일을 클릭한다  </a:t>
+            </a:r>
+            <a:endParaRPr lang="en-US" altLang="ko-KR" sz="2000" b="1" spc="-50" dirty="0">
+              <a:ln>
+                <a:solidFill>
+                  <a:srgbClr val="5F0080">
+                    <a:alpha val="0"/>
+                  </a:srgbClr>
+                </a:solidFill>
+              </a:ln>
+              <a:solidFill>
+                <a:schemeClr val="bg1"/>
+              </a:solidFill>
+              <a:latin typeface="Noto Sans KR" panose="020B0200000000000000" pitchFamily="50" charset="-127"/>
+              <a:ea typeface="Noto Sans KR" panose="020B0200000000000000" pitchFamily="50" charset="-127"/>
+            </a:endParaRPr>
+          </a:p>
+        </p:txBody>
+      </p:sp>
+      <p:pic>
+        <p:nvPicPr>
+          <p:cNvPr id="20" name="그림 19">
+            <a:extLst>
+              <a:ext uri="{FF2B5EF4-FFF2-40B4-BE49-F238E27FC236}">
+                <a16:creationId xmlns:a16="http://schemas.microsoft.com/office/drawing/2014/main" id="{86FC610E-18EE-C9A3-D159-93357324F61C}"/>
+              </a:ext>
+            </a:extLst>
+          </p:cNvPr>
+          <p:cNvPicPr>
+            <a:picLocks noChangeAspect="1"/>
+          </p:cNvPicPr>
+          <p:nvPr/>
+        </p:nvPicPr>
+        <p:blipFill>
+          <a:blip r:embed="rId4"/>
+          <a:stretch>
+            <a:fillRect/>
+          </a:stretch>
+        </p:blipFill>
+        <p:spPr>
+          <a:xfrm>
+            <a:off x="6225310" y="1112863"/>
+            <a:ext cx="5635423" cy="3019775"/>
+          </a:xfrm>
+          <a:prstGeom prst="rect">
+            <a:avLst/>
+          </a:prstGeom>
+        </p:spPr>
+      </p:pic>
+      <p:pic>
+        <p:nvPicPr>
+          <p:cNvPr id="21" name="그림 20">
+            <a:extLst>
+              <a:ext uri="{FF2B5EF4-FFF2-40B4-BE49-F238E27FC236}">
+                <a16:creationId xmlns:a16="http://schemas.microsoft.com/office/drawing/2014/main" id="{E17AFA6C-97DF-D741-46A4-E9028EE7BCE4}"/>
+              </a:ext>
+            </a:extLst>
+          </p:cNvPr>
+          <p:cNvPicPr>
+            <a:picLocks noChangeAspect="1"/>
+          </p:cNvPicPr>
+          <p:nvPr/>
+        </p:nvPicPr>
+        <p:blipFill>
+          <a:blip r:embed="rId4"/>
+          <a:stretch>
+            <a:fillRect/>
+          </a:stretch>
+        </p:blipFill>
+        <p:spPr>
+          <a:xfrm>
+            <a:off x="53898" y="1060975"/>
+            <a:ext cx="5716442" cy="3019775"/>
+          </a:xfrm>
+          <a:prstGeom prst="rect">
+            <a:avLst/>
+          </a:prstGeom>
+        </p:spPr>
+      </p:pic>
     </p:spTree>
     <p:extLst>
       <p:ext uri="{BB962C8B-B14F-4D97-AF65-F5344CB8AC3E}">
@@ -10586,8 +11146,8 @@
         </p:nvSpPr>
         <p:spPr>
           <a:xfrm>
-            <a:off x="0" y="4304396"/>
-            <a:ext cx="12192000" cy="2506672"/>
+            <a:off x="0" y="4961434"/>
+            <a:ext cx="12192000" cy="1849633"/>
           </a:xfrm>
           <a:prstGeom prst="rect">
             <a:avLst/>
@@ -10638,8 +11198,8 @@
         </p:nvSpPr>
         <p:spPr>
           <a:xfrm>
-            <a:off x="979130" y="4467715"/>
-            <a:ext cx="3690434" cy="363305"/>
+            <a:off x="326413" y="5091778"/>
+            <a:ext cx="5078634" cy="453650"/>
           </a:xfrm>
           <a:prstGeom prst="rect">
             <a:avLst/>
@@ -10658,7 +11218,7 @@
               </a:lnSpc>
             </a:pPr>
             <a:r>
-              <a:rPr lang="en-US" altLang="ko-KR" sz="1500" spc="-50" dirty="0">
+              <a:rPr lang="en-US" altLang="ko-KR" sz="2000" b="1" spc="-50" dirty="0">
                 <a:ln>
                   <a:solidFill>
                     <a:srgbClr val="5F0080">
@@ -10675,7 +11235,7 @@
               <a:t>FFXIV SIMHELPER </a:t>
             </a:r>
             <a:r>
-              <a:rPr lang="ko-KR" altLang="en-US" sz="1500" spc="-50" dirty="0">
+              <a:rPr lang="ko-KR" altLang="en-US" sz="2000" b="1" spc="-50" dirty="0">
                 <a:ln>
                   <a:solidFill>
                     <a:srgbClr val="5F0080">
@@ -10692,7 +11252,7 @@
               <a:t>파일에서 </a:t>
             </a:r>
             <a:r>
-              <a:rPr lang="en-US" altLang="ko-KR" sz="1500" spc="-50" dirty="0">
+              <a:rPr lang="en-US" altLang="ko-KR" sz="2000" b="1" spc="-50" dirty="0">
                 <a:ln>
                   <a:solidFill>
                     <a:srgbClr val="5F0080">
@@ -10709,7 +11269,7 @@
               <a:t>RUN</a:t>
             </a:r>
             <a:r>
-              <a:rPr lang="ko-KR" altLang="en-US" sz="1500" spc="-50" dirty="0">
+              <a:rPr lang="ko-KR" altLang="en-US" sz="2000" b="1" spc="-50" dirty="0">
                 <a:ln>
                   <a:solidFill>
                     <a:srgbClr val="5F0080">
@@ -10725,7 +11285,7 @@
               </a:rPr>
               <a:t>을 실행한다</a:t>
             </a:r>
-            <a:endParaRPr lang="en-US" altLang="ko-KR" sz="1500" spc="-50" dirty="0">
+            <a:endParaRPr lang="en-US" altLang="ko-KR" sz="2000" b="1" spc="-50" dirty="0">
               <a:ln>
                 <a:solidFill>
                   <a:srgbClr val="5F0080">
@@ -10756,8 +11316,8 @@
         </p:nvSpPr>
         <p:spPr>
           <a:xfrm>
-            <a:off x="7604831" y="4474266"/>
-            <a:ext cx="2752677" cy="363305"/>
+            <a:off x="7075039" y="5091778"/>
+            <a:ext cx="3812262" cy="453650"/>
           </a:xfrm>
           <a:prstGeom prst="rect">
             <a:avLst/>
@@ -10776,7 +11336,7 @@
               </a:lnSpc>
             </a:pPr>
             <a:r>
-              <a:rPr lang="en-US" altLang="ko-KR" sz="1500" spc="-50" dirty="0">
+              <a:rPr lang="en-US" altLang="ko-KR" sz="2000" b="1" spc="-50" dirty="0">
                 <a:ln>
                   <a:solidFill>
                     <a:srgbClr val="5F0080">
@@ -10793,7 +11353,7 @@
               <a:t>FFXIV</a:t>
             </a:r>
             <a:r>
-              <a:rPr lang="ko-KR" altLang="en-US" sz="1500" spc="-50" dirty="0">
+              <a:rPr lang="ko-KR" altLang="en-US" sz="2000" b="1" spc="-50" dirty="0">
                 <a:ln>
                   <a:solidFill>
                     <a:srgbClr val="5F0080">
@@ -10810,7 +11370,7 @@
               <a:t> </a:t>
             </a:r>
             <a:r>
-              <a:rPr lang="en-US" altLang="ko-KR" sz="1500" spc="-50" dirty="0">
+              <a:rPr lang="en-US" altLang="ko-KR" sz="2000" b="1" spc="-50" dirty="0">
                 <a:ln>
                   <a:solidFill>
                     <a:srgbClr val="5F0080">
@@ -10827,7 +11387,7 @@
               <a:t>SIMHELPER </a:t>
             </a:r>
             <a:r>
-              <a:rPr lang="ko-KR" altLang="en-US" sz="1500" spc="-50" dirty="0">
+              <a:rPr lang="ko-KR" altLang="en-US" sz="2000" b="1" spc="-50" dirty="0">
                 <a:ln>
                   <a:solidFill>
                     <a:srgbClr val="5F0080">
@@ -10844,7 +11404,7 @@
               <a:t>실행 준비 끝</a:t>
             </a:r>
             <a:r>
-              <a:rPr lang="en-US" altLang="ko-KR" sz="1500" spc="-50" dirty="0">
+              <a:rPr lang="en-US" altLang="ko-KR" sz="2000" b="1" spc="-50" dirty="0">
                 <a:ln>
                   <a:solidFill>
                     <a:srgbClr val="5F0080">
@@ -10915,72 +11475,12 @@
           </a:p>
         </p:txBody>
       </p:sp>
-      <p:pic>
-        <p:nvPicPr>
-          <p:cNvPr id="6" name="그림 5">
-            <a:extLst>
-              <a:ext uri="{FF2B5EF4-FFF2-40B4-BE49-F238E27FC236}">
-                <a16:creationId xmlns:a16="http://schemas.microsoft.com/office/drawing/2014/main" id="{E548185F-9AC4-9B18-5297-EC1CB1FFDAB7}"/>
-              </a:ext>
-            </a:extLst>
-          </p:cNvPr>
-          <p:cNvPicPr>
-            <a:picLocks noChangeAspect="1"/>
-          </p:cNvPicPr>
-          <p:nvPr/>
-        </p:nvPicPr>
-        <p:blipFill>
-          <a:blip r:embed="rId2"/>
-          <a:stretch>
-            <a:fillRect/>
-          </a:stretch>
-        </p:blipFill>
-        <p:spPr>
-          <a:xfrm>
-            <a:off x="574339" y="1179029"/>
-            <a:ext cx="4500016" cy="2341255"/>
-          </a:xfrm>
-          <a:prstGeom prst="rect">
-            <a:avLst/>
-          </a:prstGeom>
-        </p:spPr>
-      </p:pic>
-      <p:pic>
-        <p:nvPicPr>
-          <p:cNvPr id="11" name="그림 10">
-            <a:extLst>
-              <a:ext uri="{FF2B5EF4-FFF2-40B4-BE49-F238E27FC236}">
-                <a16:creationId xmlns:a16="http://schemas.microsoft.com/office/drawing/2014/main" id="{062D685F-8E5F-FB7A-97D4-B92E5E357B76}"/>
-              </a:ext>
-            </a:extLst>
-          </p:cNvPr>
-          <p:cNvPicPr>
-            <a:picLocks noChangeAspect="1"/>
-          </p:cNvPicPr>
-          <p:nvPr/>
-        </p:nvPicPr>
-        <p:blipFill>
-          <a:blip r:embed="rId3"/>
-          <a:stretch>
-            <a:fillRect/>
-          </a:stretch>
-        </p:blipFill>
-        <p:spPr>
-          <a:xfrm>
-            <a:off x="6476922" y="1179028"/>
-            <a:ext cx="4500016" cy="2341255"/>
-          </a:xfrm>
-          <a:prstGeom prst="rect">
-            <a:avLst/>
-          </a:prstGeom>
-        </p:spPr>
-      </p:pic>
       <p:cxnSp>
         <p:nvCxnSpPr>
-          <p:cNvPr id="3" name="직선 연결선 2">
-            <a:extLst>
-              <a:ext uri="{FF2B5EF4-FFF2-40B4-BE49-F238E27FC236}">
-                <a16:creationId xmlns:a16="http://schemas.microsoft.com/office/drawing/2014/main" id="{A45D5781-A98B-CBA1-C5E6-F1BF093E43CE}"/>
+          <p:cNvPr id="4" name="직선 연결선 3">
+            <a:extLst>
+              <a:ext uri="{FF2B5EF4-FFF2-40B4-BE49-F238E27FC236}">
+                <a16:creationId xmlns:a16="http://schemas.microsoft.com/office/drawing/2014/main" id="{5EBCE355-431D-09DC-9F96-43F483C22544}"/>
               </a:ext>
             </a:extLst>
           </p:cNvPr>
@@ -10990,16 +11490,16 @@
           <p:nvPr/>
         </p:nvCxnSpPr>
         <p:spPr>
-          <a:xfrm>
-            <a:off x="5770340" y="46932"/>
-            <a:ext cx="0" cy="4441944"/>
+          <a:xfrm rot="16200000">
+            <a:off x="4520074" y="5554662"/>
+            <a:ext cx="2500532" cy="0"/>
           </a:xfrm>
           <a:prstGeom prst="line">
             <a:avLst/>
           </a:prstGeom>
           <a:ln w="12700">
             <a:solidFill>
-              <a:srgbClr val="5F0080"/>
+              <a:schemeClr val="bg1"/>
             </a:solidFill>
           </a:ln>
         </p:spPr>
@@ -11018,12 +11518,218 @@
           </a:fontRef>
         </p:style>
       </p:cxnSp>
+      <p:sp>
+        <p:nvSpPr>
+          <p:cNvPr id="5" name="TextBox 4">
+            <a:extLst>
+              <a:ext uri="{FF2B5EF4-FFF2-40B4-BE49-F238E27FC236}">
+                <a16:creationId xmlns:a16="http://schemas.microsoft.com/office/drawing/2014/main" id="{57098B54-2360-2FFC-BE3D-0816367A4C41}"/>
+              </a:ext>
+            </a:extLst>
+          </p:cNvPr>
+          <p:cNvSpPr txBox="1"/>
+          <p:nvPr/>
+        </p:nvSpPr>
+        <p:spPr>
+          <a:xfrm>
+            <a:off x="2316920" y="312055"/>
+            <a:ext cx="1097620" cy="372655"/>
+          </a:xfrm>
+          <a:prstGeom prst="rect">
+            <a:avLst/>
+          </a:prstGeom>
+          <a:noFill/>
+        </p:spPr>
+        <p:txBody>
+          <a:bodyPr wrap="none" rtlCol="0" anchor="ctr">
+            <a:noAutofit/>
+          </a:bodyPr>
+          <a:lstStyle/>
+          <a:p>
+            <a:pPr algn="ctr">
+              <a:lnSpc>
+                <a:spcPct val="110000"/>
+              </a:lnSpc>
+            </a:pPr>
+            <a:r>
+              <a:rPr lang="en-US" altLang="ko-KR" sz="2800" b="1" spc="-80" dirty="0">
+                <a:ln>
+                  <a:solidFill>
+                    <a:srgbClr val="5F0080">
+                      <a:alpha val="0"/>
+                    </a:srgbClr>
+                  </a:solidFill>
+                </a:ln>
+                <a:solidFill>
+                  <a:schemeClr val="tx1">
+                    <a:lumMod val="85000"/>
+                    <a:lumOff val="15000"/>
+                  </a:schemeClr>
+                </a:solidFill>
+                <a:latin typeface="Noto Sans KR" panose="020B0200000000000000" pitchFamily="50" charset="-127"/>
+                <a:ea typeface="Noto Sans KR" panose="020B0200000000000000" pitchFamily="50" charset="-127"/>
+              </a:rPr>
+              <a:t>Step </a:t>
+            </a:r>
+            <a:r>
+              <a:rPr lang="en-US" altLang="ko-KR" sz="2800" b="1" spc="-80" dirty="0">
+                <a:ln>
+                  <a:solidFill>
+                    <a:srgbClr val="5F0080">
+                      <a:alpha val="0"/>
+                    </a:srgbClr>
+                  </a:solidFill>
+                </a:ln>
+                <a:solidFill>
+                  <a:srgbClr val="5F0080"/>
+                </a:solidFill>
+                <a:latin typeface="Noto Sans KR" panose="020B0200000000000000" pitchFamily="50" charset="-127"/>
+                <a:ea typeface="Noto Sans KR" panose="020B0200000000000000" pitchFamily="50" charset="-127"/>
+              </a:rPr>
+              <a:t>5</a:t>
+            </a:r>
+          </a:p>
+        </p:txBody>
+      </p:sp>
+      <p:sp>
+        <p:nvSpPr>
+          <p:cNvPr id="9" name="TextBox 8">
+            <a:extLst>
+              <a:ext uri="{FF2B5EF4-FFF2-40B4-BE49-F238E27FC236}">
+                <a16:creationId xmlns:a16="http://schemas.microsoft.com/office/drawing/2014/main" id="{1802AA23-9459-C043-E511-CC9035B432BC}"/>
+              </a:ext>
+            </a:extLst>
+          </p:cNvPr>
+          <p:cNvSpPr txBox="1"/>
+          <p:nvPr/>
+        </p:nvSpPr>
+        <p:spPr>
+          <a:xfrm>
+            <a:off x="8435667" y="339722"/>
+            <a:ext cx="1097620" cy="372655"/>
+          </a:xfrm>
+          <a:prstGeom prst="rect">
+            <a:avLst/>
+          </a:prstGeom>
+          <a:noFill/>
+        </p:spPr>
+        <p:txBody>
+          <a:bodyPr wrap="none" rtlCol="0" anchor="ctr">
+            <a:noAutofit/>
+          </a:bodyPr>
+          <a:lstStyle/>
+          <a:p>
+            <a:pPr algn="ctr">
+              <a:lnSpc>
+                <a:spcPct val="110000"/>
+              </a:lnSpc>
+            </a:pPr>
+            <a:r>
+              <a:rPr lang="en-US" altLang="ko-KR" sz="2800" b="1" spc="-80" dirty="0">
+                <a:ln>
+                  <a:solidFill>
+                    <a:srgbClr val="5F0080">
+                      <a:alpha val="0"/>
+                    </a:srgbClr>
+                  </a:solidFill>
+                </a:ln>
+                <a:solidFill>
+                  <a:schemeClr val="tx1">
+                    <a:lumMod val="85000"/>
+                    <a:lumOff val="15000"/>
+                  </a:schemeClr>
+                </a:solidFill>
+                <a:latin typeface="Noto Sans KR" panose="020B0200000000000000" pitchFamily="50" charset="-127"/>
+                <a:ea typeface="Noto Sans KR" panose="020B0200000000000000" pitchFamily="50" charset="-127"/>
+              </a:rPr>
+              <a:t>Step </a:t>
+            </a:r>
+            <a:r>
+              <a:rPr lang="en-US" altLang="ko-KR" sz="2800" b="1" spc="-80" dirty="0">
+                <a:ln>
+                  <a:solidFill>
+                    <a:srgbClr val="5F0080">
+                      <a:alpha val="0"/>
+                    </a:srgbClr>
+                  </a:solidFill>
+                </a:ln>
+                <a:solidFill>
+                  <a:srgbClr val="5F0080"/>
+                </a:solidFill>
+                <a:latin typeface="Noto Sans KR" panose="020B0200000000000000" pitchFamily="50" charset="-127"/>
+                <a:ea typeface="Noto Sans KR" panose="020B0200000000000000" pitchFamily="50" charset="-127"/>
+              </a:rPr>
+              <a:t>6</a:t>
+            </a:r>
+          </a:p>
+        </p:txBody>
+      </p:sp>
+      <p:pic>
+        <p:nvPicPr>
+          <p:cNvPr id="10" name="그림 9">
+            <a:extLst>
+              <a:ext uri="{FF2B5EF4-FFF2-40B4-BE49-F238E27FC236}">
+                <a16:creationId xmlns:a16="http://schemas.microsoft.com/office/drawing/2014/main" id="{85EC36C5-3908-236C-6E61-255266B6F5C0}"/>
+              </a:ext>
+            </a:extLst>
+          </p:cNvPr>
+          <p:cNvPicPr>
+            <a:picLocks noChangeAspect="1"/>
+          </p:cNvPicPr>
+          <p:nvPr/>
+        </p:nvPicPr>
+        <p:blipFill>
+          <a:blip r:embed="rId2"/>
+          <a:stretch>
+            <a:fillRect/>
+          </a:stretch>
+        </p:blipFill>
+        <p:spPr>
+          <a:xfrm>
+            <a:off x="508000" y="1192518"/>
+            <a:ext cx="4783617" cy="2805131"/>
+          </a:xfrm>
+          <a:prstGeom prst="rect">
+            <a:avLst/>
+          </a:prstGeom>
+        </p:spPr>
+      </p:pic>
+      <p:pic>
+        <p:nvPicPr>
+          <p:cNvPr id="12" name="그림 11">
+            <a:extLst>
+              <a:ext uri="{FF2B5EF4-FFF2-40B4-BE49-F238E27FC236}">
+                <a16:creationId xmlns:a16="http://schemas.microsoft.com/office/drawing/2014/main" id="{614E0259-C7FB-81A9-CBC5-FBA3474C347C}"/>
+              </a:ext>
+            </a:extLst>
+          </p:cNvPr>
+          <p:cNvPicPr>
+            <a:picLocks noChangeAspect="1"/>
+          </p:cNvPicPr>
+          <p:nvPr/>
+        </p:nvPicPr>
+        <p:blipFill>
+          <a:blip r:embed="rId3"/>
+          <a:stretch>
+            <a:fillRect/>
+          </a:stretch>
+        </p:blipFill>
+        <p:spPr>
+          <a:xfrm>
+            <a:off x="6489209" y="1148725"/>
+            <a:ext cx="4765436" cy="2848923"/>
+          </a:xfrm>
+          <a:prstGeom prst="rect">
+            <a:avLst/>
+          </a:prstGeom>
+        </p:spPr>
+      </p:pic>
       <p:cxnSp>
         <p:nvCxnSpPr>
-          <p:cNvPr id="4" name="직선 연결선 3">
-            <a:extLst>
-              <a:ext uri="{FF2B5EF4-FFF2-40B4-BE49-F238E27FC236}">
-                <a16:creationId xmlns:a16="http://schemas.microsoft.com/office/drawing/2014/main" id="{5EBCE355-431D-09DC-9F96-43F483C22544}"/>
+          <p:cNvPr id="3" name="직선 연결선 2">
+            <a:extLst>
+              <a:ext uri="{FF2B5EF4-FFF2-40B4-BE49-F238E27FC236}">
+                <a16:creationId xmlns:a16="http://schemas.microsoft.com/office/drawing/2014/main" id="{A45D5781-A98B-CBA1-C5E6-F1BF093E43CE}"/>
               </a:ext>
             </a:extLst>
           </p:cNvPr>
@@ -11033,16 +11739,16 @@
           <p:nvPr/>
         </p:nvCxnSpPr>
         <p:spPr>
-          <a:xfrm rot="16200000">
-            <a:off x="4520074" y="5554662"/>
-            <a:ext cx="2500532" cy="0"/>
+          <a:xfrm>
+            <a:off x="5770340" y="46932"/>
+            <a:ext cx="0" cy="4914502"/>
           </a:xfrm>
           <a:prstGeom prst="line">
             <a:avLst/>
           </a:prstGeom>
           <a:ln w="12700">
             <a:solidFill>
-              <a:schemeClr val="bg1"/>
+              <a:srgbClr val="5F0080"/>
             </a:solidFill>
           </a:ln>
         </p:spPr>
@@ -11061,152 +11767,66 @@
           </a:fontRef>
         </p:style>
       </p:cxnSp>
-      <p:sp>
-        <p:nvSpPr>
-          <p:cNvPr id="7" name="TextBox 6">
-            <a:extLst>
-              <a:ext uri="{FF2B5EF4-FFF2-40B4-BE49-F238E27FC236}">
-                <a16:creationId xmlns:a16="http://schemas.microsoft.com/office/drawing/2014/main" id="{1CC5E1D4-DF3E-A531-96D1-A9975D2295BA}"/>
-              </a:ext>
-            </a:extLst>
-          </p:cNvPr>
-          <p:cNvSpPr txBox="1"/>
-          <p:nvPr/>
-        </p:nvSpPr>
-        <p:spPr>
-          <a:xfrm>
-            <a:off x="8435667" y="339722"/>
-            <a:ext cx="1097620" cy="372655"/>
-          </a:xfrm>
-          <a:prstGeom prst="rect">
-            <a:avLst/>
-          </a:prstGeom>
-          <a:noFill/>
-        </p:spPr>
-        <p:txBody>
-          <a:bodyPr wrap="none" rtlCol="0" anchor="ctr">
-            <a:noAutofit/>
-          </a:bodyPr>
-          <a:lstStyle/>
-          <a:p>
-            <a:pPr algn="ctr">
-              <a:lnSpc>
-                <a:spcPct val="110000"/>
-              </a:lnSpc>
-            </a:pPr>
-            <a:r>
-              <a:rPr lang="en-US" altLang="ko-KR" sz="2000" spc="-80" dirty="0">
-                <a:ln>
-                  <a:solidFill>
-                    <a:srgbClr val="5F0080">
-                      <a:alpha val="0"/>
-                    </a:srgbClr>
-                  </a:solidFill>
-                </a:ln>
-                <a:solidFill>
-                  <a:schemeClr val="tx1">
-                    <a:lumMod val="85000"/>
-                    <a:lumOff val="15000"/>
-                  </a:schemeClr>
-                </a:solidFill>
-                <a:latin typeface="Noto Sans KR" panose="020B0200000000000000" pitchFamily="50" charset="-127"/>
-                <a:ea typeface="Noto Sans KR" panose="020B0200000000000000" pitchFamily="50" charset="-127"/>
-              </a:rPr>
-              <a:t>Step </a:t>
-            </a:r>
-            <a:r>
-              <a:rPr lang="en-US" altLang="ko-KR" sz="2000" spc="-80" dirty="0">
-                <a:ln>
-                  <a:solidFill>
-                    <a:srgbClr val="5F0080">
-                      <a:alpha val="0"/>
-                    </a:srgbClr>
-                  </a:solidFill>
-                </a:ln>
-                <a:solidFill>
-                  <a:srgbClr val="5F0080"/>
-                </a:solidFill>
-                <a:latin typeface="Noto Sans KR" panose="020B0200000000000000" pitchFamily="50" charset="-127"/>
-                <a:ea typeface="Noto Sans KR" panose="020B0200000000000000" pitchFamily="50" charset="-127"/>
-              </a:rPr>
-              <a:t>6</a:t>
-            </a:r>
-          </a:p>
-        </p:txBody>
-      </p:sp>
-      <p:sp>
-        <p:nvSpPr>
-          <p:cNvPr id="8" name="TextBox 7">
-            <a:extLst>
-              <a:ext uri="{FF2B5EF4-FFF2-40B4-BE49-F238E27FC236}">
-                <a16:creationId xmlns:a16="http://schemas.microsoft.com/office/drawing/2014/main" id="{932D925E-4B6C-0862-9621-FC6C146B478F}"/>
-              </a:ext>
-            </a:extLst>
-          </p:cNvPr>
-          <p:cNvSpPr txBox="1"/>
-          <p:nvPr/>
-        </p:nvSpPr>
-        <p:spPr>
-          <a:xfrm>
-            <a:off x="2658715" y="311947"/>
-            <a:ext cx="1097620" cy="372655"/>
-          </a:xfrm>
-          <a:prstGeom prst="rect">
-            <a:avLst/>
-          </a:prstGeom>
-          <a:noFill/>
-        </p:spPr>
-        <p:txBody>
-          <a:bodyPr wrap="none" rtlCol="0" anchor="ctr">
-            <a:noAutofit/>
-          </a:bodyPr>
-          <a:lstStyle/>
-          <a:p>
-            <a:pPr algn="ctr">
-              <a:lnSpc>
-                <a:spcPct val="110000"/>
-              </a:lnSpc>
-            </a:pPr>
-            <a:r>
-              <a:rPr lang="en-US" altLang="ko-KR" sz="2000" spc="-80" dirty="0">
-                <a:ln>
-                  <a:solidFill>
-                    <a:srgbClr val="5F0080">
-                      <a:alpha val="0"/>
-                    </a:srgbClr>
-                  </a:solidFill>
-                </a:ln>
-                <a:solidFill>
-                  <a:schemeClr val="tx1">
-                    <a:lumMod val="85000"/>
-                    <a:lumOff val="15000"/>
-                  </a:schemeClr>
-                </a:solidFill>
-                <a:latin typeface="Noto Sans KR" panose="020B0200000000000000" pitchFamily="50" charset="-127"/>
-                <a:ea typeface="Noto Sans KR" panose="020B0200000000000000" pitchFamily="50" charset="-127"/>
-              </a:rPr>
-              <a:t>Step </a:t>
-            </a:r>
-            <a:r>
-              <a:rPr lang="en-US" altLang="ko-KR" sz="2000" spc="-80" dirty="0">
-                <a:ln>
-                  <a:solidFill>
-                    <a:srgbClr val="5F0080">
-                      <a:alpha val="0"/>
-                    </a:srgbClr>
-                  </a:solidFill>
-                </a:ln>
-                <a:solidFill>
-                  <a:srgbClr val="5F0080"/>
-                </a:solidFill>
-                <a:latin typeface="Noto Sans KR" panose="020B0200000000000000" pitchFamily="50" charset="-127"/>
-                <a:ea typeface="Noto Sans KR" panose="020B0200000000000000" pitchFamily="50" charset="-127"/>
-              </a:rPr>
-              <a:t>5</a:t>
-            </a:r>
-          </a:p>
-        </p:txBody>
-      </p:sp>
+      <p:pic>
+        <p:nvPicPr>
+          <p:cNvPr id="13" name="그림 12">
+            <a:extLst>
+              <a:ext uri="{FF2B5EF4-FFF2-40B4-BE49-F238E27FC236}">
+                <a16:creationId xmlns:a16="http://schemas.microsoft.com/office/drawing/2014/main" id="{B4B90520-2153-B7BF-850C-1AF2440E93F7}"/>
+              </a:ext>
+            </a:extLst>
+          </p:cNvPr>
+          <p:cNvPicPr>
+            <a:picLocks noChangeAspect="1"/>
+          </p:cNvPicPr>
+          <p:nvPr/>
+        </p:nvPicPr>
+        <p:blipFill>
+          <a:blip r:embed="rId4"/>
+          <a:stretch>
+            <a:fillRect/>
+          </a:stretch>
+        </p:blipFill>
+        <p:spPr>
+          <a:xfrm>
+            <a:off x="230909" y="969818"/>
+            <a:ext cx="5320944" cy="3519056"/>
+          </a:xfrm>
+          <a:prstGeom prst="rect">
+            <a:avLst/>
+          </a:prstGeom>
+        </p:spPr>
+      </p:pic>
+      <p:pic>
+        <p:nvPicPr>
+          <p:cNvPr id="14" name="그림 13">
+            <a:extLst>
+              <a:ext uri="{FF2B5EF4-FFF2-40B4-BE49-F238E27FC236}">
+                <a16:creationId xmlns:a16="http://schemas.microsoft.com/office/drawing/2014/main" id="{5C87B8F0-E6B0-8BAB-B627-D4D15217925C}"/>
+              </a:ext>
+            </a:extLst>
+          </p:cNvPr>
+          <p:cNvPicPr>
+            <a:picLocks noChangeAspect="1"/>
+          </p:cNvPicPr>
+          <p:nvPr/>
+        </p:nvPicPr>
+        <p:blipFill>
+          <a:blip r:embed="rId4"/>
+          <a:stretch>
+            <a:fillRect/>
+          </a:stretch>
+        </p:blipFill>
+        <p:spPr>
+          <a:xfrm>
+            <a:off x="6211455" y="969818"/>
+            <a:ext cx="5320944" cy="3519056"/>
+          </a:xfrm>
+          <a:prstGeom prst="rect">
+            <a:avLst/>
+          </a:prstGeom>
+        </p:spPr>
+      </p:pic>
     </p:spTree>
     <p:extLst>
       <p:ext uri="{BB962C8B-B14F-4D97-AF65-F5344CB8AC3E}">
@@ -11251,8 +11871,8 @@
         </p:nvSpPr>
         <p:spPr>
           <a:xfrm flipV="1">
-            <a:off x="-1" y="3429000"/>
-            <a:ext cx="12192001" cy="3428999"/>
+            <a:off x="-1" y="3732244"/>
+            <a:ext cx="12192001" cy="3125754"/>
           </a:xfrm>
           <a:prstGeom prst="rect">
             <a:avLst/>
@@ -11377,7 +11997,7 @@
               </a:lnSpc>
             </a:pPr>
             <a:r>
-              <a:rPr lang="ko-KR" altLang="en-US" sz="3000" spc="-80" dirty="0">
+              <a:rPr lang="ko-KR" altLang="en-US" sz="3000" b="1" spc="-80" dirty="0">
                 <a:ln>
                   <a:solidFill>
                     <a:srgbClr val="5F0080">
@@ -11394,7 +12014,7 @@
               <a:t>빠른 시뮬레이션 </a:t>
             </a:r>
             <a:r>
-              <a:rPr lang="ko-KR" altLang="en-US" sz="3000" spc="-80" dirty="0">
+              <a:rPr lang="ko-KR" altLang="en-US" sz="3000" b="1" spc="-80" dirty="0">
                 <a:ln>
                   <a:solidFill>
                     <a:srgbClr val="5F0080">
@@ -11413,7 +12033,7 @@
               </a:rPr>
               <a:t>돌리기</a:t>
             </a:r>
-            <a:endParaRPr lang="en-US" altLang="ko-KR" sz="3000" spc="-80" dirty="0">
+            <a:endParaRPr lang="en-US" altLang="ko-KR" sz="3000" b="1" spc="-80" dirty="0">
               <a:ln>
                 <a:solidFill>
                   <a:srgbClr val="5F0080">
@@ -11445,7 +12065,7 @@
         <p:spPr>
           <a:xfrm>
             <a:off x="4869255" y="1336130"/>
-            <a:ext cx="6334454" cy="983474"/>
+            <a:ext cx="6546890" cy="983474"/>
           </a:xfrm>
           <a:prstGeom prst="rect">
             <a:avLst/>
@@ -11464,7 +12084,7 @@
               </a:lnSpc>
             </a:pPr>
             <a:r>
-              <a:rPr lang="ko-KR" altLang="en-US" sz="1600" spc="-80" dirty="0">
+              <a:rPr lang="ko-KR" altLang="en-US" sz="1600" b="1" spc="-80" dirty="0">
                 <a:ln>
                   <a:solidFill>
                     <a:srgbClr val="5F0080">
@@ -11562,7 +12182,7 @@
                 <a:latin typeface="Noto Sans KR" panose="020B0200000000000000" pitchFamily="50" charset="-127"/>
                 <a:ea typeface="Noto Sans KR" panose="020B0200000000000000" pitchFamily="50" charset="-127"/>
               </a:rPr>
-              <a:t>DPS(Deal per Second),</a:t>
+              <a:t>DPS(Damage per Second),</a:t>
             </a:r>
             <a:r>
               <a:rPr lang="ko-KR" altLang="en-US" sz="1500" spc="-50" dirty="0">
@@ -11924,7 +12544,7 @@
         </p:blipFill>
         <p:spPr>
           <a:xfrm>
-            <a:off x="4869255" y="2784132"/>
+            <a:off x="4869255" y="2954303"/>
             <a:ext cx="3655423" cy="1512496"/>
           </a:xfrm>
           <a:prstGeom prst="rect">
@@ -12082,8 +12702,8 @@
         </p:nvSpPr>
         <p:spPr>
           <a:xfrm>
-            <a:off x="4869254" y="4785684"/>
-            <a:ext cx="6907660" cy="1761764"/>
+            <a:off x="4217556" y="4815681"/>
+            <a:ext cx="7398179" cy="1852558"/>
           </a:xfrm>
           <a:prstGeom prst="rect">
             <a:avLst/>
@@ -12105,7 +12725,7 @@
               </a:spcAft>
             </a:pPr>
             <a:r>
-              <a:rPr lang="en-US" altLang="ko-KR" sz="1500" b="1" spc="-50" dirty="0">
+              <a:rPr lang="en-US" altLang="ko-KR" sz="1600" b="1" spc="-50" dirty="0">
                 <a:ln>
                   <a:solidFill>
                     <a:srgbClr val="5F0080">
@@ -12122,7 +12742,7 @@
               <a:t>1.</a:t>
             </a:r>
             <a:r>
-              <a:rPr lang="en-US" altLang="ko-KR" sz="1500" spc="-50" dirty="0">
+              <a:rPr lang="en-US" altLang="ko-KR" sz="1600" spc="-50" dirty="0">
                 <a:ln>
                   <a:solidFill>
                     <a:srgbClr val="5F0080">
@@ -12142,7 +12762,7 @@
               <a:t> </a:t>
             </a:r>
             <a:r>
-              <a:rPr lang="ko-KR" altLang="en-US" sz="1500" spc="-50" dirty="0">
+              <a:rPr lang="ko-KR" altLang="en-US" sz="1600" spc="-50" dirty="0">
                 <a:ln>
                   <a:solidFill>
                     <a:srgbClr val="5F0080">
@@ -12162,7 +12782,7 @@
               <a:t>사용자가 원하는 직업을 선택할 수 있습니다</a:t>
             </a:r>
             <a:r>
-              <a:rPr lang="en-US" altLang="ko-KR" sz="1500" spc="-50" dirty="0">
+              <a:rPr lang="en-US" altLang="ko-KR" sz="1600" spc="-50" dirty="0">
                 <a:ln>
                   <a:solidFill>
                     <a:srgbClr val="5F0080">
@@ -12181,7 +12801,7 @@
               </a:rPr>
               <a:t>.</a:t>
             </a:r>
-            <a:endParaRPr lang="ko-KR" altLang="en-US" sz="1500" spc="-50" dirty="0">
+            <a:endParaRPr lang="ko-KR" altLang="en-US" sz="1600" spc="-50" dirty="0">
               <a:ln>
                 <a:solidFill>
                   <a:srgbClr val="5F0080">
@@ -12209,7 +12829,7 @@
               </a:spcAft>
             </a:pPr>
             <a:r>
-              <a:rPr lang="en-US" altLang="ko-KR" sz="1500" b="1" spc="-50" dirty="0">
+              <a:rPr lang="en-US" altLang="ko-KR" sz="1600" b="1" spc="-50" dirty="0">
                 <a:ln>
                   <a:solidFill>
                     <a:srgbClr val="5F0080">
@@ -12226,7 +12846,7 @@
               <a:t>2.</a:t>
             </a:r>
             <a:r>
-              <a:rPr lang="en-US" altLang="ko-KR" sz="1500" b="1" spc="-50" dirty="0">
+              <a:rPr lang="en-US" altLang="ko-KR" sz="1600" b="1" spc="-50" dirty="0">
                 <a:ln>
                   <a:solidFill>
                     <a:srgbClr val="5F0080">
@@ -12246,7 +12866,7 @@
               <a:t> </a:t>
             </a:r>
             <a:r>
-              <a:rPr lang="ko-KR" altLang="en-US" sz="1500" spc="-50" dirty="0">
+              <a:rPr lang="ko-KR" altLang="en-US" sz="1600" spc="-50" dirty="0">
                 <a:ln>
                   <a:solidFill>
                     <a:srgbClr val="5F0080">
@@ -12276,7 +12896,7 @@
               </a:spcAft>
             </a:pPr>
             <a:r>
-              <a:rPr lang="en-US" altLang="ko-KR" sz="1500" b="1" spc="-50" dirty="0">
+              <a:rPr lang="en-US" altLang="ko-KR" sz="1600" b="1" spc="-50" dirty="0">
                 <a:ln>
                   <a:solidFill>
                     <a:srgbClr val="5F0080">
@@ -12293,7 +12913,7 @@
               <a:t>3.</a:t>
             </a:r>
             <a:r>
-              <a:rPr lang="en-US" altLang="ko-KR" sz="1500" spc="-50" dirty="0">
+              <a:rPr lang="en-US" altLang="ko-KR" sz="1600" spc="-50" dirty="0">
                 <a:ln>
                   <a:solidFill>
                     <a:srgbClr val="5F0080">
@@ -12313,7 +12933,7 @@
               <a:t> </a:t>
             </a:r>
             <a:r>
-              <a:rPr lang="ko-KR" altLang="en-US" sz="1500" spc="-50" dirty="0" err="1">
+              <a:rPr lang="ko-KR" altLang="en-US" sz="1600" spc="-50" dirty="0" err="1">
                 <a:ln>
                   <a:solidFill>
                     <a:srgbClr val="5F0080">
@@ -12333,7 +12953,7 @@
               <a:t>장비칸에</a:t>
             </a:r>
             <a:r>
-              <a:rPr lang="ko-KR" altLang="en-US" sz="1500" spc="-50" dirty="0">
+              <a:rPr lang="ko-KR" altLang="en-US" sz="1600" spc="-50" dirty="0">
                 <a:ln>
                   <a:solidFill>
                     <a:srgbClr val="5F0080">
@@ -12363,7 +12983,7 @@
               </a:spcAft>
             </a:pPr>
             <a:r>
-              <a:rPr lang="en-US" altLang="ko-KR" sz="1500" b="1" spc="-50" dirty="0">
+              <a:rPr lang="en-US" altLang="ko-KR" sz="1600" b="1" spc="-50" dirty="0">
                 <a:ln>
                   <a:solidFill>
                     <a:srgbClr val="5F0080">
@@ -12380,7 +13000,7 @@
               <a:t>4.</a:t>
             </a:r>
             <a:r>
-              <a:rPr lang="en-US" altLang="ko-KR" sz="1500" spc="-50" dirty="0">
+              <a:rPr lang="en-US" altLang="ko-KR" sz="1600" spc="-50" dirty="0">
                 <a:ln>
                   <a:solidFill>
                     <a:srgbClr val="5F0080">
@@ -12400,7 +13020,7 @@
               <a:t> </a:t>
             </a:r>
             <a:r>
-              <a:rPr lang="ko-KR" altLang="en-US" sz="1500" spc="-50" dirty="0">
+              <a:rPr lang="ko-KR" altLang="en-US" sz="1600" spc="-50" dirty="0">
                 <a:ln>
                   <a:solidFill>
                     <a:srgbClr val="5F0080">
@@ -12420,7 +13040,7 @@
               <a:t>각 장비의 </a:t>
             </a:r>
             <a:r>
-              <a:rPr lang="ko-KR" altLang="en-US" sz="1500" spc="-50" dirty="0" err="1">
+              <a:rPr lang="ko-KR" altLang="en-US" sz="1600" spc="-50" dirty="0" err="1">
                 <a:ln>
                   <a:solidFill>
                     <a:srgbClr val="5F0080">
@@ -12440,7 +13060,7 @@
               <a:t>마테리아를</a:t>
             </a:r>
             <a:r>
-              <a:rPr lang="ko-KR" altLang="en-US" sz="1500" spc="-50" dirty="0">
+              <a:rPr lang="ko-KR" altLang="en-US" sz="1600" spc="-50" dirty="0">
                 <a:ln>
                   <a:solidFill>
                     <a:srgbClr val="5F0080">
@@ -12460,7 +13080,7 @@
               <a:t> 선택하는 창입니다</a:t>
             </a:r>
             <a:r>
-              <a:rPr lang="en-US" altLang="ko-KR" sz="1500" spc="-50" dirty="0">
+              <a:rPr lang="en-US" altLang="ko-KR" sz="1600" spc="-50" dirty="0">
                 <a:ln>
                   <a:solidFill>
                     <a:srgbClr val="5F0080">
@@ -12490,7 +13110,7 @@
               </a:spcAft>
             </a:pPr>
             <a:r>
-              <a:rPr lang="en-US" altLang="ko-KR" sz="1500" b="1" spc="-50" dirty="0">
+              <a:rPr lang="en-US" altLang="ko-KR" sz="1600" b="1" spc="-50" dirty="0">
                 <a:ln>
                   <a:solidFill>
                     <a:srgbClr val="5F0080">
@@ -12507,7 +13127,7 @@
               <a:t>5.</a:t>
             </a:r>
             <a:r>
-              <a:rPr lang="en-US" altLang="ko-KR" sz="1500" spc="-50" dirty="0">
+              <a:rPr lang="en-US" altLang="ko-KR" sz="1600" spc="-50" dirty="0">
                 <a:ln>
                   <a:solidFill>
                     <a:srgbClr val="5F0080">
@@ -12527,7 +13147,7 @@
               <a:t> </a:t>
             </a:r>
             <a:r>
-              <a:rPr lang="ko-KR" altLang="en-US" sz="1500" spc="-50" dirty="0">
+              <a:rPr lang="ko-KR" altLang="en-US" sz="1600" spc="-50" dirty="0">
                 <a:ln>
                   <a:solidFill>
                     <a:srgbClr val="5F0080">
@@ -12547,7 +13167,7 @@
               <a:t>저장 슬롯으로 세팅을 저장하고 언제든지 원할 때 간편하게 불러올 수 있는 기능입니다</a:t>
             </a:r>
             <a:r>
-              <a:rPr lang="en-US" altLang="ko-KR" sz="1500" spc="-50" dirty="0">
+              <a:rPr lang="en-US" altLang="ko-KR" sz="1200" spc="-50" dirty="0">
                 <a:ln>
                   <a:solidFill>
                     <a:srgbClr val="5F0080">
@@ -12613,8 +13233,8 @@
         </p:nvSpPr>
         <p:spPr>
           <a:xfrm>
-            <a:off x="4869255" y="310552"/>
-            <a:ext cx="4507003" cy="565026"/>
+            <a:off x="5090115" y="141578"/>
+            <a:ext cx="4583306" cy="565026"/>
           </a:xfrm>
           <a:prstGeom prst="rect">
             <a:avLst/>
@@ -12633,7 +13253,7 @@
               </a:lnSpc>
             </a:pPr>
             <a:r>
-              <a:rPr lang="ko-KR" altLang="en-US" sz="3000" spc="-80" dirty="0">
+              <a:rPr lang="ko-KR" altLang="en-US" sz="3000" b="1" spc="-80" dirty="0">
                 <a:ln>
                   <a:solidFill>
                     <a:srgbClr val="5F0080">
@@ -12650,7 +13270,7 @@
               <a:t>빠른 시뮬레이션 </a:t>
             </a:r>
             <a:r>
-              <a:rPr lang="ko-KR" altLang="en-US" sz="3000" spc="-80" dirty="0">
+              <a:rPr lang="ko-KR" altLang="en-US" sz="3000" b="1" spc="-80" dirty="0">
                 <a:ln>
                   <a:solidFill>
                     <a:srgbClr val="5F0080">
@@ -12669,7 +13289,7 @@
               </a:rPr>
               <a:t>인터페이스</a:t>
             </a:r>
-            <a:endParaRPr lang="en-US" altLang="ko-KR" sz="3000" spc="-80" dirty="0">
+            <a:endParaRPr lang="en-US" altLang="ko-KR" sz="3000" b="1" spc="-80" dirty="0">
               <a:ln>
                 <a:solidFill>
                   <a:srgbClr val="5F0080">
@@ -12784,7 +13404,7 @@
         </p:nvSpPr>
         <p:spPr>
           <a:xfrm>
-            <a:off x="5218019" y="486806"/>
+            <a:off x="5171554" y="342464"/>
             <a:ext cx="1097620" cy="372655"/>
           </a:xfrm>
           <a:prstGeom prst="rect">
@@ -12804,7 +13424,7 @@
               </a:lnSpc>
             </a:pPr>
             <a:r>
-              <a:rPr lang="en-US" altLang="ko-KR" sz="2000" spc="-80" dirty="0">
+              <a:rPr lang="en-US" altLang="ko-KR" sz="2800" b="1" spc="-80" dirty="0">
                 <a:ln>
                   <a:solidFill>
                     <a:srgbClr val="5F0080">
@@ -12824,7 +13444,7 @@
               <a:t>Step </a:t>
             </a:r>
             <a:r>
-              <a:rPr lang="en-US" altLang="ko-KR" sz="2000" spc="-80" dirty="0">
+              <a:rPr lang="en-US" altLang="ko-KR" sz="2800" b="1" spc="-80" dirty="0">
                 <a:ln>
                   <a:solidFill>
                     <a:srgbClr val="5F0080">
@@ -12840,7 +13460,7 @@
               </a:rPr>
               <a:t>1</a:t>
             </a:r>
-            <a:endParaRPr lang="en-US" altLang="ko-KR" sz="2000" spc="-80" dirty="0">
+            <a:endParaRPr lang="en-US" altLang="ko-KR" sz="2800" b="1" spc="-80" dirty="0">
               <a:ln>
                 <a:solidFill>
                   <a:srgbClr val="5F0080">
@@ -12878,7 +13498,7 @@
             <a:avLst/>
           </a:prstGeom>
           <a:solidFill>
-            <a:srgbClr val="5F0080"/>
+            <a:srgbClr val="00B0F0"/>
           </a:solidFill>
           <a:ln>
             <a:noFill/>
@@ -12961,12 +13581,96 @@
           </a:p>
         </p:txBody>
       </p:sp>
+      <p:sp>
+        <p:nvSpPr>
+          <p:cNvPr id="2" name="TextBox 1">
+            <a:extLst>
+              <a:ext uri="{FF2B5EF4-FFF2-40B4-BE49-F238E27FC236}">
+                <a16:creationId xmlns:a16="http://schemas.microsoft.com/office/drawing/2014/main" id="{AF0FBD69-00CE-A6AC-315E-4804229E585F}"/>
+              </a:ext>
+            </a:extLst>
+          </p:cNvPr>
+          <p:cNvSpPr txBox="1"/>
+          <p:nvPr/>
+        </p:nvSpPr>
+        <p:spPr>
+          <a:xfrm>
+            <a:off x="4186932" y="6061886"/>
+            <a:ext cx="3066865" cy="453650"/>
+          </a:xfrm>
+          <a:prstGeom prst="rect">
+            <a:avLst/>
+          </a:prstGeom>
+          <a:noFill/>
+        </p:spPr>
+        <p:txBody>
+          <a:bodyPr wrap="none" rtlCol="0">
+            <a:spAutoFit/>
+          </a:bodyPr>
+          <a:lstStyle/>
+          <a:p>
+            <a:pPr algn="ctr">
+              <a:lnSpc>
+                <a:spcPct val="130000"/>
+              </a:lnSpc>
+            </a:pPr>
+            <a:r>
+              <a:rPr lang="ko-KR" altLang="en-US" sz="2000" b="1" spc="-50" dirty="0">
+                <a:ln>
+                  <a:solidFill>
+                    <a:srgbClr val="5F0080">
+                      <a:alpha val="0"/>
+                    </a:srgbClr>
+                  </a:solidFill>
+                </a:ln>
+                <a:solidFill>
+                  <a:schemeClr val="bg1"/>
+                </a:solidFill>
+                <a:latin typeface="Noto Sans KR" panose="020B0200000000000000" pitchFamily="50" charset="-127"/>
+                <a:ea typeface="Noto Sans KR" panose="020B0200000000000000" pitchFamily="50" charset="-127"/>
+              </a:rPr>
+              <a:t>빠른 시뮬레이션</a:t>
+            </a:r>
+            <a:r>
+              <a:rPr lang="ko-KR" altLang="en-US" sz="2000" spc="-50" dirty="0">
+                <a:ln>
+                  <a:solidFill>
+                    <a:srgbClr val="5F0080">
+                      <a:alpha val="0"/>
+                    </a:srgbClr>
+                  </a:solidFill>
+                </a:ln>
+                <a:solidFill>
+                  <a:schemeClr val="bg1"/>
+                </a:solidFill>
+                <a:latin typeface="Noto Sans KR" panose="020B0200000000000000" pitchFamily="50" charset="-127"/>
+                <a:ea typeface="Noto Sans KR" panose="020B0200000000000000" pitchFamily="50" charset="-127"/>
+              </a:rPr>
+              <a:t>을 클릭한다</a:t>
+            </a:r>
+            <a:endParaRPr lang="en-US" altLang="ko-KR" sz="2000" spc="-50" dirty="0">
+              <a:ln>
+                <a:solidFill>
+                  <a:srgbClr val="5F0080">
+                    <a:alpha val="0"/>
+                  </a:srgbClr>
+                </a:solidFill>
+              </a:ln>
+              <a:solidFill>
+                <a:schemeClr val="bg1"/>
+              </a:solidFill>
+              <a:latin typeface="Noto Sans KR" panose="020B0200000000000000" pitchFamily="50" charset="-127"/>
+              <a:ea typeface="Noto Sans KR" panose="020B0200000000000000" pitchFamily="50" charset="-127"/>
+            </a:endParaRPr>
+          </a:p>
+        </p:txBody>
+      </p:sp>
       <p:pic>
         <p:nvPicPr>
-          <p:cNvPr id="8" name="그림 7">
-            <a:extLst>
-              <a:ext uri="{FF2B5EF4-FFF2-40B4-BE49-F238E27FC236}">
-                <a16:creationId xmlns:a16="http://schemas.microsoft.com/office/drawing/2014/main" id="{E8BD9B21-AAFB-8FED-EC2B-9941F1082B0E}"/>
+          <p:cNvPr id="3" name="그림 2">
+            <a:extLst>
+              <a:ext uri="{FF2B5EF4-FFF2-40B4-BE49-F238E27FC236}">
+                <a16:creationId xmlns:a16="http://schemas.microsoft.com/office/drawing/2014/main" id="{D7E9788A-CB6F-CF21-6877-EC6AAF50298F}"/>
               </a:ext>
             </a:extLst>
           </p:cNvPr>
@@ -12983,98 +13687,44 @@
         </p:blipFill>
         <p:spPr>
           <a:xfrm>
-            <a:off x="2395709" y="1248438"/>
-            <a:ext cx="6463557" cy="3605244"/>
+            <a:off x="2005692" y="1150169"/>
+            <a:ext cx="7429346" cy="4053427"/>
           </a:xfrm>
           <a:prstGeom prst="rect">
             <a:avLst/>
           </a:prstGeom>
         </p:spPr>
       </p:pic>
-      <p:sp>
-        <p:nvSpPr>
-          <p:cNvPr id="10" name="TextBox 9">
-            <a:extLst>
-              <a:ext uri="{FF2B5EF4-FFF2-40B4-BE49-F238E27FC236}">
-                <a16:creationId xmlns:a16="http://schemas.microsoft.com/office/drawing/2014/main" id="{9598A9CC-DD71-AC72-7331-707F31C0050A}"/>
-              </a:ext>
-            </a:extLst>
-          </p:cNvPr>
-          <p:cNvSpPr txBox="1"/>
-          <p:nvPr/>
-        </p:nvSpPr>
-        <p:spPr>
-          <a:xfrm>
-            <a:off x="4606895" y="5245335"/>
-            <a:ext cx="2319866" cy="363305"/>
-          </a:xfrm>
-          <a:prstGeom prst="rect">
-            <a:avLst/>
-          </a:prstGeom>
-          <a:noFill/>
-        </p:spPr>
-        <p:txBody>
-          <a:bodyPr wrap="none" rtlCol="0">
-            <a:spAutoFit/>
-          </a:bodyPr>
-          <a:lstStyle/>
-          <a:p>
-            <a:pPr algn="ctr">
-              <a:lnSpc>
-                <a:spcPct val="130000"/>
-              </a:lnSpc>
-            </a:pPr>
-            <a:r>
-              <a:rPr lang="ko-KR" altLang="en-US" sz="1500" b="1" spc="-50" dirty="0">
-                <a:ln>
-                  <a:solidFill>
-                    <a:srgbClr val="5F0080">
-                      <a:alpha val="0"/>
-                    </a:srgbClr>
-                  </a:solidFill>
-                </a:ln>
-                <a:solidFill>
-                  <a:schemeClr val="bg1"/>
-                </a:solidFill>
-                <a:latin typeface="Noto Sans KR" panose="020B0200000000000000" pitchFamily="50" charset="-127"/>
-                <a:ea typeface="Noto Sans KR" panose="020B0200000000000000" pitchFamily="50" charset="-127"/>
-              </a:rPr>
-              <a:t>빠른 시뮬레이션</a:t>
-            </a:r>
-            <a:r>
-              <a:rPr lang="ko-KR" altLang="en-US" sz="1500" spc="-50" dirty="0">
-                <a:ln>
-                  <a:solidFill>
-                    <a:srgbClr val="5F0080">
-                      <a:alpha val="0"/>
-                    </a:srgbClr>
-                  </a:solidFill>
-                </a:ln>
-                <a:solidFill>
-                  <a:schemeClr val="bg1"/>
-                </a:solidFill>
-                <a:latin typeface="Noto Sans KR" panose="020B0200000000000000" pitchFamily="50" charset="-127"/>
-                <a:ea typeface="Noto Sans KR" panose="020B0200000000000000" pitchFamily="50" charset="-127"/>
-              </a:rPr>
-              <a:t>을 클릭한다</a:t>
-            </a:r>
-            <a:endParaRPr lang="en-US" altLang="ko-KR" sz="1500" spc="-50" dirty="0">
-              <a:ln>
-                <a:solidFill>
-                  <a:srgbClr val="5F0080">
-                    <a:alpha val="0"/>
-                  </a:srgbClr>
-                </a:solidFill>
-              </a:ln>
-              <a:solidFill>
-                <a:schemeClr val="bg1"/>
-              </a:solidFill>
-              <a:latin typeface="Noto Sans KR" panose="020B0200000000000000" pitchFamily="50" charset="-127"/>
-              <a:ea typeface="Noto Sans KR" panose="020B0200000000000000" pitchFamily="50" charset="-127"/>
-            </a:endParaRPr>
-          </a:p>
-        </p:txBody>
-      </p:sp>
+      <p:pic>
+        <p:nvPicPr>
+          <p:cNvPr id="4" name="그림 3">
+            <a:extLst>
+              <a:ext uri="{FF2B5EF4-FFF2-40B4-BE49-F238E27FC236}">
+                <a16:creationId xmlns:a16="http://schemas.microsoft.com/office/drawing/2014/main" id="{2B31720C-85E9-1CE4-C8BD-06E3CA969205}"/>
+              </a:ext>
+            </a:extLst>
+          </p:cNvPr>
+          <p:cNvPicPr>
+            <a:picLocks noChangeAspect="1"/>
+          </p:cNvPicPr>
+          <p:nvPr/>
+        </p:nvPicPr>
+        <p:blipFill>
+          <a:blip r:embed="rId3"/>
+          <a:stretch>
+            <a:fillRect/>
+          </a:stretch>
+        </p:blipFill>
+        <p:spPr>
+          <a:xfrm>
+            <a:off x="1579418" y="822036"/>
+            <a:ext cx="8312727" cy="5138542"/>
+          </a:xfrm>
+          <a:prstGeom prst="rect">
+            <a:avLst/>
+          </a:prstGeom>
+        </p:spPr>
+      </p:pic>
     </p:spTree>
     <p:extLst>
       <p:ext uri="{BB962C8B-B14F-4D97-AF65-F5344CB8AC3E}">

--- a/download/FFXIV_SIMHELPER_사용설명서.pptx
+++ b/download/FFXIV_SIMHELPER_사용설명서.pptx
@@ -7,24 +7,20 @@
   <p:sldIdLst>
     <p:sldId id="260" r:id="rId2"/>
     <p:sldId id="274" r:id="rId3"/>
-    <p:sldId id="279" r:id="rId4"/>
-    <p:sldId id="275" r:id="rId5"/>
-    <p:sldId id="277" r:id="rId6"/>
-    <p:sldId id="278" r:id="rId7"/>
-    <p:sldId id="282" r:id="rId8"/>
-    <p:sldId id="289" r:id="rId9"/>
-    <p:sldId id="287" r:id="rId10"/>
-    <p:sldId id="288" r:id="rId11"/>
-    <p:sldId id="291" r:id="rId12"/>
-    <p:sldId id="292" r:id="rId13"/>
-    <p:sldId id="293" r:id="rId14"/>
-    <p:sldId id="294" r:id="rId15"/>
-    <p:sldId id="297" r:id="rId16"/>
-    <p:sldId id="299" r:id="rId17"/>
-    <p:sldId id="302" r:id="rId18"/>
-    <p:sldId id="303" r:id="rId19"/>
-    <p:sldId id="300" r:id="rId20"/>
-    <p:sldId id="301" r:id="rId21"/>
+    <p:sldId id="282" r:id="rId4"/>
+    <p:sldId id="289" r:id="rId5"/>
+    <p:sldId id="287" r:id="rId6"/>
+    <p:sldId id="288" r:id="rId7"/>
+    <p:sldId id="291" r:id="rId8"/>
+    <p:sldId id="292" r:id="rId9"/>
+    <p:sldId id="293" r:id="rId10"/>
+    <p:sldId id="294" r:id="rId11"/>
+    <p:sldId id="297" r:id="rId12"/>
+    <p:sldId id="299" r:id="rId13"/>
+    <p:sldId id="302" r:id="rId14"/>
+    <p:sldId id="303" r:id="rId15"/>
+    <p:sldId id="300" r:id="rId16"/>
+    <p:sldId id="301" r:id="rId17"/>
   </p:sldIdLst>
   <p:sldSz cx="12192000" cy="6858000"/>
   <p:notesSz cx="6858000" cy="9144000"/>
@@ -278,7 +274,7 @@
           <a:p>
             <a:fld id="{9050A44A-E7AC-42E3-BF88-51E8420F666E}" type="datetimeFigureOut">
               <a:rPr lang="ko-KR" altLang="en-US" smtClean="0"/>
-              <a:t>2024-10-05</a:t>
+              <a:t>2024-10-06</a:t>
             </a:fld>
             <a:endParaRPr lang="ko-KR" altLang="en-US"/>
           </a:p>
@@ -476,7 +472,7 @@
           <a:p>
             <a:fld id="{9050A44A-E7AC-42E3-BF88-51E8420F666E}" type="datetimeFigureOut">
               <a:rPr lang="ko-KR" altLang="en-US" smtClean="0"/>
-              <a:t>2024-10-05</a:t>
+              <a:t>2024-10-06</a:t>
             </a:fld>
             <a:endParaRPr lang="ko-KR" altLang="en-US"/>
           </a:p>
@@ -684,7 +680,7 @@
           <a:p>
             <a:fld id="{9050A44A-E7AC-42E3-BF88-51E8420F666E}" type="datetimeFigureOut">
               <a:rPr lang="ko-KR" altLang="en-US" smtClean="0"/>
-              <a:t>2024-10-05</a:t>
+              <a:t>2024-10-06</a:t>
             </a:fld>
             <a:endParaRPr lang="ko-KR" altLang="en-US"/>
           </a:p>
@@ -797,7 +793,7 @@
           <a:p>
             <a:fld id="{F29F08CF-DC57-46EC-9C0B-8BA20E3F6924}" type="datetimeFigureOut">
               <a:rPr lang="ko-KR" altLang="en-US" smtClean="0"/>
-              <a:t>2024-10-05</a:t>
+              <a:t>2024-10-06</a:t>
             </a:fld>
             <a:endParaRPr lang="ko-KR" altLang="en-US"/>
           </a:p>
@@ -995,7 +991,7 @@
           <a:p>
             <a:fld id="{9050A44A-E7AC-42E3-BF88-51E8420F666E}" type="datetimeFigureOut">
               <a:rPr lang="ko-KR" altLang="en-US" smtClean="0"/>
-              <a:t>2024-10-05</a:t>
+              <a:t>2024-10-06</a:t>
             </a:fld>
             <a:endParaRPr lang="ko-KR" altLang="en-US"/>
           </a:p>
@@ -1270,7 +1266,7 @@
           <a:p>
             <a:fld id="{9050A44A-E7AC-42E3-BF88-51E8420F666E}" type="datetimeFigureOut">
               <a:rPr lang="ko-KR" altLang="en-US" smtClean="0"/>
-              <a:t>2024-10-05</a:t>
+              <a:t>2024-10-06</a:t>
             </a:fld>
             <a:endParaRPr lang="ko-KR" altLang="en-US"/>
           </a:p>
@@ -1535,7 +1531,7 @@
           <a:p>
             <a:fld id="{9050A44A-E7AC-42E3-BF88-51E8420F666E}" type="datetimeFigureOut">
               <a:rPr lang="ko-KR" altLang="en-US" smtClean="0"/>
-              <a:t>2024-10-05</a:t>
+              <a:t>2024-10-06</a:t>
             </a:fld>
             <a:endParaRPr lang="ko-KR" altLang="en-US"/>
           </a:p>
@@ -1947,7 +1943,7 @@
           <a:p>
             <a:fld id="{9050A44A-E7AC-42E3-BF88-51E8420F666E}" type="datetimeFigureOut">
               <a:rPr lang="ko-KR" altLang="en-US" smtClean="0"/>
-              <a:t>2024-10-05</a:t>
+              <a:t>2024-10-06</a:t>
             </a:fld>
             <a:endParaRPr lang="ko-KR" altLang="en-US"/>
           </a:p>
@@ -2088,7 +2084,7 @@
           <a:p>
             <a:fld id="{9050A44A-E7AC-42E3-BF88-51E8420F666E}" type="datetimeFigureOut">
               <a:rPr lang="ko-KR" altLang="en-US" smtClean="0"/>
-              <a:t>2024-10-05</a:t>
+              <a:t>2024-10-06</a:t>
             </a:fld>
             <a:endParaRPr lang="ko-KR" altLang="en-US"/>
           </a:p>
@@ -2201,7 +2197,7 @@
           <a:p>
             <a:fld id="{9050A44A-E7AC-42E3-BF88-51E8420F666E}" type="datetimeFigureOut">
               <a:rPr lang="ko-KR" altLang="en-US" smtClean="0"/>
-              <a:t>2024-10-05</a:t>
+              <a:t>2024-10-06</a:t>
             </a:fld>
             <a:endParaRPr lang="ko-KR" altLang="en-US"/>
           </a:p>
@@ -2512,7 +2508,7 @@
           <a:p>
             <a:fld id="{9050A44A-E7AC-42E3-BF88-51E8420F666E}" type="datetimeFigureOut">
               <a:rPr lang="ko-KR" altLang="en-US" smtClean="0"/>
-              <a:t>2024-10-05</a:t>
+              <a:t>2024-10-06</a:t>
             </a:fld>
             <a:endParaRPr lang="ko-KR" altLang="en-US"/>
           </a:p>
@@ -2800,7 +2796,7 @@
           <a:p>
             <a:fld id="{9050A44A-E7AC-42E3-BF88-51E8420F666E}" type="datetimeFigureOut">
               <a:rPr lang="ko-KR" altLang="en-US" smtClean="0"/>
-              <a:t>2024-10-05</a:t>
+              <a:t>2024-10-06</a:t>
             </a:fld>
             <a:endParaRPr lang="ko-KR" altLang="en-US"/>
           </a:p>
@@ -3041,7 +3037,7 @@
           <a:p>
             <a:fld id="{9050A44A-E7AC-42E3-BF88-51E8420F666E}" type="datetimeFigureOut">
               <a:rPr lang="ko-KR" altLang="en-US" smtClean="0"/>
-              <a:t>2024-10-05</a:t>
+              <a:t>2024-10-06</a:t>
             </a:fld>
             <a:endParaRPr lang="ko-KR" altLang="en-US"/>
           </a:p>
@@ -4061,12 +4057,166 @@
           </a:p>
         </p:txBody>
       </p:sp>
+      <p:sp>
+        <p:nvSpPr>
+          <p:cNvPr id="6" name="TextBox 5">
+            <a:extLst>
+              <a:ext uri="{FF2B5EF4-FFF2-40B4-BE49-F238E27FC236}">
+                <a16:creationId xmlns:a16="http://schemas.microsoft.com/office/drawing/2014/main" id="{F1E5C6F3-6178-7D7F-35F5-02EEC4A17A3C}"/>
+              </a:ext>
+            </a:extLst>
+          </p:cNvPr>
+          <p:cNvSpPr txBox="1"/>
+          <p:nvPr/>
+        </p:nvSpPr>
+        <p:spPr>
+          <a:xfrm>
+            <a:off x="5171554" y="342464"/>
+            <a:ext cx="1097620" cy="372655"/>
+          </a:xfrm>
+          <a:prstGeom prst="rect">
+            <a:avLst/>
+          </a:prstGeom>
+          <a:noFill/>
+        </p:spPr>
+        <p:txBody>
+          <a:bodyPr wrap="none" rtlCol="0" anchor="ctr">
+            <a:noAutofit/>
+          </a:bodyPr>
+          <a:lstStyle/>
+          <a:p>
+            <a:pPr algn="ctr">
+              <a:lnSpc>
+                <a:spcPct val="110000"/>
+              </a:lnSpc>
+            </a:pPr>
+            <a:r>
+              <a:rPr lang="en-US" altLang="ko-KR" sz="2800" b="1" spc="-80" dirty="0">
+                <a:ln>
+                  <a:solidFill>
+                    <a:srgbClr val="5F0080">
+                      <a:alpha val="0"/>
+                    </a:srgbClr>
+                  </a:solidFill>
+                </a:ln>
+                <a:solidFill>
+                  <a:schemeClr val="tx1">
+                    <a:lumMod val="85000"/>
+                    <a:lumOff val="15000"/>
+                  </a:schemeClr>
+                </a:solidFill>
+                <a:latin typeface="Noto Sans KR" panose="020B0200000000000000" pitchFamily="50" charset="-127"/>
+                <a:ea typeface="Noto Sans KR" panose="020B0200000000000000" pitchFamily="50" charset="-127"/>
+              </a:rPr>
+              <a:t>Step </a:t>
+            </a:r>
+            <a:r>
+              <a:rPr lang="en-US" altLang="ko-KR" sz="2800" b="1" spc="-80" dirty="0">
+                <a:ln>
+                  <a:solidFill>
+                    <a:srgbClr val="5F0080">
+                      <a:alpha val="0"/>
+                    </a:srgbClr>
+                  </a:solidFill>
+                </a:ln>
+                <a:solidFill>
+                  <a:srgbClr val="00B0F0"/>
+                </a:solidFill>
+                <a:latin typeface="Noto Sans KR" panose="020B0200000000000000" pitchFamily="50" charset="-127"/>
+                <a:ea typeface="Noto Sans KR" panose="020B0200000000000000" pitchFamily="50" charset="-127"/>
+              </a:rPr>
+              <a:t>6</a:t>
+            </a:r>
+            <a:endParaRPr lang="en-US" altLang="ko-KR" sz="2800" b="1" spc="-80" dirty="0">
+              <a:ln>
+                <a:solidFill>
+                  <a:srgbClr val="5F0080">
+                    <a:alpha val="0"/>
+                  </a:srgbClr>
+                </a:solidFill>
+              </a:ln>
+              <a:solidFill>
+                <a:srgbClr val="5F0080"/>
+              </a:solidFill>
+              <a:latin typeface="Noto Sans KR" panose="020B0200000000000000" pitchFamily="50" charset="-127"/>
+              <a:ea typeface="Noto Sans KR" panose="020B0200000000000000" pitchFamily="50" charset="-127"/>
+            </a:endParaRPr>
+          </a:p>
+        </p:txBody>
+      </p:sp>
+      <p:sp>
+        <p:nvSpPr>
+          <p:cNvPr id="7" name="TextBox 6">
+            <a:extLst>
+              <a:ext uri="{FF2B5EF4-FFF2-40B4-BE49-F238E27FC236}">
+                <a16:creationId xmlns:a16="http://schemas.microsoft.com/office/drawing/2014/main" id="{DA915CBA-4056-5BD0-4F52-D5AE68231F0B}"/>
+              </a:ext>
+            </a:extLst>
+          </p:cNvPr>
+          <p:cNvSpPr txBox="1"/>
+          <p:nvPr/>
+        </p:nvSpPr>
+        <p:spPr>
+          <a:xfrm>
+            <a:off x="1107580" y="6061886"/>
+            <a:ext cx="9225602" cy="453650"/>
+          </a:xfrm>
+          <a:prstGeom prst="rect">
+            <a:avLst/>
+          </a:prstGeom>
+          <a:noFill/>
+        </p:spPr>
+        <p:txBody>
+          <a:bodyPr wrap="none" rtlCol="0">
+            <a:spAutoFit/>
+          </a:bodyPr>
+          <a:lstStyle/>
+          <a:p>
+            <a:pPr algn="ctr">
+              <a:lnSpc>
+                <a:spcPct val="130000"/>
+              </a:lnSpc>
+            </a:pPr>
+            <a:r>
+              <a:rPr lang="ko-KR" altLang="en-US" sz="2000" b="1" spc="-50" dirty="0">
+                <a:ln>
+                  <a:solidFill>
+                    <a:srgbClr val="5F0080">
+                      <a:alpha val="0"/>
+                    </a:srgbClr>
+                  </a:solidFill>
+                </a:ln>
+                <a:solidFill>
+                  <a:schemeClr val="bg1"/>
+                </a:solidFill>
+                <a:latin typeface="Noto Sans KR" panose="020B0200000000000000" pitchFamily="50" charset="-127"/>
+                <a:ea typeface="Noto Sans KR" panose="020B0200000000000000" pitchFamily="50" charset="-127"/>
+              </a:rPr>
+              <a:t>원하는 세팅을 모두 기입한 이후 왼쪽 장비셋에 해당 세팅의 이름을 결정한 후 저장합니다</a:t>
+            </a:r>
+            <a:endParaRPr lang="en-US" altLang="ko-KR" sz="2000" spc="-50" dirty="0">
+              <a:ln>
+                <a:solidFill>
+                  <a:srgbClr val="5F0080">
+                    <a:alpha val="0"/>
+                  </a:srgbClr>
+                </a:solidFill>
+              </a:ln>
+              <a:solidFill>
+                <a:schemeClr val="bg1"/>
+              </a:solidFill>
+              <a:latin typeface="Noto Sans KR" panose="020B0200000000000000" pitchFamily="50" charset="-127"/>
+              <a:ea typeface="Noto Sans KR" panose="020B0200000000000000" pitchFamily="50" charset="-127"/>
+            </a:endParaRPr>
+          </a:p>
+        </p:txBody>
+      </p:sp>
       <p:pic>
         <p:nvPicPr>
-          <p:cNvPr id="4" name="그림 3">
-            <a:extLst>
-              <a:ext uri="{FF2B5EF4-FFF2-40B4-BE49-F238E27FC236}">
-                <a16:creationId xmlns:a16="http://schemas.microsoft.com/office/drawing/2014/main" id="{1C63FF26-B1D5-2298-45D9-17EA4387B512}"/>
+          <p:cNvPr id="11" name="그림 10">
+            <a:extLst>
+              <a:ext uri="{FF2B5EF4-FFF2-40B4-BE49-F238E27FC236}">
+                <a16:creationId xmlns:a16="http://schemas.microsoft.com/office/drawing/2014/main" id="{6211DA50-CDEE-7F62-3735-29495885A5C0}"/>
               </a:ext>
             </a:extLst>
           </p:cNvPr>
@@ -4083,8 +4233,8 @@
         </p:blipFill>
         <p:spPr>
           <a:xfrm>
-            <a:off x="2042919" y="1188238"/>
-            <a:ext cx="7429346" cy="4053428"/>
+            <a:off x="2005691" y="1150169"/>
+            <a:ext cx="7477304" cy="4053427"/>
           </a:xfrm>
           <a:prstGeom prst="rect">
             <a:avLst/>
@@ -4093,10 +4243,10 @@
       </p:pic>
       <p:pic>
         <p:nvPicPr>
-          <p:cNvPr id="6" name="그림 5">
-            <a:extLst>
-              <a:ext uri="{FF2B5EF4-FFF2-40B4-BE49-F238E27FC236}">
-                <a16:creationId xmlns:a16="http://schemas.microsoft.com/office/drawing/2014/main" id="{D4792201-F573-E875-8BE3-222544516080}"/>
+          <p:cNvPr id="12" name="그림 11">
+            <a:extLst>
+              <a:ext uri="{FF2B5EF4-FFF2-40B4-BE49-F238E27FC236}">
+                <a16:creationId xmlns:a16="http://schemas.microsoft.com/office/drawing/2014/main" id="{27F724F3-BEEB-4706-8C49-6C5B2734DBE9}"/>
               </a:ext>
             </a:extLst>
           </p:cNvPr>
@@ -4113,189 +4263,18 @@
         </p:blipFill>
         <p:spPr>
           <a:xfrm>
-            <a:off x="1550150" y="859461"/>
-            <a:ext cx="8340436" cy="5138542"/>
+            <a:off x="1550150" y="803564"/>
+            <a:ext cx="8340436" cy="5194439"/>
           </a:xfrm>
           <a:prstGeom prst="rect">
             <a:avLst/>
           </a:prstGeom>
         </p:spPr>
       </p:pic>
-      <p:sp>
-        <p:nvSpPr>
-          <p:cNvPr id="7" name="TextBox 6">
-            <a:extLst>
-              <a:ext uri="{FF2B5EF4-FFF2-40B4-BE49-F238E27FC236}">
-                <a16:creationId xmlns:a16="http://schemas.microsoft.com/office/drawing/2014/main" id="{78CED026-E715-99FC-AF50-122035D8EED2}"/>
-              </a:ext>
-            </a:extLst>
-          </p:cNvPr>
-          <p:cNvSpPr txBox="1"/>
-          <p:nvPr/>
-        </p:nvSpPr>
-        <p:spPr>
-          <a:xfrm>
-            <a:off x="3433524" y="6061886"/>
-            <a:ext cx="4573688" cy="453650"/>
-          </a:xfrm>
-          <a:prstGeom prst="rect">
-            <a:avLst/>
-          </a:prstGeom>
-          <a:noFill/>
-        </p:spPr>
-        <p:txBody>
-          <a:bodyPr wrap="none" rtlCol="0">
-            <a:spAutoFit/>
-          </a:bodyPr>
-          <a:lstStyle/>
-          <a:p>
-            <a:pPr algn="ctr">
-              <a:lnSpc>
-                <a:spcPct val="130000"/>
-              </a:lnSpc>
-            </a:pPr>
-            <a:r>
-              <a:rPr lang="ko-KR" altLang="en-US" sz="2000" b="1" spc="-50" dirty="0" err="1">
-                <a:ln>
-                  <a:solidFill>
-                    <a:srgbClr val="5F0080">
-                      <a:alpha val="0"/>
-                    </a:srgbClr>
-                  </a:solidFill>
-                </a:ln>
-                <a:solidFill>
-                  <a:schemeClr val="bg1"/>
-                </a:solidFill>
-                <a:latin typeface="Noto Sans KR" panose="020B0200000000000000" pitchFamily="50" charset="-127"/>
-                <a:ea typeface="Noto Sans KR" panose="020B0200000000000000" pitchFamily="50" charset="-127"/>
-              </a:rPr>
-              <a:t>직업칸을</a:t>
-            </a:r>
-            <a:r>
-              <a:rPr lang="ko-KR" altLang="en-US" sz="2000" b="1" spc="-50" dirty="0">
-                <a:ln>
-                  <a:solidFill>
-                    <a:srgbClr val="5F0080">
-                      <a:alpha val="0"/>
-                    </a:srgbClr>
-                  </a:solidFill>
-                </a:ln>
-                <a:solidFill>
-                  <a:schemeClr val="bg1"/>
-                </a:solidFill>
-                <a:latin typeface="Noto Sans KR" panose="020B0200000000000000" pitchFamily="50" charset="-127"/>
-                <a:ea typeface="Noto Sans KR" panose="020B0200000000000000" pitchFamily="50" charset="-127"/>
-              </a:rPr>
-              <a:t> 클릭하여 원하는 직업을 선택한다</a:t>
-            </a:r>
-            <a:endParaRPr lang="en-US" altLang="ko-KR" sz="2000" spc="-50" dirty="0">
-              <a:ln>
-                <a:solidFill>
-                  <a:srgbClr val="5F0080">
-                    <a:alpha val="0"/>
-                  </a:srgbClr>
-                </a:solidFill>
-              </a:ln>
-              <a:solidFill>
-                <a:schemeClr val="bg1"/>
-              </a:solidFill>
-              <a:latin typeface="Noto Sans KR" panose="020B0200000000000000" pitchFamily="50" charset="-127"/>
-              <a:ea typeface="Noto Sans KR" panose="020B0200000000000000" pitchFamily="50" charset="-127"/>
-            </a:endParaRPr>
-          </a:p>
-        </p:txBody>
-      </p:sp>
-      <p:sp>
-        <p:nvSpPr>
-          <p:cNvPr id="8" name="TextBox 7">
-            <a:extLst>
-              <a:ext uri="{FF2B5EF4-FFF2-40B4-BE49-F238E27FC236}">
-                <a16:creationId xmlns:a16="http://schemas.microsoft.com/office/drawing/2014/main" id="{AF9784D7-92BC-ECD1-E776-3F43533C89EC}"/>
-              </a:ext>
-            </a:extLst>
-          </p:cNvPr>
-          <p:cNvSpPr txBox="1"/>
-          <p:nvPr/>
-        </p:nvSpPr>
-        <p:spPr>
-          <a:xfrm>
-            <a:off x="5171558" y="322417"/>
-            <a:ext cx="1097620" cy="372655"/>
-          </a:xfrm>
-          <a:prstGeom prst="rect">
-            <a:avLst/>
-          </a:prstGeom>
-          <a:noFill/>
-        </p:spPr>
-        <p:txBody>
-          <a:bodyPr wrap="none" rtlCol="0" anchor="ctr">
-            <a:noAutofit/>
-          </a:bodyPr>
-          <a:lstStyle/>
-          <a:p>
-            <a:pPr algn="ctr">
-              <a:lnSpc>
-                <a:spcPct val="110000"/>
-              </a:lnSpc>
-            </a:pPr>
-            <a:r>
-              <a:rPr lang="en-US" altLang="ko-KR" sz="2800" b="1" spc="-80" dirty="0">
-                <a:ln>
-                  <a:solidFill>
-                    <a:srgbClr val="5F0080">
-                      <a:alpha val="0"/>
-                    </a:srgbClr>
-                  </a:solidFill>
-                </a:ln>
-                <a:solidFill>
-                  <a:schemeClr val="tx1">
-                    <a:lumMod val="85000"/>
-                    <a:lumOff val="15000"/>
-                  </a:schemeClr>
-                </a:solidFill>
-                <a:latin typeface="Noto Sans KR" panose="020B0200000000000000" pitchFamily="50" charset="-127"/>
-                <a:ea typeface="Noto Sans KR" panose="020B0200000000000000" pitchFamily="50" charset="-127"/>
-              </a:rPr>
-              <a:t>Step </a:t>
-            </a:r>
-            <a:r>
-              <a:rPr lang="en-US" altLang="ko-KR" sz="2800" b="1" spc="-80" dirty="0">
-                <a:ln>
-                  <a:solidFill>
-                    <a:srgbClr val="5F0080">
-                      <a:alpha val="0"/>
-                    </a:srgbClr>
-                  </a:solidFill>
-                </a:ln>
-                <a:solidFill>
-                  <a:srgbClr val="00B0F0"/>
-                </a:solidFill>
-                <a:latin typeface="Noto Sans KR" panose="020B0200000000000000" pitchFamily="50" charset="-127"/>
-                <a:ea typeface="Noto Sans KR" panose="020B0200000000000000" pitchFamily="50" charset="-127"/>
-              </a:rPr>
-              <a:t>2</a:t>
-            </a:r>
-            <a:endParaRPr lang="en-US" altLang="ko-KR" sz="2800" b="1" spc="-80" dirty="0">
-              <a:ln>
-                <a:solidFill>
-                  <a:srgbClr val="5F0080">
-                    <a:alpha val="0"/>
-                  </a:srgbClr>
-                </a:solidFill>
-              </a:ln>
-              <a:solidFill>
-                <a:srgbClr val="5F0080"/>
-              </a:solidFill>
-              <a:latin typeface="Noto Sans KR" panose="020B0200000000000000" pitchFamily="50" charset="-127"/>
-              <a:ea typeface="Noto Sans KR" panose="020B0200000000000000" pitchFamily="50" charset="-127"/>
-            </a:endParaRPr>
-          </a:p>
-        </p:txBody>
-      </p:sp>
     </p:spTree>
     <p:extLst>
       <p:ext uri="{BB962C8B-B14F-4D97-AF65-F5344CB8AC3E}">
-        <p14:creationId xmlns:p14="http://schemas.microsoft.com/office/powerpoint/2010/main" val="1391296875"/>
+        <p14:creationId xmlns:p14="http://schemas.microsoft.com/office/powerpoint/2010/main" val="3035905664"/>
       </p:ext>
     </p:extLst>
   </p:cSld>
@@ -4480,12 +4459,200 @@
           </a:p>
         </p:txBody>
       </p:sp>
+      <p:sp>
+        <p:nvSpPr>
+          <p:cNvPr id="7" name="TextBox 6">
+            <a:extLst>
+              <a:ext uri="{FF2B5EF4-FFF2-40B4-BE49-F238E27FC236}">
+                <a16:creationId xmlns:a16="http://schemas.microsoft.com/office/drawing/2014/main" id="{DB369463-DFE6-62C6-7C32-72B6E3BEB234}"/>
+              </a:ext>
+            </a:extLst>
+          </p:cNvPr>
+          <p:cNvSpPr txBox="1"/>
+          <p:nvPr/>
+        </p:nvSpPr>
+        <p:spPr>
+          <a:xfrm>
+            <a:off x="5171554" y="342464"/>
+            <a:ext cx="1097620" cy="372655"/>
+          </a:xfrm>
+          <a:prstGeom prst="rect">
+            <a:avLst/>
+          </a:prstGeom>
+          <a:noFill/>
+        </p:spPr>
+        <p:txBody>
+          <a:bodyPr wrap="none" rtlCol="0" anchor="ctr">
+            <a:noAutofit/>
+          </a:bodyPr>
+          <a:lstStyle/>
+          <a:p>
+            <a:pPr algn="ctr">
+              <a:lnSpc>
+                <a:spcPct val="110000"/>
+              </a:lnSpc>
+            </a:pPr>
+            <a:r>
+              <a:rPr lang="en-US" altLang="ko-KR" sz="2800" b="1" spc="-80" dirty="0">
+                <a:ln>
+                  <a:solidFill>
+                    <a:srgbClr val="5F0080">
+                      <a:alpha val="0"/>
+                    </a:srgbClr>
+                  </a:solidFill>
+                </a:ln>
+                <a:solidFill>
+                  <a:schemeClr val="tx1">
+                    <a:lumMod val="85000"/>
+                    <a:lumOff val="15000"/>
+                  </a:schemeClr>
+                </a:solidFill>
+                <a:latin typeface="Noto Sans KR" panose="020B0200000000000000" pitchFamily="50" charset="-127"/>
+                <a:ea typeface="Noto Sans KR" panose="020B0200000000000000" pitchFamily="50" charset="-127"/>
+              </a:rPr>
+              <a:t>Step </a:t>
+            </a:r>
+            <a:r>
+              <a:rPr lang="en-US" altLang="ko-KR" sz="2800" b="1" spc="-80" dirty="0">
+                <a:ln>
+                  <a:solidFill>
+                    <a:srgbClr val="5F0080">
+                      <a:alpha val="0"/>
+                    </a:srgbClr>
+                  </a:solidFill>
+                </a:ln>
+                <a:solidFill>
+                  <a:srgbClr val="00B0F0"/>
+                </a:solidFill>
+                <a:latin typeface="Noto Sans KR" panose="020B0200000000000000" pitchFamily="50" charset="-127"/>
+                <a:ea typeface="Noto Sans KR" panose="020B0200000000000000" pitchFamily="50" charset="-127"/>
+              </a:rPr>
+              <a:t>7</a:t>
+            </a:r>
+            <a:endParaRPr lang="en-US" altLang="ko-KR" sz="2800" b="1" spc="-80" dirty="0">
+              <a:ln>
+                <a:solidFill>
+                  <a:srgbClr val="5F0080">
+                    <a:alpha val="0"/>
+                  </a:srgbClr>
+                </a:solidFill>
+              </a:ln>
+              <a:solidFill>
+                <a:srgbClr val="5F0080"/>
+              </a:solidFill>
+              <a:latin typeface="Noto Sans KR" panose="020B0200000000000000" pitchFamily="50" charset="-127"/>
+              <a:ea typeface="Noto Sans KR" panose="020B0200000000000000" pitchFamily="50" charset="-127"/>
+            </a:endParaRPr>
+          </a:p>
+        </p:txBody>
+      </p:sp>
+      <p:sp>
+        <p:nvSpPr>
+          <p:cNvPr id="8" name="TextBox 7">
+            <a:extLst>
+              <a:ext uri="{FF2B5EF4-FFF2-40B4-BE49-F238E27FC236}">
+                <a16:creationId xmlns:a16="http://schemas.microsoft.com/office/drawing/2014/main" id="{C369072D-782C-0AF1-51B5-730C010FB044}"/>
+              </a:ext>
+            </a:extLst>
+          </p:cNvPr>
+          <p:cNvSpPr txBox="1"/>
+          <p:nvPr/>
+        </p:nvSpPr>
+        <p:spPr>
+          <a:xfrm>
+            <a:off x="3907219" y="6061886"/>
+            <a:ext cx="3626314" cy="453650"/>
+          </a:xfrm>
+          <a:prstGeom prst="rect">
+            <a:avLst/>
+          </a:prstGeom>
+          <a:noFill/>
+        </p:spPr>
+        <p:txBody>
+          <a:bodyPr wrap="none" rtlCol="0">
+            <a:spAutoFit/>
+          </a:bodyPr>
+          <a:lstStyle/>
+          <a:p>
+            <a:pPr algn="ctr">
+              <a:lnSpc>
+                <a:spcPct val="130000"/>
+              </a:lnSpc>
+            </a:pPr>
+            <a:r>
+              <a:rPr lang="ko-KR" altLang="en-US" sz="2000" b="1" spc="-50" dirty="0">
+                <a:ln>
+                  <a:solidFill>
+                    <a:srgbClr val="5F0080">
+                      <a:alpha val="0"/>
+                    </a:srgbClr>
+                  </a:solidFill>
+                </a:ln>
+                <a:solidFill>
+                  <a:schemeClr val="bg1"/>
+                </a:solidFill>
+                <a:latin typeface="Noto Sans KR" panose="020B0200000000000000" pitchFamily="50" charset="-127"/>
+                <a:ea typeface="Noto Sans KR" panose="020B0200000000000000" pitchFamily="50" charset="-127"/>
+              </a:rPr>
+              <a:t>이제 </a:t>
+            </a:r>
+            <a:r>
+              <a:rPr lang="en-US" altLang="ko-KR" sz="2000" b="1" spc="-50" dirty="0">
+                <a:ln>
+                  <a:solidFill>
+                    <a:srgbClr val="5F0080">
+                      <a:alpha val="0"/>
+                    </a:srgbClr>
+                  </a:solidFill>
+                </a:ln>
+                <a:solidFill>
+                  <a:schemeClr val="bg1"/>
+                </a:solidFill>
+                <a:latin typeface="Noto Sans KR" panose="020B0200000000000000" pitchFamily="50" charset="-127"/>
+                <a:ea typeface="Noto Sans KR" panose="020B0200000000000000" pitchFamily="50" charset="-127"/>
+              </a:rPr>
+              <a:t>SIMULATE </a:t>
+            </a:r>
+            <a:r>
+              <a:rPr lang="ko-KR" altLang="en-US" sz="2000" b="1" spc="-50" dirty="0">
+                <a:ln>
+                  <a:solidFill>
+                    <a:srgbClr val="5F0080">
+                      <a:alpha val="0"/>
+                    </a:srgbClr>
+                  </a:solidFill>
+                </a:ln>
+                <a:solidFill>
+                  <a:schemeClr val="bg1"/>
+                </a:solidFill>
+                <a:latin typeface="Noto Sans KR" panose="020B0200000000000000" pitchFamily="50" charset="-127"/>
+                <a:ea typeface="Noto Sans KR" panose="020B0200000000000000" pitchFamily="50" charset="-127"/>
+              </a:rPr>
+              <a:t>버튼을 누릅니다</a:t>
+            </a:r>
+            <a:endParaRPr lang="en-US" altLang="ko-KR" sz="2000" spc="-50" dirty="0">
+              <a:ln>
+                <a:solidFill>
+                  <a:srgbClr val="5F0080">
+                    <a:alpha val="0"/>
+                  </a:srgbClr>
+                </a:solidFill>
+              </a:ln>
+              <a:solidFill>
+                <a:schemeClr val="bg1"/>
+              </a:solidFill>
+              <a:latin typeface="Noto Sans KR" panose="020B0200000000000000" pitchFamily="50" charset="-127"/>
+              <a:ea typeface="Noto Sans KR" panose="020B0200000000000000" pitchFamily="50" charset="-127"/>
+            </a:endParaRPr>
+          </a:p>
+        </p:txBody>
+      </p:sp>
       <p:pic>
         <p:nvPicPr>
-          <p:cNvPr id="3" name="그림 2">
-            <a:extLst>
-              <a:ext uri="{FF2B5EF4-FFF2-40B4-BE49-F238E27FC236}">
-                <a16:creationId xmlns:a16="http://schemas.microsoft.com/office/drawing/2014/main" id="{4EA955A6-76C5-1C6C-E4ED-294CD491AFB7}"/>
+          <p:cNvPr id="11" name="그림 10">
+            <a:extLst>
+              <a:ext uri="{FF2B5EF4-FFF2-40B4-BE49-F238E27FC236}">
+                <a16:creationId xmlns:a16="http://schemas.microsoft.com/office/drawing/2014/main" id="{3A61352F-A389-F4BA-F76B-643BAC841499}"/>
               </a:ext>
             </a:extLst>
           </p:cNvPr>
@@ -4502,8 +4669,8 @@
         </p:blipFill>
         <p:spPr>
           <a:xfrm>
-            <a:off x="2005693" y="1161326"/>
-            <a:ext cx="7429346" cy="4042271"/>
+            <a:off x="2005689" y="1150169"/>
+            <a:ext cx="7432025" cy="4053427"/>
           </a:xfrm>
           <a:prstGeom prst="rect">
             <a:avLst/>
@@ -4512,10 +4679,10 @@
       </p:pic>
       <p:pic>
         <p:nvPicPr>
-          <p:cNvPr id="6" name="그림 5">
-            <a:extLst>
-              <a:ext uri="{FF2B5EF4-FFF2-40B4-BE49-F238E27FC236}">
-                <a16:creationId xmlns:a16="http://schemas.microsoft.com/office/drawing/2014/main" id="{F6F8E1B6-426F-4445-D203-20AC33E90974}"/>
+          <p:cNvPr id="12" name="그림 11">
+            <a:extLst>
+              <a:ext uri="{FF2B5EF4-FFF2-40B4-BE49-F238E27FC236}">
+                <a16:creationId xmlns:a16="http://schemas.microsoft.com/office/drawing/2014/main" id="{BF7DBC90-FF0C-559E-390E-20F11B9A2F8F}"/>
               </a:ext>
             </a:extLst>
           </p:cNvPr>
@@ -4532,206 +4699,18 @@
         </p:blipFill>
         <p:spPr>
           <a:xfrm>
-            <a:off x="1550150" y="859461"/>
-            <a:ext cx="8340436" cy="5138542"/>
+            <a:off x="1550150" y="803564"/>
+            <a:ext cx="8340436" cy="5194439"/>
           </a:xfrm>
           <a:prstGeom prst="rect">
             <a:avLst/>
           </a:prstGeom>
         </p:spPr>
       </p:pic>
-      <p:sp>
-        <p:nvSpPr>
-          <p:cNvPr id="8" name="TextBox 7">
-            <a:extLst>
-              <a:ext uri="{FF2B5EF4-FFF2-40B4-BE49-F238E27FC236}">
-                <a16:creationId xmlns:a16="http://schemas.microsoft.com/office/drawing/2014/main" id="{33730470-E5D2-6101-9F27-EEAC2526C6A4}"/>
-              </a:ext>
-            </a:extLst>
-          </p:cNvPr>
-          <p:cNvSpPr txBox="1"/>
-          <p:nvPr/>
-        </p:nvSpPr>
-        <p:spPr>
-          <a:xfrm>
-            <a:off x="3132965" y="6061886"/>
-            <a:ext cx="5174815" cy="453650"/>
-          </a:xfrm>
-          <a:prstGeom prst="rect">
-            <a:avLst/>
-          </a:prstGeom>
-          <a:noFill/>
-        </p:spPr>
-        <p:txBody>
-          <a:bodyPr wrap="none" rtlCol="0">
-            <a:spAutoFit/>
-          </a:bodyPr>
-          <a:lstStyle/>
-          <a:p>
-            <a:pPr algn="ctr">
-              <a:lnSpc>
-                <a:spcPct val="130000"/>
-              </a:lnSpc>
-            </a:pPr>
-            <a:r>
-              <a:rPr lang="ko-KR" altLang="en-US" sz="2000" b="1" spc="-50" dirty="0">
-                <a:ln>
-                  <a:solidFill>
-                    <a:srgbClr val="5F0080">
-                      <a:alpha val="0"/>
-                    </a:srgbClr>
-                  </a:solidFill>
-                </a:ln>
-                <a:solidFill>
-                  <a:schemeClr val="bg1"/>
-                </a:solidFill>
-                <a:latin typeface="Noto Sans KR" panose="020B0200000000000000" pitchFamily="50" charset="-127"/>
-                <a:ea typeface="Noto Sans KR" panose="020B0200000000000000" pitchFamily="50" charset="-127"/>
-              </a:rPr>
-              <a:t>종족 </a:t>
-            </a:r>
-            <a:r>
-              <a:rPr lang="ko-KR" altLang="en-US" sz="2000" b="1" spc="-50" dirty="0" err="1">
-                <a:ln>
-                  <a:solidFill>
-                    <a:srgbClr val="5F0080">
-                      <a:alpha val="0"/>
-                    </a:srgbClr>
-                  </a:solidFill>
-                </a:ln>
-                <a:solidFill>
-                  <a:schemeClr val="bg1"/>
-                </a:solidFill>
-                <a:latin typeface="Noto Sans KR" panose="020B0200000000000000" pitchFamily="50" charset="-127"/>
-                <a:ea typeface="Noto Sans KR" panose="020B0200000000000000" pitchFamily="50" charset="-127"/>
-              </a:rPr>
-              <a:t>특성칸을</a:t>
-            </a:r>
-            <a:r>
-              <a:rPr lang="ko-KR" altLang="en-US" sz="2000" b="1" spc="-50" dirty="0">
-                <a:ln>
-                  <a:solidFill>
-                    <a:srgbClr val="5F0080">
-                      <a:alpha val="0"/>
-                    </a:srgbClr>
-                  </a:solidFill>
-                </a:ln>
-                <a:solidFill>
-                  <a:schemeClr val="bg1"/>
-                </a:solidFill>
-                <a:latin typeface="Noto Sans KR" panose="020B0200000000000000" pitchFamily="50" charset="-127"/>
-                <a:ea typeface="Noto Sans KR" panose="020B0200000000000000" pitchFamily="50" charset="-127"/>
-              </a:rPr>
-              <a:t> 클릭하여 원하는 종족을 선택한다</a:t>
-            </a:r>
-            <a:endParaRPr lang="en-US" altLang="ko-KR" sz="2000" spc="-50" dirty="0">
-              <a:ln>
-                <a:solidFill>
-                  <a:srgbClr val="5F0080">
-                    <a:alpha val="0"/>
-                  </a:srgbClr>
-                </a:solidFill>
-              </a:ln>
-              <a:solidFill>
-                <a:schemeClr val="bg1"/>
-              </a:solidFill>
-              <a:latin typeface="Noto Sans KR" panose="020B0200000000000000" pitchFamily="50" charset="-127"/>
-              <a:ea typeface="Noto Sans KR" panose="020B0200000000000000" pitchFamily="50" charset="-127"/>
-            </a:endParaRPr>
-          </a:p>
-        </p:txBody>
-      </p:sp>
-      <p:sp>
-        <p:nvSpPr>
-          <p:cNvPr id="10" name="TextBox 9">
-            <a:extLst>
-              <a:ext uri="{FF2B5EF4-FFF2-40B4-BE49-F238E27FC236}">
-                <a16:creationId xmlns:a16="http://schemas.microsoft.com/office/drawing/2014/main" id="{1FBA9668-F698-64DC-2228-B11B118B86E7}"/>
-              </a:ext>
-            </a:extLst>
-          </p:cNvPr>
-          <p:cNvSpPr txBox="1"/>
-          <p:nvPr/>
-        </p:nvSpPr>
-        <p:spPr>
-          <a:xfrm>
-            <a:off x="5171554" y="342464"/>
-            <a:ext cx="1097620" cy="372655"/>
-          </a:xfrm>
-          <a:prstGeom prst="rect">
-            <a:avLst/>
-          </a:prstGeom>
-          <a:noFill/>
-        </p:spPr>
-        <p:txBody>
-          <a:bodyPr wrap="none" rtlCol="0" anchor="ctr">
-            <a:noAutofit/>
-          </a:bodyPr>
-          <a:lstStyle/>
-          <a:p>
-            <a:pPr algn="ctr">
-              <a:lnSpc>
-                <a:spcPct val="110000"/>
-              </a:lnSpc>
-            </a:pPr>
-            <a:r>
-              <a:rPr lang="en-US" altLang="ko-KR" sz="2800" b="1" spc="-80" dirty="0">
-                <a:ln>
-                  <a:solidFill>
-                    <a:srgbClr val="5F0080">
-                      <a:alpha val="0"/>
-                    </a:srgbClr>
-                  </a:solidFill>
-                </a:ln>
-                <a:solidFill>
-                  <a:schemeClr val="tx1">
-                    <a:lumMod val="85000"/>
-                    <a:lumOff val="15000"/>
-                  </a:schemeClr>
-                </a:solidFill>
-                <a:latin typeface="Noto Sans KR" panose="020B0200000000000000" pitchFamily="50" charset="-127"/>
-                <a:ea typeface="Noto Sans KR" panose="020B0200000000000000" pitchFamily="50" charset="-127"/>
-              </a:rPr>
-              <a:t>Step </a:t>
-            </a:r>
-            <a:r>
-              <a:rPr lang="en-US" altLang="ko-KR" sz="2800" b="1" spc="-80" dirty="0">
-                <a:ln>
-                  <a:solidFill>
-                    <a:srgbClr val="5F0080">
-                      <a:alpha val="0"/>
-                    </a:srgbClr>
-                  </a:solidFill>
-                </a:ln>
-                <a:solidFill>
-                  <a:srgbClr val="00B0F0"/>
-                </a:solidFill>
-                <a:latin typeface="Noto Sans KR" panose="020B0200000000000000" pitchFamily="50" charset="-127"/>
-                <a:ea typeface="Noto Sans KR" panose="020B0200000000000000" pitchFamily="50" charset="-127"/>
-              </a:rPr>
-              <a:t>3</a:t>
-            </a:r>
-            <a:endParaRPr lang="en-US" altLang="ko-KR" sz="2800" b="1" spc="-80" dirty="0">
-              <a:ln>
-                <a:solidFill>
-                  <a:srgbClr val="5F0080">
-                    <a:alpha val="0"/>
-                  </a:srgbClr>
-                </a:solidFill>
-              </a:ln>
-              <a:solidFill>
-                <a:srgbClr val="5F0080"/>
-              </a:solidFill>
-              <a:latin typeface="Noto Sans KR" panose="020B0200000000000000" pitchFamily="50" charset="-127"/>
-              <a:ea typeface="Noto Sans KR" panose="020B0200000000000000" pitchFamily="50" charset="-127"/>
-            </a:endParaRPr>
-          </a:p>
-        </p:txBody>
-      </p:sp>
     </p:spTree>
     <p:extLst>
       <p:ext uri="{BB962C8B-B14F-4D97-AF65-F5344CB8AC3E}">
-        <p14:creationId xmlns:p14="http://schemas.microsoft.com/office/powerpoint/2010/main" val="2511942083"/>
+        <p14:creationId xmlns:p14="http://schemas.microsoft.com/office/powerpoint/2010/main" val="4130510013"/>
       </p:ext>
     </p:extLst>
   </p:cSld>
@@ -4814,10 +4793,10 @@
       </p:sp>
       <p:sp>
         <p:nvSpPr>
-          <p:cNvPr id="32" name="직사각형 31">
-            <a:extLst>
-              <a:ext uri="{FF2B5EF4-FFF2-40B4-BE49-F238E27FC236}">
-                <a16:creationId xmlns:a16="http://schemas.microsoft.com/office/drawing/2014/main" id="{DF506191-7123-4B7A-82AE-2E95C3BCF629}"/>
+          <p:cNvPr id="3" name="직사각형 2">
+            <a:extLst>
+              <a:ext uri="{FF2B5EF4-FFF2-40B4-BE49-F238E27FC236}">
+                <a16:creationId xmlns:a16="http://schemas.microsoft.com/office/drawing/2014/main" id="{D9FB4F2E-B2CC-63AA-02FF-8B5C6E4DECAE}"/>
               </a:ext>
             </a:extLst>
           </p:cNvPr>
@@ -4826,8 +4805,8 @@
         </p:nvSpPr>
         <p:spPr>
           <a:xfrm>
-            <a:off x="0" y="0"/>
-            <a:ext cx="12192000" cy="184941"/>
+            <a:off x="0" y="4351328"/>
+            <a:ext cx="12192000" cy="2506672"/>
           </a:xfrm>
           <a:prstGeom prst="rect">
             <a:avLst/>
@@ -4866,10 +4845,10 @@
       </p:sp>
       <p:sp>
         <p:nvSpPr>
-          <p:cNvPr id="9" name="직사각형 8">
-            <a:extLst>
-              <a:ext uri="{FF2B5EF4-FFF2-40B4-BE49-F238E27FC236}">
-                <a16:creationId xmlns:a16="http://schemas.microsoft.com/office/drawing/2014/main" id="{6E0429CD-A3E9-5AE0-6F40-536B92F8E5A4}"/>
+          <p:cNvPr id="32" name="직사각형 31">
+            <a:extLst>
+              <a:ext uri="{FF2B5EF4-FFF2-40B4-BE49-F238E27FC236}">
+                <a16:creationId xmlns:a16="http://schemas.microsoft.com/office/drawing/2014/main" id="{DF506191-7123-4B7A-82AE-2E95C3BCF629}"/>
               </a:ext>
             </a:extLst>
           </p:cNvPr>
@@ -4878,8 +4857,8 @@
         </p:nvSpPr>
         <p:spPr>
           <a:xfrm>
-            <a:off x="0" y="4351328"/>
-            <a:ext cx="12192000" cy="2506672"/>
+            <a:off x="0" y="0"/>
+            <a:ext cx="12192000" cy="184941"/>
           </a:xfrm>
           <a:prstGeom prst="rect">
             <a:avLst/>
@@ -4918,10 +4897,10 @@
       </p:sp>
       <p:pic>
         <p:nvPicPr>
-          <p:cNvPr id="6" name="그림 5">
-            <a:extLst>
-              <a:ext uri="{FF2B5EF4-FFF2-40B4-BE49-F238E27FC236}">
-                <a16:creationId xmlns:a16="http://schemas.microsoft.com/office/drawing/2014/main" id="{2CBE42D9-7437-2EF3-5B84-D34FAFAC0E03}"/>
+          <p:cNvPr id="4" name="그림 3">
+            <a:extLst>
+              <a:ext uri="{FF2B5EF4-FFF2-40B4-BE49-F238E27FC236}">
+                <a16:creationId xmlns:a16="http://schemas.microsoft.com/office/drawing/2014/main" id="{49F4F280-E5D9-B827-15AA-D317AE7FF3A8}"/>
               </a:ext>
             </a:extLst>
           </p:cNvPr>
@@ -4938,20 +4917,242 @@
         </p:blipFill>
         <p:spPr>
           <a:xfrm>
-            <a:off x="2005693" y="1161327"/>
-            <a:ext cx="7429346" cy="4042270"/>
+            <a:off x="1779441" y="1220863"/>
+            <a:ext cx="7974752" cy="4336867"/>
           </a:xfrm>
           <a:prstGeom prst="rect">
             <a:avLst/>
           </a:prstGeom>
         </p:spPr>
       </p:pic>
+      <p:sp>
+        <p:nvSpPr>
+          <p:cNvPr id="5" name="TextBox 4">
+            <a:extLst>
+              <a:ext uri="{FF2B5EF4-FFF2-40B4-BE49-F238E27FC236}">
+                <a16:creationId xmlns:a16="http://schemas.microsoft.com/office/drawing/2014/main" id="{39C89856-0F40-9CE7-5141-BBA94F5BAFC0}"/>
+              </a:ext>
+            </a:extLst>
+          </p:cNvPr>
+          <p:cNvSpPr txBox="1"/>
+          <p:nvPr/>
+        </p:nvSpPr>
+        <p:spPr>
+          <a:xfrm>
+            <a:off x="5171554" y="342464"/>
+            <a:ext cx="1097620" cy="372655"/>
+          </a:xfrm>
+          <a:prstGeom prst="rect">
+            <a:avLst/>
+          </a:prstGeom>
+          <a:noFill/>
+        </p:spPr>
+        <p:txBody>
+          <a:bodyPr wrap="none" rtlCol="0" anchor="ctr">
+            <a:noAutofit/>
+          </a:bodyPr>
+          <a:lstStyle/>
+          <a:p>
+            <a:pPr algn="ctr">
+              <a:lnSpc>
+                <a:spcPct val="110000"/>
+              </a:lnSpc>
+            </a:pPr>
+            <a:r>
+              <a:rPr lang="en-US" altLang="ko-KR" sz="2800" b="1" spc="-80" dirty="0">
+                <a:ln>
+                  <a:solidFill>
+                    <a:srgbClr val="5F0080">
+                      <a:alpha val="0"/>
+                    </a:srgbClr>
+                  </a:solidFill>
+                </a:ln>
+                <a:solidFill>
+                  <a:schemeClr val="tx1">
+                    <a:lumMod val="85000"/>
+                    <a:lumOff val="15000"/>
+                  </a:schemeClr>
+                </a:solidFill>
+                <a:latin typeface="Noto Sans KR" panose="020B0200000000000000" pitchFamily="50" charset="-127"/>
+                <a:ea typeface="Noto Sans KR" panose="020B0200000000000000" pitchFamily="50" charset="-127"/>
+              </a:rPr>
+              <a:t>Step </a:t>
+            </a:r>
+            <a:r>
+              <a:rPr lang="en-US" altLang="ko-KR" sz="2800" b="1" spc="-80" dirty="0">
+                <a:ln>
+                  <a:solidFill>
+                    <a:srgbClr val="5F0080">
+                      <a:alpha val="0"/>
+                    </a:srgbClr>
+                  </a:solidFill>
+                </a:ln>
+                <a:solidFill>
+                  <a:srgbClr val="00B0F0"/>
+                </a:solidFill>
+                <a:latin typeface="Noto Sans KR" panose="020B0200000000000000" pitchFamily="50" charset="-127"/>
+                <a:ea typeface="Noto Sans KR" panose="020B0200000000000000" pitchFamily="50" charset="-127"/>
+              </a:rPr>
+              <a:t>8-1</a:t>
+            </a:r>
+            <a:endParaRPr lang="en-US" altLang="ko-KR" sz="2800" b="1" spc="-80" dirty="0">
+              <a:ln>
+                <a:solidFill>
+                  <a:srgbClr val="5F0080">
+                    <a:alpha val="0"/>
+                  </a:srgbClr>
+                </a:solidFill>
+              </a:ln>
+              <a:solidFill>
+                <a:srgbClr val="5F0080"/>
+              </a:solidFill>
+              <a:latin typeface="Noto Sans KR" panose="020B0200000000000000" pitchFamily="50" charset="-127"/>
+              <a:ea typeface="Noto Sans KR" panose="020B0200000000000000" pitchFamily="50" charset="-127"/>
+            </a:endParaRPr>
+          </a:p>
+        </p:txBody>
+      </p:sp>
+      <p:sp>
+        <p:nvSpPr>
+          <p:cNvPr id="6" name="TextBox 5">
+            <a:extLst>
+              <a:ext uri="{FF2B5EF4-FFF2-40B4-BE49-F238E27FC236}">
+                <a16:creationId xmlns:a16="http://schemas.microsoft.com/office/drawing/2014/main" id="{6D607203-9043-8E88-FCFE-DC6844FD39B6}"/>
+              </a:ext>
+            </a:extLst>
+          </p:cNvPr>
+          <p:cNvSpPr txBox="1"/>
+          <p:nvPr/>
+        </p:nvSpPr>
+        <p:spPr>
+          <a:xfrm>
+            <a:off x="1615732" y="6061886"/>
+            <a:ext cx="8209300" cy="453650"/>
+          </a:xfrm>
+          <a:prstGeom prst="rect">
+            <a:avLst/>
+          </a:prstGeom>
+          <a:noFill/>
+        </p:spPr>
+        <p:txBody>
+          <a:bodyPr wrap="none" rtlCol="0">
+            <a:spAutoFit/>
+          </a:bodyPr>
+          <a:lstStyle/>
+          <a:p>
+            <a:pPr algn="ctr">
+              <a:lnSpc>
+                <a:spcPct val="130000"/>
+              </a:lnSpc>
+            </a:pPr>
+            <a:r>
+              <a:rPr lang="ko-KR" altLang="en-US" sz="2000" b="1" spc="-50" dirty="0">
+                <a:ln>
+                  <a:solidFill>
+                    <a:srgbClr val="5F0080">
+                      <a:alpha val="0"/>
+                    </a:srgbClr>
+                  </a:solidFill>
+                </a:ln>
+                <a:solidFill>
+                  <a:schemeClr val="bg1"/>
+                </a:solidFill>
+                <a:latin typeface="Noto Sans KR" panose="020B0200000000000000" pitchFamily="50" charset="-127"/>
+                <a:ea typeface="Noto Sans KR" panose="020B0200000000000000" pitchFamily="50" charset="-127"/>
+              </a:rPr>
+              <a:t>첫 번째 화면에는 사용자가 설정한 장비들의 평균 </a:t>
+            </a:r>
+            <a:r>
+              <a:rPr lang="en-US" altLang="ko-KR" sz="2000" b="1" spc="-50" dirty="0">
+                <a:ln>
+                  <a:solidFill>
+                    <a:srgbClr val="5F0080">
+                      <a:alpha val="0"/>
+                    </a:srgbClr>
+                  </a:solidFill>
+                </a:ln>
+                <a:solidFill>
+                  <a:schemeClr val="bg1"/>
+                </a:solidFill>
+                <a:latin typeface="Noto Sans KR" panose="020B0200000000000000" pitchFamily="50" charset="-127"/>
+                <a:ea typeface="Noto Sans KR" panose="020B0200000000000000" pitchFamily="50" charset="-127"/>
+              </a:rPr>
+              <a:t>DPS, </a:t>
+            </a:r>
+            <a:r>
+              <a:rPr lang="ko-KR" altLang="en-US" sz="2000" b="1" spc="-50" dirty="0">
+                <a:ln>
+                  <a:solidFill>
+                    <a:srgbClr val="5F0080">
+                      <a:alpha val="0"/>
+                    </a:srgbClr>
+                  </a:solidFill>
+                </a:ln>
+                <a:solidFill>
+                  <a:schemeClr val="bg1"/>
+                </a:solidFill>
+                <a:latin typeface="Noto Sans KR" panose="020B0200000000000000" pitchFamily="50" charset="-127"/>
+                <a:ea typeface="Noto Sans KR" panose="020B0200000000000000" pitchFamily="50" charset="-127"/>
+              </a:rPr>
+              <a:t>공대 </a:t>
+            </a:r>
+            <a:r>
+              <a:rPr lang="en-US" altLang="ko-KR" sz="2000" b="1" spc="-50" dirty="0">
+                <a:ln>
+                  <a:solidFill>
+                    <a:srgbClr val="5F0080">
+                      <a:alpha val="0"/>
+                    </a:srgbClr>
+                  </a:solidFill>
+                </a:ln>
+                <a:solidFill>
+                  <a:schemeClr val="bg1"/>
+                </a:solidFill>
+                <a:latin typeface="Noto Sans KR" panose="020B0200000000000000" pitchFamily="50" charset="-127"/>
+                <a:ea typeface="Noto Sans KR" panose="020B0200000000000000" pitchFamily="50" charset="-127"/>
+              </a:rPr>
+              <a:t>DPS</a:t>
+            </a:r>
+            <a:r>
+              <a:rPr lang="ko-KR" altLang="en-US" sz="2000" b="1" spc="-50" dirty="0">
+                <a:ln>
+                  <a:solidFill>
+                    <a:srgbClr val="5F0080">
+                      <a:alpha val="0"/>
+                    </a:srgbClr>
+                  </a:solidFill>
+                </a:ln>
+                <a:solidFill>
+                  <a:schemeClr val="bg1"/>
+                </a:solidFill>
+                <a:latin typeface="Noto Sans KR" panose="020B0200000000000000" pitchFamily="50" charset="-127"/>
+                <a:ea typeface="Noto Sans KR" panose="020B0200000000000000" pitchFamily="50" charset="-127"/>
+              </a:rPr>
+              <a:t>가 기재됩니다</a:t>
+            </a:r>
+            <a:endParaRPr lang="en-US" altLang="ko-KR" sz="2000" spc="-50" dirty="0">
+              <a:ln>
+                <a:solidFill>
+                  <a:srgbClr val="5F0080">
+                    <a:alpha val="0"/>
+                  </a:srgbClr>
+                </a:solidFill>
+              </a:ln>
+              <a:solidFill>
+                <a:schemeClr val="bg1"/>
+              </a:solidFill>
+              <a:latin typeface="Noto Sans KR" panose="020B0200000000000000" pitchFamily="50" charset="-127"/>
+              <a:ea typeface="Noto Sans KR" panose="020B0200000000000000" pitchFamily="50" charset="-127"/>
+            </a:endParaRPr>
+          </a:p>
+        </p:txBody>
+      </p:sp>
       <p:pic>
         <p:nvPicPr>
-          <p:cNvPr id="5" name="그림 4">
-            <a:extLst>
-              <a:ext uri="{FF2B5EF4-FFF2-40B4-BE49-F238E27FC236}">
-                <a16:creationId xmlns:a16="http://schemas.microsoft.com/office/drawing/2014/main" id="{8C3CA0CC-8A41-F499-5859-7CDA1AB7BE5D}"/>
+          <p:cNvPr id="7" name="그림 6">
+            <a:extLst>
+              <a:ext uri="{FF2B5EF4-FFF2-40B4-BE49-F238E27FC236}">
+                <a16:creationId xmlns:a16="http://schemas.microsoft.com/office/drawing/2014/main" id="{E725F279-554E-5702-E030-93DA55F2800A}"/>
               </a:ext>
             </a:extLst>
           </p:cNvPr>
@@ -4976,198 +5177,10 @@
           </a:prstGeom>
         </p:spPr>
       </p:pic>
-      <p:sp>
-        <p:nvSpPr>
-          <p:cNvPr id="7" name="TextBox 6">
-            <a:extLst>
-              <a:ext uri="{FF2B5EF4-FFF2-40B4-BE49-F238E27FC236}">
-                <a16:creationId xmlns:a16="http://schemas.microsoft.com/office/drawing/2014/main" id="{A2DC3856-C68B-60AD-2560-46DDA33D15ED}"/>
-              </a:ext>
-            </a:extLst>
-          </p:cNvPr>
-          <p:cNvSpPr txBox="1"/>
-          <p:nvPr/>
-        </p:nvSpPr>
-        <p:spPr>
-          <a:xfrm>
-            <a:off x="5171554" y="342464"/>
-            <a:ext cx="1097620" cy="372655"/>
-          </a:xfrm>
-          <a:prstGeom prst="rect">
-            <a:avLst/>
-          </a:prstGeom>
-          <a:noFill/>
-        </p:spPr>
-        <p:txBody>
-          <a:bodyPr wrap="none" rtlCol="0" anchor="ctr">
-            <a:noAutofit/>
-          </a:bodyPr>
-          <a:lstStyle/>
-          <a:p>
-            <a:pPr algn="ctr">
-              <a:lnSpc>
-                <a:spcPct val="110000"/>
-              </a:lnSpc>
-            </a:pPr>
-            <a:r>
-              <a:rPr lang="en-US" altLang="ko-KR" sz="2800" b="1" spc="-80" dirty="0">
-                <a:ln>
-                  <a:solidFill>
-                    <a:srgbClr val="5F0080">
-                      <a:alpha val="0"/>
-                    </a:srgbClr>
-                  </a:solidFill>
-                </a:ln>
-                <a:solidFill>
-                  <a:schemeClr val="tx1">
-                    <a:lumMod val="85000"/>
-                    <a:lumOff val="15000"/>
-                  </a:schemeClr>
-                </a:solidFill>
-                <a:latin typeface="Noto Sans KR" panose="020B0200000000000000" pitchFamily="50" charset="-127"/>
-                <a:ea typeface="Noto Sans KR" panose="020B0200000000000000" pitchFamily="50" charset="-127"/>
-              </a:rPr>
-              <a:t>Step </a:t>
-            </a:r>
-            <a:r>
-              <a:rPr lang="en-US" altLang="ko-KR" sz="2800" b="1" spc="-80" dirty="0">
-                <a:ln>
-                  <a:solidFill>
-                    <a:srgbClr val="5F0080">
-                      <a:alpha val="0"/>
-                    </a:srgbClr>
-                  </a:solidFill>
-                </a:ln>
-                <a:solidFill>
-                  <a:srgbClr val="00B0F0"/>
-                </a:solidFill>
-                <a:latin typeface="Noto Sans KR" panose="020B0200000000000000" pitchFamily="50" charset="-127"/>
-                <a:ea typeface="Noto Sans KR" panose="020B0200000000000000" pitchFamily="50" charset="-127"/>
-              </a:rPr>
-              <a:t>4</a:t>
-            </a:r>
-            <a:endParaRPr lang="en-US" altLang="ko-KR" sz="2800" b="1" spc="-80" dirty="0">
-              <a:ln>
-                <a:solidFill>
-                  <a:srgbClr val="5F0080">
-                    <a:alpha val="0"/>
-                  </a:srgbClr>
-                </a:solidFill>
-              </a:ln>
-              <a:solidFill>
-                <a:srgbClr val="5F0080"/>
-              </a:solidFill>
-              <a:latin typeface="Noto Sans KR" panose="020B0200000000000000" pitchFamily="50" charset="-127"/>
-              <a:ea typeface="Noto Sans KR" panose="020B0200000000000000" pitchFamily="50" charset="-127"/>
-            </a:endParaRPr>
-          </a:p>
-        </p:txBody>
-      </p:sp>
-      <p:sp>
-        <p:nvSpPr>
-          <p:cNvPr id="8" name="TextBox 7">
-            <a:extLst>
-              <a:ext uri="{FF2B5EF4-FFF2-40B4-BE49-F238E27FC236}">
-                <a16:creationId xmlns:a16="http://schemas.microsoft.com/office/drawing/2014/main" id="{D1D861B3-00C6-4556-7A27-B6244405DB46}"/>
-              </a:ext>
-            </a:extLst>
-          </p:cNvPr>
-          <p:cNvSpPr txBox="1"/>
-          <p:nvPr/>
-        </p:nvSpPr>
-        <p:spPr>
-          <a:xfrm>
-            <a:off x="3171443" y="6061886"/>
-            <a:ext cx="5097870" cy="453650"/>
-          </a:xfrm>
-          <a:prstGeom prst="rect">
-            <a:avLst/>
-          </a:prstGeom>
-          <a:noFill/>
-        </p:spPr>
-        <p:txBody>
-          <a:bodyPr wrap="none" rtlCol="0">
-            <a:spAutoFit/>
-          </a:bodyPr>
-          <a:lstStyle/>
-          <a:p>
-            <a:pPr algn="ctr">
-              <a:lnSpc>
-                <a:spcPct val="130000"/>
-              </a:lnSpc>
-            </a:pPr>
-            <a:r>
-              <a:rPr lang="ko-KR" altLang="en-US" sz="2000" b="1" spc="-50" dirty="0">
-                <a:ln>
-                  <a:solidFill>
-                    <a:srgbClr val="5F0080">
-                      <a:alpha val="0"/>
-                    </a:srgbClr>
-                  </a:solidFill>
-                </a:ln>
-                <a:solidFill>
-                  <a:schemeClr val="bg1"/>
-                </a:solidFill>
-                <a:latin typeface="Noto Sans KR" panose="020B0200000000000000" pitchFamily="50" charset="-127"/>
-                <a:ea typeface="Noto Sans KR" panose="020B0200000000000000" pitchFamily="50" charset="-127"/>
-              </a:rPr>
-              <a:t>각 </a:t>
-            </a:r>
-            <a:r>
-              <a:rPr lang="ko-KR" altLang="en-US" sz="2000" b="1" spc="-50" dirty="0" err="1">
-                <a:ln>
-                  <a:solidFill>
-                    <a:srgbClr val="5F0080">
-                      <a:alpha val="0"/>
-                    </a:srgbClr>
-                  </a:solidFill>
-                </a:ln>
-                <a:solidFill>
-                  <a:schemeClr val="bg1"/>
-                </a:solidFill>
-                <a:latin typeface="Noto Sans KR" panose="020B0200000000000000" pitchFamily="50" charset="-127"/>
-                <a:ea typeface="Noto Sans KR" panose="020B0200000000000000" pitchFamily="50" charset="-127"/>
-              </a:rPr>
-              <a:t>장비칸을</a:t>
-            </a:r>
-            <a:r>
-              <a:rPr lang="ko-KR" altLang="en-US" sz="2000" b="1" spc="-50" dirty="0">
-                <a:ln>
-                  <a:solidFill>
-                    <a:srgbClr val="5F0080">
-                      <a:alpha val="0"/>
-                    </a:srgbClr>
-                  </a:solidFill>
-                </a:ln>
-                <a:solidFill>
-                  <a:schemeClr val="bg1"/>
-                </a:solidFill>
-                <a:latin typeface="Noto Sans KR" panose="020B0200000000000000" pitchFamily="50" charset="-127"/>
-                <a:ea typeface="Noto Sans KR" panose="020B0200000000000000" pitchFamily="50" charset="-127"/>
-              </a:rPr>
-              <a:t> 클릭하여 원하는 장비를 설정합니다</a:t>
-            </a:r>
-            <a:endParaRPr lang="en-US" altLang="ko-KR" sz="2000" spc="-50" dirty="0">
-              <a:ln>
-                <a:solidFill>
-                  <a:srgbClr val="5F0080">
-                    <a:alpha val="0"/>
-                  </a:srgbClr>
-                </a:solidFill>
-              </a:ln>
-              <a:solidFill>
-                <a:schemeClr val="bg1"/>
-              </a:solidFill>
-              <a:latin typeface="Noto Sans KR" panose="020B0200000000000000" pitchFamily="50" charset="-127"/>
-              <a:ea typeface="Noto Sans KR" panose="020B0200000000000000" pitchFamily="50" charset="-127"/>
-            </a:endParaRPr>
-          </a:p>
-        </p:txBody>
-      </p:sp>
     </p:spTree>
     <p:extLst>
       <p:ext uri="{BB962C8B-B14F-4D97-AF65-F5344CB8AC3E}">
-        <p14:creationId xmlns:p14="http://schemas.microsoft.com/office/powerpoint/2010/main" val="1032731842"/>
+        <p14:creationId xmlns:p14="http://schemas.microsoft.com/office/powerpoint/2010/main" val="843986843"/>
       </p:ext>
     </p:extLst>
   </p:cSld>
@@ -5352,12 +5365,166 @@
           </a:p>
         </p:txBody>
       </p:sp>
+      <p:sp>
+        <p:nvSpPr>
+          <p:cNvPr id="4" name="TextBox 3">
+            <a:extLst>
+              <a:ext uri="{FF2B5EF4-FFF2-40B4-BE49-F238E27FC236}">
+                <a16:creationId xmlns:a16="http://schemas.microsoft.com/office/drawing/2014/main" id="{674A95E7-3904-2867-FBBA-331D3F248B3C}"/>
+              </a:ext>
+            </a:extLst>
+          </p:cNvPr>
+          <p:cNvSpPr txBox="1"/>
+          <p:nvPr/>
+        </p:nvSpPr>
+        <p:spPr>
+          <a:xfrm>
+            <a:off x="5171554" y="342464"/>
+            <a:ext cx="1097620" cy="372655"/>
+          </a:xfrm>
+          <a:prstGeom prst="rect">
+            <a:avLst/>
+          </a:prstGeom>
+          <a:noFill/>
+        </p:spPr>
+        <p:txBody>
+          <a:bodyPr wrap="none" rtlCol="0" anchor="ctr">
+            <a:noAutofit/>
+          </a:bodyPr>
+          <a:lstStyle/>
+          <a:p>
+            <a:pPr algn="ctr">
+              <a:lnSpc>
+                <a:spcPct val="110000"/>
+              </a:lnSpc>
+            </a:pPr>
+            <a:r>
+              <a:rPr lang="en-US" altLang="ko-KR" sz="2800" b="1" spc="-80" dirty="0">
+                <a:ln>
+                  <a:solidFill>
+                    <a:srgbClr val="5F0080">
+                      <a:alpha val="0"/>
+                    </a:srgbClr>
+                  </a:solidFill>
+                </a:ln>
+                <a:solidFill>
+                  <a:schemeClr val="tx1">
+                    <a:lumMod val="85000"/>
+                    <a:lumOff val="15000"/>
+                  </a:schemeClr>
+                </a:solidFill>
+                <a:latin typeface="Noto Sans KR" panose="020B0200000000000000" pitchFamily="50" charset="-127"/>
+                <a:ea typeface="Noto Sans KR" panose="020B0200000000000000" pitchFamily="50" charset="-127"/>
+              </a:rPr>
+              <a:t>Step </a:t>
+            </a:r>
+            <a:r>
+              <a:rPr lang="en-US" altLang="ko-KR" sz="2800" b="1" spc="-80" dirty="0">
+                <a:ln>
+                  <a:solidFill>
+                    <a:srgbClr val="5F0080">
+                      <a:alpha val="0"/>
+                    </a:srgbClr>
+                  </a:solidFill>
+                </a:ln>
+                <a:solidFill>
+                  <a:srgbClr val="00B0F0"/>
+                </a:solidFill>
+                <a:latin typeface="Noto Sans KR" panose="020B0200000000000000" pitchFamily="50" charset="-127"/>
+                <a:ea typeface="Noto Sans KR" panose="020B0200000000000000" pitchFamily="50" charset="-127"/>
+              </a:rPr>
+              <a:t>8-2</a:t>
+            </a:r>
+            <a:endParaRPr lang="en-US" altLang="ko-KR" sz="2800" b="1" spc="-80" dirty="0">
+              <a:ln>
+                <a:solidFill>
+                  <a:srgbClr val="5F0080">
+                    <a:alpha val="0"/>
+                  </a:srgbClr>
+                </a:solidFill>
+              </a:ln>
+              <a:solidFill>
+                <a:srgbClr val="5F0080"/>
+              </a:solidFill>
+              <a:latin typeface="Noto Sans KR" panose="020B0200000000000000" pitchFamily="50" charset="-127"/>
+              <a:ea typeface="Noto Sans KR" panose="020B0200000000000000" pitchFamily="50" charset="-127"/>
+            </a:endParaRPr>
+          </a:p>
+        </p:txBody>
+      </p:sp>
+      <p:sp>
+        <p:nvSpPr>
+          <p:cNvPr id="5" name="TextBox 4">
+            <a:extLst>
+              <a:ext uri="{FF2B5EF4-FFF2-40B4-BE49-F238E27FC236}">
+                <a16:creationId xmlns:a16="http://schemas.microsoft.com/office/drawing/2014/main" id="{66253D23-8F1A-48A3-C5EA-6178E6956400}"/>
+              </a:ext>
+            </a:extLst>
+          </p:cNvPr>
+          <p:cNvSpPr txBox="1"/>
+          <p:nvPr/>
+        </p:nvSpPr>
+        <p:spPr>
+          <a:xfrm>
+            <a:off x="3810238" y="6061886"/>
+            <a:ext cx="3820277" cy="453650"/>
+          </a:xfrm>
+          <a:prstGeom prst="rect">
+            <a:avLst/>
+          </a:prstGeom>
+          <a:noFill/>
+        </p:spPr>
+        <p:txBody>
+          <a:bodyPr wrap="none" rtlCol="0">
+            <a:spAutoFit/>
+          </a:bodyPr>
+          <a:lstStyle/>
+          <a:p>
+            <a:pPr algn="ctr">
+              <a:lnSpc>
+                <a:spcPct val="130000"/>
+              </a:lnSpc>
+            </a:pPr>
+            <a:r>
+              <a:rPr lang="ko-KR" altLang="en-US" sz="2000" b="1" spc="-50" dirty="0">
+                <a:ln>
+                  <a:solidFill>
+                    <a:srgbClr val="5F0080">
+                      <a:alpha val="0"/>
+                    </a:srgbClr>
+                  </a:solidFill>
+                </a:ln>
+                <a:solidFill>
+                  <a:schemeClr val="bg1"/>
+                </a:solidFill>
+                <a:latin typeface="Noto Sans KR" panose="020B0200000000000000" pitchFamily="50" charset="-127"/>
+                <a:ea typeface="Noto Sans KR" panose="020B0200000000000000" pitchFamily="50" charset="-127"/>
+              </a:rPr>
+              <a:t>사용자의 데미지 분포도가 나타나고</a:t>
+            </a:r>
+            <a:endParaRPr lang="en-US" altLang="ko-KR" sz="2000" spc="-50" dirty="0">
+              <a:ln>
+                <a:solidFill>
+                  <a:srgbClr val="5F0080">
+                    <a:alpha val="0"/>
+                  </a:srgbClr>
+                </a:solidFill>
+              </a:ln>
+              <a:solidFill>
+                <a:schemeClr val="bg1"/>
+              </a:solidFill>
+              <a:latin typeface="Noto Sans KR" panose="020B0200000000000000" pitchFamily="50" charset="-127"/>
+              <a:ea typeface="Noto Sans KR" panose="020B0200000000000000" pitchFamily="50" charset="-127"/>
+            </a:endParaRPr>
+          </a:p>
+        </p:txBody>
+      </p:sp>
       <p:pic>
         <p:nvPicPr>
-          <p:cNvPr id="4" name="그림 3">
-            <a:extLst>
-              <a:ext uri="{FF2B5EF4-FFF2-40B4-BE49-F238E27FC236}">
-                <a16:creationId xmlns:a16="http://schemas.microsoft.com/office/drawing/2014/main" id="{D13B970E-548E-A55E-84D9-967D1470F9BB}"/>
+          <p:cNvPr id="10" name="그림 9">
+            <a:extLst>
+              <a:ext uri="{FF2B5EF4-FFF2-40B4-BE49-F238E27FC236}">
+                <a16:creationId xmlns:a16="http://schemas.microsoft.com/office/drawing/2014/main" id="{14C1EF04-58F1-975C-E95B-1C25A885DF02}"/>
               </a:ext>
             </a:extLst>
           </p:cNvPr>
@@ -5374,8 +5541,8 @@
         </p:blipFill>
         <p:spPr>
           <a:xfrm>
-            <a:off x="2005691" y="1150169"/>
-            <a:ext cx="7429347" cy="4053427"/>
+            <a:off x="1786035" y="1228508"/>
+            <a:ext cx="7968157" cy="4329221"/>
           </a:xfrm>
           <a:prstGeom prst="rect">
             <a:avLst/>
@@ -5384,10 +5551,10 @@
       </p:pic>
       <p:pic>
         <p:nvPicPr>
-          <p:cNvPr id="5" name="그림 4">
-            <a:extLst>
-              <a:ext uri="{FF2B5EF4-FFF2-40B4-BE49-F238E27FC236}">
-                <a16:creationId xmlns:a16="http://schemas.microsoft.com/office/drawing/2014/main" id="{69F1E524-058C-B694-1AD4-6F180AB5618D}"/>
+          <p:cNvPr id="11" name="그림 10">
+            <a:extLst>
+              <a:ext uri="{FF2B5EF4-FFF2-40B4-BE49-F238E27FC236}">
+                <a16:creationId xmlns:a16="http://schemas.microsoft.com/office/drawing/2014/main" id="{B36BEC74-94F3-F600-25D0-BA31D3336113}"/>
               </a:ext>
             </a:extLst>
           </p:cNvPr>
@@ -5412,198 +5579,10 @@
           </a:prstGeom>
         </p:spPr>
       </p:pic>
-      <p:sp>
-        <p:nvSpPr>
-          <p:cNvPr id="6" name="TextBox 5">
-            <a:extLst>
-              <a:ext uri="{FF2B5EF4-FFF2-40B4-BE49-F238E27FC236}">
-                <a16:creationId xmlns:a16="http://schemas.microsoft.com/office/drawing/2014/main" id="{B93C64B8-D559-BAA8-8041-B3827B768709}"/>
-              </a:ext>
-            </a:extLst>
-          </p:cNvPr>
-          <p:cNvSpPr txBox="1"/>
-          <p:nvPr/>
-        </p:nvSpPr>
-        <p:spPr>
-          <a:xfrm>
-            <a:off x="5171554" y="342464"/>
-            <a:ext cx="1097620" cy="372655"/>
-          </a:xfrm>
-          <a:prstGeom prst="rect">
-            <a:avLst/>
-          </a:prstGeom>
-          <a:noFill/>
-        </p:spPr>
-        <p:txBody>
-          <a:bodyPr wrap="none" rtlCol="0" anchor="ctr">
-            <a:noAutofit/>
-          </a:bodyPr>
-          <a:lstStyle/>
-          <a:p>
-            <a:pPr algn="ctr">
-              <a:lnSpc>
-                <a:spcPct val="110000"/>
-              </a:lnSpc>
-            </a:pPr>
-            <a:r>
-              <a:rPr lang="en-US" altLang="ko-KR" sz="2800" b="1" spc="-80" dirty="0">
-                <a:ln>
-                  <a:solidFill>
-                    <a:srgbClr val="5F0080">
-                      <a:alpha val="0"/>
-                    </a:srgbClr>
-                  </a:solidFill>
-                </a:ln>
-                <a:solidFill>
-                  <a:schemeClr val="tx1">
-                    <a:lumMod val="85000"/>
-                    <a:lumOff val="15000"/>
-                  </a:schemeClr>
-                </a:solidFill>
-                <a:latin typeface="Noto Sans KR" panose="020B0200000000000000" pitchFamily="50" charset="-127"/>
-                <a:ea typeface="Noto Sans KR" panose="020B0200000000000000" pitchFamily="50" charset="-127"/>
-              </a:rPr>
-              <a:t>Step </a:t>
-            </a:r>
-            <a:r>
-              <a:rPr lang="en-US" altLang="ko-KR" sz="2800" b="1" spc="-80" dirty="0">
-                <a:ln>
-                  <a:solidFill>
-                    <a:srgbClr val="5F0080">
-                      <a:alpha val="0"/>
-                    </a:srgbClr>
-                  </a:solidFill>
-                </a:ln>
-                <a:solidFill>
-                  <a:srgbClr val="00B0F0"/>
-                </a:solidFill>
-                <a:latin typeface="Noto Sans KR" panose="020B0200000000000000" pitchFamily="50" charset="-127"/>
-                <a:ea typeface="Noto Sans KR" panose="020B0200000000000000" pitchFamily="50" charset="-127"/>
-              </a:rPr>
-              <a:t>5</a:t>
-            </a:r>
-            <a:endParaRPr lang="en-US" altLang="ko-KR" sz="2800" b="1" spc="-80" dirty="0">
-              <a:ln>
-                <a:solidFill>
-                  <a:srgbClr val="5F0080">
-                    <a:alpha val="0"/>
-                  </a:srgbClr>
-                </a:solidFill>
-              </a:ln>
-              <a:solidFill>
-                <a:srgbClr val="5F0080"/>
-              </a:solidFill>
-              <a:latin typeface="Noto Sans KR" panose="020B0200000000000000" pitchFamily="50" charset="-127"/>
-              <a:ea typeface="Noto Sans KR" panose="020B0200000000000000" pitchFamily="50" charset="-127"/>
-            </a:endParaRPr>
-          </a:p>
-        </p:txBody>
-      </p:sp>
-      <p:sp>
-        <p:nvSpPr>
-          <p:cNvPr id="7" name="TextBox 6">
-            <a:extLst>
-              <a:ext uri="{FF2B5EF4-FFF2-40B4-BE49-F238E27FC236}">
-                <a16:creationId xmlns:a16="http://schemas.microsoft.com/office/drawing/2014/main" id="{C6D38236-AB5C-FA5F-236E-7C98D00D8E55}"/>
-              </a:ext>
-            </a:extLst>
-          </p:cNvPr>
-          <p:cNvSpPr txBox="1"/>
-          <p:nvPr/>
-        </p:nvSpPr>
-        <p:spPr>
-          <a:xfrm>
-            <a:off x="1969994" y="6061886"/>
-            <a:ext cx="7500772" cy="453650"/>
-          </a:xfrm>
-          <a:prstGeom prst="rect">
-            <a:avLst/>
-          </a:prstGeom>
-          <a:noFill/>
-        </p:spPr>
-        <p:txBody>
-          <a:bodyPr wrap="none" rtlCol="0">
-            <a:spAutoFit/>
-          </a:bodyPr>
-          <a:lstStyle/>
-          <a:p>
-            <a:pPr algn="ctr">
-              <a:lnSpc>
-                <a:spcPct val="130000"/>
-              </a:lnSpc>
-            </a:pPr>
-            <a:r>
-              <a:rPr lang="ko-KR" altLang="en-US" sz="2000" b="1" spc="-50" dirty="0">
-                <a:ln>
-                  <a:solidFill>
-                    <a:srgbClr val="5F0080">
-                      <a:alpha val="0"/>
-                    </a:srgbClr>
-                  </a:solidFill>
-                </a:ln>
-                <a:solidFill>
-                  <a:schemeClr val="bg1"/>
-                </a:solidFill>
-                <a:latin typeface="Noto Sans KR" panose="020B0200000000000000" pitchFamily="50" charset="-127"/>
-                <a:ea typeface="Noto Sans KR" panose="020B0200000000000000" pitchFamily="50" charset="-127"/>
-              </a:rPr>
-              <a:t>장비 칸 밑에 </a:t>
-            </a:r>
-            <a:r>
-              <a:rPr lang="ko-KR" altLang="en-US" sz="2000" b="1" spc="-50" dirty="0" err="1">
-                <a:ln>
-                  <a:solidFill>
-                    <a:srgbClr val="5F0080">
-                      <a:alpha val="0"/>
-                    </a:srgbClr>
-                  </a:solidFill>
-                </a:ln>
-                <a:solidFill>
-                  <a:schemeClr val="bg1"/>
-                </a:solidFill>
-                <a:latin typeface="Noto Sans KR" panose="020B0200000000000000" pitchFamily="50" charset="-127"/>
-                <a:ea typeface="Noto Sans KR" panose="020B0200000000000000" pitchFamily="50" charset="-127"/>
-              </a:rPr>
-              <a:t>마테리얼</a:t>
-            </a:r>
-            <a:r>
-              <a:rPr lang="ko-KR" altLang="en-US" sz="2000" b="1" spc="-50" dirty="0">
-                <a:ln>
-                  <a:solidFill>
-                    <a:srgbClr val="5F0080">
-                      <a:alpha val="0"/>
-                    </a:srgbClr>
-                  </a:solidFill>
-                </a:ln>
-                <a:solidFill>
-                  <a:schemeClr val="bg1"/>
-                </a:solidFill>
-                <a:latin typeface="Noto Sans KR" panose="020B0200000000000000" pitchFamily="50" charset="-127"/>
-                <a:ea typeface="Noto Sans KR" panose="020B0200000000000000" pitchFamily="50" charset="-127"/>
-              </a:rPr>
-              <a:t> 칸을 클릭하여 원하는 능력치를 설정하면 됩니다</a:t>
-            </a:r>
-            <a:endParaRPr lang="en-US" altLang="ko-KR" sz="2000" spc="-50" dirty="0">
-              <a:ln>
-                <a:solidFill>
-                  <a:srgbClr val="5F0080">
-                    <a:alpha val="0"/>
-                  </a:srgbClr>
-                </a:solidFill>
-              </a:ln>
-              <a:solidFill>
-                <a:schemeClr val="bg1"/>
-              </a:solidFill>
-              <a:latin typeface="Noto Sans KR" panose="020B0200000000000000" pitchFamily="50" charset="-127"/>
-              <a:ea typeface="Noto Sans KR" panose="020B0200000000000000" pitchFamily="50" charset="-127"/>
-            </a:endParaRPr>
-          </a:p>
-        </p:txBody>
-      </p:sp>
     </p:spTree>
     <p:extLst>
       <p:ext uri="{BB962C8B-B14F-4D97-AF65-F5344CB8AC3E}">
-        <p14:creationId xmlns:p14="http://schemas.microsoft.com/office/powerpoint/2010/main" val="961744824"/>
+        <p14:creationId xmlns:p14="http://schemas.microsoft.com/office/powerpoint/2010/main" val="175364043"/>
       </p:ext>
     </p:extLst>
   </p:cSld>
@@ -5790,10 +5769,10 @@
       </p:sp>
       <p:sp>
         <p:nvSpPr>
-          <p:cNvPr id="6" name="TextBox 5">
-            <a:extLst>
-              <a:ext uri="{FF2B5EF4-FFF2-40B4-BE49-F238E27FC236}">
-                <a16:creationId xmlns:a16="http://schemas.microsoft.com/office/drawing/2014/main" id="{F1E5C6F3-6178-7D7F-35F5-02EEC4A17A3C}"/>
+          <p:cNvPr id="4" name="TextBox 3">
+            <a:extLst>
+              <a:ext uri="{FF2B5EF4-FFF2-40B4-BE49-F238E27FC236}">
+                <a16:creationId xmlns:a16="http://schemas.microsoft.com/office/drawing/2014/main" id="{05CDC996-AFB1-00E3-AF57-B1701A90A60C}"/>
               </a:ext>
             </a:extLst>
           </p:cNvPr>
@@ -5856,7 +5835,7 @@
                 <a:latin typeface="Noto Sans KR" panose="020B0200000000000000" pitchFamily="50" charset="-127"/>
                 <a:ea typeface="Noto Sans KR" panose="020B0200000000000000" pitchFamily="50" charset="-127"/>
               </a:rPr>
-              <a:t>6</a:t>
+              <a:t>8-3</a:t>
             </a:r>
             <a:endParaRPr lang="en-US" altLang="ko-KR" sz="2800" b="1" spc="-80" dirty="0">
               <a:ln>
@@ -5875,79 +5854,12 @@
           </a:p>
         </p:txBody>
       </p:sp>
-      <p:sp>
-        <p:nvSpPr>
-          <p:cNvPr id="7" name="TextBox 6">
-            <a:extLst>
-              <a:ext uri="{FF2B5EF4-FFF2-40B4-BE49-F238E27FC236}">
-                <a16:creationId xmlns:a16="http://schemas.microsoft.com/office/drawing/2014/main" id="{DA915CBA-4056-5BD0-4F52-D5AE68231F0B}"/>
-              </a:ext>
-            </a:extLst>
-          </p:cNvPr>
-          <p:cNvSpPr txBox="1"/>
-          <p:nvPr/>
-        </p:nvSpPr>
-        <p:spPr>
-          <a:xfrm>
-            <a:off x="1107580" y="6061886"/>
-            <a:ext cx="9225602" cy="453650"/>
-          </a:xfrm>
-          <a:prstGeom prst="rect">
-            <a:avLst/>
-          </a:prstGeom>
-          <a:noFill/>
-        </p:spPr>
-        <p:txBody>
-          <a:bodyPr wrap="none" rtlCol="0">
-            <a:spAutoFit/>
-          </a:bodyPr>
-          <a:lstStyle/>
-          <a:p>
-            <a:pPr algn="ctr">
-              <a:lnSpc>
-                <a:spcPct val="130000"/>
-              </a:lnSpc>
-            </a:pPr>
-            <a:r>
-              <a:rPr lang="ko-KR" altLang="en-US" sz="2000" b="1" spc="-50" dirty="0">
-                <a:ln>
-                  <a:solidFill>
-                    <a:srgbClr val="5F0080">
-                      <a:alpha val="0"/>
-                    </a:srgbClr>
-                  </a:solidFill>
-                </a:ln>
-                <a:solidFill>
-                  <a:schemeClr val="bg1"/>
-                </a:solidFill>
-                <a:latin typeface="Noto Sans KR" panose="020B0200000000000000" pitchFamily="50" charset="-127"/>
-                <a:ea typeface="Noto Sans KR" panose="020B0200000000000000" pitchFamily="50" charset="-127"/>
-              </a:rPr>
-              <a:t>원하는 세팅을 모두 기입한 이후 왼쪽 장비셋에 해당 세팅의 이름을 결정한 후 저장합니다</a:t>
-            </a:r>
-            <a:endParaRPr lang="en-US" altLang="ko-KR" sz="2000" spc="-50" dirty="0">
-              <a:ln>
-                <a:solidFill>
-                  <a:srgbClr val="5F0080">
-                    <a:alpha val="0"/>
-                  </a:srgbClr>
-                </a:solidFill>
-              </a:ln>
-              <a:solidFill>
-                <a:schemeClr val="bg1"/>
-              </a:solidFill>
-              <a:latin typeface="Noto Sans KR" panose="020B0200000000000000" pitchFamily="50" charset="-127"/>
-              <a:ea typeface="Noto Sans KR" panose="020B0200000000000000" pitchFamily="50" charset="-127"/>
-            </a:endParaRPr>
-          </a:p>
-        </p:txBody>
-      </p:sp>
       <p:pic>
         <p:nvPicPr>
-          <p:cNvPr id="11" name="그림 10">
-            <a:extLst>
-              <a:ext uri="{FF2B5EF4-FFF2-40B4-BE49-F238E27FC236}">
-                <a16:creationId xmlns:a16="http://schemas.microsoft.com/office/drawing/2014/main" id="{6211DA50-CDEE-7F62-3735-29495885A5C0}"/>
+          <p:cNvPr id="8" name="그림 7">
+            <a:extLst>
+              <a:ext uri="{FF2B5EF4-FFF2-40B4-BE49-F238E27FC236}">
+                <a16:creationId xmlns:a16="http://schemas.microsoft.com/office/drawing/2014/main" id="{6EE5E289-D528-E528-5E24-E3532EA963B1}"/>
               </a:ext>
             </a:extLst>
           </p:cNvPr>
@@ -5964,20 +5876,121 @@
         </p:blipFill>
         <p:spPr>
           <a:xfrm>
-            <a:off x="2005691" y="1150169"/>
-            <a:ext cx="7477304" cy="4053427"/>
+            <a:off x="1782785" y="1221581"/>
+            <a:ext cx="7968157" cy="4336151"/>
           </a:xfrm>
           <a:prstGeom prst="rect">
             <a:avLst/>
           </a:prstGeom>
         </p:spPr>
       </p:pic>
+      <p:sp>
+        <p:nvSpPr>
+          <p:cNvPr id="10" name="TextBox 9">
+            <a:extLst>
+              <a:ext uri="{FF2B5EF4-FFF2-40B4-BE49-F238E27FC236}">
+                <a16:creationId xmlns:a16="http://schemas.microsoft.com/office/drawing/2014/main" id="{4A3097BB-F75A-298A-338D-D1E1A549E920}"/>
+              </a:ext>
+            </a:extLst>
+          </p:cNvPr>
+          <p:cNvSpPr txBox="1"/>
+          <p:nvPr/>
+        </p:nvSpPr>
+        <p:spPr>
+          <a:xfrm>
+            <a:off x="2674515" y="6061886"/>
+            <a:ext cx="6091732" cy="453650"/>
+          </a:xfrm>
+          <a:prstGeom prst="rect">
+            <a:avLst/>
+          </a:prstGeom>
+          <a:noFill/>
+        </p:spPr>
+        <p:txBody>
+          <a:bodyPr wrap="none" rtlCol="0">
+            <a:spAutoFit/>
+          </a:bodyPr>
+          <a:lstStyle/>
+          <a:p>
+            <a:pPr algn="ctr">
+              <a:lnSpc>
+                <a:spcPct val="130000"/>
+              </a:lnSpc>
+            </a:pPr>
+            <a:r>
+              <a:rPr lang="ko-KR" altLang="en-US" sz="2000" b="1" spc="-50" dirty="0">
+                <a:ln>
+                  <a:solidFill>
+                    <a:srgbClr val="5F0080">
+                      <a:alpha val="0"/>
+                    </a:srgbClr>
+                  </a:solidFill>
+                </a:ln>
+                <a:solidFill>
+                  <a:schemeClr val="bg1"/>
+                </a:solidFill>
+                <a:latin typeface="Noto Sans KR" panose="020B0200000000000000" pitchFamily="50" charset="-127"/>
+                <a:ea typeface="Noto Sans KR" panose="020B0200000000000000" pitchFamily="50" charset="-127"/>
+              </a:rPr>
+              <a:t>시뮬레이션 과정에서 진행된 </a:t>
+            </a:r>
+            <a:r>
+              <a:rPr lang="ko-KR" altLang="en-US" sz="2000" b="1" spc="-50" dirty="0" err="1">
+                <a:ln>
+                  <a:solidFill>
+                    <a:srgbClr val="5F0080">
+                      <a:alpha val="0"/>
+                    </a:srgbClr>
+                  </a:solidFill>
+                </a:ln>
+                <a:solidFill>
+                  <a:schemeClr val="bg1"/>
+                </a:solidFill>
+                <a:latin typeface="Noto Sans KR" panose="020B0200000000000000" pitchFamily="50" charset="-127"/>
+                <a:ea typeface="Noto Sans KR" panose="020B0200000000000000" pitchFamily="50" charset="-127"/>
+              </a:rPr>
+              <a:t>딜사이클</a:t>
+            </a:r>
+            <a:r>
+              <a:rPr lang="ko-KR" altLang="en-US" sz="2000" b="1" spc="-50" dirty="0">
+                <a:ln>
+                  <a:solidFill>
+                    <a:srgbClr val="5F0080">
+                      <a:alpha val="0"/>
+                    </a:srgbClr>
+                  </a:solidFill>
+                </a:ln>
+                <a:solidFill>
+                  <a:schemeClr val="bg1"/>
+                </a:solidFill>
+                <a:latin typeface="Noto Sans KR" panose="020B0200000000000000" pitchFamily="50" charset="-127"/>
+                <a:ea typeface="Noto Sans KR" panose="020B0200000000000000" pitchFamily="50" charset="-127"/>
+              </a:rPr>
+              <a:t> 샘플이 나타납니다</a:t>
+            </a:r>
+            <a:endParaRPr lang="en-US" altLang="ko-KR" sz="2000" spc="-50" dirty="0">
+              <a:ln>
+                <a:solidFill>
+                  <a:srgbClr val="5F0080">
+                    <a:alpha val="0"/>
+                  </a:srgbClr>
+                </a:solidFill>
+              </a:ln>
+              <a:solidFill>
+                <a:schemeClr val="bg1"/>
+              </a:solidFill>
+              <a:latin typeface="Noto Sans KR" panose="020B0200000000000000" pitchFamily="50" charset="-127"/>
+              <a:ea typeface="Noto Sans KR" panose="020B0200000000000000" pitchFamily="50" charset="-127"/>
+            </a:endParaRPr>
+          </a:p>
+        </p:txBody>
+      </p:sp>
       <p:pic>
         <p:nvPicPr>
-          <p:cNvPr id="12" name="그림 11">
-            <a:extLst>
-              <a:ext uri="{FF2B5EF4-FFF2-40B4-BE49-F238E27FC236}">
-                <a16:creationId xmlns:a16="http://schemas.microsoft.com/office/drawing/2014/main" id="{27F724F3-BEEB-4706-8C49-6C5B2734DBE9}"/>
+          <p:cNvPr id="11" name="그림 10">
+            <a:extLst>
+              <a:ext uri="{FF2B5EF4-FFF2-40B4-BE49-F238E27FC236}">
+                <a16:creationId xmlns:a16="http://schemas.microsoft.com/office/drawing/2014/main" id="{93E9AC44-B746-DB53-41FD-B021345A720C}"/>
               </a:ext>
             </a:extLst>
           </p:cNvPr>
@@ -5994,8 +6007,8 @@
         </p:blipFill>
         <p:spPr>
           <a:xfrm>
-            <a:off x="1550150" y="803564"/>
-            <a:ext cx="8340436" cy="5194439"/>
+            <a:off x="1550150" y="859461"/>
+            <a:ext cx="8340436" cy="5138542"/>
           </a:xfrm>
           <a:prstGeom prst="rect">
             <a:avLst/>
@@ -6005,7 +6018,7 @@
     </p:spTree>
     <p:extLst>
       <p:ext uri="{BB962C8B-B14F-4D97-AF65-F5344CB8AC3E}">
-        <p14:creationId xmlns:p14="http://schemas.microsoft.com/office/powerpoint/2010/main" val="3035905664"/>
+        <p14:creationId xmlns:p14="http://schemas.microsoft.com/office/powerpoint/2010/main" val="1181635602"/>
       </p:ext>
     </p:extLst>
   </p:cSld>
@@ -6152,7 +6165,7 @@
         </p:nvSpPr>
         <p:spPr>
           <a:xfrm>
-            <a:off x="0" y="4351328"/>
+            <a:off x="0" y="4376156"/>
             <a:ext cx="12192000" cy="2506672"/>
           </a:xfrm>
           <a:prstGeom prst="rect">
@@ -6192,10 +6205,10 @@
       </p:sp>
       <p:sp>
         <p:nvSpPr>
-          <p:cNvPr id="7" name="TextBox 6">
-            <a:extLst>
-              <a:ext uri="{FF2B5EF4-FFF2-40B4-BE49-F238E27FC236}">
-                <a16:creationId xmlns:a16="http://schemas.microsoft.com/office/drawing/2014/main" id="{DB369463-DFE6-62C6-7C32-72B6E3BEB234}"/>
+          <p:cNvPr id="4" name="TextBox 3">
+            <a:extLst>
+              <a:ext uri="{FF2B5EF4-FFF2-40B4-BE49-F238E27FC236}">
+                <a16:creationId xmlns:a16="http://schemas.microsoft.com/office/drawing/2014/main" id="{D487CCD8-FDE6-B90D-95DC-795484466FEB}"/>
               </a:ext>
             </a:extLst>
           </p:cNvPr>
@@ -6258,7 +6271,7 @@
                 <a:latin typeface="Noto Sans KR" panose="020B0200000000000000" pitchFamily="50" charset="-127"/>
                 <a:ea typeface="Noto Sans KR" panose="020B0200000000000000" pitchFamily="50" charset="-127"/>
               </a:rPr>
-              <a:t>7</a:t>
+              <a:t>10</a:t>
             </a:r>
             <a:endParaRPr lang="en-US" altLang="ko-KR" sz="2800" b="1" spc="-80" dirty="0">
               <a:ln>
@@ -6279,10 +6292,10 @@
       </p:sp>
       <p:sp>
         <p:nvSpPr>
-          <p:cNvPr id="8" name="TextBox 7">
-            <a:extLst>
-              <a:ext uri="{FF2B5EF4-FFF2-40B4-BE49-F238E27FC236}">
-                <a16:creationId xmlns:a16="http://schemas.microsoft.com/office/drawing/2014/main" id="{C369072D-782C-0AF1-51B5-730C010FB044}"/>
+          <p:cNvPr id="5" name="TextBox 4">
+            <a:extLst>
+              <a:ext uri="{FF2B5EF4-FFF2-40B4-BE49-F238E27FC236}">
+                <a16:creationId xmlns:a16="http://schemas.microsoft.com/office/drawing/2014/main" id="{44236AE5-85FF-0E47-290F-75395C26A43D}"/>
               </a:ext>
             </a:extLst>
           </p:cNvPr>
@@ -6291,8 +6304,8 @@
         </p:nvSpPr>
         <p:spPr>
           <a:xfrm>
-            <a:off x="3907219" y="6061886"/>
-            <a:ext cx="3626314" cy="453650"/>
+            <a:off x="3023970" y="6061886"/>
+            <a:ext cx="5392823" cy="453650"/>
           </a:xfrm>
           <a:prstGeom prst="rect">
             <a:avLst/>
@@ -6325,10 +6338,10 @@
                 <a:latin typeface="Noto Sans KR" panose="020B0200000000000000" pitchFamily="50" charset="-127"/>
                 <a:ea typeface="Noto Sans KR" panose="020B0200000000000000" pitchFamily="50" charset="-127"/>
               </a:rPr>
-              <a:t>이제 </a:t>
-            </a:r>
-            <a:r>
-              <a:rPr lang="en-US" altLang="ko-KR" sz="2000" b="1" spc="-50" dirty="0">
+              <a:t>만약 다른 결과를 알고 싶다면 </a:t>
+            </a:r>
+            <a:r>
+              <a:rPr lang="ko-KR" altLang="en-US" sz="2000" b="1" spc="-50" dirty="0" err="1">
                 <a:ln>
                   <a:solidFill>
                     <a:srgbClr val="5F0080">
@@ -6342,7 +6355,7 @@
                 <a:latin typeface="Noto Sans KR" panose="020B0200000000000000" pitchFamily="50" charset="-127"/>
                 <a:ea typeface="Noto Sans KR" panose="020B0200000000000000" pitchFamily="50" charset="-127"/>
               </a:rPr>
-              <a:t>SIMULATE </a:t>
+              <a:t>로드칸을</a:t>
             </a:r>
             <a:r>
               <a:rPr lang="ko-KR" altLang="en-US" sz="2000" b="1" spc="-50" dirty="0">
@@ -6359,7 +6372,7 @@
                 <a:latin typeface="Noto Sans KR" panose="020B0200000000000000" pitchFamily="50" charset="-127"/>
                 <a:ea typeface="Noto Sans KR" panose="020B0200000000000000" pitchFamily="50" charset="-127"/>
               </a:rPr>
-              <a:t>버튼을 누릅니다</a:t>
+              <a:t> 클릭합니다</a:t>
             </a:r>
             <a:endParaRPr lang="en-US" altLang="ko-KR" sz="2000" spc="-50" dirty="0">
               <a:ln>
@@ -6380,10 +6393,10 @@
       </p:sp>
       <p:pic>
         <p:nvPicPr>
-          <p:cNvPr id="11" name="그림 10">
-            <a:extLst>
-              <a:ext uri="{FF2B5EF4-FFF2-40B4-BE49-F238E27FC236}">
-                <a16:creationId xmlns:a16="http://schemas.microsoft.com/office/drawing/2014/main" id="{3A61352F-A389-F4BA-F76B-643BAC841499}"/>
+          <p:cNvPr id="7" name="그림 6">
+            <a:extLst>
+              <a:ext uri="{FF2B5EF4-FFF2-40B4-BE49-F238E27FC236}">
+                <a16:creationId xmlns:a16="http://schemas.microsoft.com/office/drawing/2014/main" id="{32B02FF3-918F-2B5F-236A-A800A84905E1}"/>
               </a:ext>
             </a:extLst>
           </p:cNvPr>
@@ -6400,8 +6413,8 @@
         </p:blipFill>
         <p:spPr>
           <a:xfrm>
-            <a:off x="2005689" y="1150169"/>
-            <a:ext cx="7432025" cy="4053427"/>
+            <a:off x="2005688" y="1150170"/>
+            <a:ext cx="7432025" cy="4053426"/>
           </a:xfrm>
           <a:prstGeom prst="rect">
             <a:avLst/>
@@ -6410,10 +6423,10 @@
       </p:pic>
       <p:pic>
         <p:nvPicPr>
-          <p:cNvPr id="12" name="그림 11">
-            <a:extLst>
-              <a:ext uri="{FF2B5EF4-FFF2-40B4-BE49-F238E27FC236}">
-                <a16:creationId xmlns:a16="http://schemas.microsoft.com/office/drawing/2014/main" id="{BF7DBC90-FF0C-559E-390E-20F11B9A2F8F}"/>
+          <p:cNvPr id="8" name="그림 7">
+            <a:extLst>
+              <a:ext uri="{FF2B5EF4-FFF2-40B4-BE49-F238E27FC236}">
+                <a16:creationId xmlns:a16="http://schemas.microsoft.com/office/drawing/2014/main" id="{F512897A-8522-7A7F-5617-B2544C90B21F}"/>
               </a:ext>
             </a:extLst>
           </p:cNvPr>
@@ -6430,8 +6443,8 @@
         </p:blipFill>
         <p:spPr>
           <a:xfrm>
-            <a:off x="1550150" y="803564"/>
-            <a:ext cx="8340436" cy="5194439"/>
+            <a:off x="1550149" y="794327"/>
+            <a:ext cx="8341995" cy="5203676"/>
           </a:xfrm>
           <a:prstGeom prst="rect">
             <a:avLst/>
@@ -6441,7 +6454,7 @@
     </p:spTree>
     <p:extLst>
       <p:ext uri="{BB962C8B-B14F-4D97-AF65-F5344CB8AC3E}">
-        <p14:creationId xmlns:p14="http://schemas.microsoft.com/office/powerpoint/2010/main" val="4130510013"/>
+        <p14:creationId xmlns:p14="http://schemas.microsoft.com/office/powerpoint/2010/main" val="3545614037"/>
       </p:ext>
     </p:extLst>
   </p:cSld>
@@ -6524,10 +6537,10 @@
       </p:sp>
       <p:sp>
         <p:nvSpPr>
-          <p:cNvPr id="3" name="직사각형 2">
-            <a:extLst>
-              <a:ext uri="{FF2B5EF4-FFF2-40B4-BE49-F238E27FC236}">
-                <a16:creationId xmlns:a16="http://schemas.microsoft.com/office/drawing/2014/main" id="{D9FB4F2E-B2CC-63AA-02FF-8B5C6E4DECAE}"/>
+          <p:cNvPr id="32" name="직사각형 31">
+            <a:extLst>
+              <a:ext uri="{FF2B5EF4-FFF2-40B4-BE49-F238E27FC236}">
+                <a16:creationId xmlns:a16="http://schemas.microsoft.com/office/drawing/2014/main" id="{DF506191-7123-4B7A-82AE-2E95C3BCF629}"/>
               </a:ext>
             </a:extLst>
           </p:cNvPr>
@@ -6536,8 +6549,8 @@
         </p:nvSpPr>
         <p:spPr>
           <a:xfrm>
-            <a:off x="0" y="4351328"/>
-            <a:ext cx="12192000" cy="2506672"/>
+            <a:off x="0" y="0"/>
+            <a:ext cx="12192000" cy="184941"/>
           </a:xfrm>
           <a:prstGeom prst="rect">
             <a:avLst/>
@@ -6576,10 +6589,10 @@
       </p:sp>
       <p:sp>
         <p:nvSpPr>
-          <p:cNvPr id="32" name="직사각형 31">
-            <a:extLst>
-              <a:ext uri="{FF2B5EF4-FFF2-40B4-BE49-F238E27FC236}">
-                <a16:creationId xmlns:a16="http://schemas.microsoft.com/office/drawing/2014/main" id="{DF506191-7123-4B7A-82AE-2E95C3BCF629}"/>
+          <p:cNvPr id="9" name="직사각형 8">
+            <a:extLst>
+              <a:ext uri="{FF2B5EF4-FFF2-40B4-BE49-F238E27FC236}">
+                <a16:creationId xmlns:a16="http://schemas.microsoft.com/office/drawing/2014/main" id="{6E0429CD-A3E9-5AE0-6F40-536B92F8E5A4}"/>
               </a:ext>
             </a:extLst>
           </p:cNvPr>
@@ -6588,8 +6601,8 @@
         </p:nvSpPr>
         <p:spPr>
           <a:xfrm>
-            <a:off x="0" y="0"/>
-            <a:ext cx="12192000" cy="184941"/>
+            <a:off x="0" y="4351328"/>
+            <a:ext cx="12192000" cy="2506672"/>
           </a:xfrm>
           <a:prstGeom prst="rect">
             <a:avLst/>
@@ -6626,12 +6639,166 @@
           </a:p>
         </p:txBody>
       </p:sp>
+      <p:sp>
+        <p:nvSpPr>
+          <p:cNvPr id="4" name="TextBox 3">
+            <a:extLst>
+              <a:ext uri="{FF2B5EF4-FFF2-40B4-BE49-F238E27FC236}">
+                <a16:creationId xmlns:a16="http://schemas.microsoft.com/office/drawing/2014/main" id="{36745074-FB86-D50A-2C73-2FC287DABC8E}"/>
+              </a:ext>
+            </a:extLst>
+          </p:cNvPr>
+          <p:cNvSpPr txBox="1"/>
+          <p:nvPr/>
+        </p:nvSpPr>
+        <p:spPr>
+          <a:xfrm>
+            <a:off x="5171554" y="342464"/>
+            <a:ext cx="1097620" cy="372655"/>
+          </a:xfrm>
+          <a:prstGeom prst="rect">
+            <a:avLst/>
+          </a:prstGeom>
+          <a:noFill/>
+        </p:spPr>
+        <p:txBody>
+          <a:bodyPr wrap="none" rtlCol="0" anchor="ctr">
+            <a:noAutofit/>
+          </a:bodyPr>
+          <a:lstStyle/>
+          <a:p>
+            <a:pPr algn="ctr">
+              <a:lnSpc>
+                <a:spcPct val="110000"/>
+              </a:lnSpc>
+            </a:pPr>
+            <a:r>
+              <a:rPr lang="en-US" altLang="ko-KR" sz="2800" b="1" spc="-80" dirty="0">
+                <a:ln>
+                  <a:solidFill>
+                    <a:srgbClr val="5F0080">
+                      <a:alpha val="0"/>
+                    </a:srgbClr>
+                  </a:solidFill>
+                </a:ln>
+                <a:solidFill>
+                  <a:schemeClr val="tx1">
+                    <a:lumMod val="85000"/>
+                    <a:lumOff val="15000"/>
+                  </a:schemeClr>
+                </a:solidFill>
+                <a:latin typeface="Noto Sans KR" panose="020B0200000000000000" pitchFamily="50" charset="-127"/>
+                <a:ea typeface="Noto Sans KR" panose="020B0200000000000000" pitchFamily="50" charset="-127"/>
+              </a:rPr>
+              <a:t>Step </a:t>
+            </a:r>
+            <a:r>
+              <a:rPr lang="en-US" altLang="ko-KR" sz="2800" b="1" spc="-80" dirty="0">
+                <a:ln>
+                  <a:solidFill>
+                    <a:srgbClr val="5F0080">
+                      <a:alpha val="0"/>
+                    </a:srgbClr>
+                  </a:solidFill>
+                </a:ln>
+                <a:solidFill>
+                  <a:srgbClr val="00B0F0"/>
+                </a:solidFill>
+                <a:latin typeface="Noto Sans KR" panose="020B0200000000000000" pitchFamily="50" charset="-127"/>
+                <a:ea typeface="Noto Sans KR" panose="020B0200000000000000" pitchFamily="50" charset="-127"/>
+              </a:rPr>
+              <a:t>11</a:t>
+            </a:r>
+            <a:endParaRPr lang="en-US" altLang="ko-KR" sz="2800" b="1" spc="-80" dirty="0">
+              <a:ln>
+                <a:solidFill>
+                  <a:srgbClr val="5F0080">
+                    <a:alpha val="0"/>
+                  </a:srgbClr>
+                </a:solidFill>
+              </a:ln>
+              <a:solidFill>
+                <a:srgbClr val="5F0080"/>
+              </a:solidFill>
+              <a:latin typeface="Noto Sans KR" panose="020B0200000000000000" pitchFamily="50" charset="-127"/>
+              <a:ea typeface="Noto Sans KR" panose="020B0200000000000000" pitchFamily="50" charset="-127"/>
+            </a:endParaRPr>
+          </a:p>
+        </p:txBody>
+      </p:sp>
+      <p:sp>
+        <p:nvSpPr>
+          <p:cNvPr id="5" name="TextBox 4">
+            <a:extLst>
+              <a:ext uri="{FF2B5EF4-FFF2-40B4-BE49-F238E27FC236}">
+                <a16:creationId xmlns:a16="http://schemas.microsoft.com/office/drawing/2014/main" id="{C5F439E6-80D0-723F-F375-406A5AEC530A}"/>
+              </a:ext>
+            </a:extLst>
+          </p:cNvPr>
+          <p:cNvSpPr txBox="1"/>
+          <p:nvPr/>
+        </p:nvSpPr>
+        <p:spPr>
+          <a:xfrm>
+            <a:off x="1860987" y="6061886"/>
+            <a:ext cx="7718780" cy="453650"/>
+          </a:xfrm>
+          <a:prstGeom prst="rect">
+            <a:avLst/>
+          </a:prstGeom>
+          <a:noFill/>
+        </p:spPr>
+        <p:txBody>
+          <a:bodyPr wrap="none" rtlCol="0">
+            <a:spAutoFit/>
+          </a:bodyPr>
+          <a:lstStyle/>
+          <a:p>
+            <a:pPr algn="ctr">
+              <a:lnSpc>
+                <a:spcPct val="130000"/>
+              </a:lnSpc>
+            </a:pPr>
+            <a:r>
+              <a:rPr lang="ko-KR" altLang="en-US" sz="2000" b="1" spc="-50" dirty="0">
+                <a:ln>
+                  <a:solidFill>
+                    <a:srgbClr val="5F0080">
+                      <a:alpha val="0"/>
+                    </a:srgbClr>
+                  </a:solidFill>
+                </a:ln>
+                <a:solidFill>
+                  <a:schemeClr val="bg1"/>
+                </a:solidFill>
+                <a:latin typeface="Noto Sans KR" panose="020B0200000000000000" pitchFamily="50" charset="-127"/>
+                <a:ea typeface="Noto Sans KR" panose="020B0200000000000000" pitchFamily="50" charset="-127"/>
+              </a:rPr>
+              <a:t>로드 시 직전에 저장되었던 세팅이 나오므로 장비를 쉽게 바꿀 수 있습니다</a:t>
+            </a:r>
+            <a:endParaRPr lang="en-US" altLang="ko-KR" sz="2000" b="1" spc="-50" dirty="0">
+              <a:ln>
+                <a:solidFill>
+                  <a:srgbClr val="5F0080">
+                    <a:alpha val="0"/>
+                  </a:srgbClr>
+                </a:solidFill>
+              </a:ln>
+              <a:solidFill>
+                <a:schemeClr val="bg1"/>
+              </a:solidFill>
+              <a:latin typeface="Noto Sans KR" panose="020B0200000000000000" pitchFamily="50" charset="-127"/>
+              <a:ea typeface="Noto Sans KR" panose="020B0200000000000000" pitchFamily="50" charset="-127"/>
+            </a:endParaRPr>
+          </a:p>
+        </p:txBody>
+      </p:sp>
       <p:pic>
         <p:nvPicPr>
-          <p:cNvPr id="4" name="그림 3">
-            <a:extLst>
-              <a:ext uri="{FF2B5EF4-FFF2-40B4-BE49-F238E27FC236}">
-                <a16:creationId xmlns:a16="http://schemas.microsoft.com/office/drawing/2014/main" id="{49F4F280-E5D9-B827-15AA-D317AE7FF3A8}"/>
+          <p:cNvPr id="7" name="그림 6">
+            <a:extLst>
+              <a:ext uri="{FF2B5EF4-FFF2-40B4-BE49-F238E27FC236}">
+                <a16:creationId xmlns:a16="http://schemas.microsoft.com/office/drawing/2014/main" id="{EE6FE87A-4DC2-05E6-9AAA-1723DDFCF2B1}"/>
               </a:ext>
             </a:extLst>
           </p:cNvPr>
@@ -6648,242 +6815,20 @@
         </p:blipFill>
         <p:spPr>
           <a:xfrm>
-            <a:off x="1779441" y="1220863"/>
-            <a:ext cx="7974752" cy="4336867"/>
+            <a:off x="2005687" y="1150170"/>
+            <a:ext cx="7432025" cy="4053426"/>
           </a:xfrm>
           <a:prstGeom prst="rect">
             <a:avLst/>
           </a:prstGeom>
         </p:spPr>
       </p:pic>
-      <p:sp>
-        <p:nvSpPr>
-          <p:cNvPr id="5" name="TextBox 4">
-            <a:extLst>
-              <a:ext uri="{FF2B5EF4-FFF2-40B4-BE49-F238E27FC236}">
-                <a16:creationId xmlns:a16="http://schemas.microsoft.com/office/drawing/2014/main" id="{39C89856-0F40-9CE7-5141-BBA94F5BAFC0}"/>
-              </a:ext>
-            </a:extLst>
-          </p:cNvPr>
-          <p:cNvSpPr txBox="1"/>
-          <p:nvPr/>
-        </p:nvSpPr>
-        <p:spPr>
-          <a:xfrm>
-            <a:off x="5171554" y="342464"/>
-            <a:ext cx="1097620" cy="372655"/>
-          </a:xfrm>
-          <a:prstGeom prst="rect">
-            <a:avLst/>
-          </a:prstGeom>
-          <a:noFill/>
-        </p:spPr>
-        <p:txBody>
-          <a:bodyPr wrap="none" rtlCol="0" anchor="ctr">
-            <a:noAutofit/>
-          </a:bodyPr>
-          <a:lstStyle/>
-          <a:p>
-            <a:pPr algn="ctr">
-              <a:lnSpc>
-                <a:spcPct val="110000"/>
-              </a:lnSpc>
-            </a:pPr>
-            <a:r>
-              <a:rPr lang="en-US" altLang="ko-KR" sz="2800" b="1" spc="-80" dirty="0">
-                <a:ln>
-                  <a:solidFill>
-                    <a:srgbClr val="5F0080">
-                      <a:alpha val="0"/>
-                    </a:srgbClr>
-                  </a:solidFill>
-                </a:ln>
-                <a:solidFill>
-                  <a:schemeClr val="tx1">
-                    <a:lumMod val="85000"/>
-                    <a:lumOff val="15000"/>
-                  </a:schemeClr>
-                </a:solidFill>
-                <a:latin typeface="Noto Sans KR" panose="020B0200000000000000" pitchFamily="50" charset="-127"/>
-                <a:ea typeface="Noto Sans KR" panose="020B0200000000000000" pitchFamily="50" charset="-127"/>
-              </a:rPr>
-              <a:t>Step </a:t>
-            </a:r>
-            <a:r>
-              <a:rPr lang="en-US" altLang="ko-KR" sz="2800" b="1" spc="-80" dirty="0">
-                <a:ln>
-                  <a:solidFill>
-                    <a:srgbClr val="5F0080">
-                      <a:alpha val="0"/>
-                    </a:srgbClr>
-                  </a:solidFill>
-                </a:ln>
-                <a:solidFill>
-                  <a:srgbClr val="00B0F0"/>
-                </a:solidFill>
-                <a:latin typeface="Noto Sans KR" panose="020B0200000000000000" pitchFamily="50" charset="-127"/>
-                <a:ea typeface="Noto Sans KR" panose="020B0200000000000000" pitchFamily="50" charset="-127"/>
-              </a:rPr>
-              <a:t>8-1</a:t>
-            </a:r>
-            <a:endParaRPr lang="en-US" altLang="ko-KR" sz="2800" b="1" spc="-80" dirty="0">
-              <a:ln>
-                <a:solidFill>
-                  <a:srgbClr val="5F0080">
-                    <a:alpha val="0"/>
-                  </a:srgbClr>
-                </a:solidFill>
-              </a:ln>
-              <a:solidFill>
-                <a:srgbClr val="5F0080"/>
-              </a:solidFill>
-              <a:latin typeface="Noto Sans KR" panose="020B0200000000000000" pitchFamily="50" charset="-127"/>
-              <a:ea typeface="Noto Sans KR" panose="020B0200000000000000" pitchFamily="50" charset="-127"/>
-            </a:endParaRPr>
-          </a:p>
-        </p:txBody>
-      </p:sp>
-      <p:sp>
-        <p:nvSpPr>
-          <p:cNvPr id="6" name="TextBox 5">
-            <a:extLst>
-              <a:ext uri="{FF2B5EF4-FFF2-40B4-BE49-F238E27FC236}">
-                <a16:creationId xmlns:a16="http://schemas.microsoft.com/office/drawing/2014/main" id="{6D607203-9043-8E88-FCFE-DC6844FD39B6}"/>
-              </a:ext>
-            </a:extLst>
-          </p:cNvPr>
-          <p:cNvSpPr txBox="1"/>
-          <p:nvPr/>
-        </p:nvSpPr>
-        <p:spPr>
-          <a:xfrm>
-            <a:off x="1615732" y="6061886"/>
-            <a:ext cx="8209300" cy="453650"/>
-          </a:xfrm>
-          <a:prstGeom prst="rect">
-            <a:avLst/>
-          </a:prstGeom>
-          <a:noFill/>
-        </p:spPr>
-        <p:txBody>
-          <a:bodyPr wrap="none" rtlCol="0">
-            <a:spAutoFit/>
-          </a:bodyPr>
-          <a:lstStyle/>
-          <a:p>
-            <a:pPr algn="ctr">
-              <a:lnSpc>
-                <a:spcPct val="130000"/>
-              </a:lnSpc>
-            </a:pPr>
-            <a:r>
-              <a:rPr lang="ko-KR" altLang="en-US" sz="2000" b="1" spc="-50" dirty="0">
-                <a:ln>
-                  <a:solidFill>
-                    <a:srgbClr val="5F0080">
-                      <a:alpha val="0"/>
-                    </a:srgbClr>
-                  </a:solidFill>
-                </a:ln>
-                <a:solidFill>
-                  <a:schemeClr val="bg1"/>
-                </a:solidFill>
-                <a:latin typeface="Noto Sans KR" panose="020B0200000000000000" pitchFamily="50" charset="-127"/>
-                <a:ea typeface="Noto Sans KR" panose="020B0200000000000000" pitchFamily="50" charset="-127"/>
-              </a:rPr>
-              <a:t>첫 번째 화면에는 사용자가 설정한 장비들의 평균 </a:t>
-            </a:r>
-            <a:r>
-              <a:rPr lang="en-US" altLang="ko-KR" sz="2000" b="1" spc="-50" dirty="0">
-                <a:ln>
-                  <a:solidFill>
-                    <a:srgbClr val="5F0080">
-                      <a:alpha val="0"/>
-                    </a:srgbClr>
-                  </a:solidFill>
-                </a:ln>
-                <a:solidFill>
-                  <a:schemeClr val="bg1"/>
-                </a:solidFill>
-                <a:latin typeface="Noto Sans KR" panose="020B0200000000000000" pitchFamily="50" charset="-127"/>
-                <a:ea typeface="Noto Sans KR" panose="020B0200000000000000" pitchFamily="50" charset="-127"/>
-              </a:rPr>
-              <a:t>DPS, </a:t>
-            </a:r>
-            <a:r>
-              <a:rPr lang="ko-KR" altLang="en-US" sz="2000" b="1" spc="-50" dirty="0">
-                <a:ln>
-                  <a:solidFill>
-                    <a:srgbClr val="5F0080">
-                      <a:alpha val="0"/>
-                    </a:srgbClr>
-                  </a:solidFill>
-                </a:ln>
-                <a:solidFill>
-                  <a:schemeClr val="bg1"/>
-                </a:solidFill>
-                <a:latin typeface="Noto Sans KR" panose="020B0200000000000000" pitchFamily="50" charset="-127"/>
-                <a:ea typeface="Noto Sans KR" panose="020B0200000000000000" pitchFamily="50" charset="-127"/>
-              </a:rPr>
-              <a:t>공대 </a:t>
-            </a:r>
-            <a:r>
-              <a:rPr lang="en-US" altLang="ko-KR" sz="2000" b="1" spc="-50" dirty="0">
-                <a:ln>
-                  <a:solidFill>
-                    <a:srgbClr val="5F0080">
-                      <a:alpha val="0"/>
-                    </a:srgbClr>
-                  </a:solidFill>
-                </a:ln>
-                <a:solidFill>
-                  <a:schemeClr val="bg1"/>
-                </a:solidFill>
-                <a:latin typeface="Noto Sans KR" panose="020B0200000000000000" pitchFamily="50" charset="-127"/>
-                <a:ea typeface="Noto Sans KR" panose="020B0200000000000000" pitchFamily="50" charset="-127"/>
-              </a:rPr>
-              <a:t>DPS</a:t>
-            </a:r>
-            <a:r>
-              <a:rPr lang="ko-KR" altLang="en-US" sz="2000" b="1" spc="-50" dirty="0">
-                <a:ln>
-                  <a:solidFill>
-                    <a:srgbClr val="5F0080">
-                      <a:alpha val="0"/>
-                    </a:srgbClr>
-                  </a:solidFill>
-                </a:ln>
-                <a:solidFill>
-                  <a:schemeClr val="bg1"/>
-                </a:solidFill>
-                <a:latin typeface="Noto Sans KR" panose="020B0200000000000000" pitchFamily="50" charset="-127"/>
-                <a:ea typeface="Noto Sans KR" panose="020B0200000000000000" pitchFamily="50" charset="-127"/>
-              </a:rPr>
-              <a:t>가 기재됩니다</a:t>
-            </a:r>
-            <a:endParaRPr lang="en-US" altLang="ko-KR" sz="2000" spc="-50" dirty="0">
-              <a:ln>
-                <a:solidFill>
-                  <a:srgbClr val="5F0080">
-                    <a:alpha val="0"/>
-                  </a:srgbClr>
-                </a:solidFill>
-              </a:ln>
-              <a:solidFill>
-                <a:schemeClr val="bg1"/>
-              </a:solidFill>
-              <a:latin typeface="Noto Sans KR" panose="020B0200000000000000" pitchFamily="50" charset="-127"/>
-              <a:ea typeface="Noto Sans KR" panose="020B0200000000000000" pitchFamily="50" charset="-127"/>
-            </a:endParaRPr>
-          </a:p>
-        </p:txBody>
-      </p:sp>
       <p:pic>
         <p:nvPicPr>
-          <p:cNvPr id="7" name="그림 6">
-            <a:extLst>
-              <a:ext uri="{FF2B5EF4-FFF2-40B4-BE49-F238E27FC236}">
-                <a16:creationId xmlns:a16="http://schemas.microsoft.com/office/drawing/2014/main" id="{E725F279-554E-5702-E030-93DA55F2800A}"/>
+          <p:cNvPr id="8" name="그림 7">
+            <a:extLst>
+              <a:ext uri="{FF2B5EF4-FFF2-40B4-BE49-F238E27FC236}">
+                <a16:creationId xmlns:a16="http://schemas.microsoft.com/office/drawing/2014/main" id="{5E089C12-5897-3625-93CE-5C82D0E86FCE}"/>
               </a:ext>
             </a:extLst>
           </p:cNvPr>
@@ -6900,8 +6845,8 @@
         </p:blipFill>
         <p:spPr>
           <a:xfrm>
-            <a:off x="1550150" y="859461"/>
-            <a:ext cx="8340436" cy="5138542"/>
+            <a:off x="1550149" y="794327"/>
+            <a:ext cx="8341995" cy="5203676"/>
           </a:xfrm>
           <a:prstGeom prst="rect">
             <a:avLst/>
@@ -6911,1281 +6856,7 @@
     </p:spTree>
     <p:extLst>
       <p:ext uri="{BB962C8B-B14F-4D97-AF65-F5344CB8AC3E}">
-        <p14:creationId xmlns:p14="http://schemas.microsoft.com/office/powerpoint/2010/main" val="843986843"/>
-      </p:ext>
-    </p:extLst>
-  </p:cSld>
-  <p:clrMapOvr>
-    <a:masterClrMapping/>
-  </p:clrMapOvr>
-</p:sld>
-</file>
-
-<file path=ppt/slides/slide17.xml><?xml version="1.0" encoding="utf-8"?>
-<p:sld xmlns:a="http://schemas.openxmlformats.org/drawingml/2006/main" xmlns:r="http://schemas.openxmlformats.org/officeDocument/2006/relationships" xmlns:p="http://schemas.openxmlformats.org/presentationml/2006/main">
-  <p:cSld>
-    <p:spTree>
-      <p:nvGrpSpPr>
-        <p:cNvPr id="1" name=""/>
-        <p:cNvGrpSpPr/>
-        <p:nvPr/>
-      </p:nvGrpSpPr>
-      <p:grpSpPr>
-        <a:xfrm>
-          <a:off x="0" y="0"/>
-          <a:ext cx="0" cy="0"/>
-          <a:chOff x="0" y="0"/>
-          <a:chExt cx="0" cy="0"/>
-        </a:xfrm>
-      </p:grpSpPr>
-      <p:sp>
-        <p:nvSpPr>
-          <p:cNvPr id="16" name="직사각형 15">
-            <a:extLst>
-              <a:ext uri="{FF2B5EF4-FFF2-40B4-BE49-F238E27FC236}">
-                <a16:creationId xmlns:a16="http://schemas.microsoft.com/office/drawing/2014/main" id="{74643E28-0B09-40C3-B71C-79C8E5D7693B}"/>
-              </a:ext>
-            </a:extLst>
-          </p:cNvPr>
-          <p:cNvSpPr/>
-          <p:nvPr/>
-        </p:nvSpPr>
-        <p:spPr>
-          <a:xfrm>
-            <a:off x="0" y="3051060"/>
-            <a:ext cx="12192001" cy="2506672"/>
-          </a:xfrm>
-          <a:prstGeom prst="rect">
-            <a:avLst/>
-          </a:prstGeom>
-          <a:solidFill>
-            <a:schemeClr val="bg1">
-              <a:lumMod val="95000"/>
-            </a:schemeClr>
-          </a:solidFill>
-          <a:ln>
-            <a:noFill/>
-          </a:ln>
-        </p:spPr>
-        <p:style>
-          <a:lnRef idx="2">
-            <a:schemeClr val="accent1">
-              <a:shade val="50000"/>
-            </a:schemeClr>
-          </a:lnRef>
-          <a:fillRef idx="1">
-            <a:schemeClr val="accent1"/>
-          </a:fillRef>
-          <a:effectRef idx="0">
-            <a:schemeClr val="accent1"/>
-          </a:effectRef>
-          <a:fontRef idx="minor">
-            <a:schemeClr val="lt1"/>
-          </a:fontRef>
-        </p:style>
-        <p:txBody>
-          <a:bodyPr rtlCol="0" anchor="ctr"/>
-          <a:lstStyle/>
-          <a:p>
-            <a:pPr algn="ctr"/>
-            <a:endParaRPr lang="ko-KR" altLang="en-US"/>
-          </a:p>
-        </p:txBody>
-      </p:sp>
-      <p:sp>
-        <p:nvSpPr>
-          <p:cNvPr id="32" name="직사각형 31">
-            <a:extLst>
-              <a:ext uri="{FF2B5EF4-FFF2-40B4-BE49-F238E27FC236}">
-                <a16:creationId xmlns:a16="http://schemas.microsoft.com/office/drawing/2014/main" id="{DF506191-7123-4B7A-82AE-2E95C3BCF629}"/>
-              </a:ext>
-            </a:extLst>
-          </p:cNvPr>
-          <p:cNvSpPr/>
-          <p:nvPr/>
-        </p:nvSpPr>
-        <p:spPr>
-          <a:xfrm>
-            <a:off x="0" y="0"/>
-            <a:ext cx="12192000" cy="184941"/>
-          </a:xfrm>
-          <a:prstGeom prst="rect">
-            <a:avLst/>
-          </a:prstGeom>
-          <a:solidFill>
-            <a:srgbClr val="00B0F0"/>
-          </a:solidFill>
-          <a:ln>
-            <a:noFill/>
-          </a:ln>
-        </p:spPr>
-        <p:style>
-          <a:lnRef idx="2">
-            <a:schemeClr val="accent1">
-              <a:shade val="50000"/>
-            </a:schemeClr>
-          </a:lnRef>
-          <a:fillRef idx="1">
-            <a:schemeClr val="accent1"/>
-          </a:fillRef>
-          <a:effectRef idx="0">
-            <a:schemeClr val="accent1"/>
-          </a:effectRef>
-          <a:fontRef idx="minor">
-            <a:schemeClr val="lt1"/>
-          </a:fontRef>
-        </p:style>
-        <p:txBody>
-          <a:bodyPr rtlCol="0" anchor="ctr"/>
-          <a:lstStyle/>
-          <a:p>
-            <a:pPr algn="ctr"/>
-            <a:endParaRPr lang="ko-KR" altLang="en-US"/>
-          </a:p>
-        </p:txBody>
-      </p:sp>
-      <p:sp>
-        <p:nvSpPr>
-          <p:cNvPr id="9" name="직사각형 8">
-            <a:extLst>
-              <a:ext uri="{FF2B5EF4-FFF2-40B4-BE49-F238E27FC236}">
-                <a16:creationId xmlns:a16="http://schemas.microsoft.com/office/drawing/2014/main" id="{6E0429CD-A3E9-5AE0-6F40-536B92F8E5A4}"/>
-              </a:ext>
-            </a:extLst>
-          </p:cNvPr>
-          <p:cNvSpPr/>
-          <p:nvPr/>
-        </p:nvSpPr>
-        <p:spPr>
-          <a:xfrm>
-            <a:off x="0" y="4351328"/>
-            <a:ext cx="12192000" cy="2506672"/>
-          </a:xfrm>
-          <a:prstGeom prst="rect">
-            <a:avLst/>
-          </a:prstGeom>
-          <a:solidFill>
-            <a:srgbClr val="00B0F0"/>
-          </a:solidFill>
-          <a:ln>
-            <a:noFill/>
-          </a:ln>
-        </p:spPr>
-        <p:style>
-          <a:lnRef idx="2">
-            <a:schemeClr val="accent1">
-              <a:shade val="50000"/>
-            </a:schemeClr>
-          </a:lnRef>
-          <a:fillRef idx="1">
-            <a:schemeClr val="accent1"/>
-          </a:fillRef>
-          <a:effectRef idx="0">
-            <a:schemeClr val="accent1"/>
-          </a:effectRef>
-          <a:fontRef idx="minor">
-            <a:schemeClr val="lt1"/>
-          </a:fontRef>
-        </p:style>
-        <p:txBody>
-          <a:bodyPr rtlCol="0" anchor="ctr"/>
-          <a:lstStyle/>
-          <a:p>
-            <a:pPr algn="ctr"/>
-            <a:endParaRPr lang="ko-KR" altLang="en-US"/>
-          </a:p>
-        </p:txBody>
-      </p:sp>
-      <p:sp>
-        <p:nvSpPr>
-          <p:cNvPr id="4" name="TextBox 3">
-            <a:extLst>
-              <a:ext uri="{FF2B5EF4-FFF2-40B4-BE49-F238E27FC236}">
-                <a16:creationId xmlns:a16="http://schemas.microsoft.com/office/drawing/2014/main" id="{674A95E7-3904-2867-FBBA-331D3F248B3C}"/>
-              </a:ext>
-            </a:extLst>
-          </p:cNvPr>
-          <p:cNvSpPr txBox="1"/>
-          <p:nvPr/>
-        </p:nvSpPr>
-        <p:spPr>
-          <a:xfrm>
-            <a:off x="5171554" y="342464"/>
-            <a:ext cx="1097620" cy="372655"/>
-          </a:xfrm>
-          <a:prstGeom prst="rect">
-            <a:avLst/>
-          </a:prstGeom>
-          <a:noFill/>
-        </p:spPr>
-        <p:txBody>
-          <a:bodyPr wrap="none" rtlCol="0" anchor="ctr">
-            <a:noAutofit/>
-          </a:bodyPr>
-          <a:lstStyle/>
-          <a:p>
-            <a:pPr algn="ctr">
-              <a:lnSpc>
-                <a:spcPct val="110000"/>
-              </a:lnSpc>
-            </a:pPr>
-            <a:r>
-              <a:rPr lang="en-US" altLang="ko-KR" sz="2800" b="1" spc="-80" dirty="0">
-                <a:ln>
-                  <a:solidFill>
-                    <a:srgbClr val="5F0080">
-                      <a:alpha val="0"/>
-                    </a:srgbClr>
-                  </a:solidFill>
-                </a:ln>
-                <a:solidFill>
-                  <a:schemeClr val="tx1">
-                    <a:lumMod val="85000"/>
-                    <a:lumOff val="15000"/>
-                  </a:schemeClr>
-                </a:solidFill>
-                <a:latin typeface="Noto Sans KR" panose="020B0200000000000000" pitchFamily="50" charset="-127"/>
-                <a:ea typeface="Noto Sans KR" panose="020B0200000000000000" pitchFamily="50" charset="-127"/>
-              </a:rPr>
-              <a:t>Step </a:t>
-            </a:r>
-            <a:r>
-              <a:rPr lang="en-US" altLang="ko-KR" sz="2800" b="1" spc="-80" dirty="0">
-                <a:ln>
-                  <a:solidFill>
-                    <a:srgbClr val="5F0080">
-                      <a:alpha val="0"/>
-                    </a:srgbClr>
-                  </a:solidFill>
-                </a:ln>
-                <a:solidFill>
-                  <a:srgbClr val="00B0F0"/>
-                </a:solidFill>
-                <a:latin typeface="Noto Sans KR" panose="020B0200000000000000" pitchFamily="50" charset="-127"/>
-                <a:ea typeface="Noto Sans KR" panose="020B0200000000000000" pitchFamily="50" charset="-127"/>
-              </a:rPr>
-              <a:t>8-2</a:t>
-            </a:r>
-            <a:endParaRPr lang="en-US" altLang="ko-KR" sz="2800" b="1" spc="-80" dirty="0">
-              <a:ln>
-                <a:solidFill>
-                  <a:srgbClr val="5F0080">
-                    <a:alpha val="0"/>
-                  </a:srgbClr>
-                </a:solidFill>
-              </a:ln>
-              <a:solidFill>
-                <a:srgbClr val="5F0080"/>
-              </a:solidFill>
-              <a:latin typeface="Noto Sans KR" panose="020B0200000000000000" pitchFamily="50" charset="-127"/>
-              <a:ea typeface="Noto Sans KR" panose="020B0200000000000000" pitchFamily="50" charset="-127"/>
-            </a:endParaRPr>
-          </a:p>
-        </p:txBody>
-      </p:sp>
-      <p:sp>
-        <p:nvSpPr>
-          <p:cNvPr id="5" name="TextBox 4">
-            <a:extLst>
-              <a:ext uri="{FF2B5EF4-FFF2-40B4-BE49-F238E27FC236}">
-                <a16:creationId xmlns:a16="http://schemas.microsoft.com/office/drawing/2014/main" id="{66253D23-8F1A-48A3-C5EA-6178E6956400}"/>
-              </a:ext>
-            </a:extLst>
-          </p:cNvPr>
-          <p:cNvSpPr txBox="1"/>
-          <p:nvPr/>
-        </p:nvSpPr>
-        <p:spPr>
-          <a:xfrm>
-            <a:off x="3810238" y="6061886"/>
-            <a:ext cx="3820277" cy="453650"/>
-          </a:xfrm>
-          <a:prstGeom prst="rect">
-            <a:avLst/>
-          </a:prstGeom>
-          <a:noFill/>
-        </p:spPr>
-        <p:txBody>
-          <a:bodyPr wrap="none" rtlCol="0">
-            <a:spAutoFit/>
-          </a:bodyPr>
-          <a:lstStyle/>
-          <a:p>
-            <a:pPr algn="ctr">
-              <a:lnSpc>
-                <a:spcPct val="130000"/>
-              </a:lnSpc>
-            </a:pPr>
-            <a:r>
-              <a:rPr lang="ko-KR" altLang="en-US" sz="2000" b="1" spc="-50" dirty="0">
-                <a:ln>
-                  <a:solidFill>
-                    <a:srgbClr val="5F0080">
-                      <a:alpha val="0"/>
-                    </a:srgbClr>
-                  </a:solidFill>
-                </a:ln>
-                <a:solidFill>
-                  <a:schemeClr val="bg1"/>
-                </a:solidFill>
-                <a:latin typeface="Noto Sans KR" panose="020B0200000000000000" pitchFamily="50" charset="-127"/>
-                <a:ea typeface="Noto Sans KR" panose="020B0200000000000000" pitchFamily="50" charset="-127"/>
-              </a:rPr>
-              <a:t>사용자의 데미지 분포도가 나타나고</a:t>
-            </a:r>
-            <a:endParaRPr lang="en-US" altLang="ko-KR" sz="2000" spc="-50" dirty="0">
-              <a:ln>
-                <a:solidFill>
-                  <a:srgbClr val="5F0080">
-                    <a:alpha val="0"/>
-                  </a:srgbClr>
-                </a:solidFill>
-              </a:ln>
-              <a:solidFill>
-                <a:schemeClr val="bg1"/>
-              </a:solidFill>
-              <a:latin typeface="Noto Sans KR" panose="020B0200000000000000" pitchFamily="50" charset="-127"/>
-              <a:ea typeface="Noto Sans KR" panose="020B0200000000000000" pitchFamily="50" charset="-127"/>
-            </a:endParaRPr>
-          </a:p>
-        </p:txBody>
-      </p:sp>
-      <p:pic>
-        <p:nvPicPr>
-          <p:cNvPr id="10" name="그림 9">
-            <a:extLst>
-              <a:ext uri="{FF2B5EF4-FFF2-40B4-BE49-F238E27FC236}">
-                <a16:creationId xmlns:a16="http://schemas.microsoft.com/office/drawing/2014/main" id="{14C1EF04-58F1-975C-E95B-1C25A885DF02}"/>
-              </a:ext>
-            </a:extLst>
-          </p:cNvPr>
-          <p:cNvPicPr>
-            <a:picLocks noChangeAspect="1"/>
-          </p:cNvPicPr>
-          <p:nvPr/>
-        </p:nvPicPr>
-        <p:blipFill>
-          <a:blip r:embed="rId2"/>
-          <a:stretch>
-            <a:fillRect/>
-          </a:stretch>
-        </p:blipFill>
-        <p:spPr>
-          <a:xfrm>
-            <a:off x="1786035" y="1228508"/>
-            <a:ext cx="7968157" cy="4329221"/>
-          </a:xfrm>
-          <a:prstGeom prst="rect">
-            <a:avLst/>
-          </a:prstGeom>
-        </p:spPr>
-      </p:pic>
-      <p:pic>
-        <p:nvPicPr>
-          <p:cNvPr id="11" name="그림 10">
-            <a:extLst>
-              <a:ext uri="{FF2B5EF4-FFF2-40B4-BE49-F238E27FC236}">
-                <a16:creationId xmlns:a16="http://schemas.microsoft.com/office/drawing/2014/main" id="{B36BEC74-94F3-F600-25D0-BA31D3336113}"/>
-              </a:ext>
-            </a:extLst>
-          </p:cNvPr>
-          <p:cNvPicPr>
-            <a:picLocks noChangeAspect="1"/>
-          </p:cNvPicPr>
-          <p:nvPr/>
-        </p:nvPicPr>
-        <p:blipFill>
-          <a:blip r:embed="rId3"/>
-          <a:stretch>
-            <a:fillRect/>
-          </a:stretch>
-        </p:blipFill>
-        <p:spPr>
-          <a:xfrm>
-            <a:off x="1550150" y="859461"/>
-            <a:ext cx="8340436" cy="5138542"/>
-          </a:xfrm>
-          <a:prstGeom prst="rect">
-            <a:avLst/>
-          </a:prstGeom>
-        </p:spPr>
-      </p:pic>
-    </p:spTree>
-    <p:extLst>
-      <p:ext uri="{BB962C8B-B14F-4D97-AF65-F5344CB8AC3E}">
-        <p14:creationId xmlns:p14="http://schemas.microsoft.com/office/powerpoint/2010/main" val="175364043"/>
-      </p:ext>
-    </p:extLst>
-  </p:cSld>
-  <p:clrMapOvr>
-    <a:masterClrMapping/>
-  </p:clrMapOvr>
-</p:sld>
-</file>
-
-<file path=ppt/slides/slide18.xml><?xml version="1.0" encoding="utf-8"?>
-<p:sld xmlns:a="http://schemas.openxmlformats.org/drawingml/2006/main" xmlns:r="http://schemas.openxmlformats.org/officeDocument/2006/relationships" xmlns:p="http://schemas.openxmlformats.org/presentationml/2006/main">
-  <p:cSld>
-    <p:spTree>
-      <p:nvGrpSpPr>
-        <p:cNvPr id="1" name=""/>
-        <p:cNvGrpSpPr/>
-        <p:nvPr/>
-      </p:nvGrpSpPr>
-      <p:grpSpPr>
-        <a:xfrm>
-          <a:off x="0" y="0"/>
-          <a:ext cx="0" cy="0"/>
-          <a:chOff x="0" y="0"/>
-          <a:chExt cx="0" cy="0"/>
-        </a:xfrm>
-      </p:grpSpPr>
-      <p:sp>
-        <p:nvSpPr>
-          <p:cNvPr id="16" name="직사각형 15">
-            <a:extLst>
-              <a:ext uri="{FF2B5EF4-FFF2-40B4-BE49-F238E27FC236}">
-                <a16:creationId xmlns:a16="http://schemas.microsoft.com/office/drawing/2014/main" id="{74643E28-0B09-40C3-B71C-79C8E5D7693B}"/>
-              </a:ext>
-            </a:extLst>
-          </p:cNvPr>
-          <p:cNvSpPr/>
-          <p:nvPr/>
-        </p:nvSpPr>
-        <p:spPr>
-          <a:xfrm>
-            <a:off x="0" y="3051060"/>
-            <a:ext cx="12192001" cy="2506672"/>
-          </a:xfrm>
-          <a:prstGeom prst="rect">
-            <a:avLst/>
-          </a:prstGeom>
-          <a:solidFill>
-            <a:schemeClr val="bg1">
-              <a:lumMod val="95000"/>
-            </a:schemeClr>
-          </a:solidFill>
-          <a:ln>
-            <a:noFill/>
-          </a:ln>
-        </p:spPr>
-        <p:style>
-          <a:lnRef idx="2">
-            <a:schemeClr val="accent1">
-              <a:shade val="50000"/>
-            </a:schemeClr>
-          </a:lnRef>
-          <a:fillRef idx="1">
-            <a:schemeClr val="accent1"/>
-          </a:fillRef>
-          <a:effectRef idx="0">
-            <a:schemeClr val="accent1"/>
-          </a:effectRef>
-          <a:fontRef idx="minor">
-            <a:schemeClr val="lt1"/>
-          </a:fontRef>
-        </p:style>
-        <p:txBody>
-          <a:bodyPr rtlCol="0" anchor="ctr"/>
-          <a:lstStyle/>
-          <a:p>
-            <a:pPr algn="ctr"/>
-            <a:endParaRPr lang="ko-KR" altLang="en-US"/>
-          </a:p>
-        </p:txBody>
-      </p:sp>
-      <p:sp>
-        <p:nvSpPr>
-          <p:cNvPr id="32" name="직사각형 31">
-            <a:extLst>
-              <a:ext uri="{FF2B5EF4-FFF2-40B4-BE49-F238E27FC236}">
-                <a16:creationId xmlns:a16="http://schemas.microsoft.com/office/drawing/2014/main" id="{DF506191-7123-4B7A-82AE-2E95C3BCF629}"/>
-              </a:ext>
-            </a:extLst>
-          </p:cNvPr>
-          <p:cNvSpPr/>
-          <p:nvPr/>
-        </p:nvSpPr>
-        <p:spPr>
-          <a:xfrm>
-            <a:off x="0" y="0"/>
-            <a:ext cx="12192000" cy="184941"/>
-          </a:xfrm>
-          <a:prstGeom prst="rect">
-            <a:avLst/>
-          </a:prstGeom>
-          <a:solidFill>
-            <a:srgbClr val="00B0F0"/>
-          </a:solidFill>
-          <a:ln>
-            <a:noFill/>
-          </a:ln>
-        </p:spPr>
-        <p:style>
-          <a:lnRef idx="2">
-            <a:schemeClr val="accent1">
-              <a:shade val="50000"/>
-            </a:schemeClr>
-          </a:lnRef>
-          <a:fillRef idx="1">
-            <a:schemeClr val="accent1"/>
-          </a:fillRef>
-          <a:effectRef idx="0">
-            <a:schemeClr val="accent1"/>
-          </a:effectRef>
-          <a:fontRef idx="minor">
-            <a:schemeClr val="lt1"/>
-          </a:fontRef>
-        </p:style>
-        <p:txBody>
-          <a:bodyPr rtlCol="0" anchor="ctr"/>
-          <a:lstStyle/>
-          <a:p>
-            <a:pPr algn="ctr"/>
-            <a:endParaRPr lang="ko-KR" altLang="en-US"/>
-          </a:p>
-        </p:txBody>
-      </p:sp>
-      <p:sp>
-        <p:nvSpPr>
-          <p:cNvPr id="9" name="직사각형 8">
-            <a:extLst>
-              <a:ext uri="{FF2B5EF4-FFF2-40B4-BE49-F238E27FC236}">
-                <a16:creationId xmlns:a16="http://schemas.microsoft.com/office/drawing/2014/main" id="{6E0429CD-A3E9-5AE0-6F40-536B92F8E5A4}"/>
-              </a:ext>
-            </a:extLst>
-          </p:cNvPr>
-          <p:cNvSpPr/>
-          <p:nvPr/>
-        </p:nvSpPr>
-        <p:spPr>
-          <a:xfrm>
-            <a:off x="0" y="4351328"/>
-            <a:ext cx="12192000" cy="2506672"/>
-          </a:xfrm>
-          <a:prstGeom prst="rect">
-            <a:avLst/>
-          </a:prstGeom>
-          <a:solidFill>
-            <a:srgbClr val="00B0F0"/>
-          </a:solidFill>
-          <a:ln>
-            <a:noFill/>
-          </a:ln>
-        </p:spPr>
-        <p:style>
-          <a:lnRef idx="2">
-            <a:schemeClr val="accent1">
-              <a:shade val="50000"/>
-            </a:schemeClr>
-          </a:lnRef>
-          <a:fillRef idx="1">
-            <a:schemeClr val="accent1"/>
-          </a:fillRef>
-          <a:effectRef idx="0">
-            <a:schemeClr val="accent1"/>
-          </a:effectRef>
-          <a:fontRef idx="minor">
-            <a:schemeClr val="lt1"/>
-          </a:fontRef>
-        </p:style>
-        <p:txBody>
-          <a:bodyPr rtlCol="0" anchor="ctr"/>
-          <a:lstStyle/>
-          <a:p>
-            <a:pPr algn="ctr"/>
-            <a:endParaRPr lang="ko-KR" altLang="en-US"/>
-          </a:p>
-        </p:txBody>
-      </p:sp>
-      <p:sp>
-        <p:nvSpPr>
-          <p:cNvPr id="4" name="TextBox 3">
-            <a:extLst>
-              <a:ext uri="{FF2B5EF4-FFF2-40B4-BE49-F238E27FC236}">
-                <a16:creationId xmlns:a16="http://schemas.microsoft.com/office/drawing/2014/main" id="{05CDC996-AFB1-00E3-AF57-B1701A90A60C}"/>
-              </a:ext>
-            </a:extLst>
-          </p:cNvPr>
-          <p:cNvSpPr txBox="1"/>
-          <p:nvPr/>
-        </p:nvSpPr>
-        <p:spPr>
-          <a:xfrm>
-            <a:off x="5171554" y="342464"/>
-            <a:ext cx="1097620" cy="372655"/>
-          </a:xfrm>
-          <a:prstGeom prst="rect">
-            <a:avLst/>
-          </a:prstGeom>
-          <a:noFill/>
-        </p:spPr>
-        <p:txBody>
-          <a:bodyPr wrap="none" rtlCol="0" anchor="ctr">
-            <a:noAutofit/>
-          </a:bodyPr>
-          <a:lstStyle/>
-          <a:p>
-            <a:pPr algn="ctr">
-              <a:lnSpc>
-                <a:spcPct val="110000"/>
-              </a:lnSpc>
-            </a:pPr>
-            <a:r>
-              <a:rPr lang="en-US" altLang="ko-KR" sz="2800" b="1" spc="-80" dirty="0">
-                <a:ln>
-                  <a:solidFill>
-                    <a:srgbClr val="5F0080">
-                      <a:alpha val="0"/>
-                    </a:srgbClr>
-                  </a:solidFill>
-                </a:ln>
-                <a:solidFill>
-                  <a:schemeClr val="tx1">
-                    <a:lumMod val="85000"/>
-                    <a:lumOff val="15000"/>
-                  </a:schemeClr>
-                </a:solidFill>
-                <a:latin typeface="Noto Sans KR" panose="020B0200000000000000" pitchFamily="50" charset="-127"/>
-                <a:ea typeface="Noto Sans KR" panose="020B0200000000000000" pitchFamily="50" charset="-127"/>
-              </a:rPr>
-              <a:t>Step </a:t>
-            </a:r>
-            <a:r>
-              <a:rPr lang="en-US" altLang="ko-KR" sz="2800" b="1" spc="-80" dirty="0">
-                <a:ln>
-                  <a:solidFill>
-                    <a:srgbClr val="5F0080">
-                      <a:alpha val="0"/>
-                    </a:srgbClr>
-                  </a:solidFill>
-                </a:ln>
-                <a:solidFill>
-                  <a:srgbClr val="00B0F0"/>
-                </a:solidFill>
-                <a:latin typeface="Noto Sans KR" panose="020B0200000000000000" pitchFamily="50" charset="-127"/>
-                <a:ea typeface="Noto Sans KR" panose="020B0200000000000000" pitchFamily="50" charset="-127"/>
-              </a:rPr>
-              <a:t>8-3</a:t>
-            </a:r>
-            <a:endParaRPr lang="en-US" altLang="ko-KR" sz="2800" b="1" spc="-80" dirty="0">
-              <a:ln>
-                <a:solidFill>
-                  <a:srgbClr val="5F0080">
-                    <a:alpha val="0"/>
-                  </a:srgbClr>
-                </a:solidFill>
-              </a:ln>
-              <a:solidFill>
-                <a:srgbClr val="5F0080"/>
-              </a:solidFill>
-              <a:latin typeface="Noto Sans KR" panose="020B0200000000000000" pitchFamily="50" charset="-127"/>
-              <a:ea typeface="Noto Sans KR" panose="020B0200000000000000" pitchFamily="50" charset="-127"/>
-            </a:endParaRPr>
-          </a:p>
-        </p:txBody>
-      </p:sp>
-      <p:pic>
-        <p:nvPicPr>
-          <p:cNvPr id="8" name="그림 7">
-            <a:extLst>
-              <a:ext uri="{FF2B5EF4-FFF2-40B4-BE49-F238E27FC236}">
-                <a16:creationId xmlns:a16="http://schemas.microsoft.com/office/drawing/2014/main" id="{6EE5E289-D528-E528-5E24-E3532EA963B1}"/>
-              </a:ext>
-            </a:extLst>
-          </p:cNvPr>
-          <p:cNvPicPr>
-            <a:picLocks noChangeAspect="1"/>
-          </p:cNvPicPr>
-          <p:nvPr/>
-        </p:nvPicPr>
-        <p:blipFill>
-          <a:blip r:embed="rId2"/>
-          <a:stretch>
-            <a:fillRect/>
-          </a:stretch>
-        </p:blipFill>
-        <p:spPr>
-          <a:xfrm>
-            <a:off x="1782785" y="1221581"/>
-            <a:ext cx="7968157" cy="4336151"/>
-          </a:xfrm>
-          <a:prstGeom prst="rect">
-            <a:avLst/>
-          </a:prstGeom>
-        </p:spPr>
-      </p:pic>
-      <p:sp>
-        <p:nvSpPr>
-          <p:cNvPr id="10" name="TextBox 9">
-            <a:extLst>
-              <a:ext uri="{FF2B5EF4-FFF2-40B4-BE49-F238E27FC236}">
-                <a16:creationId xmlns:a16="http://schemas.microsoft.com/office/drawing/2014/main" id="{4A3097BB-F75A-298A-338D-D1E1A549E920}"/>
-              </a:ext>
-            </a:extLst>
-          </p:cNvPr>
-          <p:cNvSpPr txBox="1"/>
-          <p:nvPr/>
-        </p:nvSpPr>
-        <p:spPr>
-          <a:xfrm>
-            <a:off x="2674515" y="6061886"/>
-            <a:ext cx="6091732" cy="453650"/>
-          </a:xfrm>
-          <a:prstGeom prst="rect">
-            <a:avLst/>
-          </a:prstGeom>
-          <a:noFill/>
-        </p:spPr>
-        <p:txBody>
-          <a:bodyPr wrap="none" rtlCol="0">
-            <a:spAutoFit/>
-          </a:bodyPr>
-          <a:lstStyle/>
-          <a:p>
-            <a:pPr algn="ctr">
-              <a:lnSpc>
-                <a:spcPct val="130000"/>
-              </a:lnSpc>
-            </a:pPr>
-            <a:r>
-              <a:rPr lang="ko-KR" altLang="en-US" sz="2000" b="1" spc="-50" dirty="0">
-                <a:ln>
-                  <a:solidFill>
-                    <a:srgbClr val="5F0080">
-                      <a:alpha val="0"/>
-                    </a:srgbClr>
-                  </a:solidFill>
-                </a:ln>
-                <a:solidFill>
-                  <a:schemeClr val="bg1"/>
-                </a:solidFill>
-                <a:latin typeface="Noto Sans KR" panose="020B0200000000000000" pitchFamily="50" charset="-127"/>
-                <a:ea typeface="Noto Sans KR" panose="020B0200000000000000" pitchFamily="50" charset="-127"/>
-              </a:rPr>
-              <a:t>시뮬레이션 과정에서 진행된 </a:t>
-            </a:r>
-            <a:r>
-              <a:rPr lang="ko-KR" altLang="en-US" sz="2000" b="1" spc="-50" dirty="0" err="1">
-                <a:ln>
-                  <a:solidFill>
-                    <a:srgbClr val="5F0080">
-                      <a:alpha val="0"/>
-                    </a:srgbClr>
-                  </a:solidFill>
-                </a:ln>
-                <a:solidFill>
-                  <a:schemeClr val="bg1"/>
-                </a:solidFill>
-                <a:latin typeface="Noto Sans KR" panose="020B0200000000000000" pitchFamily="50" charset="-127"/>
-                <a:ea typeface="Noto Sans KR" panose="020B0200000000000000" pitchFamily="50" charset="-127"/>
-              </a:rPr>
-              <a:t>딜사이클</a:t>
-            </a:r>
-            <a:r>
-              <a:rPr lang="ko-KR" altLang="en-US" sz="2000" b="1" spc="-50" dirty="0">
-                <a:ln>
-                  <a:solidFill>
-                    <a:srgbClr val="5F0080">
-                      <a:alpha val="0"/>
-                    </a:srgbClr>
-                  </a:solidFill>
-                </a:ln>
-                <a:solidFill>
-                  <a:schemeClr val="bg1"/>
-                </a:solidFill>
-                <a:latin typeface="Noto Sans KR" panose="020B0200000000000000" pitchFamily="50" charset="-127"/>
-                <a:ea typeface="Noto Sans KR" panose="020B0200000000000000" pitchFamily="50" charset="-127"/>
-              </a:rPr>
-              <a:t> 샘플이 나타납니다</a:t>
-            </a:r>
-            <a:endParaRPr lang="en-US" altLang="ko-KR" sz="2000" spc="-50" dirty="0">
-              <a:ln>
-                <a:solidFill>
-                  <a:srgbClr val="5F0080">
-                    <a:alpha val="0"/>
-                  </a:srgbClr>
-                </a:solidFill>
-              </a:ln>
-              <a:solidFill>
-                <a:schemeClr val="bg1"/>
-              </a:solidFill>
-              <a:latin typeface="Noto Sans KR" panose="020B0200000000000000" pitchFamily="50" charset="-127"/>
-              <a:ea typeface="Noto Sans KR" panose="020B0200000000000000" pitchFamily="50" charset="-127"/>
-            </a:endParaRPr>
-          </a:p>
-        </p:txBody>
-      </p:sp>
-      <p:pic>
-        <p:nvPicPr>
-          <p:cNvPr id="11" name="그림 10">
-            <a:extLst>
-              <a:ext uri="{FF2B5EF4-FFF2-40B4-BE49-F238E27FC236}">
-                <a16:creationId xmlns:a16="http://schemas.microsoft.com/office/drawing/2014/main" id="{93E9AC44-B746-DB53-41FD-B021345A720C}"/>
-              </a:ext>
-            </a:extLst>
-          </p:cNvPr>
-          <p:cNvPicPr>
-            <a:picLocks noChangeAspect="1"/>
-          </p:cNvPicPr>
-          <p:nvPr/>
-        </p:nvPicPr>
-        <p:blipFill>
-          <a:blip r:embed="rId3"/>
-          <a:stretch>
-            <a:fillRect/>
-          </a:stretch>
-        </p:blipFill>
-        <p:spPr>
-          <a:xfrm>
-            <a:off x="1550150" y="859461"/>
-            <a:ext cx="8340436" cy="5138542"/>
-          </a:xfrm>
-          <a:prstGeom prst="rect">
-            <a:avLst/>
-          </a:prstGeom>
-        </p:spPr>
-      </p:pic>
-    </p:spTree>
-    <p:extLst>
-      <p:ext uri="{BB962C8B-B14F-4D97-AF65-F5344CB8AC3E}">
-        <p14:creationId xmlns:p14="http://schemas.microsoft.com/office/powerpoint/2010/main" val="1181635602"/>
-      </p:ext>
-    </p:extLst>
-  </p:cSld>
-  <p:clrMapOvr>
-    <a:masterClrMapping/>
-  </p:clrMapOvr>
-</p:sld>
-</file>
-
-<file path=ppt/slides/slide19.xml><?xml version="1.0" encoding="utf-8"?>
-<p:sld xmlns:a="http://schemas.openxmlformats.org/drawingml/2006/main" xmlns:r="http://schemas.openxmlformats.org/officeDocument/2006/relationships" xmlns:p="http://schemas.openxmlformats.org/presentationml/2006/main">
-  <p:cSld>
-    <p:spTree>
-      <p:nvGrpSpPr>
-        <p:cNvPr id="1" name=""/>
-        <p:cNvGrpSpPr/>
-        <p:nvPr/>
-      </p:nvGrpSpPr>
-      <p:grpSpPr>
-        <a:xfrm>
-          <a:off x="0" y="0"/>
-          <a:ext cx="0" cy="0"/>
-          <a:chOff x="0" y="0"/>
-          <a:chExt cx="0" cy="0"/>
-        </a:xfrm>
-      </p:grpSpPr>
-      <p:sp>
-        <p:nvSpPr>
-          <p:cNvPr id="16" name="직사각형 15">
-            <a:extLst>
-              <a:ext uri="{FF2B5EF4-FFF2-40B4-BE49-F238E27FC236}">
-                <a16:creationId xmlns:a16="http://schemas.microsoft.com/office/drawing/2014/main" id="{74643E28-0B09-40C3-B71C-79C8E5D7693B}"/>
-              </a:ext>
-            </a:extLst>
-          </p:cNvPr>
-          <p:cNvSpPr/>
-          <p:nvPr/>
-        </p:nvSpPr>
-        <p:spPr>
-          <a:xfrm>
-            <a:off x="0" y="3051060"/>
-            <a:ext cx="12192001" cy="2506672"/>
-          </a:xfrm>
-          <a:prstGeom prst="rect">
-            <a:avLst/>
-          </a:prstGeom>
-          <a:solidFill>
-            <a:schemeClr val="bg1">
-              <a:lumMod val="95000"/>
-            </a:schemeClr>
-          </a:solidFill>
-          <a:ln>
-            <a:noFill/>
-          </a:ln>
-        </p:spPr>
-        <p:style>
-          <a:lnRef idx="2">
-            <a:schemeClr val="accent1">
-              <a:shade val="50000"/>
-            </a:schemeClr>
-          </a:lnRef>
-          <a:fillRef idx="1">
-            <a:schemeClr val="accent1"/>
-          </a:fillRef>
-          <a:effectRef idx="0">
-            <a:schemeClr val="accent1"/>
-          </a:effectRef>
-          <a:fontRef idx="minor">
-            <a:schemeClr val="lt1"/>
-          </a:fontRef>
-        </p:style>
-        <p:txBody>
-          <a:bodyPr rtlCol="0" anchor="ctr"/>
-          <a:lstStyle/>
-          <a:p>
-            <a:pPr algn="ctr"/>
-            <a:endParaRPr lang="ko-KR" altLang="en-US"/>
-          </a:p>
-        </p:txBody>
-      </p:sp>
-      <p:sp>
-        <p:nvSpPr>
-          <p:cNvPr id="32" name="직사각형 31">
-            <a:extLst>
-              <a:ext uri="{FF2B5EF4-FFF2-40B4-BE49-F238E27FC236}">
-                <a16:creationId xmlns:a16="http://schemas.microsoft.com/office/drawing/2014/main" id="{DF506191-7123-4B7A-82AE-2E95C3BCF629}"/>
-              </a:ext>
-            </a:extLst>
-          </p:cNvPr>
-          <p:cNvSpPr/>
-          <p:nvPr/>
-        </p:nvSpPr>
-        <p:spPr>
-          <a:xfrm>
-            <a:off x="0" y="0"/>
-            <a:ext cx="12192000" cy="184941"/>
-          </a:xfrm>
-          <a:prstGeom prst="rect">
-            <a:avLst/>
-          </a:prstGeom>
-          <a:solidFill>
-            <a:srgbClr val="00B0F0"/>
-          </a:solidFill>
-          <a:ln>
-            <a:noFill/>
-          </a:ln>
-        </p:spPr>
-        <p:style>
-          <a:lnRef idx="2">
-            <a:schemeClr val="accent1">
-              <a:shade val="50000"/>
-            </a:schemeClr>
-          </a:lnRef>
-          <a:fillRef idx="1">
-            <a:schemeClr val="accent1"/>
-          </a:fillRef>
-          <a:effectRef idx="0">
-            <a:schemeClr val="accent1"/>
-          </a:effectRef>
-          <a:fontRef idx="minor">
-            <a:schemeClr val="lt1"/>
-          </a:fontRef>
-        </p:style>
-        <p:txBody>
-          <a:bodyPr rtlCol="0" anchor="ctr"/>
-          <a:lstStyle/>
-          <a:p>
-            <a:pPr algn="ctr"/>
-            <a:endParaRPr lang="ko-KR" altLang="en-US"/>
-          </a:p>
-        </p:txBody>
-      </p:sp>
-      <p:sp>
-        <p:nvSpPr>
-          <p:cNvPr id="9" name="직사각형 8">
-            <a:extLst>
-              <a:ext uri="{FF2B5EF4-FFF2-40B4-BE49-F238E27FC236}">
-                <a16:creationId xmlns:a16="http://schemas.microsoft.com/office/drawing/2014/main" id="{6E0429CD-A3E9-5AE0-6F40-536B92F8E5A4}"/>
-              </a:ext>
-            </a:extLst>
-          </p:cNvPr>
-          <p:cNvSpPr/>
-          <p:nvPr/>
-        </p:nvSpPr>
-        <p:spPr>
-          <a:xfrm>
-            <a:off x="0" y="4376156"/>
-            <a:ext cx="12192000" cy="2506672"/>
-          </a:xfrm>
-          <a:prstGeom prst="rect">
-            <a:avLst/>
-          </a:prstGeom>
-          <a:solidFill>
-            <a:srgbClr val="00B0F0"/>
-          </a:solidFill>
-          <a:ln>
-            <a:noFill/>
-          </a:ln>
-        </p:spPr>
-        <p:style>
-          <a:lnRef idx="2">
-            <a:schemeClr val="accent1">
-              <a:shade val="50000"/>
-            </a:schemeClr>
-          </a:lnRef>
-          <a:fillRef idx="1">
-            <a:schemeClr val="accent1"/>
-          </a:fillRef>
-          <a:effectRef idx="0">
-            <a:schemeClr val="accent1"/>
-          </a:effectRef>
-          <a:fontRef idx="minor">
-            <a:schemeClr val="lt1"/>
-          </a:fontRef>
-        </p:style>
-        <p:txBody>
-          <a:bodyPr rtlCol="0" anchor="ctr"/>
-          <a:lstStyle/>
-          <a:p>
-            <a:pPr algn="ctr"/>
-            <a:endParaRPr lang="ko-KR" altLang="en-US"/>
-          </a:p>
-        </p:txBody>
-      </p:sp>
-      <p:sp>
-        <p:nvSpPr>
-          <p:cNvPr id="4" name="TextBox 3">
-            <a:extLst>
-              <a:ext uri="{FF2B5EF4-FFF2-40B4-BE49-F238E27FC236}">
-                <a16:creationId xmlns:a16="http://schemas.microsoft.com/office/drawing/2014/main" id="{D487CCD8-FDE6-B90D-95DC-795484466FEB}"/>
-              </a:ext>
-            </a:extLst>
-          </p:cNvPr>
-          <p:cNvSpPr txBox="1"/>
-          <p:nvPr/>
-        </p:nvSpPr>
-        <p:spPr>
-          <a:xfrm>
-            <a:off x="5171554" y="342464"/>
-            <a:ext cx="1097620" cy="372655"/>
-          </a:xfrm>
-          <a:prstGeom prst="rect">
-            <a:avLst/>
-          </a:prstGeom>
-          <a:noFill/>
-        </p:spPr>
-        <p:txBody>
-          <a:bodyPr wrap="none" rtlCol="0" anchor="ctr">
-            <a:noAutofit/>
-          </a:bodyPr>
-          <a:lstStyle/>
-          <a:p>
-            <a:pPr algn="ctr">
-              <a:lnSpc>
-                <a:spcPct val="110000"/>
-              </a:lnSpc>
-            </a:pPr>
-            <a:r>
-              <a:rPr lang="en-US" altLang="ko-KR" sz="2800" b="1" spc="-80" dirty="0">
-                <a:ln>
-                  <a:solidFill>
-                    <a:srgbClr val="5F0080">
-                      <a:alpha val="0"/>
-                    </a:srgbClr>
-                  </a:solidFill>
-                </a:ln>
-                <a:solidFill>
-                  <a:schemeClr val="tx1">
-                    <a:lumMod val="85000"/>
-                    <a:lumOff val="15000"/>
-                  </a:schemeClr>
-                </a:solidFill>
-                <a:latin typeface="Noto Sans KR" panose="020B0200000000000000" pitchFamily="50" charset="-127"/>
-                <a:ea typeface="Noto Sans KR" panose="020B0200000000000000" pitchFamily="50" charset="-127"/>
-              </a:rPr>
-              <a:t>Step </a:t>
-            </a:r>
-            <a:r>
-              <a:rPr lang="en-US" altLang="ko-KR" sz="2800" b="1" spc="-80" dirty="0">
-                <a:ln>
-                  <a:solidFill>
-                    <a:srgbClr val="5F0080">
-                      <a:alpha val="0"/>
-                    </a:srgbClr>
-                  </a:solidFill>
-                </a:ln>
-                <a:solidFill>
-                  <a:srgbClr val="00B0F0"/>
-                </a:solidFill>
-                <a:latin typeface="Noto Sans KR" panose="020B0200000000000000" pitchFamily="50" charset="-127"/>
-                <a:ea typeface="Noto Sans KR" panose="020B0200000000000000" pitchFamily="50" charset="-127"/>
-              </a:rPr>
-              <a:t>10</a:t>
-            </a:r>
-            <a:endParaRPr lang="en-US" altLang="ko-KR" sz="2800" b="1" spc="-80" dirty="0">
-              <a:ln>
-                <a:solidFill>
-                  <a:srgbClr val="5F0080">
-                    <a:alpha val="0"/>
-                  </a:srgbClr>
-                </a:solidFill>
-              </a:ln>
-              <a:solidFill>
-                <a:srgbClr val="5F0080"/>
-              </a:solidFill>
-              <a:latin typeface="Noto Sans KR" panose="020B0200000000000000" pitchFamily="50" charset="-127"/>
-              <a:ea typeface="Noto Sans KR" panose="020B0200000000000000" pitchFamily="50" charset="-127"/>
-            </a:endParaRPr>
-          </a:p>
-        </p:txBody>
-      </p:sp>
-      <p:sp>
-        <p:nvSpPr>
-          <p:cNvPr id="5" name="TextBox 4">
-            <a:extLst>
-              <a:ext uri="{FF2B5EF4-FFF2-40B4-BE49-F238E27FC236}">
-                <a16:creationId xmlns:a16="http://schemas.microsoft.com/office/drawing/2014/main" id="{44236AE5-85FF-0E47-290F-75395C26A43D}"/>
-              </a:ext>
-            </a:extLst>
-          </p:cNvPr>
-          <p:cNvSpPr txBox="1"/>
-          <p:nvPr/>
-        </p:nvSpPr>
-        <p:spPr>
-          <a:xfrm>
-            <a:off x="3023970" y="6061886"/>
-            <a:ext cx="5392823" cy="453650"/>
-          </a:xfrm>
-          <a:prstGeom prst="rect">
-            <a:avLst/>
-          </a:prstGeom>
-          <a:noFill/>
-        </p:spPr>
-        <p:txBody>
-          <a:bodyPr wrap="none" rtlCol="0">
-            <a:spAutoFit/>
-          </a:bodyPr>
-          <a:lstStyle/>
-          <a:p>
-            <a:pPr algn="ctr">
-              <a:lnSpc>
-                <a:spcPct val="130000"/>
-              </a:lnSpc>
-            </a:pPr>
-            <a:r>
-              <a:rPr lang="ko-KR" altLang="en-US" sz="2000" b="1" spc="-50" dirty="0">
-                <a:ln>
-                  <a:solidFill>
-                    <a:srgbClr val="5F0080">
-                      <a:alpha val="0"/>
-                    </a:srgbClr>
-                  </a:solidFill>
-                </a:ln>
-                <a:solidFill>
-                  <a:schemeClr val="bg1"/>
-                </a:solidFill>
-                <a:latin typeface="Noto Sans KR" panose="020B0200000000000000" pitchFamily="50" charset="-127"/>
-                <a:ea typeface="Noto Sans KR" panose="020B0200000000000000" pitchFamily="50" charset="-127"/>
-              </a:rPr>
-              <a:t>만약 다른 결과를 알고 싶다면 </a:t>
-            </a:r>
-            <a:r>
-              <a:rPr lang="ko-KR" altLang="en-US" sz="2000" b="1" spc="-50" dirty="0" err="1">
-                <a:ln>
-                  <a:solidFill>
-                    <a:srgbClr val="5F0080">
-                      <a:alpha val="0"/>
-                    </a:srgbClr>
-                  </a:solidFill>
-                </a:ln>
-                <a:solidFill>
-                  <a:schemeClr val="bg1"/>
-                </a:solidFill>
-                <a:latin typeface="Noto Sans KR" panose="020B0200000000000000" pitchFamily="50" charset="-127"/>
-                <a:ea typeface="Noto Sans KR" panose="020B0200000000000000" pitchFamily="50" charset="-127"/>
-              </a:rPr>
-              <a:t>로드칸을</a:t>
-            </a:r>
-            <a:r>
-              <a:rPr lang="ko-KR" altLang="en-US" sz="2000" b="1" spc="-50" dirty="0">
-                <a:ln>
-                  <a:solidFill>
-                    <a:srgbClr val="5F0080">
-                      <a:alpha val="0"/>
-                    </a:srgbClr>
-                  </a:solidFill>
-                </a:ln>
-                <a:solidFill>
-                  <a:schemeClr val="bg1"/>
-                </a:solidFill>
-                <a:latin typeface="Noto Sans KR" panose="020B0200000000000000" pitchFamily="50" charset="-127"/>
-                <a:ea typeface="Noto Sans KR" panose="020B0200000000000000" pitchFamily="50" charset="-127"/>
-              </a:rPr>
-              <a:t> 클릭합니다</a:t>
-            </a:r>
-            <a:endParaRPr lang="en-US" altLang="ko-KR" sz="2000" spc="-50" dirty="0">
-              <a:ln>
-                <a:solidFill>
-                  <a:srgbClr val="5F0080">
-                    <a:alpha val="0"/>
-                  </a:srgbClr>
-                </a:solidFill>
-              </a:ln>
-              <a:solidFill>
-                <a:schemeClr val="bg1"/>
-              </a:solidFill>
-              <a:latin typeface="Noto Sans KR" panose="020B0200000000000000" pitchFamily="50" charset="-127"/>
-              <a:ea typeface="Noto Sans KR" panose="020B0200000000000000" pitchFamily="50" charset="-127"/>
-            </a:endParaRPr>
-          </a:p>
-        </p:txBody>
-      </p:sp>
-      <p:pic>
-        <p:nvPicPr>
-          <p:cNvPr id="7" name="그림 6">
-            <a:extLst>
-              <a:ext uri="{FF2B5EF4-FFF2-40B4-BE49-F238E27FC236}">
-                <a16:creationId xmlns:a16="http://schemas.microsoft.com/office/drawing/2014/main" id="{32B02FF3-918F-2B5F-236A-A800A84905E1}"/>
-              </a:ext>
-            </a:extLst>
-          </p:cNvPr>
-          <p:cNvPicPr>
-            <a:picLocks noChangeAspect="1"/>
-          </p:cNvPicPr>
-          <p:nvPr/>
-        </p:nvPicPr>
-        <p:blipFill>
-          <a:blip r:embed="rId2"/>
-          <a:stretch>
-            <a:fillRect/>
-          </a:stretch>
-        </p:blipFill>
-        <p:spPr>
-          <a:xfrm>
-            <a:off x="2005688" y="1150170"/>
-            <a:ext cx="7432025" cy="4053426"/>
-          </a:xfrm>
-          <a:prstGeom prst="rect">
-            <a:avLst/>
-          </a:prstGeom>
-        </p:spPr>
-      </p:pic>
-      <p:pic>
-        <p:nvPicPr>
-          <p:cNvPr id="8" name="그림 7">
-            <a:extLst>
-              <a:ext uri="{FF2B5EF4-FFF2-40B4-BE49-F238E27FC236}">
-                <a16:creationId xmlns:a16="http://schemas.microsoft.com/office/drawing/2014/main" id="{F512897A-8522-7A7F-5617-B2544C90B21F}"/>
-              </a:ext>
-            </a:extLst>
-          </p:cNvPr>
-          <p:cNvPicPr>
-            <a:picLocks noChangeAspect="1"/>
-          </p:cNvPicPr>
-          <p:nvPr/>
-        </p:nvPicPr>
-        <p:blipFill>
-          <a:blip r:embed="rId3"/>
-          <a:stretch>
-            <a:fillRect/>
-          </a:stretch>
-        </p:blipFill>
-        <p:spPr>
-          <a:xfrm>
-            <a:off x="1550149" y="794327"/>
-            <a:ext cx="8341995" cy="5203676"/>
-          </a:xfrm>
-          <a:prstGeom prst="rect">
-            <a:avLst/>
-          </a:prstGeom>
-        </p:spPr>
-      </p:pic>
-    </p:spTree>
-    <p:extLst>
-      <p:ext uri="{BB962C8B-B14F-4D97-AF65-F5344CB8AC3E}">
-        <p14:creationId xmlns:p14="http://schemas.microsoft.com/office/powerpoint/2010/main" val="3545614037"/>
+        <p14:creationId xmlns:p14="http://schemas.microsoft.com/office/powerpoint/2010/main" val="2589617848"/>
       </p:ext>
     </p:extLst>
   </p:cSld>
@@ -8758,408 +7429,6 @@
 </p:sld>
 </file>
 
-<file path=ppt/slides/slide20.xml><?xml version="1.0" encoding="utf-8"?>
-<p:sld xmlns:a="http://schemas.openxmlformats.org/drawingml/2006/main" xmlns:r="http://schemas.openxmlformats.org/officeDocument/2006/relationships" xmlns:p="http://schemas.openxmlformats.org/presentationml/2006/main">
-  <p:cSld>
-    <p:spTree>
-      <p:nvGrpSpPr>
-        <p:cNvPr id="1" name=""/>
-        <p:cNvGrpSpPr/>
-        <p:nvPr/>
-      </p:nvGrpSpPr>
-      <p:grpSpPr>
-        <a:xfrm>
-          <a:off x="0" y="0"/>
-          <a:ext cx="0" cy="0"/>
-          <a:chOff x="0" y="0"/>
-          <a:chExt cx="0" cy="0"/>
-        </a:xfrm>
-      </p:grpSpPr>
-      <p:sp>
-        <p:nvSpPr>
-          <p:cNvPr id="16" name="직사각형 15">
-            <a:extLst>
-              <a:ext uri="{FF2B5EF4-FFF2-40B4-BE49-F238E27FC236}">
-                <a16:creationId xmlns:a16="http://schemas.microsoft.com/office/drawing/2014/main" id="{74643E28-0B09-40C3-B71C-79C8E5D7693B}"/>
-              </a:ext>
-            </a:extLst>
-          </p:cNvPr>
-          <p:cNvSpPr/>
-          <p:nvPr/>
-        </p:nvSpPr>
-        <p:spPr>
-          <a:xfrm>
-            <a:off x="0" y="3051060"/>
-            <a:ext cx="12192001" cy="2506672"/>
-          </a:xfrm>
-          <a:prstGeom prst="rect">
-            <a:avLst/>
-          </a:prstGeom>
-          <a:solidFill>
-            <a:schemeClr val="bg1">
-              <a:lumMod val="95000"/>
-            </a:schemeClr>
-          </a:solidFill>
-          <a:ln>
-            <a:noFill/>
-          </a:ln>
-        </p:spPr>
-        <p:style>
-          <a:lnRef idx="2">
-            <a:schemeClr val="accent1">
-              <a:shade val="50000"/>
-            </a:schemeClr>
-          </a:lnRef>
-          <a:fillRef idx="1">
-            <a:schemeClr val="accent1"/>
-          </a:fillRef>
-          <a:effectRef idx="0">
-            <a:schemeClr val="accent1"/>
-          </a:effectRef>
-          <a:fontRef idx="minor">
-            <a:schemeClr val="lt1"/>
-          </a:fontRef>
-        </p:style>
-        <p:txBody>
-          <a:bodyPr rtlCol="0" anchor="ctr"/>
-          <a:lstStyle/>
-          <a:p>
-            <a:pPr algn="ctr"/>
-            <a:endParaRPr lang="ko-KR" altLang="en-US"/>
-          </a:p>
-        </p:txBody>
-      </p:sp>
-      <p:sp>
-        <p:nvSpPr>
-          <p:cNvPr id="32" name="직사각형 31">
-            <a:extLst>
-              <a:ext uri="{FF2B5EF4-FFF2-40B4-BE49-F238E27FC236}">
-                <a16:creationId xmlns:a16="http://schemas.microsoft.com/office/drawing/2014/main" id="{DF506191-7123-4B7A-82AE-2E95C3BCF629}"/>
-              </a:ext>
-            </a:extLst>
-          </p:cNvPr>
-          <p:cNvSpPr/>
-          <p:nvPr/>
-        </p:nvSpPr>
-        <p:spPr>
-          <a:xfrm>
-            <a:off x="0" y="0"/>
-            <a:ext cx="12192000" cy="184941"/>
-          </a:xfrm>
-          <a:prstGeom prst="rect">
-            <a:avLst/>
-          </a:prstGeom>
-          <a:solidFill>
-            <a:srgbClr val="00B0F0"/>
-          </a:solidFill>
-          <a:ln>
-            <a:noFill/>
-          </a:ln>
-        </p:spPr>
-        <p:style>
-          <a:lnRef idx="2">
-            <a:schemeClr val="accent1">
-              <a:shade val="50000"/>
-            </a:schemeClr>
-          </a:lnRef>
-          <a:fillRef idx="1">
-            <a:schemeClr val="accent1"/>
-          </a:fillRef>
-          <a:effectRef idx="0">
-            <a:schemeClr val="accent1"/>
-          </a:effectRef>
-          <a:fontRef idx="minor">
-            <a:schemeClr val="lt1"/>
-          </a:fontRef>
-        </p:style>
-        <p:txBody>
-          <a:bodyPr rtlCol="0" anchor="ctr"/>
-          <a:lstStyle/>
-          <a:p>
-            <a:pPr algn="ctr"/>
-            <a:endParaRPr lang="ko-KR" altLang="en-US"/>
-          </a:p>
-        </p:txBody>
-      </p:sp>
-      <p:sp>
-        <p:nvSpPr>
-          <p:cNvPr id="9" name="직사각형 8">
-            <a:extLst>
-              <a:ext uri="{FF2B5EF4-FFF2-40B4-BE49-F238E27FC236}">
-                <a16:creationId xmlns:a16="http://schemas.microsoft.com/office/drawing/2014/main" id="{6E0429CD-A3E9-5AE0-6F40-536B92F8E5A4}"/>
-              </a:ext>
-            </a:extLst>
-          </p:cNvPr>
-          <p:cNvSpPr/>
-          <p:nvPr/>
-        </p:nvSpPr>
-        <p:spPr>
-          <a:xfrm>
-            <a:off x="0" y="4351328"/>
-            <a:ext cx="12192000" cy="2506672"/>
-          </a:xfrm>
-          <a:prstGeom prst="rect">
-            <a:avLst/>
-          </a:prstGeom>
-          <a:solidFill>
-            <a:srgbClr val="00B0F0"/>
-          </a:solidFill>
-          <a:ln>
-            <a:noFill/>
-          </a:ln>
-        </p:spPr>
-        <p:style>
-          <a:lnRef idx="2">
-            <a:schemeClr val="accent1">
-              <a:shade val="50000"/>
-            </a:schemeClr>
-          </a:lnRef>
-          <a:fillRef idx="1">
-            <a:schemeClr val="accent1"/>
-          </a:fillRef>
-          <a:effectRef idx="0">
-            <a:schemeClr val="accent1"/>
-          </a:effectRef>
-          <a:fontRef idx="minor">
-            <a:schemeClr val="lt1"/>
-          </a:fontRef>
-        </p:style>
-        <p:txBody>
-          <a:bodyPr rtlCol="0" anchor="ctr"/>
-          <a:lstStyle/>
-          <a:p>
-            <a:pPr algn="ctr"/>
-            <a:endParaRPr lang="ko-KR" altLang="en-US"/>
-          </a:p>
-        </p:txBody>
-      </p:sp>
-      <p:sp>
-        <p:nvSpPr>
-          <p:cNvPr id="4" name="TextBox 3">
-            <a:extLst>
-              <a:ext uri="{FF2B5EF4-FFF2-40B4-BE49-F238E27FC236}">
-                <a16:creationId xmlns:a16="http://schemas.microsoft.com/office/drawing/2014/main" id="{36745074-FB86-D50A-2C73-2FC287DABC8E}"/>
-              </a:ext>
-            </a:extLst>
-          </p:cNvPr>
-          <p:cNvSpPr txBox="1"/>
-          <p:nvPr/>
-        </p:nvSpPr>
-        <p:spPr>
-          <a:xfrm>
-            <a:off x="5171554" y="342464"/>
-            <a:ext cx="1097620" cy="372655"/>
-          </a:xfrm>
-          <a:prstGeom prst="rect">
-            <a:avLst/>
-          </a:prstGeom>
-          <a:noFill/>
-        </p:spPr>
-        <p:txBody>
-          <a:bodyPr wrap="none" rtlCol="0" anchor="ctr">
-            <a:noAutofit/>
-          </a:bodyPr>
-          <a:lstStyle/>
-          <a:p>
-            <a:pPr algn="ctr">
-              <a:lnSpc>
-                <a:spcPct val="110000"/>
-              </a:lnSpc>
-            </a:pPr>
-            <a:r>
-              <a:rPr lang="en-US" altLang="ko-KR" sz="2800" b="1" spc="-80" dirty="0">
-                <a:ln>
-                  <a:solidFill>
-                    <a:srgbClr val="5F0080">
-                      <a:alpha val="0"/>
-                    </a:srgbClr>
-                  </a:solidFill>
-                </a:ln>
-                <a:solidFill>
-                  <a:schemeClr val="tx1">
-                    <a:lumMod val="85000"/>
-                    <a:lumOff val="15000"/>
-                  </a:schemeClr>
-                </a:solidFill>
-                <a:latin typeface="Noto Sans KR" panose="020B0200000000000000" pitchFamily="50" charset="-127"/>
-                <a:ea typeface="Noto Sans KR" panose="020B0200000000000000" pitchFamily="50" charset="-127"/>
-              </a:rPr>
-              <a:t>Step </a:t>
-            </a:r>
-            <a:r>
-              <a:rPr lang="en-US" altLang="ko-KR" sz="2800" b="1" spc="-80" dirty="0">
-                <a:ln>
-                  <a:solidFill>
-                    <a:srgbClr val="5F0080">
-                      <a:alpha val="0"/>
-                    </a:srgbClr>
-                  </a:solidFill>
-                </a:ln>
-                <a:solidFill>
-                  <a:srgbClr val="00B0F0"/>
-                </a:solidFill>
-                <a:latin typeface="Noto Sans KR" panose="020B0200000000000000" pitchFamily="50" charset="-127"/>
-                <a:ea typeface="Noto Sans KR" panose="020B0200000000000000" pitchFamily="50" charset="-127"/>
-              </a:rPr>
-              <a:t>11</a:t>
-            </a:r>
-            <a:endParaRPr lang="en-US" altLang="ko-KR" sz="2800" b="1" spc="-80" dirty="0">
-              <a:ln>
-                <a:solidFill>
-                  <a:srgbClr val="5F0080">
-                    <a:alpha val="0"/>
-                  </a:srgbClr>
-                </a:solidFill>
-              </a:ln>
-              <a:solidFill>
-                <a:srgbClr val="5F0080"/>
-              </a:solidFill>
-              <a:latin typeface="Noto Sans KR" panose="020B0200000000000000" pitchFamily="50" charset="-127"/>
-              <a:ea typeface="Noto Sans KR" panose="020B0200000000000000" pitchFamily="50" charset="-127"/>
-            </a:endParaRPr>
-          </a:p>
-        </p:txBody>
-      </p:sp>
-      <p:sp>
-        <p:nvSpPr>
-          <p:cNvPr id="5" name="TextBox 4">
-            <a:extLst>
-              <a:ext uri="{FF2B5EF4-FFF2-40B4-BE49-F238E27FC236}">
-                <a16:creationId xmlns:a16="http://schemas.microsoft.com/office/drawing/2014/main" id="{C5F439E6-80D0-723F-F375-406A5AEC530A}"/>
-              </a:ext>
-            </a:extLst>
-          </p:cNvPr>
-          <p:cNvSpPr txBox="1"/>
-          <p:nvPr/>
-        </p:nvSpPr>
-        <p:spPr>
-          <a:xfrm>
-            <a:off x="1860987" y="6061886"/>
-            <a:ext cx="7718780" cy="453650"/>
-          </a:xfrm>
-          <a:prstGeom prst="rect">
-            <a:avLst/>
-          </a:prstGeom>
-          <a:noFill/>
-        </p:spPr>
-        <p:txBody>
-          <a:bodyPr wrap="none" rtlCol="0">
-            <a:spAutoFit/>
-          </a:bodyPr>
-          <a:lstStyle/>
-          <a:p>
-            <a:pPr algn="ctr">
-              <a:lnSpc>
-                <a:spcPct val="130000"/>
-              </a:lnSpc>
-            </a:pPr>
-            <a:r>
-              <a:rPr lang="ko-KR" altLang="en-US" sz="2000" b="1" spc="-50" dirty="0">
-                <a:ln>
-                  <a:solidFill>
-                    <a:srgbClr val="5F0080">
-                      <a:alpha val="0"/>
-                    </a:srgbClr>
-                  </a:solidFill>
-                </a:ln>
-                <a:solidFill>
-                  <a:schemeClr val="bg1"/>
-                </a:solidFill>
-                <a:latin typeface="Noto Sans KR" panose="020B0200000000000000" pitchFamily="50" charset="-127"/>
-                <a:ea typeface="Noto Sans KR" panose="020B0200000000000000" pitchFamily="50" charset="-127"/>
-              </a:rPr>
-              <a:t>로드 시 직전에 저장되었던 세팅이 나오므로 장비를 쉽게 바꿀 수 있습니다</a:t>
-            </a:r>
-            <a:endParaRPr lang="en-US" altLang="ko-KR" sz="2000" b="1" spc="-50" dirty="0">
-              <a:ln>
-                <a:solidFill>
-                  <a:srgbClr val="5F0080">
-                    <a:alpha val="0"/>
-                  </a:srgbClr>
-                </a:solidFill>
-              </a:ln>
-              <a:solidFill>
-                <a:schemeClr val="bg1"/>
-              </a:solidFill>
-              <a:latin typeface="Noto Sans KR" panose="020B0200000000000000" pitchFamily="50" charset="-127"/>
-              <a:ea typeface="Noto Sans KR" panose="020B0200000000000000" pitchFamily="50" charset="-127"/>
-            </a:endParaRPr>
-          </a:p>
-        </p:txBody>
-      </p:sp>
-      <p:pic>
-        <p:nvPicPr>
-          <p:cNvPr id="7" name="그림 6">
-            <a:extLst>
-              <a:ext uri="{FF2B5EF4-FFF2-40B4-BE49-F238E27FC236}">
-                <a16:creationId xmlns:a16="http://schemas.microsoft.com/office/drawing/2014/main" id="{EE6FE87A-4DC2-05E6-9AAA-1723DDFCF2B1}"/>
-              </a:ext>
-            </a:extLst>
-          </p:cNvPr>
-          <p:cNvPicPr>
-            <a:picLocks noChangeAspect="1"/>
-          </p:cNvPicPr>
-          <p:nvPr/>
-        </p:nvPicPr>
-        <p:blipFill>
-          <a:blip r:embed="rId2"/>
-          <a:stretch>
-            <a:fillRect/>
-          </a:stretch>
-        </p:blipFill>
-        <p:spPr>
-          <a:xfrm>
-            <a:off x="2005687" y="1150170"/>
-            <a:ext cx="7432025" cy="4053426"/>
-          </a:xfrm>
-          <a:prstGeom prst="rect">
-            <a:avLst/>
-          </a:prstGeom>
-        </p:spPr>
-      </p:pic>
-      <p:pic>
-        <p:nvPicPr>
-          <p:cNvPr id="8" name="그림 7">
-            <a:extLst>
-              <a:ext uri="{FF2B5EF4-FFF2-40B4-BE49-F238E27FC236}">
-                <a16:creationId xmlns:a16="http://schemas.microsoft.com/office/drawing/2014/main" id="{5E089C12-5897-3625-93CE-5C82D0E86FCE}"/>
-              </a:ext>
-            </a:extLst>
-          </p:cNvPr>
-          <p:cNvPicPr>
-            <a:picLocks noChangeAspect="1"/>
-          </p:cNvPicPr>
-          <p:nvPr/>
-        </p:nvPicPr>
-        <p:blipFill>
-          <a:blip r:embed="rId3"/>
-          <a:stretch>
-            <a:fillRect/>
-          </a:stretch>
-        </p:blipFill>
-        <p:spPr>
-          <a:xfrm>
-            <a:off x="1550149" y="794327"/>
-            <a:ext cx="8341995" cy="5203676"/>
-          </a:xfrm>
-          <a:prstGeom prst="rect">
-            <a:avLst/>
-          </a:prstGeom>
-        </p:spPr>
-      </p:pic>
-    </p:spTree>
-    <p:extLst>
-      <p:ext uri="{BB962C8B-B14F-4D97-AF65-F5344CB8AC3E}">
-        <p14:creationId xmlns:p14="http://schemas.microsoft.com/office/powerpoint/2010/main" val="2589617848"/>
-      </p:ext>
-    </p:extLst>
-  </p:cSld>
-  <p:clrMapOvr>
-    <a:masterClrMapping/>
-  </p:clrMapOvr>
-</p:sld>
-</file>
-
 <file path=ppt/slides/slide3.xml><?xml version="1.0" encoding="utf-8"?>
 <p:sld xmlns:a="http://schemas.openxmlformats.org/drawingml/2006/main" xmlns:r="http://schemas.openxmlformats.org/officeDocument/2006/relationships" xmlns:p="http://schemas.openxmlformats.org/presentationml/2006/main">
   <p:cSld>
@@ -9191,8 +7460,8 @@
         </p:nvSpPr>
         <p:spPr>
           <a:xfrm flipV="1">
-            <a:off x="-1" y="3074126"/>
-            <a:ext cx="12192001" cy="3783872"/>
+            <a:off x="-1" y="3732244"/>
+            <a:ext cx="12192001" cy="3125754"/>
           </a:xfrm>
           <a:prstGeom prst="rect">
             <a:avLst/>
@@ -9252,7 +7521,7 @@
             <a:avLst/>
           </a:prstGeom>
           <a:solidFill>
-            <a:srgbClr val="5F0080"/>
+            <a:srgbClr val="00B0F0"/>
           </a:solidFill>
           <a:ln>
             <a:noFill/>
@@ -9297,8 +7566,8 @@
         </p:nvSpPr>
         <p:spPr>
           <a:xfrm>
-            <a:off x="5017036" y="476395"/>
-            <a:ext cx="4815742" cy="565026"/>
+            <a:off x="4869255" y="310552"/>
+            <a:ext cx="3818994" cy="565026"/>
           </a:xfrm>
           <a:prstGeom prst="rect">
             <a:avLst/>
@@ -9316,26 +7585,6 @@
                 <a:spcPct val="110000"/>
               </a:lnSpc>
             </a:pPr>
-            <a:r>
-              <a:rPr lang="en-US" altLang="ko-KR" sz="3000" b="1" spc="-80" dirty="0">
-                <a:ln>
-                  <a:solidFill>
-                    <a:srgbClr val="5F0080">
-                      <a:alpha val="0"/>
-                    </a:srgbClr>
-                  </a:solidFill>
-                </a:ln>
-                <a:solidFill>
-                  <a:schemeClr val="tx1">
-                    <a:lumMod val="85000"/>
-                    <a:lumOff val="15000"/>
-                  </a:schemeClr>
-                </a:solidFill>
-                <a:latin typeface="Noto Sans KR" panose="020B0200000000000000" pitchFamily="50" charset="-127"/>
-                <a:ea typeface="Noto Sans KR" panose="020B0200000000000000" pitchFamily="50" charset="-127"/>
-              </a:rPr>
-              <a:t>FFXIV SIMHELPER</a:t>
-            </a:r>
             <a:r>
               <a:rPr lang="ko-KR" altLang="en-US" sz="3000" b="1" spc="-80" dirty="0">
                 <a:ln>
@@ -9346,6 +7595,23 @@
                   </a:solidFill>
                 </a:ln>
                 <a:solidFill>
+                  <a:srgbClr val="00B0F0"/>
+                </a:solidFill>
+                <a:latin typeface="Noto Sans KR" panose="020B0200000000000000" pitchFamily="50" charset="-127"/>
+                <a:ea typeface="Noto Sans KR" panose="020B0200000000000000" pitchFamily="50" charset="-127"/>
+              </a:rPr>
+              <a:t>빠른 시뮬레이션 </a:t>
+            </a:r>
+            <a:r>
+              <a:rPr lang="ko-KR" altLang="en-US" sz="3000" b="1" spc="-80" dirty="0">
+                <a:ln>
+                  <a:solidFill>
+                    <a:srgbClr val="5F0080">
+                      <a:alpha val="0"/>
+                    </a:srgbClr>
+                  </a:solidFill>
+                </a:ln>
+                <a:solidFill>
                   <a:schemeClr val="tx1">
                     <a:lumMod val="85000"/>
                     <a:lumOff val="15000"/>
@@ -9354,7 +7620,7 @@
                 <a:latin typeface="Noto Sans KR" panose="020B0200000000000000" pitchFamily="50" charset="-127"/>
                 <a:ea typeface="Noto Sans KR" panose="020B0200000000000000" pitchFamily="50" charset="-127"/>
               </a:rPr>
-              <a:t> 실행하기</a:t>
+              <a:t>돌리기</a:t>
             </a:r>
             <a:endParaRPr lang="en-US" altLang="ko-KR" sz="3000" b="1" spc="-80" dirty="0">
               <a:ln>
@@ -9365,7 +7631,7 @@
                 </a:solidFill>
               </a:ln>
               <a:solidFill>
-                <a:srgbClr val="5F0080"/>
+                <a:srgbClr val="00B0F0"/>
               </a:solidFill>
               <a:latin typeface="Noto Sans KR" panose="020B0200000000000000" pitchFamily="50" charset="-127"/>
               <a:ea typeface="Noto Sans KR" panose="020B0200000000000000" pitchFamily="50" charset="-127"/>
@@ -9373,12 +7639,484 @@
           </a:p>
         </p:txBody>
       </p:sp>
+      <p:sp>
+        <p:nvSpPr>
+          <p:cNvPr id="23" name="TextBox 22">
+            <a:extLst>
+              <a:ext uri="{FF2B5EF4-FFF2-40B4-BE49-F238E27FC236}">
+                <a16:creationId xmlns:a16="http://schemas.microsoft.com/office/drawing/2014/main" id="{BDE4DBB7-F7BA-410B-AFDE-0CC26C23E042}"/>
+              </a:ext>
+            </a:extLst>
+          </p:cNvPr>
+          <p:cNvSpPr txBox="1"/>
+          <p:nvPr/>
+        </p:nvSpPr>
+        <p:spPr>
+          <a:xfrm>
+            <a:off x="4869255" y="1336130"/>
+            <a:ext cx="6546890" cy="983474"/>
+          </a:xfrm>
+          <a:prstGeom prst="rect">
+            <a:avLst/>
+          </a:prstGeom>
+          <a:noFill/>
+        </p:spPr>
+        <p:txBody>
+          <a:bodyPr wrap="square" rtlCol="0">
+            <a:spAutoFit/>
+          </a:bodyPr>
+          <a:lstStyle/>
+          <a:p>
+            <a:pPr>
+              <a:lnSpc>
+                <a:spcPct val="130000"/>
+              </a:lnSpc>
+            </a:pPr>
+            <a:r>
+              <a:rPr lang="ko-KR" altLang="en-US" sz="1600" b="1" spc="-80" dirty="0">
+                <a:ln>
+                  <a:solidFill>
+                    <a:srgbClr val="5F0080">
+                      <a:alpha val="0"/>
+                    </a:srgbClr>
+                  </a:solidFill>
+                </a:ln>
+                <a:solidFill>
+                  <a:srgbClr val="00B0F0"/>
+                </a:solidFill>
+                <a:latin typeface="Noto Sans KR" panose="020B0200000000000000" pitchFamily="50" charset="-127"/>
+                <a:ea typeface="Noto Sans KR" panose="020B0200000000000000" pitchFamily="50" charset="-127"/>
+              </a:rPr>
+              <a:t>빠른 시뮬레이션</a:t>
+            </a:r>
+            <a:r>
+              <a:rPr lang="ko-KR" altLang="en-US" sz="1500" spc="-50" dirty="0">
+                <a:ln>
+                  <a:solidFill>
+                    <a:srgbClr val="5F0080">
+                      <a:alpha val="0"/>
+                    </a:srgbClr>
+                  </a:solidFill>
+                </a:ln>
+                <a:solidFill>
+                  <a:schemeClr val="tx1">
+                    <a:lumMod val="85000"/>
+                    <a:lumOff val="15000"/>
+                  </a:schemeClr>
+                </a:solidFill>
+                <a:latin typeface="Noto Sans KR" panose="020B0200000000000000" pitchFamily="50" charset="-127"/>
+                <a:ea typeface="Noto Sans KR" panose="020B0200000000000000" pitchFamily="50" charset="-127"/>
+              </a:rPr>
+              <a:t>은 각 장비 부위마다 원하는 템을 선택한 이후 </a:t>
+            </a:r>
+            <a:endParaRPr lang="en-US" altLang="ko-KR" sz="1500" spc="-50" dirty="0">
+              <a:ln>
+                <a:solidFill>
+                  <a:srgbClr val="5F0080">
+                    <a:alpha val="0"/>
+                  </a:srgbClr>
+                </a:solidFill>
+              </a:ln>
+              <a:solidFill>
+                <a:schemeClr val="tx1">
+                  <a:lumMod val="85000"/>
+                  <a:lumOff val="15000"/>
+                </a:schemeClr>
+              </a:solidFill>
+              <a:latin typeface="Noto Sans KR" panose="020B0200000000000000" pitchFamily="50" charset="-127"/>
+              <a:ea typeface="Noto Sans KR" panose="020B0200000000000000" pitchFamily="50" charset="-127"/>
+            </a:endParaRPr>
+          </a:p>
+          <a:p>
+            <a:pPr>
+              <a:lnSpc>
+                <a:spcPct val="130000"/>
+              </a:lnSpc>
+            </a:pPr>
+            <a:r>
+              <a:rPr lang="ko-KR" altLang="en-US" sz="1500" spc="-50" dirty="0">
+                <a:ln>
+                  <a:solidFill>
+                    <a:srgbClr val="5F0080">
+                      <a:alpha val="0"/>
+                    </a:srgbClr>
+                  </a:solidFill>
+                </a:ln>
+                <a:solidFill>
+                  <a:schemeClr val="tx1">
+                    <a:lumMod val="85000"/>
+                    <a:lumOff val="15000"/>
+                  </a:schemeClr>
+                </a:solidFill>
+                <a:latin typeface="Noto Sans KR" panose="020B0200000000000000" pitchFamily="50" charset="-127"/>
+                <a:ea typeface="Noto Sans KR" panose="020B0200000000000000" pitchFamily="50" charset="-127"/>
+              </a:rPr>
+              <a:t>해당 장비로 뽑을 수 있는 </a:t>
+            </a:r>
+            <a:r>
+              <a:rPr lang="en-US" altLang="ko-KR" sz="1500" spc="-50" dirty="0">
+                <a:ln>
+                  <a:solidFill>
+                    <a:srgbClr val="5F0080">
+                      <a:alpha val="0"/>
+                    </a:srgbClr>
+                  </a:solidFill>
+                </a:ln>
+                <a:solidFill>
+                  <a:schemeClr val="tx1">
+                    <a:lumMod val="85000"/>
+                    <a:lumOff val="15000"/>
+                  </a:schemeClr>
+                </a:solidFill>
+                <a:latin typeface="Noto Sans KR" panose="020B0200000000000000" pitchFamily="50" charset="-127"/>
+                <a:ea typeface="Noto Sans KR" panose="020B0200000000000000" pitchFamily="50" charset="-127"/>
+              </a:rPr>
+              <a:t>DPS(Damage per Second),</a:t>
+            </a:r>
+            <a:r>
+              <a:rPr lang="ko-KR" altLang="en-US" sz="1500" spc="-50" dirty="0">
+                <a:ln>
+                  <a:solidFill>
+                    <a:srgbClr val="5F0080">
+                      <a:alpha val="0"/>
+                    </a:srgbClr>
+                  </a:solidFill>
+                </a:ln>
+                <a:solidFill>
+                  <a:schemeClr val="tx1">
+                    <a:lumMod val="85000"/>
+                    <a:lumOff val="15000"/>
+                  </a:schemeClr>
+                </a:solidFill>
+                <a:latin typeface="Noto Sans KR" panose="020B0200000000000000" pitchFamily="50" charset="-127"/>
+                <a:ea typeface="Noto Sans KR" panose="020B0200000000000000" pitchFamily="50" charset="-127"/>
+              </a:rPr>
+              <a:t> </a:t>
+            </a:r>
+            <a:r>
+              <a:rPr lang="ko-KR" altLang="en-US" sz="1500" spc="-50" dirty="0" err="1">
+                <a:ln>
+                  <a:solidFill>
+                    <a:srgbClr val="5F0080">
+                      <a:alpha val="0"/>
+                    </a:srgbClr>
+                  </a:solidFill>
+                </a:ln>
+                <a:solidFill>
+                  <a:schemeClr val="tx1">
+                    <a:lumMod val="85000"/>
+                    <a:lumOff val="15000"/>
+                  </a:schemeClr>
+                </a:solidFill>
+                <a:latin typeface="Noto Sans KR" panose="020B0200000000000000" pitchFamily="50" charset="-127"/>
+                <a:ea typeface="Noto Sans KR" panose="020B0200000000000000" pitchFamily="50" charset="-127"/>
+              </a:rPr>
+              <a:t>딜사이클</a:t>
+            </a:r>
+            <a:r>
+              <a:rPr lang="en-US" altLang="ko-KR" sz="1500" spc="-50" dirty="0">
+                <a:ln>
+                  <a:solidFill>
+                    <a:srgbClr val="5F0080">
+                      <a:alpha val="0"/>
+                    </a:srgbClr>
+                  </a:solidFill>
+                </a:ln>
+                <a:solidFill>
+                  <a:schemeClr val="tx1">
+                    <a:lumMod val="85000"/>
+                    <a:lumOff val="15000"/>
+                  </a:schemeClr>
+                </a:solidFill>
+                <a:latin typeface="Noto Sans KR" panose="020B0200000000000000" pitchFamily="50" charset="-127"/>
+                <a:ea typeface="Noto Sans KR" panose="020B0200000000000000" pitchFamily="50" charset="-127"/>
+              </a:rPr>
+              <a:t>, </a:t>
+            </a:r>
+            <a:r>
+              <a:rPr lang="ko-KR" altLang="en-US" sz="1500" spc="-50" dirty="0">
+                <a:ln>
+                  <a:solidFill>
+                    <a:srgbClr val="5F0080">
+                      <a:alpha val="0"/>
+                    </a:srgbClr>
+                  </a:solidFill>
+                </a:ln>
+                <a:solidFill>
+                  <a:schemeClr val="tx1">
+                    <a:lumMod val="85000"/>
+                    <a:lumOff val="15000"/>
+                  </a:schemeClr>
+                </a:solidFill>
+                <a:latin typeface="Noto Sans KR" panose="020B0200000000000000" pitchFamily="50" charset="-127"/>
+                <a:ea typeface="Noto Sans KR" panose="020B0200000000000000" pitchFamily="50" charset="-127"/>
+              </a:rPr>
+              <a:t>각 스킬들의 비중을</a:t>
+            </a:r>
+            <a:endParaRPr lang="en-US" altLang="ko-KR" sz="1500" spc="-50" dirty="0">
+              <a:ln>
+                <a:solidFill>
+                  <a:srgbClr val="5F0080">
+                    <a:alpha val="0"/>
+                  </a:srgbClr>
+                </a:solidFill>
+              </a:ln>
+              <a:solidFill>
+                <a:schemeClr val="tx1">
+                  <a:lumMod val="85000"/>
+                  <a:lumOff val="15000"/>
+                </a:schemeClr>
+              </a:solidFill>
+              <a:latin typeface="Noto Sans KR" panose="020B0200000000000000" pitchFamily="50" charset="-127"/>
+              <a:ea typeface="Noto Sans KR" panose="020B0200000000000000" pitchFamily="50" charset="-127"/>
+            </a:endParaRPr>
+          </a:p>
+          <a:p>
+            <a:pPr>
+              <a:lnSpc>
+                <a:spcPct val="130000"/>
+              </a:lnSpc>
+            </a:pPr>
+            <a:r>
+              <a:rPr lang="ko-KR" altLang="en-US" sz="1500" spc="-50" dirty="0">
+                <a:ln>
+                  <a:solidFill>
+                    <a:srgbClr val="5F0080">
+                      <a:alpha val="0"/>
+                    </a:srgbClr>
+                  </a:solidFill>
+                </a:ln>
+                <a:solidFill>
+                  <a:schemeClr val="tx1">
+                    <a:lumMod val="85000"/>
+                    <a:lumOff val="15000"/>
+                  </a:schemeClr>
+                </a:solidFill>
+                <a:latin typeface="Noto Sans KR" panose="020B0200000000000000" pitchFamily="50" charset="-127"/>
+                <a:ea typeface="Noto Sans KR" panose="020B0200000000000000" pitchFamily="50" charset="-127"/>
+              </a:rPr>
+              <a:t>제공함으로써 사용자의 퍼포먼스를 가늠할 수 있게 도와준다</a:t>
+            </a:r>
+            <a:r>
+              <a:rPr lang="en-US" altLang="ko-KR" sz="1500" spc="-50" dirty="0">
+                <a:ln>
+                  <a:solidFill>
+                    <a:srgbClr val="5F0080">
+                      <a:alpha val="0"/>
+                    </a:srgbClr>
+                  </a:solidFill>
+                </a:ln>
+                <a:solidFill>
+                  <a:schemeClr val="tx1">
+                    <a:lumMod val="85000"/>
+                    <a:lumOff val="15000"/>
+                  </a:schemeClr>
+                </a:solidFill>
+                <a:latin typeface="Noto Sans KR" panose="020B0200000000000000" pitchFamily="50" charset="-127"/>
+                <a:ea typeface="Noto Sans KR" panose="020B0200000000000000" pitchFamily="50" charset="-127"/>
+              </a:rPr>
+              <a:t>.</a:t>
+            </a:r>
+            <a:endParaRPr lang="ko-KR" altLang="en-US" sz="1500" spc="-50" dirty="0">
+              <a:ln>
+                <a:solidFill>
+                  <a:srgbClr val="5F0080">
+                    <a:alpha val="0"/>
+                  </a:srgbClr>
+                </a:solidFill>
+              </a:ln>
+              <a:solidFill>
+                <a:schemeClr val="tx1">
+                  <a:lumMod val="85000"/>
+                  <a:lumOff val="15000"/>
+                </a:schemeClr>
+              </a:solidFill>
+              <a:latin typeface="Noto Sans KR" panose="020B0200000000000000" pitchFamily="50" charset="-127"/>
+              <a:ea typeface="Noto Sans KR" panose="020B0200000000000000" pitchFamily="50" charset="-127"/>
+            </a:endParaRPr>
+          </a:p>
+        </p:txBody>
+      </p:sp>
+      <p:sp>
+        <p:nvSpPr>
+          <p:cNvPr id="24" name="TextBox 23">
+            <a:extLst>
+              <a:ext uri="{FF2B5EF4-FFF2-40B4-BE49-F238E27FC236}">
+                <a16:creationId xmlns:a16="http://schemas.microsoft.com/office/drawing/2014/main" id="{2EC91375-63AF-4292-AFA1-D258D12CC67B}"/>
+              </a:ext>
+            </a:extLst>
+          </p:cNvPr>
+          <p:cNvSpPr txBox="1"/>
+          <p:nvPr/>
+        </p:nvSpPr>
+        <p:spPr>
+          <a:xfrm>
+            <a:off x="4869255" y="4819947"/>
+            <a:ext cx="4935967" cy="1407821"/>
+          </a:xfrm>
+          <a:prstGeom prst="rect">
+            <a:avLst/>
+          </a:prstGeom>
+          <a:noFill/>
+        </p:spPr>
+        <p:txBody>
+          <a:bodyPr wrap="none" rtlCol="0">
+            <a:spAutoFit/>
+          </a:bodyPr>
+          <a:lstStyle/>
+          <a:p>
+            <a:pPr marL="285750" indent="-285750">
+              <a:lnSpc>
+                <a:spcPct val="120000"/>
+              </a:lnSpc>
+              <a:spcAft>
+                <a:spcPts val="600"/>
+              </a:spcAft>
+              <a:buFont typeface="Wingdings" panose="05000000000000000000" pitchFamily="2" charset="2"/>
+              <a:buChar char="ü"/>
+            </a:pPr>
+            <a:r>
+              <a:rPr lang="ko-KR" altLang="en-US" sz="1500" spc="-50" dirty="0">
+                <a:ln>
+                  <a:solidFill>
+                    <a:srgbClr val="5F0080">
+                      <a:alpha val="0"/>
+                    </a:srgbClr>
+                  </a:solidFill>
+                </a:ln>
+                <a:solidFill>
+                  <a:schemeClr val="tx1">
+                    <a:lumMod val="85000"/>
+                    <a:lumOff val="15000"/>
+                  </a:schemeClr>
+                </a:solidFill>
+                <a:latin typeface="Noto Sans KR" panose="020B0200000000000000" pitchFamily="50" charset="-127"/>
+                <a:ea typeface="Noto Sans KR" panose="020B0200000000000000" pitchFamily="50" charset="-127"/>
+              </a:rPr>
+              <a:t>결과값의 일관성을 유지한다</a:t>
+            </a:r>
+          </a:p>
+          <a:p>
+            <a:pPr marL="285750" indent="-285750">
+              <a:lnSpc>
+                <a:spcPct val="120000"/>
+              </a:lnSpc>
+              <a:spcAft>
+                <a:spcPts val="600"/>
+              </a:spcAft>
+              <a:buFont typeface="Wingdings" panose="05000000000000000000" pitchFamily="2" charset="2"/>
+              <a:buChar char="ü"/>
+            </a:pPr>
+            <a:r>
+              <a:rPr lang="ko-KR" altLang="en-US" sz="1500" spc="-50" dirty="0">
+                <a:ln>
+                  <a:solidFill>
+                    <a:srgbClr val="5F0080">
+                      <a:alpha val="0"/>
+                    </a:srgbClr>
+                  </a:solidFill>
+                </a:ln>
+                <a:solidFill>
+                  <a:schemeClr val="tx1">
+                    <a:lumMod val="85000"/>
+                    <a:lumOff val="15000"/>
+                  </a:schemeClr>
+                </a:solidFill>
+                <a:latin typeface="Noto Sans KR" panose="020B0200000000000000" pitchFamily="50" charset="-127"/>
+                <a:ea typeface="Noto Sans KR" panose="020B0200000000000000" pitchFamily="50" charset="-127"/>
+              </a:rPr>
+              <a:t>보편적인 사용성을 추구한다</a:t>
+            </a:r>
+          </a:p>
+          <a:p>
+            <a:pPr marL="285750" indent="-285750">
+              <a:lnSpc>
+                <a:spcPct val="120000"/>
+              </a:lnSpc>
+              <a:spcAft>
+                <a:spcPts val="600"/>
+              </a:spcAft>
+              <a:buFont typeface="Wingdings" panose="05000000000000000000" pitchFamily="2" charset="2"/>
+              <a:buChar char="ü"/>
+            </a:pPr>
+            <a:r>
+              <a:rPr lang="ko-KR" altLang="en-US" sz="1500" spc="-50" dirty="0">
+                <a:ln>
+                  <a:solidFill>
+                    <a:srgbClr val="5F0080">
+                      <a:alpha val="0"/>
+                    </a:srgbClr>
+                  </a:solidFill>
+                </a:ln>
+                <a:solidFill>
+                  <a:schemeClr val="tx1">
+                    <a:lumMod val="85000"/>
+                    <a:lumOff val="15000"/>
+                  </a:schemeClr>
+                </a:solidFill>
+                <a:latin typeface="Noto Sans KR" panose="020B0200000000000000" pitchFamily="50" charset="-127"/>
+                <a:ea typeface="Noto Sans KR" panose="020B0200000000000000" pitchFamily="50" charset="-127"/>
+              </a:rPr>
+              <a:t>유용한 피드백을 제공한다</a:t>
+            </a:r>
+          </a:p>
+          <a:p>
+            <a:pPr marL="285750" indent="-285750">
+              <a:lnSpc>
+                <a:spcPct val="120000"/>
+              </a:lnSpc>
+              <a:spcAft>
+                <a:spcPts val="600"/>
+              </a:spcAft>
+              <a:buFont typeface="Wingdings" panose="05000000000000000000" pitchFamily="2" charset="2"/>
+              <a:buChar char="ü"/>
+            </a:pPr>
+            <a:r>
+              <a:rPr lang="ko-KR" altLang="en-US" sz="1500" spc="-50" dirty="0">
+                <a:ln>
+                  <a:solidFill>
+                    <a:srgbClr val="5F0080">
+                      <a:alpha val="0"/>
+                    </a:srgbClr>
+                  </a:solidFill>
+                </a:ln>
+                <a:solidFill>
+                  <a:schemeClr val="tx1">
+                    <a:lumMod val="85000"/>
+                    <a:lumOff val="15000"/>
+                  </a:schemeClr>
+                </a:solidFill>
+                <a:latin typeface="Noto Sans KR" panose="020B0200000000000000" pitchFamily="50" charset="-127"/>
+                <a:ea typeface="Noto Sans KR" panose="020B0200000000000000" pitchFamily="50" charset="-127"/>
+              </a:rPr>
+              <a:t>저장 슬롯을 제공하여 쉽게 원하는 장비로 되돌아갈 수 있다</a:t>
+            </a:r>
+            <a:endParaRPr lang="en-US" altLang="ko-KR" sz="1500" spc="-50" dirty="0">
+              <a:ln>
+                <a:solidFill>
+                  <a:srgbClr val="5F0080">
+                    <a:alpha val="0"/>
+                  </a:srgbClr>
+                </a:solidFill>
+              </a:ln>
+              <a:solidFill>
+                <a:schemeClr val="tx1">
+                  <a:lumMod val="85000"/>
+                  <a:lumOff val="15000"/>
+                </a:schemeClr>
+              </a:solidFill>
+              <a:latin typeface="Noto Sans KR" panose="020B0200000000000000" pitchFamily="50" charset="-127"/>
+              <a:ea typeface="Noto Sans KR" panose="020B0200000000000000" pitchFamily="50" charset="-127"/>
+            </a:endParaRPr>
+          </a:p>
+        </p:txBody>
+      </p:sp>
       <p:pic>
         <p:nvPicPr>
-          <p:cNvPr id="11" name="그림 10">
-            <a:extLst>
-              <a:ext uri="{FF2B5EF4-FFF2-40B4-BE49-F238E27FC236}">
-                <a16:creationId xmlns:a16="http://schemas.microsoft.com/office/drawing/2014/main" id="{6B5D31B2-B875-C802-FE83-6977BCE345E3}"/>
+          <p:cNvPr id="5" name="그림 4">
+            <a:extLst>
+              <a:ext uri="{FF2B5EF4-FFF2-40B4-BE49-F238E27FC236}">
+                <a16:creationId xmlns:a16="http://schemas.microsoft.com/office/drawing/2014/main" id="{977974D2-5DE5-48FC-C0B6-9C4C41301400}"/>
               </a:ext>
             </a:extLst>
           </p:cNvPr>
@@ -9395,59 +8133,18 @@
         </p:blipFill>
         <p:spPr>
           <a:xfrm>
-            <a:off x="4095345" y="1620076"/>
-            <a:ext cx="6463557" cy="3617839"/>
+            <a:off x="4869255" y="2954303"/>
+            <a:ext cx="3655423" cy="1512496"/>
           </a:xfrm>
           <a:prstGeom prst="rect">
             <a:avLst/>
           </a:prstGeom>
-        </p:spPr>
-      </p:pic>
-      <p:pic>
-        <p:nvPicPr>
-          <p:cNvPr id="5" name="그림 4" descr="노트북 투명 GIF.gif">
-            <a:extLst>
-              <a:ext uri="{FF2B5EF4-FFF2-40B4-BE49-F238E27FC236}">
-                <a16:creationId xmlns:a16="http://schemas.microsoft.com/office/drawing/2014/main" id="{5F064BCD-7F06-EE19-6FFC-3AD12E361C33}"/>
-              </a:ext>
-              <a:ext uri="{C183D7F6-B498-43B3-948B-1728B52AA6E4}">
-                <adec:decorative xmlns:adec="http://schemas.microsoft.com/office/drawing/2017/decorative" val="0"/>
-              </a:ext>
-            </a:extLst>
-          </p:cNvPr>
-          <p:cNvPicPr>
-            <a:picLocks noChangeAspect="1"/>
-          </p:cNvPicPr>
-          <p:nvPr/>
-        </p:nvPicPr>
-        <p:blipFill>
-          <a:blip r:embed="rId3"/>
-          <a:srcRect r="10769"/>
-          <a:stretch>
-            <a:fillRect/>
-          </a:stretch>
-        </p:blipFill>
-        <p:spPr bwMode="auto">
-          <a:xfrm>
-            <a:off x="2540000" y="1136073"/>
-            <a:ext cx="9494982" cy="5107709"/>
-          </a:xfrm>
-          <a:prstGeom prst="rect">
-            <a:avLst/>
-          </a:prstGeom>
-          <a:effectLst>
-            <a:outerShdw blurRad="50800" dist="38100" dir="5400000" algn="t" rotWithShape="0">
-              <a:prstClr val="black">
-                <a:alpha val="40000"/>
-              </a:prstClr>
-            </a:outerShdw>
-          </a:effectLst>
         </p:spPr>
       </p:pic>
     </p:spTree>
     <p:extLst>
       <p:ext uri="{BB962C8B-B14F-4D97-AF65-F5344CB8AC3E}">
-        <p14:creationId xmlns:p14="http://schemas.microsoft.com/office/powerpoint/2010/main" val="3605765956"/>
+        <p14:creationId xmlns:p14="http://schemas.microsoft.com/office/powerpoint/2010/main" val="3009794355"/>
       </p:ext>
     </p:extLst>
   </p:cSld>
@@ -9487,9 +8184,9 @@
           <p:nvPr/>
         </p:nvSpPr>
         <p:spPr>
-          <a:xfrm>
-            <a:off x="0" y="3051060"/>
-            <a:ext cx="12192001" cy="2506672"/>
+          <a:xfrm flipV="1">
+            <a:off x="-1" y="3429000"/>
+            <a:ext cx="12192001" cy="3428999"/>
           </a:xfrm>
           <a:prstGeom prst="rect">
             <a:avLst/>
@@ -9530,156 +8227,10 @@
       </p:sp>
       <p:sp>
         <p:nvSpPr>
-          <p:cNvPr id="22" name="TextBox 21">
-            <a:extLst>
-              <a:ext uri="{FF2B5EF4-FFF2-40B4-BE49-F238E27FC236}">
-                <a16:creationId xmlns:a16="http://schemas.microsoft.com/office/drawing/2014/main" id="{555A23D9-0E6E-4436-B3B4-BD47EF89C488}"/>
-              </a:ext>
-            </a:extLst>
-          </p:cNvPr>
-          <p:cNvSpPr txBox="1"/>
-          <p:nvPr/>
-        </p:nvSpPr>
-        <p:spPr>
-          <a:xfrm>
-            <a:off x="1787857" y="330323"/>
-            <a:ext cx="1097620" cy="372655"/>
-          </a:xfrm>
-          <a:prstGeom prst="rect">
-            <a:avLst/>
-          </a:prstGeom>
-          <a:noFill/>
-        </p:spPr>
-        <p:txBody>
-          <a:bodyPr wrap="none" rtlCol="0" anchor="ctr">
-            <a:noAutofit/>
-          </a:bodyPr>
-          <a:lstStyle/>
-          <a:p>
-            <a:pPr algn="ctr">
-              <a:lnSpc>
-                <a:spcPct val="110000"/>
-              </a:lnSpc>
-            </a:pPr>
-            <a:r>
-              <a:rPr lang="en-US" altLang="ko-KR" sz="2800" b="1" spc="-80" dirty="0">
-                <a:ln>
-                  <a:solidFill>
-                    <a:srgbClr val="5F0080">
-                      <a:alpha val="0"/>
-                    </a:srgbClr>
-                  </a:solidFill>
-                </a:ln>
-                <a:solidFill>
-                  <a:schemeClr val="tx1">
-                    <a:lumMod val="85000"/>
-                    <a:lumOff val="15000"/>
-                  </a:schemeClr>
-                </a:solidFill>
-                <a:latin typeface="Noto Sans KR" panose="020B0200000000000000" pitchFamily="50" charset="-127"/>
-                <a:ea typeface="Noto Sans KR" panose="020B0200000000000000" pitchFamily="50" charset="-127"/>
-              </a:rPr>
-              <a:t>Step </a:t>
-            </a:r>
-            <a:r>
-              <a:rPr lang="en-US" altLang="ko-KR" sz="2800" b="1" spc="-80" dirty="0">
-                <a:ln>
-                  <a:solidFill>
-                    <a:srgbClr val="5F0080">
-                      <a:alpha val="0"/>
-                    </a:srgbClr>
-                  </a:solidFill>
-                </a:ln>
-                <a:solidFill>
-                  <a:srgbClr val="5F0080"/>
-                </a:solidFill>
-                <a:latin typeface="Noto Sans KR" panose="020B0200000000000000" pitchFamily="50" charset="-127"/>
-                <a:ea typeface="Noto Sans KR" panose="020B0200000000000000" pitchFamily="50" charset="-127"/>
-              </a:rPr>
-              <a:t>1</a:t>
-            </a:r>
-          </a:p>
-        </p:txBody>
-      </p:sp>
-      <p:sp>
-        <p:nvSpPr>
-          <p:cNvPr id="23" name="TextBox 22">
-            <a:extLst>
-              <a:ext uri="{FF2B5EF4-FFF2-40B4-BE49-F238E27FC236}">
-                <a16:creationId xmlns:a16="http://schemas.microsoft.com/office/drawing/2014/main" id="{9A35CA04-0E13-4897-BA83-005ABEAAD9C1}"/>
-              </a:ext>
-            </a:extLst>
-          </p:cNvPr>
-          <p:cNvSpPr txBox="1"/>
-          <p:nvPr/>
-        </p:nvSpPr>
-        <p:spPr>
-          <a:xfrm>
-            <a:off x="8072673" y="338766"/>
-            <a:ext cx="1097620" cy="372655"/>
-          </a:xfrm>
-          <a:prstGeom prst="rect">
-            <a:avLst/>
-          </a:prstGeom>
-          <a:noFill/>
-        </p:spPr>
-        <p:txBody>
-          <a:bodyPr wrap="none" rtlCol="0" anchor="ctr">
-            <a:noAutofit/>
-          </a:bodyPr>
-          <a:lstStyle/>
-          <a:p>
-            <a:pPr algn="ctr">
-              <a:lnSpc>
-                <a:spcPct val="110000"/>
-              </a:lnSpc>
-            </a:pPr>
-            <a:r>
-              <a:rPr lang="en-US" altLang="ko-KR" sz="2800" b="1" spc="-80" dirty="0">
-                <a:ln>
-                  <a:solidFill>
-                    <a:srgbClr val="5F0080">
-                      <a:alpha val="0"/>
-                    </a:srgbClr>
-                  </a:solidFill>
-                </a:ln>
-                <a:solidFill>
-                  <a:schemeClr val="tx1">
-                    <a:lumMod val="85000"/>
-                    <a:lumOff val="15000"/>
-                  </a:schemeClr>
-                </a:solidFill>
-                <a:latin typeface="Noto Sans KR" panose="020B0200000000000000" pitchFamily="50" charset="-127"/>
-                <a:ea typeface="Noto Sans KR" panose="020B0200000000000000" pitchFamily="50" charset="-127"/>
-              </a:rPr>
-              <a:t>Step </a:t>
-            </a:r>
-            <a:r>
-              <a:rPr lang="en-US" altLang="ko-KR" sz="2800" b="1" spc="-80" dirty="0">
-                <a:ln>
-                  <a:solidFill>
-                    <a:srgbClr val="5F0080">
-                      <a:alpha val="0"/>
-                    </a:srgbClr>
-                  </a:solidFill>
-                </a:ln>
-                <a:solidFill>
-                  <a:srgbClr val="5F0080"/>
-                </a:solidFill>
-                <a:latin typeface="Noto Sans KR" panose="020B0200000000000000" pitchFamily="50" charset="-127"/>
-                <a:ea typeface="Noto Sans KR" panose="020B0200000000000000" pitchFamily="50" charset="-127"/>
-              </a:rPr>
-              <a:t>2</a:t>
-            </a:r>
-          </a:p>
-        </p:txBody>
-      </p:sp>
-      <p:sp>
-        <p:nvSpPr>
-          <p:cNvPr id="32" name="직사각형 31">
-            <a:extLst>
-              <a:ext uri="{FF2B5EF4-FFF2-40B4-BE49-F238E27FC236}">
-                <a16:creationId xmlns:a16="http://schemas.microsoft.com/office/drawing/2014/main" id="{DF506191-7123-4B7A-82AE-2E95C3BCF629}"/>
+          <p:cNvPr id="21" name="직사각형 20">
+            <a:extLst>
+              <a:ext uri="{FF2B5EF4-FFF2-40B4-BE49-F238E27FC236}">
+                <a16:creationId xmlns:a16="http://schemas.microsoft.com/office/drawing/2014/main" id="{027BA219-B386-4835-83B6-EC8AA96BA769}"/>
               </a:ext>
             </a:extLst>
           </p:cNvPr>
@@ -9689,13 +8240,13 @@
         <p:spPr>
           <a:xfrm>
             <a:off x="0" y="0"/>
-            <a:ext cx="12192000" cy="184941"/>
+            <a:ext cx="2682240" cy="6857999"/>
           </a:xfrm>
           <a:prstGeom prst="rect">
             <a:avLst/>
           </a:prstGeom>
           <a:solidFill>
-            <a:srgbClr val="5F0080"/>
+            <a:srgbClr val="00B0F0"/>
           </a:solidFill>
           <a:ln>
             <a:noFill/>
@@ -9726,12 +8277,513 @@
           </a:p>
         </p:txBody>
       </p:sp>
+      <p:sp>
+        <p:nvSpPr>
+          <p:cNvPr id="24" name="TextBox 23">
+            <a:extLst>
+              <a:ext uri="{FF2B5EF4-FFF2-40B4-BE49-F238E27FC236}">
+                <a16:creationId xmlns:a16="http://schemas.microsoft.com/office/drawing/2014/main" id="{2EC91375-63AF-4292-AFA1-D258D12CC67B}"/>
+              </a:ext>
+            </a:extLst>
+          </p:cNvPr>
+          <p:cNvSpPr txBox="1"/>
+          <p:nvPr/>
+        </p:nvSpPr>
+        <p:spPr>
+          <a:xfrm>
+            <a:off x="4217556" y="4815681"/>
+            <a:ext cx="7398179" cy="1852558"/>
+          </a:xfrm>
+          <a:prstGeom prst="rect">
+            <a:avLst/>
+          </a:prstGeom>
+          <a:noFill/>
+        </p:spPr>
+        <p:txBody>
+          <a:bodyPr wrap="none" rtlCol="0">
+            <a:spAutoFit/>
+          </a:bodyPr>
+          <a:lstStyle/>
+          <a:p>
+            <a:pPr>
+              <a:lnSpc>
+                <a:spcPct val="120000"/>
+              </a:lnSpc>
+              <a:spcAft>
+                <a:spcPts val="600"/>
+              </a:spcAft>
+            </a:pPr>
+            <a:r>
+              <a:rPr lang="en-US" altLang="ko-KR" sz="1600" b="1" spc="-50" dirty="0">
+                <a:ln>
+                  <a:solidFill>
+                    <a:srgbClr val="5F0080">
+                      <a:alpha val="0"/>
+                    </a:srgbClr>
+                  </a:solidFill>
+                </a:ln>
+                <a:solidFill>
+                  <a:srgbClr val="0070C0"/>
+                </a:solidFill>
+                <a:latin typeface="Noto Sans KR" panose="020B0200000000000000" pitchFamily="50" charset="-127"/>
+                <a:ea typeface="Noto Sans KR" panose="020B0200000000000000" pitchFamily="50" charset="-127"/>
+              </a:rPr>
+              <a:t>1.</a:t>
+            </a:r>
+            <a:r>
+              <a:rPr lang="en-US" altLang="ko-KR" sz="1600" spc="-50" dirty="0">
+                <a:ln>
+                  <a:solidFill>
+                    <a:srgbClr val="5F0080">
+                      <a:alpha val="0"/>
+                    </a:srgbClr>
+                  </a:solidFill>
+                </a:ln>
+                <a:solidFill>
+                  <a:schemeClr val="tx1">
+                    <a:lumMod val="85000"/>
+                    <a:lumOff val="15000"/>
+                  </a:schemeClr>
+                </a:solidFill>
+                <a:latin typeface="Noto Sans KR" panose="020B0200000000000000" pitchFamily="50" charset="-127"/>
+                <a:ea typeface="Noto Sans KR" panose="020B0200000000000000" pitchFamily="50" charset="-127"/>
+              </a:rPr>
+              <a:t> </a:t>
+            </a:r>
+            <a:r>
+              <a:rPr lang="ko-KR" altLang="en-US" sz="1600" spc="-50" dirty="0">
+                <a:ln>
+                  <a:solidFill>
+                    <a:srgbClr val="5F0080">
+                      <a:alpha val="0"/>
+                    </a:srgbClr>
+                  </a:solidFill>
+                </a:ln>
+                <a:solidFill>
+                  <a:schemeClr val="tx1">
+                    <a:lumMod val="85000"/>
+                    <a:lumOff val="15000"/>
+                  </a:schemeClr>
+                </a:solidFill>
+                <a:latin typeface="Noto Sans KR" panose="020B0200000000000000" pitchFamily="50" charset="-127"/>
+                <a:ea typeface="Noto Sans KR" panose="020B0200000000000000" pitchFamily="50" charset="-127"/>
+              </a:rPr>
+              <a:t>사용자가 원하는 직업을 선택할 수 있습니다</a:t>
+            </a:r>
+            <a:r>
+              <a:rPr lang="en-US" altLang="ko-KR" sz="1600" spc="-50" dirty="0">
+                <a:ln>
+                  <a:solidFill>
+                    <a:srgbClr val="5F0080">
+                      <a:alpha val="0"/>
+                    </a:srgbClr>
+                  </a:solidFill>
+                </a:ln>
+                <a:solidFill>
+                  <a:schemeClr val="tx1">
+                    <a:lumMod val="85000"/>
+                    <a:lumOff val="15000"/>
+                  </a:schemeClr>
+                </a:solidFill>
+                <a:latin typeface="Noto Sans KR" panose="020B0200000000000000" pitchFamily="50" charset="-127"/>
+                <a:ea typeface="Noto Sans KR" panose="020B0200000000000000" pitchFamily="50" charset="-127"/>
+              </a:rPr>
+              <a:t>.</a:t>
+            </a:r>
+            <a:endParaRPr lang="ko-KR" altLang="en-US" sz="1600" spc="-50" dirty="0">
+              <a:ln>
+                <a:solidFill>
+                  <a:srgbClr val="5F0080">
+                    <a:alpha val="0"/>
+                  </a:srgbClr>
+                </a:solidFill>
+              </a:ln>
+              <a:solidFill>
+                <a:schemeClr val="tx1">
+                  <a:lumMod val="85000"/>
+                  <a:lumOff val="15000"/>
+                </a:schemeClr>
+              </a:solidFill>
+              <a:latin typeface="Noto Sans KR" panose="020B0200000000000000" pitchFamily="50" charset="-127"/>
+              <a:ea typeface="Noto Sans KR" panose="020B0200000000000000" pitchFamily="50" charset="-127"/>
+            </a:endParaRPr>
+          </a:p>
+          <a:p>
+            <a:pPr>
+              <a:lnSpc>
+                <a:spcPct val="120000"/>
+              </a:lnSpc>
+              <a:spcAft>
+                <a:spcPts val="600"/>
+              </a:spcAft>
+            </a:pPr>
+            <a:r>
+              <a:rPr lang="en-US" altLang="ko-KR" sz="1600" b="1" spc="-50" dirty="0">
+                <a:ln>
+                  <a:solidFill>
+                    <a:srgbClr val="5F0080">
+                      <a:alpha val="0"/>
+                    </a:srgbClr>
+                  </a:solidFill>
+                </a:ln>
+                <a:solidFill>
+                  <a:srgbClr val="0070C0"/>
+                </a:solidFill>
+                <a:latin typeface="Noto Sans KR" panose="020B0200000000000000" pitchFamily="50" charset="-127"/>
+                <a:ea typeface="Noto Sans KR" panose="020B0200000000000000" pitchFamily="50" charset="-127"/>
+              </a:rPr>
+              <a:t>2.</a:t>
+            </a:r>
+            <a:r>
+              <a:rPr lang="en-US" altLang="ko-KR" sz="1600" b="1" spc="-50" dirty="0">
+                <a:ln>
+                  <a:solidFill>
+                    <a:srgbClr val="5F0080">
+                      <a:alpha val="0"/>
+                    </a:srgbClr>
+                  </a:solidFill>
+                </a:ln>
+                <a:solidFill>
+                  <a:schemeClr val="tx1">
+                    <a:lumMod val="85000"/>
+                    <a:lumOff val="15000"/>
+                  </a:schemeClr>
+                </a:solidFill>
+                <a:latin typeface="Noto Sans KR" panose="020B0200000000000000" pitchFamily="50" charset="-127"/>
+                <a:ea typeface="Noto Sans KR" panose="020B0200000000000000" pitchFamily="50" charset="-127"/>
+              </a:rPr>
+              <a:t> </a:t>
+            </a:r>
+            <a:r>
+              <a:rPr lang="ko-KR" altLang="en-US" sz="1600" spc="-50" dirty="0">
+                <a:ln>
+                  <a:solidFill>
+                    <a:srgbClr val="5F0080">
+                      <a:alpha val="0"/>
+                    </a:srgbClr>
+                  </a:solidFill>
+                </a:ln>
+                <a:solidFill>
+                  <a:schemeClr val="tx1">
+                    <a:lumMod val="85000"/>
+                    <a:lumOff val="15000"/>
+                  </a:schemeClr>
+                </a:solidFill>
+                <a:latin typeface="Noto Sans KR" panose="020B0200000000000000" pitchFamily="50" charset="-127"/>
+                <a:ea typeface="Noto Sans KR" panose="020B0200000000000000" pitchFamily="50" charset="-127"/>
+              </a:rPr>
+              <a:t>종족 특성을 선택할 수 있습니다</a:t>
+            </a:r>
+          </a:p>
+          <a:p>
+            <a:pPr>
+              <a:lnSpc>
+                <a:spcPct val="120000"/>
+              </a:lnSpc>
+              <a:spcAft>
+                <a:spcPts val="600"/>
+              </a:spcAft>
+            </a:pPr>
+            <a:r>
+              <a:rPr lang="en-US" altLang="ko-KR" sz="1600" b="1" spc="-50" dirty="0">
+                <a:ln>
+                  <a:solidFill>
+                    <a:srgbClr val="5F0080">
+                      <a:alpha val="0"/>
+                    </a:srgbClr>
+                  </a:solidFill>
+                </a:ln>
+                <a:solidFill>
+                  <a:srgbClr val="0070C0"/>
+                </a:solidFill>
+                <a:latin typeface="Noto Sans KR" panose="020B0200000000000000" pitchFamily="50" charset="-127"/>
+                <a:ea typeface="Noto Sans KR" panose="020B0200000000000000" pitchFamily="50" charset="-127"/>
+              </a:rPr>
+              <a:t>3.</a:t>
+            </a:r>
+            <a:r>
+              <a:rPr lang="en-US" altLang="ko-KR" sz="1600" spc="-50" dirty="0">
+                <a:ln>
+                  <a:solidFill>
+                    <a:srgbClr val="5F0080">
+                      <a:alpha val="0"/>
+                    </a:srgbClr>
+                  </a:solidFill>
+                </a:ln>
+                <a:solidFill>
+                  <a:schemeClr val="tx1">
+                    <a:lumMod val="85000"/>
+                    <a:lumOff val="15000"/>
+                  </a:schemeClr>
+                </a:solidFill>
+                <a:latin typeface="Noto Sans KR" panose="020B0200000000000000" pitchFamily="50" charset="-127"/>
+                <a:ea typeface="Noto Sans KR" panose="020B0200000000000000" pitchFamily="50" charset="-127"/>
+              </a:rPr>
+              <a:t> </a:t>
+            </a:r>
+            <a:r>
+              <a:rPr lang="ko-KR" altLang="en-US" sz="1600" spc="-50" dirty="0" err="1">
+                <a:ln>
+                  <a:solidFill>
+                    <a:srgbClr val="5F0080">
+                      <a:alpha val="0"/>
+                    </a:srgbClr>
+                  </a:solidFill>
+                </a:ln>
+                <a:solidFill>
+                  <a:schemeClr val="tx1">
+                    <a:lumMod val="85000"/>
+                    <a:lumOff val="15000"/>
+                  </a:schemeClr>
+                </a:solidFill>
+                <a:latin typeface="Noto Sans KR" panose="020B0200000000000000" pitchFamily="50" charset="-127"/>
+                <a:ea typeface="Noto Sans KR" panose="020B0200000000000000" pitchFamily="50" charset="-127"/>
+              </a:rPr>
+              <a:t>장비칸에</a:t>
+            </a:r>
+            <a:r>
+              <a:rPr lang="ko-KR" altLang="en-US" sz="1600" spc="-50" dirty="0">
+                <a:ln>
+                  <a:solidFill>
+                    <a:srgbClr val="5F0080">
+                      <a:alpha val="0"/>
+                    </a:srgbClr>
+                  </a:solidFill>
+                </a:ln>
+                <a:solidFill>
+                  <a:schemeClr val="tx1">
+                    <a:lumMod val="85000"/>
+                    <a:lumOff val="15000"/>
+                  </a:schemeClr>
+                </a:solidFill>
+                <a:latin typeface="Noto Sans KR" panose="020B0200000000000000" pitchFamily="50" charset="-127"/>
+                <a:ea typeface="Noto Sans KR" panose="020B0200000000000000" pitchFamily="50" charset="-127"/>
+              </a:rPr>
+              <a:t> 원하는 아이템을 선택할 수 있습니다</a:t>
+            </a:r>
+          </a:p>
+          <a:p>
+            <a:pPr>
+              <a:lnSpc>
+                <a:spcPct val="120000"/>
+              </a:lnSpc>
+              <a:spcAft>
+                <a:spcPts val="600"/>
+              </a:spcAft>
+            </a:pPr>
+            <a:r>
+              <a:rPr lang="en-US" altLang="ko-KR" sz="1600" b="1" spc="-50" dirty="0">
+                <a:ln>
+                  <a:solidFill>
+                    <a:srgbClr val="5F0080">
+                      <a:alpha val="0"/>
+                    </a:srgbClr>
+                  </a:solidFill>
+                </a:ln>
+                <a:solidFill>
+                  <a:srgbClr val="0070C0"/>
+                </a:solidFill>
+                <a:latin typeface="Noto Sans KR" panose="020B0200000000000000" pitchFamily="50" charset="-127"/>
+                <a:ea typeface="Noto Sans KR" panose="020B0200000000000000" pitchFamily="50" charset="-127"/>
+              </a:rPr>
+              <a:t>4.</a:t>
+            </a:r>
+            <a:r>
+              <a:rPr lang="en-US" altLang="ko-KR" sz="1600" spc="-50" dirty="0">
+                <a:ln>
+                  <a:solidFill>
+                    <a:srgbClr val="5F0080">
+                      <a:alpha val="0"/>
+                    </a:srgbClr>
+                  </a:solidFill>
+                </a:ln>
+                <a:solidFill>
+                  <a:schemeClr val="tx1">
+                    <a:lumMod val="85000"/>
+                    <a:lumOff val="15000"/>
+                  </a:schemeClr>
+                </a:solidFill>
+                <a:latin typeface="Noto Sans KR" panose="020B0200000000000000" pitchFamily="50" charset="-127"/>
+                <a:ea typeface="Noto Sans KR" panose="020B0200000000000000" pitchFamily="50" charset="-127"/>
+              </a:rPr>
+              <a:t> </a:t>
+            </a:r>
+            <a:r>
+              <a:rPr lang="ko-KR" altLang="en-US" sz="1600" spc="-50" dirty="0">
+                <a:ln>
+                  <a:solidFill>
+                    <a:srgbClr val="5F0080">
+                      <a:alpha val="0"/>
+                    </a:srgbClr>
+                  </a:solidFill>
+                </a:ln>
+                <a:solidFill>
+                  <a:schemeClr val="tx1">
+                    <a:lumMod val="85000"/>
+                    <a:lumOff val="15000"/>
+                  </a:schemeClr>
+                </a:solidFill>
+                <a:latin typeface="Noto Sans KR" panose="020B0200000000000000" pitchFamily="50" charset="-127"/>
+                <a:ea typeface="Noto Sans KR" panose="020B0200000000000000" pitchFamily="50" charset="-127"/>
+              </a:rPr>
+              <a:t>각 장비의 </a:t>
+            </a:r>
+            <a:r>
+              <a:rPr lang="ko-KR" altLang="en-US" sz="1600" spc="-50" dirty="0" err="1">
+                <a:ln>
+                  <a:solidFill>
+                    <a:srgbClr val="5F0080">
+                      <a:alpha val="0"/>
+                    </a:srgbClr>
+                  </a:solidFill>
+                </a:ln>
+                <a:solidFill>
+                  <a:schemeClr val="tx1">
+                    <a:lumMod val="85000"/>
+                    <a:lumOff val="15000"/>
+                  </a:schemeClr>
+                </a:solidFill>
+                <a:latin typeface="Noto Sans KR" panose="020B0200000000000000" pitchFamily="50" charset="-127"/>
+                <a:ea typeface="Noto Sans KR" panose="020B0200000000000000" pitchFamily="50" charset="-127"/>
+              </a:rPr>
+              <a:t>마테리아를</a:t>
+            </a:r>
+            <a:r>
+              <a:rPr lang="ko-KR" altLang="en-US" sz="1600" spc="-50" dirty="0">
+                <a:ln>
+                  <a:solidFill>
+                    <a:srgbClr val="5F0080">
+                      <a:alpha val="0"/>
+                    </a:srgbClr>
+                  </a:solidFill>
+                </a:ln>
+                <a:solidFill>
+                  <a:schemeClr val="tx1">
+                    <a:lumMod val="85000"/>
+                    <a:lumOff val="15000"/>
+                  </a:schemeClr>
+                </a:solidFill>
+                <a:latin typeface="Noto Sans KR" panose="020B0200000000000000" pitchFamily="50" charset="-127"/>
+                <a:ea typeface="Noto Sans KR" panose="020B0200000000000000" pitchFamily="50" charset="-127"/>
+              </a:rPr>
+              <a:t> 선택하는 창입니다</a:t>
+            </a:r>
+            <a:r>
+              <a:rPr lang="en-US" altLang="ko-KR" sz="1600" spc="-50" dirty="0">
+                <a:ln>
+                  <a:solidFill>
+                    <a:srgbClr val="5F0080">
+                      <a:alpha val="0"/>
+                    </a:srgbClr>
+                  </a:solidFill>
+                </a:ln>
+                <a:solidFill>
+                  <a:schemeClr val="tx1">
+                    <a:lumMod val="85000"/>
+                    <a:lumOff val="15000"/>
+                  </a:schemeClr>
+                </a:solidFill>
+                <a:latin typeface="Noto Sans KR" panose="020B0200000000000000" pitchFamily="50" charset="-127"/>
+                <a:ea typeface="Noto Sans KR" panose="020B0200000000000000" pitchFamily="50" charset="-127"/>
+              </a:rPr>
+              <a:t>.</a:t>
+            </a:r>
+          </a:p>
+          <a:p>
+            <a:pPr>
+              <a:lnSpc>
+                <a:spcPct val="120000"/>
+              </a:lnSpc>
+              <a:spcAft>
+                <a:spcPts val="600"/>
+              </a:spcAft>
+            </a:pPr>
+            <a:r>
+              <a:rPr lang="en-US" altLang="ko-KR" sz="1600" b="1" spc="-50" dirty="0">
+                <a:ln>
+                  <a:solidFill>
+                    <a:srgbClr val="5F0080">
+                      <a:alpha val="0"/>
+                    </a:srgbClr>
+                  </a:solidFill>
+                </a:ln>
+                <a:solidFill>
+                  <a:srgbClr val="0070C0"/>
+                </a:solidFill>
+                <a:latin typeface="Noto Sans KR" panose="020B0200000000000000" pitchFamily="50" charset="-127"/>
+                <a:ea typeface="Noto Sans KR" panose="020B0200000000000000" pitchFamily="50" charset="-127"/>
+              </a:rPr>
+              <a:t>5.</a:t>
+            </a:r>
+            <a:r>
+              <a:rPr lang="en-US" altLang="ko-KR" sz="1600" spc="-50" dirty="0">
+                <a:ln>
+                  <a:solidFill>
+                    <a:srgbClr val="5F0080">
+                      <a:alpha val="0"/>
+                    </a:srgbClr>
+                  </a:solidFill>
+                </a:ln>
+                <a:solidFill>
+                  <a:schemeClr val="tx1">
+                    <a:lumMod val="85000"/>
+                    <a:lumOff val="15000"/>
+                  </a:schemeClr>
+                </a:solidFill>
+                <a:latin typeface="Noto Sans KR" panose="020B0200000000000000" pitchFamily="50" charset="-127"/>
+                <a:ea typeface="Noto Sans KR" panose="020B0200000000000000" pitchFamily="50" charset="-127"/>
+              </a:rPr>
+              <a:t> </a:t>
+            </a:r>
+            <a:r>
+              <a:rPr lang="ko-KR" altLang="en-US" sz="1600" spc="-50" dirty="0">
+                <a:ln>
+                  <a:solidFill>
+                    <a:srgbClr val="5F0080">
+                      <a:alpha val="0"/>
+                    </a:srgbClr>
+                  </a:solidFill>
+                </a:ln>
+                <a:solidFill>
+                  <a:schemeClr val="tx1">
+                    <a:lumMod val="85000"/>
+                    <a:lumOff val="15000"/>
+                  </a:schemeClr>
+                </a:solidFill>
+                <a:latin typeface="Noto Sans KR" panose="020B0200000000000000" pitchFamily="50" charset="-127"/>
+                <a:ea typeface="Noto Sans KR" panose="020B0200000000000000" pitchFamily="50" charset="-127"/>
+              </a:rPr>
+              <a:t>저장 슬롯으로 세팅을 저장하고 언제든지 원할 때 간편하게 불러올 수 있는 기능입니다</a:t>
+            </a:r>
+            <a:r>
+              <a:rPr lang="en-US" altLang="ko-KR" sz="1200" spc="-50" dirty="0">
+                <a:ln>
+                  <a:solidFill>
+                    <a:srgbClr val="5F0080">
+                      <a:alpha val="0"/>
+                    </a:srgbClr>
+                  </a:solidFill>
+                </a:ln>
+                <a:solidFill>
+                  <a:schemeClr val="tx1">
+                    <a:lumMod val="85000"/>
+                    <a:lumOff val="15000"/>
+                  </a:schemeClr>
+                </a:solidFill>
+                <a:latin typeface="Noto Sans KR" panose="020B0200000000000000" pitchFamily="50" charset="-127"/>
+                <a:ea typeface="Noto Sans KR" panose="020B0200000000000000" pitchFamily="50" charset="-127"/>
+              </a:rPr>
+              <a:t>.</a:t>
+            </a:r>
+          </a:p>
+        </p:txBody>
+      </p:sp>
       <p:pic>
         <p:nvPicPr>
-          <p:cNvPr id="8" name="그림 7">
-            <a:extLst>
-              <a:ext uri="{FF2B5EF4-FFF2-40B4-BE49-F238E27FC236}">
-                <a16:creationId xmlns:a16="http://schemas.microsoft.com/office/drawing/2014/main" id="{9D8F1568-53D3-A0E7-ADD7-92396FE083E6}"/>
+          <p:cNvPr id="3" name="그림 2">
+            <a:extLst>
+              <a:ext uri="{FF2B5EF4-FFF2-40B4-BE49-F238E27FC236}">
+                <a16:creationId xmlns:a16="http://schemas.microsoft.com/office/drawing/2014/main" id="{448D9C8E-7E6C-010C-246B-2F9C06A65B1B}"/>
               </a:ext>
             </a:extLst>
           </p:cNvPr>
@@ -9748,274 +8800,20 @@
         </p:blipFill>
         <p:spPr>
           <a:xfrm>
-            <a:off x="648152" y="1424878"/>
-            <a:ext cx="3993744" cy="1862412"/>
+            <a:off x="3890977" y="1010009"/>
+            <a:ext cx="6463557" cy="3617840"/>
           </a:xfrm>
           <a:prstGeom prst="rect">
             <a:avLst/>
           </a:prstGeom>
         </p:spPr>
       </p:pic>
-      <p:pic>
-        <p:nvPicPr>
-          <p:cNvPr id="28" name="그림 27">
-            <a:extLst>
-              <a:ext uri="{FF2B5EF4-FFF2-40B4-BE49-F238E27FC236}">
-                <a16:creationId xmlns:a16="http://schemas.microsoft.com/office/drawing/2014/main" id="{301C65B4-C255-E348-0FC8-1B9C23C16D60}"/>
-              </a:ext>
-            </a:extLst>
-          </p:cNvPr>
-          <p:cNvPicPr>
-            <a:picLocks noChangeAspect="1"/>
-          </p:cNvPicPr>
-          <p:nvPr/>
-        </p:nvPicPr>
-        <p:blipFill>
-          <a:blip r:embed="rId3"/>
-          <a:stretch>
-            <a:fillRect/>
-          </a:stretch>
-        </p:blipFill>
-        <p:spPr>
-          <a:xfrm>
-            <a:off x="6365802" y="1363850"/>
-            <a:ext cx="5230737" cy="2251620"/>
-          </a:xfrm>
-          <a:prstGeom prst="rect">
-            <a:avLst/>
-          </a:prstGeom>
-        </p:spPr>
-      </p:pic>
-      <p:cxnSp>
-        <p:nvCxnSpPr>
-          <p:cNvPr id="24" name="직선 연결선 23">
-            <a:extLst>
-              <a:ext uri="{FF2B5EF4-FFF2-40B4-BE49-F238E27FC236}">
-                <a16:creationId xmlns:a16="http://schemas.microsoft.com/office/drawing/2014/main" id="{72C15A17-59F7-7BFD-3BD4-BD1F25D33EC2}"/>
-              </a:ext>
-            </a:extLst>
-          </p:cNvPr>
-          <p:cNvCxnSpPr>
-            <a:cxnSpLocks/>
-          </p:cNvCxnSpPr>
-          <p:nvPr/>
-        </p:nvCxnSpPr>
-        <p:spPr>
-          <a:xfrm>
-            <a:off x="5770340" y="46932"/>
-            <a:ext cx="0" cy="4441944"/>
-          </a:xfrm>
-          <a:prstGeom prst="line">
-            <a:avLst/>
-          </a:prstGeom>
-          <a:ln w="12700">
-            <a:solidFill>
-              <a:srgbClr val="5F0080"/>
-            </a:solidFill>
-          </a:ln>
-        </p:spPr>
-        <p:style>
-          <a:lnRef idx="1">
-            <a:schemeClr val="accent1"/>
-          </a:lnRef>
-          <a:fillRef idx="0">
-            <a:schemeClr val="accent1"/>
-          </a:fillRef>
-          <a:effectRef idx="0">
-            <a:schemeClr val="accent1"/>
-          </a:effectRef>
-          <a:fontRef idx="minor">
-            <a:schemeClr val="tx1"/>
-          </a:fontRef>
-        </p:style>
-      </p:cxnSp>
-      <p:cxnSp>
-        <p:nvCxnSpPr>
-          <p:cNvPr id="25" name="직선 연결선 24">
-            <a:extLst>
-              <a:ext uri="{FF2B5EF4-FFF2-40B4-BE49-F238E27FC236}">
-                <a16:creationId xmlns:a16="http://schemas.microsoft.com/office/drawing/2014/main" id="{921045EB-B08A-0D7C-CA5C-464197EEA7BC}"/>
-              </a:ext>
-            </a:extLst>
-          </p:cNvPr>
-          <p:cNvCxnSpPr>
-            <a:cxnSpLocks/>
-          </p:cNvCxnSpPr>
-          <p:nvPr/>
-        </p:nvCxnSpPr>
-        <p:spPr>
-          <a:xfrm rot="16200000">
-            <a:off x="4520074" y="5554662"/>
-            <a:ext cx="2500532" cy="0"/>
-          </a:xfrm>
-          <a:prstGeom prst="line">
-            <a:avLst/>
-          </a:prstGeom>
-          <a:ln w="12700">
-            <a:solidFill>
-              <a:schemeClr val="bg1"/>
-            </a:solidFill>
-          </a:ln>
-        </p:spPr>
-        <p:style>
-          <a:lnRef idx="1">
-            <a:schemeClr val="accent1"/>
-          </a:lnRef>
-          <a:fillRef idx="0">
-            <a:schemeClr val="accent1"/>
-          </a:fillRef>
-          <a:effectRef idx="0">
-            <a:schemeClr val="accent1"/>
-          </a:effectRef>
-          <a:fontRef idx="minor">
-            <a:schemeClr val="tx1"/>
-          </a:fontRef>
-        </p:style>
-      </p:cxnSp>
-      <p:sp>
-        <p:nvSpPr>
-          <p:cNvPr id="2" name="직사각형 1">
-            <a:extLst>
-              <a:ext uri="{FF2B5EF4-FFF2-40B4-BE49-F238E27FC236}">
-                <a16:creationId xmlns:a16="http://schemas.microsoft.com/office/drawing/2014/main" id="{BFC7B2DE-91D5-C3F0-6FBA-B6B121C766FD}"/>
-              </a:ext>
-            </a:extLst>
-          </p:cNvPr>
-          <p:cNvSpPr/>
-          <p:nvPr/>
-        </p:nvSpPr>
-        <p:spPr>
-          <a:xfrm>
-            <a:off x="0" y="4961434"/>
-            <a:ext cx="12192000" cy="1849633"/>
-          </a:xfrm>
-          <a:prstGeom prst="rect">
-            <a:avLst/>
-          </a:prstGeom>
-          <a:solidFill>
-            <a:srgbClr val="5F0080"/>
-          </a:solidFill>
-          <a:ln>
-            <a:noFill/>
-          </a:ln>
-        </p:spPr>
-        <p:style>
-          <a:lnRef idx="2">
-            <a:schemeClr val="accent1">
-              <a:shade val="50000"/>
-            </a:schemeClr>
-          </a:lnRef>
-          <a:fillRef idx="1">
-            <a:schemeClr val="accent1"/>
-          </a:fillRef>
-          <a:effectRef idx="0">
-            <a:schemeClr val="accent1"/>
-          </a:effectRef>
-          <a:fontRef idx="minor">
-            <a:schemeClr val="lt1"/>
-          </a:fontRef>
-        </p:style>
-        <p:txBody>
-          <a:bodyPr rtlCol="0" anchor="ctr"/>
-          <a:lstStyle/>
-          <a:p>
-            <a:pPr algn="ctr"/>
-            <a:endParaRPr lang="ko-KR" altLang="en-US"/>
-          </a:p>
-        </p:txBody>
-      </p:sp>
-      <p:cxnSp>
-        <p:nvCxnSpPr>
-          <p:cNvPr id="3" name="직선 연결선 2">
-            <a:extLst>
-              <a:ext uri="{FF2B5EF4-FFF2-40B4-BE49-F238E27FC236}">
-                <a16:creationId xmlns:a16="http://schemas.microsoft.com/office/drawing/2014/main" id="{F998D635-DCB5-0F0C-3863-87F559A71C5E}"/>
-              </a:ext>
-            </a:extLst>
-          </p:cNvPr>
-          <p:cNvCxnSpPr>
-            <a:cxnSpLocks/>
-          </p:cNvCxnSpPr>
-          <p:nvPr/>
-        </p:nvCxnSpPr>
-        <p:spPr>
-          <a:xfrm>
-            <a:off x="5770340" y="46932"/>
-            <a:ext cx="0" cy="4914502"/>
-          </a:xfrm>
-          <a:prstGeom prst="line">
-            <a:avLst/>
-          </a:prstGeom>
-          <a:ln w="12700">
-            <a:solidFill>
-              <a:srgbClr val="5F0080"/>
-            </a:solidFill>
-          </a:ln>
-        </p:spPr>
-        <p:style>
-          <a:lnRef idx="1">
-            <a:schemeClr val="accent1"/>
-          </a:lnRef>
-          <a:fillRef idx="0">
-            <a:schemeClr val="accent1"/>
-          </a:fillRef>
-          <a:effectRef idx="0">
-            <a:schemeClr val="accent1"/>
-          </a:effectRef>
-          <a:fontRef idx="minor">
-            <a:schemeClr val="tx1"/>
-          </a:fontRef>
-        </p:style>
-      </p:cxnSp>
-      <p:cxnSp>
-        <p:nvCxnSpPr>
-          <p:cNvPr id="4" name="직선 연결선 3">
-            <a:extLst>
-              <a:ext uri="{FF2B5EF4-FFF2-40B4-BE49-F238E27FC236}">
-                <a16:creationId xmlns:a16="http://schemas.microsoft.com/office/drawing/2014/main" id="{328FB144-C9C2-4774-C16E-72B5B128C39C}"/>
-              </a:ext>
-            </a:extLst>
-          </p:cNvPr>
-          <p:cNvCxnSpPr>
-            <a:cxnSpLocks/>
-          </p:cNvCxnSpPr>
-          <p:nvPr/>
-        </p:nvCxnSpPr>
-        <p:spPr>
-          <a:xfrm flipV="1">
-            <a:off x="5770340" y="4961434"/>
-            <a:ext cx="0" cy="1843494"/>
-          </a:xfrm>
-          <a:prstGeom prst="line">
-            <a:avLst/>
-          </a:prstGeom>
-          <a:ln w="12700">
-            <a:solidFill>
-              <a:schemeClr val="bg1"/>
-            </a:solidFill>
-          </a:ln>
-        </p:spPr>
-        <p:style>
-          <a:lnRef idx="1">
-            <a:schemeClr val="accent1"/>
-          </a:lnRef>
-          <a:fillRef idx="0">
-            <a:schemeClr val="accent1"/>
-          </a:fillRef>
-          <a:effectRef idx="0">
-            <a:schemeClr val="accent1"/>
-          </a:effectRef>
-          <a:fontRef idx="minor">
-            <a:schemeClr val="tx1"/>
-          </a:fontRef>
-        </p:style>
-      </p:cxnSp>
-      <p:sp>
-        <p:nvSpPr>
-          <p:cNvPr id="5" name="TextBox 4">
-            <a:extLst>
-              <a:ext uri="{FF2B5EF4-FFF2-40B4-BE49-F238E27FC236}">
-                <a16:creationId xmlns:a16="http://schemas.microsoft.com/office/drawing/2014/main" id="{66A2C71B-EA55-0987-31C7-C17748AB05B1}"/>
+      <p:sp>
+        <p:nvSpPr>
+          <p:cNvPr id="4" name="TextBox 3">
+            <a:extLst>
+              <a:ext uri="{FF2B5EF4-FFF2-40B4-BE49-F238E27FC236}">
+                <a16:creationId xmlns:a16="http://schemas.microsoft.com/office/drawing/2014/main" id="{B72AD964-6F1B-0D12-225D-98DE27E7E530}"/>
               </a:ext>
             </a:extLst>
           </p:cNvPr>
@@ -10024,8 +8822,8 @@
         </p:nvSpPr>
         <p:spPr>
           <a:xfrm>
-            <a:off x="552945" y="5066611"/>
-            <a:ext cx="4184159" cy="417487"/>
+            <a:off x="5090115" y="141578"/>
+            <a:ext cx="4583306" cy="565026"/>
           </a:xfrm>
           <a:prstGeom prst="rect">
             <a:avLst/>
@@ -10038,13 +8836,13 @@
           </a:bodyPr>
           <a:lstStyle/>
           <a:p>
-            <a:pPr algn="ctr">
+            <a:pPr>
               <a:lnSpc>
-                <a:spcPct val="130000"/>
+                <a:spcPct val="110000"/>
               </a:lnSpc>
             </a:pPr>
             <a:r>
-              <a:rPr lang="en-US" altLang="ko-KR" sz="1800" b="1" spc="-50" dirty="0">
+              <a:rPr lang="ko-KR" altLang="en-US" sz="3000" b="1" spc="-80" dirty="0">
                 <a:ln>
                   <a:solidFill>
                     <a:srgbClr val="5F0080">
@@ -10053,15 +8851,15 @@
                   </a:solidFill>
                 </a:ln>
                 <a:solidFill>
-                  <a:schemeClr val="bg1"/>
+                  <a:srgbClr val="00B0F0"/>
                 </a:solidFill>
                 <a:latin typeface="Noto Sans KR" panose="020B0200000000000000" pitchFamily="50" charset="-127"/>
                 <a:ea typeface="Noto Sans KR" panose="020B0200000000000000" pitchFamily="50" charset="-127"/>
               </a:rPr>
-              <a:t>Google</a:t>
-            </a:r>
-            <a:r>
-              <a:rPr lang="ko-KR" altLang="en-US" sz="1800" b="1" spc="-50" dirty="0">
+              <a:t>빠른 시뮬레이션 </a:t>
+            </a:r>
+            <a:r>
+              <a:rPr lang="ko-KR" altLang="en-US" sz="3000" b="1" spc="-80" dirty="0">
                 <a:ln>
                   <a:solidFill>
                     <a:srgbClr val="5F0080">
@@ -10070,48 +8868,17 @@
                   </a:solidFill>
                 </a:ln>
                 <a:solidFill>
-                  <a:schemeClr val="bg1"/>
+                  <a:schemeClr val="tx1">
+                    <a:lumMod val="85000"/>
+                    <a:lumOff val="15000"/>
+                  </a:schemeClr>
                 </a:solidFill>
                 <a:latin typeface="Noto Sans KR" panose="020B0200000000000000" pitchFamily="50" charset="-127"/>
                 <a:ea typeface="Noto Sans KR" panose="020B0200000000000000" pitchFamily="50" charset="-127"/>
               </a:rPr>
-              <a:t>에 </a:t>
-            </a:r>
-            <a:r>
-              <a:rPr lang="en-US" altLang="ko-KR" sz="1800" b="1" spc="-50" dirty="0">
-                <a:ln>
-                  <a:solidFill>
-                    <a:srgbClr val="5F0080">
-                      <a:alpha val="0"/>
-                    </a:srgbClr>
-                  </a:solidFill>
-                </a:ln>
-                <a:solidFill>
-                  <a:schemeClr val="bg1"/>
-                </a:solidFill>
-                <a:latin typeface="Noto Sans KR" panose="020B0200000000000000" pitchFamily="50" charset="-127"/>
-                <a:ea typeface="Noto Sans KR" panose="020B0200000000000000" pitchFamily="50" charset="-127"/>
-              </a:rPr>
-              <a:t>FFXIV SIMHELPER</a:t>
-            </a:r>
-            <a:r>
-              <a:rPr lang="ko-KR" altLang="en-US" sz="1800" b="1" spc="-50" dirty="0">
-                <a:ln>
-                  <a:solidFill>
-                    <a:srgbClr val="5F0080">
-                      <a:alpha val="0"/>
-                    </a:srgbClr>
-                  </a:solidFill>
-                </a:ln>
-                <a:solidFill>
-                  <a:schemeClr val="bg1"/>
-                </a:solidFill>
-                <a:latin typeface="Noto Sans KR" panose="020B0200000000000000" pitchFamily="50" charset="-127"/>
-                <a:ea typeface="Noto Sans KR" panose="020B0200000000000000" pitchFamily="50" charset="-127"/>
-              </a:rPr>
-              <a:t>를 검색한다</a:t>
-            </a:r>
-            <a:endParaRPr lang="en-US" altLang="ko-KR" sz="1800" b="1" spc="-50" dirty="0">
+              <a:t>인터페이스</a:t>
+            </a:r>
+            <a:endParaRPr lang="en-US" altLang="ko-KR" sz="3000" b="1" spc="-80" dirty="0">
               <a:ln>
                 <a:solidFill>
                   <a:srgbClr val="5F0080">
@@ -10120,7 +8887,7 @@
                 </a:solidFill>
               </a:ln>
               <a:solidFill>
-                <a:schemeClr val="bg1"/>
+                <a:srgbClr val="00B0F0"/>
               </a:solidFill>
               <a:latin typeface="Noto Sans KR" panose="020B0200000000000000" pitchFamily="50" charset="-127"/>
               <a:ea typeface="Noto Sans KR" panose="020B0200000000000000" pitchFamily="50" charset="-127"/>
@@ -10128,171 +8895,10 @@
           </a:p>
         </p:txBody>
       </p:sp>
-      <p:sp>
-        <p:nvSpPr>
-          <p:cNvPr id="6" name="TextBox 5">
-            <a:extLst>
-              <a:ext uri="{FF2B5EF4-FFF2-40B4-BE49-F238E27FC236}">
-                <a16:creationId xmlns:a16="http://schemas.microsoft.com/office/drawing/2014/main" id="{D5AB265E-FA30-889F-8864-BD9BD1E44882}"/>
-              </a:ext>
-            </a:extLst>
-          </p:cNvPr>
-          <p:cNvSpPr txBox="1"/>
-          <p:nvPr/>
-        </p:nvSpPr>
-        <p:spPr>
-          <a:xfrm>
-            <a:off x="6517914" y="5048529"/>
-            <a:ext cx="4716355" cy="453650"/>
-          </a:xfrm>
-          <a:prstGeom prst="rect">
-            <a:avLst/>
-          </a:prstGeom>
-          <a:noFill/>
-        </p:spPr>
-        <p:txBody>
-          <a:bodyPr wrap="none" rtlCol="0">
-            <a:spAutoFit/>
-          </a:bodyPr>
-          <a:lstStyle/>
-          <a:p>
-            <a:pPr algn="ctr">
-              <a:lnSpc>
-                <a:spcPct val="130000"/>
-              </a:lnSpc>
-            </a:pPr>
-            <a:r>
-              <a:rPr lang="ko-KR" altLang="en-US" sz="2000" b="1" spc="-50" dirty="0">
-                <a:ln>
-                  <a:solidFill>
-                    <a:srgbClr val="5F0080">
-                      <a:alpha val="0"/>
-                    </a:srgbClr>
-                  </a:solidFill>
-                </a:ln>
-                <a:solidFill>
-                  <a:schemeClr val="bg1"/>
-                </a:solidFill>
-                <a:latin typeface="Noto Sans KR" panose="020B0200000000000000" pitchFamily="50" charset="-127"/>
-                <a:ea typeface="Noto Sans KR" panose="020B0200000000000000" pitchFamily="50" charset="-127"/>
-              </a:rPr>
-              <a:t>검색창에서 </a:t>
-            </a:r>
-            <a:r>
-              <a:rPr lang="en-US" altLang="ko-KR" sz="2000" b="1" spc="-50" dirty="0">
-                <a:ln>
-                  <a:solidFill>
-                    <a:srgbClr val="5F0080">
-                      <a:alpha val="0"/>
-                    </a:srgbClr>
-                  </a:solidFill>
-                </a:ln>
-                <a:solidFill>
-                  <a:schemeClr val="bg1"/>
-                </a:solidFill>
-                <a:latin typeface="Noto Sans KR" panose="020B0200000000000000" pitchFamily="50" charset="-127"/>
-                <a:ea typeface="Noto Sans KR" panose="020B0200000000000000" pitchFamily="50" charset="-127"/>
-              </a:rPr>
-              <a:t>FFXIV SIMHELPER</a:t>
-            </a:r>
-            <a:r>
-              <a:rPr lang="ko-KR" altLang="en-US" sz="2000" b="1" spc="-50" dirty="0">
-                <a:ln>
-                  <a:solidFill>
-                    <a:srgbClr val="5F0080">
-                      <a:alpha val="0"/>
-                    </a:srgbClr>
-                  </a:solidFill>
-                </a:ln>
-                <a:solidFill>
-                  <a:schemeClr val="bg1"/>
-                </a:solidFill>
-                <a:latin typeface="Noto Sans KR" panose="020B0200000000000000" pitchFamily="50" charset="-127"/>
-                <a:ea typeface="Noto Sans KR" panose="020B0200000000000000" pitchFamily="50" charset="-127"/>
-              </a:rPr>
-              <a:t>를 클릭한다</a:t>
-            </a:r>
-            <a:endParaRPr lang="en-US" altLang="ko-KR" sz="2000" b="1" spc="-50" dirty="0">
-              <a:ln>
-                <a:solidFill>
-                  <a:srgbClr val="5F0080">
-                    <a:alpha val="0"/>
-                  </a:srgbClr>
-                </a:solidFill>
-              </a:ln>
-              <a:solidFill>
-                <a:schemeClr val="bg1"/>
-              </a:solidFill>
-              <a:latin typeface="Noto Sans KR" panose="020B0200000000000000" pitchFamily="50" charset="-127"/>
-              <a:ea typeface="Noto Sans KR" panose="020B0200000000000000" pitchFamily="50" charset="-127"/>
-            </a:endParaRPr>
-          </a:p>
-        </p:txBody>
-      </p:sp>
-      <p:pic>
-        <p:nvPicPr>
-          <p:cNvPr id="19" name="그림 18">
-            <a:extLst>
-              <a:ext uri="{FF2B5EF4-FFF2-40B4-BE49-F238E27FC236}">
-                <a16:creationId xmlns:a16="http://schemas.microsoft.com/office/drawing/2014/main" id="{9999D9D2-F15A-684B-F657-EEB81B1F102F}"/>
-              </a:ext>
-            </a:extLst>
-          </p:cNvPr>
-          <p:cNvPicPr>
-            <a:picLocks noChangeAspect="1"/>
-          </p:cNvPicPr>
-          <p:nvPr/>
-        </p:nvPicPr>
-        <p:blipFill>
-          <a:blip r:embed="rId4"/>
-          <a:stretch>
-            <a:fillRect/>
-          </a:stretch>
-        </p:blipFill>
-        <p:spPr>
-          <a:xfrm>
-            <a:off x="5929371" y="1100434"/>
-            <a:ext cx="5893170" cy="3065166"/>
-          </a:xfrm>
-          <a:prstGeom prst="rect">
-            <a:avLst/>
-          </a:prstGeom>
-        </p:spPr>
-      </p:pic>
-      <p:pic>
-        <p:nvPicPr>
-          <p:cNvPr id="20" name="그림 19">
-            <a:extLst>
-              <a:ext uri="{FF2B5EF4-FFF2-40B4-BE49-F238E27FC236}">
-                <a16:creationId xmlns:a16="http://schemas.microsoft.com/office/drawing/2014/main" id="{48ACDADF-19EC-308B-702C-9FB192DBC383}"/>
-              </a:ext>
-            </a:extLst>
-          </p:cNvPr>
-          <p:cNvPicPr>
-            <a:picLocks noChangeAspect="1"/>
-          </p:cNvPicPr>
-          <p:nvPr/>
-        </p:nvPicPr>
-        <p:blipFill>
-          <a:blip r:embed="rId4"/>
-          <a:stretch>
-            <a:fillRect/>
-          </a:stretch>
-        </p:blipFill>
-        <p:spPr>
-          <a:xfrm>
-            <a:off x="244097" y="1100434"/>
-            <a:ext cx="5282760" cy="3065166"/>
-          </a:xfrm>
-          <a:prstGeom prst="rect">
-            <a:avLst/>
-          </a:prstGeom>
-        </p:spPr>
-      </p:pic>
     </p:spTree>
     <p:extLst>
       <p:ext uri="{BB962C8B-B14F-4D97-AF65-F5344CB8AC3E}">
-        <p14:creationId xmlns:p14="http://schemas.microsoft.com/office/powerpoint/2010/main" val="3937387562"/>
+        <p14:creationId xmlns:p14="http://schemas.microsoft.com/office/powerpoint/2010/main" val="816980231"/>
       </p:ext>
     </p:extLst>
   </p:cSld>
@@ -10387,7 +8993,7 @@
         </p:nvSpPr>
         <p:spPr>
           <a:xfrm>
-            <a:off x="2316920" y="312055"/>
+            <a:off x="5171554" y="342464"/>
             <a:ext cx="1097620" cy="372655"/>
           </a:xfrm>
           <a:prstGeom prst="rect">
@@ -10436,86 +9042,27 @@
                   </a:solidFill>
                 </a:ln>
                 <a:solidFill>
-                  <a:srgbClr val="5F0080"/>
+                  <a:srgbClr val="00B0F0"/>
                 </a:solidFill>
                 <a:latin typeface="Noto Sans KR" panose="020B0200000000000000" pitchFamily="50" charset="-127"/>
                 <a:ea typeface="Noto Sans KR" panose="020B0200000000000000" pitchFamily="50" charset="-127"/>
               </a:rPr>
-              <a:t>3</a:t>
-            </a:r>
-          </a:p>
-        </p:txBody>
-      </p:sp>
-      <p:sp>
-        <p:nvSpPr>
-          <p:cNvPr id="23" name="TextBox 22">
-            <a:extLst>
-              <a:ext uri="{FF2B5EF4-FFF2-40B4-BE49-F238E27FC236}">
-                <a16:creationId xmlns:a16="http://schemas.microsoft.com/office/drawing/2014/main" id="{9A35CA04-0E13-4897-BA83-005ABEAAD9C1}"/>
-              </a:ext>
-            </a:extLst>
-          </p:cNvPr>
-          <p:cNvSpPr txBox="1"/>
-          <p:nvPr/>
-        </p:nvSpPr>
-        <p:spPr>
-          <a:xfrm>
-            <a:off x="8435667" y="339722"/>
-            <a:ext cx="1097620" cy="372655"/>
-          </a:xfrm>
-          <a:prstGeom prst="rect">
-            <a:avLst/>
-          </a:prstGeom>
-          <a:noFill/>
-        </p:spPr>
-        <p:txBody>
-          <a:bodyPr wrap="none" rtlCol="0" anchor="ctr">
-            <a:noAutofit/>
-          </a:bodyPr>
-          <a:lstStyle/>
-          <a:p>
-            <a:pPr algn="ctr">
-              <a:lnSpc>
-                <a:spcPct val="110000"/>
-              </a:lnSpc>
-            </a:pPr>
-            <a:r>
-              <a:rPr lang="en-US" altLang="ko-KR" sz="2800" b="1" spc="-80" dirty="0">
-                <a:ln>
-                  <a:solidFill>
-                    <a:srgbClr val="5F0080">
-                      <a:alpha val="0"/>
-                    </a:srgbClr>
-                  </a:solidFill>
-                </a:ln>
-                <a:solidFill>
-                  <a:schemeClr val="tx1">
-                    <a:lumMod val="85000"/>
-                    <a:lumOff val="15000"/>
-                  </a:schemeClr>
-                </a:solidFill>
-                <a:latin typeface="Noto Sans KR" panose="020B0200000000000000" pitchFamily="50" charset="-127"/>
-                <a:ea typeface="Noto Sans KR" panose="020B0200000000000000" pitchFamily="50" charset="-127"/>
-              </a:rPr>
-              <a:t>Step </a:t>
-            </a:r>
-            <a:r>
-              <a:rPr lang="en-US" altLang="ko-KR" sz="2800" b="1" spc="-80" dirty="0">
-                <a:ln>
-                  <a:solidFill>
-                    <a:srgbClr val="5F0080">
-                      <a:alpha val="0"/>
-                    </a:srgbClr>
-                  </a:solidFill>
-                </a:ln>
-                <a:solidFill>
-                  <a:srgbClr val="5F0080"/>
-                </a:solidFill>
-                <a:latin typeface="Noto Sans KR" panose="020B0200000000000000" pitchFamily="50" charset="-127"/>
-                <a:ea typeface="Noto Sans KR" panose="020B0200000000000000" pitchFamily="50" charset="-127"/>
-              </a:rPr>
-              <a:t>4</a:t>
-            </a:r>
+              <a:t>1</a:t>
+            </a:r>
+            <a:endParaRPr lang="en-US" altLang="ko-KR" sz="2800" b="1" spc="-80" dirty="0">
+              <a:ln>
+                <a:solidFill>
+                  <a:srgbClr val="5F0080">
+                    <a:alpha val="0"/>
+                  </a:srgbClr>
+                </a:solidFill>
+              </a:ln>
+              <a:solidFill>
+                <a:srgbClr val="5F0080"/>
+              </a:solidFill>
+              <a:latin typeface="Noto Sans KR" panose="020B0200000000000000" pitchFamily="50" charset="-127"/>
+              <a:ea typeface="Noto Sans KR" panose="020B0200000000000000" pitchFamily="50" charset="-127"/>
+            </a:endParaRPr>
           </a:p>
         </p:txBody>
       </p:sp>
@@ -10540,7 +9087,7 @@
             <a:avLst/>
           </a:prstGeom>
           <a:solidFill>
-            <a:srgbClr val="5F0080"/>
+            <a:srgbClr val="00B0F0"/>
           </a:solidFill>
           <a:ln>
             <a:noFill/>
@@ -10571,115 +9118,12 @@
           </a:p>
         </p:txBody>
       </p:sp>
-      <p:pic>
-        <p:nvPicPr>
-          <p:cNvPr id="3" name="그림 2">
-            <a:extLst>
-              <a:ext uri="{FF2B5EF4-FFF2-40B4-BE49-F238E27FC236}">
-                <a16:creationId xmlns:a16="http://schemas.microsoft.com/office/drawing/2014/main" id="{BAEFC7ED-56C6-4FFF-1E11-91E3F1FD46A9}"/>
-              </a:ext>
-            </a:extLst>
-          </p:cNvPr>
-          <p:cNvPicPr>
-            <a:picLocks noChangeAspect="1"/>
-          </p:cNvPicPr>
-          <p:nvPr/>
-        </p:nvPicPr>
-        <p:blipFill>
-          <a:blip r:embed="rId2"/>
-          <a:stretch>
-            <a:fillRect/>
-          </a:stretch>
-        </p:blipFill>
-        <p:spPr>
-          <a:xfrm>
-            <a:off x="391043" y="2151037"/>
-            <a:ext cx="5068926" cy="900023"/>
-          </a:xfrm>
-          <a:prstGeom prst="rect">
-            <a:avLst/>
-          </a:prstGeom>
-        </p:spPr>
-      </p:pic>
-      <p:pic>
-        <p:nvPicPr>
-          <p:cNvPr id="7" name="그림 6">
-            <a:extLst>
-              <a:ext uri="{FF2B5EF4-FFF2-40B4-BE49-F238E27FC236}">
-                <a16:creationId xmlns:a16="http://schemas.microsoft.com/office/drawing/2014/main" id="{5A98DBF2-0516-6D61-091C-A1BBFCDC9F73}"/>
-              </a:ext>
-            </a:extLst>
-          </p:cNvPr>
-          <p:cNvPicPr>
-            <a:picLocks noChangeAspect="1"/>
-          </p:cNvPicPr>
-          <p:nvPr/>
-        </p:nvPicPr>
-        <p:blipFill>
-          <a:blip r:embed="rId3"/>
-          <a:stretch>
-            <a:fillRect/>
-          </a:stretch>
-        </p:blipFill>
-        <p:spPr>
-          <a:xfrm>
-            <a:off x="7755993" y="1289693"/>
-            <a:ext cx="2481988" cy="2361650"/>
-          </a:xfrm>
-          <a:prstGeom prst="rect">
-            <a:avLst/>
-          </a:prstGeom>
-        </p:spPr>
-      </p:pic>
-      <p:cxnSp>
-        <p:nvCxnSpPr>
-          <p:cNvPr id="11" name="직선 연결선 10">
-            <a:extLst>
-              <a:ext uri="{FF2B5EF4-FFF2-40B4-BE49-F238E27FC236}">
-                <a16:creationId xmlns:a16="http://schemas.microsoft.com/office/drawing/2014/main" id="{1C9A85B2-5E90-2AD4-8E8A-14D06798CE7F}"/>
-              </a:ext>
-            </a:extLst>
-          </p:cNvPr>
-          <p:cNvCxnSpPr>
-            <a:cxnSpLocks/>
-          </p:cNvCxnSpPr>
-          <p:nvPr/>
-        </p:nvCxnSpPr>
-        <p:spPr>
-          <a:xfrm>
-            <a:off x="5994275" y="0"/>
-            <a:ext cx="0" cy="4914502"/>
-          </a:xfrm>
-          <a:prstGeom prst="line">
-            <a:avLst/>
-          </a:prstGeom>
-          <a:ln w="12700">
-            <a:solidFill>
-              <a:srgbClr val="5F0080"/>
-            </a:solidFill>
-          </a:ln>
-        </p:spPr>
-        <p:style>
-          <a:lnRef idx="1">
-            <a:schemeClr val="accent1"/>
-          </a:lnRef>
-          <a:fillRef idx="0">
-            <a:schemeClr val="accent1"/>
-          </a:fillRef>
-          <a:effectRef idx="0">
-            <a:schemeClr val="accent1"/>
-          </a:effectRef>
-          <a:fontRef idx="minor">
-            <a:schemeClr val="tx1"/>
-          </a:fontRef>
-        </p:style>
-      </p:cxnSp>
-      <p:sp>
-        <p:nvSpPr>
-          <p:cNvPr id="2" name="직사각형 1">
-            <a:extLst>
-              <a:ext uri="{FF2B5EF4-FFF2-40B4-BE49-F238E27FC236}">
-                <a16:creationId xmlns:a16="http://schemas.microsoft.com/office/drawing/2014/main" id="{38A00F16-9A90-255B-CD3E-46396732A8FD}"/>
+      <p:sp>
+        <p:nvSpPr>
+          <p:cNvPr id="9" name="직사각형 8">
+            <a:extLst>
+              <a:ext uri="{FF2B5EF4-FFF2-40B4-BE49-F238E27FC236}">
+                <a16:creationId xmlns:a16="http://schemas.microsoft.com/office/drawing/2014/main" id="{6E0429CD-A3E9-5AE0-6F40-536B92F8E5A4}"/>
               </a:ext>
             </a:extLst>
           </p:cNvPr>
@@ -10688,14 +9132,14 @@
         </p:nvSpPr>
         <p:spPr>
           <a:xfrm>
-            <a:off x="0" y="4961434"/>
-            <a:ext cx="12192000" cy="1849633"/>
+            <a:off x="0" y="4351328"/>
+            <a:ext cx="12192000" cy="2506672"/>
           </a:xfrm>
           <a:prstGeom prst="rect">
             <a:avLst/>
           </a:prstGeom>
           <a:solidFill>
-            <a:srgbClr val="5F0080"/>
+            <a:srgbClr val="00B0F0"/>
           </a:solidFill>
           <a:ln>
             <a:noFill/>
@@ -10728,10 +9172,10 @@
       </p:sp>
       <p:sp>
         <p:nvSpPr>
-          <p:cNvPr id="4" name="TextBox 3">
-            <a:extLst>
-              <a:ext uri="{FF2B5EF4-FFF2-40B4-BE49-F238E27FC236}">
-                <a16:creationId xmlns:a16="http://schemas.microsoft.com/office/drawing/2014/main" id="{DBA1C38F-7E40-3BEA-DCE6-7B748E445A1F}"/>
+          <p:cNvPr id="2" name="TextBox 1">
+            <a:extLst>
+              <a:ext uri="{FF2B5EF4-FFF2-40B4-BE49-F238E27FC236}">
+                <a16:creationId xmlns:a16="http://schemas.microsoft.com/office/drawing/2014/main" id="{AF0FBD69-00CE-A6AC-315E-4804229E585F}"/>
               </a:ext>
             </a:extLst>
           </p:cNvPr>
@@ -10740,169 +9184,8 @@
         </p:nvSpPr>
         <p:spPr>
           <a:xfrm>
-            <a:off x="120631" y="5091312"/>
-            <a:ext cx="5529078" cy="417487"/>
-          </a:xfrm>
-          <a:prstGeom prst="rect">
-            <a:avLst/>
-          </a:prstGeom>
-          <a:noFill/>
-        </p:spPr>
-        <p:txBody>
-          <a:bodyPr wrap="none" rtlCol="0">
-            <a:spAutoFit/>
-          </a:bodyPr>
-          <a:lstStyle/>
-          <a:p>
-            <a:pPr algn="ctr">
-              <a:lnSpc>
-                <a:spcPct val="130000"/>
-              </a:lnSpc>
-            </a:pPr>
-            <a:r>
-              <a:rPr lang="en-US" altLang="ko-KR" b="1" spc="-50" dirty="0">
-                <a:ln>
-                  <a:solidFill>
-                    <a:srgbClr val="5F0080">
-                      <a:alpha val="0"/>
-                    </a:srgbClr>
-                  </a:solidFill>
-                </a:ln>
-                <a:solidFill>
-                  <a:srgbClr val="FF0000"/>
-                </a:solidFill>
-                <a:latin typeface="Noto Sans KR" panose="020B0200000000000000" pitchFamily="50" charset="-127"/>
-                <a:ea typeface="Noto Sans KR" panose="020B0200000000000000" pitchFamily="50" charset="-127"/>
-              </a:rPr>
-              <a:t>FFXIV SIMHELPER</a:t>
-            </a:r>
-            <a:r>
-              <a:rPr lang="ko-KR" altLang="en-US" b="1" spc="-50" dirty="0">
-                <a:ln>
-                  <a:solidFill>
-                    <a:srgbClr val="5F0080">
-                      <a:alpha val="0"/>
-                    </a:srgbClr>
-                  </a:solidFill>
-                </a:ln>
-                <a:solidFill>
-                  <a:srgbClr val="FF0000"/>
-                </a:solidFill>
-                <a:latin typeface="Noto Sans KR" panose="020B0200000000000000" pitchFamily="50" charset="-127"/>
-                <a:ea typeface="Noto Sans KR" panose="020B0200000000000000" pitchFamily="50" charset="-127"/>
-              </a:rPr>
-              <a:t>의 </a:t>
-            </a:r>
-            <a:r>
-              <a:rPr lang="en-US" altLang="ko-KR" b="1" spc="-50" dirty="0">
-                <a:ln>
-                  <a:solidFill>
-                    <a:srgbClr val="5F0080">
-                      <a:alpha val="0"/>
-                    </a:srgbClr>
-                  </a:solidFill>
-                </a:ln>
-                <a:solidFill>
-                  <a:srgbClr val="FF0000"/>
-                </a:solidFill>
-                <a:latin typeface="Noto Sans KR" panose="020B0200000000000000" pitchFamily="50" charset="-127"/>
-                <a:ea typeface="Noto Sans KR" panose="020B0200000000000000" pitchFamily="50" charset="-127"/>
-              </a:rPr>
-              <a:t>Code</a:t>
-            </a:r>
-            <a:r>
-              <a:rPr lang="ko-KR" altLang="en-US" b="1" spc="-50" dirty="0">
-                <a:ln>
-                  <a:solidFill>
-                    <a:srgbClr val="5F0080">
-                      <a:alpha val="0"/>
-                    </a:srgbClr>
-                  </a:solidFill>
-                </a:ln>
-                <a:solidFill>
-                  <a:srgbClr val="FF0000"/>
-                </a:solidFill>
-                <a:latin typeface="Noto Sans KR" panose="020B0200000000000000" pitchFamily="50" charset="-127"/>
-                <a:ea typeface="Noto Sans KR" panose="020B0200000000000000" pitchFamily="50" charset="-127"/>
-              </a:rPr>
-              <a:t>를 클릭하여 다운로드 받는다</a:t>
-            </a:r>
-            <a:endParaRPr lang="en-US" altLang="ko-KR" b="1" spc="-50" dirty="0">
-              <a:ln>
-                <a:solidFill>
-                  <a:srgbClr val="5F0080">
-                    <a:alpha val="0"/>
-                  </a:srgbClr>
-                </a:solidFill>
-              </a:ln>
-              <a:solidFill>
-                <a:srgbClr val="FF0000"/>
-              </a:solidFill>
-              <a:latin typeface="Noto Sans KR" panose="020B0200000000000000" pitchFamily="50" charset="-127"/>
-              <a:ea typeface="Noto Sans KR" panose="020B0200000000000000" pitchFamily="50" charset="-127"/>
-            </a:endParaRPr>
-          </a:p>
-        </p:txBody>
-      </p:sp>
-      <p:cxnSp>
-        <p:nvCxnSpPr>
-          <p:cNvPr id="12" name="직선 연결선 11">
-            <a:extLst>
-              <a:ext uri="{FF2B5EF4-FFF2-40B4-BE49-F238E27FC236}">
-                <a16:creationId xmlns:a16="http://schemas.microsoft.com/office/drawing/2014/main" id="{DD541B8F-F6B8-D1D7-96FB-1FF0E2F7B3C5}"/>
-              </a:ext>
-            </a:extLst>
-          </p:cNvPr>
-          <p:cNvCxnSpPr>
-            <a:cxnSpLocks/>
-          </p:cNvCxnSpPr>
-          <p:nvPr/>
-        </p:nvCxnSpPr>
-        <p:spPr>
-          <a:xfrm flipV="1">
-            <a:off x="5994275" y="4967573"/>
-            <a:ext cx="0" cy="1843494"/>
-          </a:xfrm>
-          <a:prstGeom prst="line">
-            <a:avLst/>
-          </a:prstGeom>
-          <a:ln w="12700">
-            <a:solidFill>
-              <a:schemeClr val="bg1"/>
-            </a:solidFill>
-          </a:ln>
-        </p:spPr>
-        <p:style>
-          <a:lnRef idx="1">
-            <a:schemeClr val="accent1"/>
-          </a:lnRef>
-          <a:fillRef idx="0">
-            <a:schemeClr val="accent1"/>
-          </a:fillRef>
-          <a:effectRef idx="0">
-            <a:schemeClr val="accent1"/>
-          </a:effectRef>
-          <a:fontRef idx="minor">
-            <a:schemeClr val="tx1"/>
-          </a:fontRef>
-        </p:style>
-      </p:cxnSp>
-      <p:sp>
-        <p:nvSpPr>
-          <p:cNvPr id="15" name="TextBox 14">
-            <a:extLst>
-              <a:ext uri="{FF2B5EF4-FFF2-40B4-BE49-F238E27FC236}">
-                <a16:creationId xmlns:a16="http://schemas.microsoft.com/office/drawing/2014/main" id="{B67DBDEA-5609-177F-A34F-31A1AEC53642}"/>
-              </a:ext>
-            </a:extLst>
-          </p:cNvPr>
-          <p:cNvSpPr txBox="1"/>
-          <p:nvPr/>
-        </p:nvSpPr>
-        <p:spPr>
-          <a:xfrm>
-            <a:off x="6431434" y="5091778"/>
-            <a:ext cx="5099473" cy="453650"/>
+            <a:off x="4186932" y="6061886"/>
+            <a:ext cx="3066865" cy="453650"/>
           </a:xfrm>
           <a:prstGeom prst="rect">
             <a:avLst/>
@@ -10935,10 +9218,10 @@
                 <a:latin typeface="Noto Sans KR" panose="020B0200000000000000" pitchFamily="50" charset="-127"/>
                 <a:ea typeface="Noto Sans KR" panose="020B0200000000000000" pitchFamily="50" charset="-127"/>
               </a:rPr>
-              <a:t>다운받은 </a:t>
-            </a:r>
-            <a:r>
-              <a:rPr lang="en-US" altLang="ko-KR" sz="2000" b="1" spc="-50" dirty="0">
+              <a:t>빠른 시뮬레이션</a:t>
+            </a:r>
+            <a:r>
+              <a:rPr lang="ko-KR" altLang="en-US" sz="2000" spc="-50" dirty="0">
                 <a:ln>
                   <a:solidFill>
                     <a:srgbClr val="5F0080">
@@ -10952,26 +9235,9 @@
                 <a:latin typeface="Noto Sans KR" panose="020B0200000000000000" pitchFamily="50" charset="-127"/>
                 <a:ea typeface="Noto Sans KR" panose="020B0200000000000000" pitchFamily="50" charset="-127"/>
               </a:rPr>
-              <a:t>FFXIV SIMHELPER </a:t>
-            </a:r>
-            <a:r>
-              <a:rPr lang="ko-KR" altLang="en-US" sz="2000" b="1" spc="-50" dirty="0">
-                <a:ln>
-                  <a:solidFill>
-                    <a:srgbClr val="5F0080">
-                      <a:alpha val="0"/>
-                    </a:srgbClr>
-                  </a:solidFill>
-                </a:ln>
-                <a:solidFill>
-                  <a:schemeClr val="bg1"/>
-                </a:solidFill>
-                <a:latin typeface="Noto Sans KR" panose="020B0200000000000000" pitchFamily="50" charset="-127"/>
-                <a:ea typeface="Noto Sans KR" panose="020B0200000000000000" pitchFamily="50" charset="-127"/>
-              </a:rPr>
-              <a:t>파일을 클릭한다  </a:t>
-            </a:r>
-            <a:endParaRPr lang="en-US" altLang="ko-KR" sz="2000" b="1" spc="-50" dirty="0">
+              <a:t>을 클릭한다</a:t>
+            </a:r>
+            <a:endParaRPr lang="en-US" altLang="ko-KR" sz="2000" spc="-50" dirty="0">
               <a:ln>
                 <a:solidFill>
                   <a:srgbClr val="5F0080">
@@ -10990,10 +9256,10 @@
       </p:sp>
       <p:pic>
         <p:nvPicPr>
-          <p:cNvPr id="20" name="그림 19">
-            <a:extLst>
-              <a:ext uri="{FF2B5EF4-FFF2-40B4-BE49-F238E27FC236}">
-                <a16:creationId xmlns:a16="http://schemas.microsoft.com/office/drawing/2014/main" id="{86FC610E-18EE-C9A3-D159-93357324F61C}"/>
+          <p:cNvPr id="3" name="그림 2">
+            <a:extLst>
+              <a:ext uri="{FF2B5EF4-FFF2-40B4-BE49-F238E27FC236}">
+                <a16:creationId xmlns:a16="http://schemas.microsoft.com/office/drawing/2014/main" id="{D7E9788A-CB6F-CF21-6877-EC6AAF50298F}"/>
               </a:ext>
             </a:extLst>
           </p:cNvPr>
@@ -11003,15 +9269,15 @@
           <p:nvPr/>
         </p:nvPicPr>
         <p:blipFill>
-          <a:blip r:embed="rId4"/>
+          <a:blip r:embed="rId2"/>
           <a:stretch>
             <a:fillRect/>
           </a:stretch>
         </p:blipFill>
         <p:spPr>
           <a:xfrm>
-            <a:off x="6225310" y="1112863"/>
-            <a:ext cx="5635423" cy="3019775"/>
+            <a:off x="2005692" y="1150169"/>
+            <a:ext cx="7429346" cy="4053427"/>
           </a:xfrm>
           <a:prstGeom prst="rect">
             <a:avLst/>
@@ -11020,10 +9286,10 @@
       </p:pic>
       <p:pic>
         <p:nvPicPr>
-          <p:cNvPr id="21" name="그림 20">
-            <a:extLst>
-              <a:ext uri="{FF2B5EF4-FFF2-40B4-BE49-F238E27FC236}">
-                <a16:creationId xmlns:a16="http://schemas.microsoft.com/office/drawing/2014/main" id="{E17AFA6C-97DF-D741-46A4-E9028EE7BCE4}"/>
+          <p:cNvPr id="4" name="그림 3">
+            <a:extLst>
+              <a:ext uri="{FF2B5EF4-FFF2-40B4-BE49-F238E27FC236}">
+                <a16:creationId xmlns:a16="http://schemas.microsoft.com/office/drawing/2014/main" id="{2B31720C-85E9-1CE4-C8BD-06E3CA969205}"/>
               </a:ext>
             </a:extLst>
           </p:cNvPr>
@@ -11033,15 +9299,15 @@
           <p:nvPr/>
         </p:nvPicPr>
         <p:blipFill>
-          <a:blip r:embed="rId4"/>
+          <a:blip r:embed="rId3"/>
           <a:stretch>
             <a:fillRect/>
           </a:stretch>
         </p:blipFill>
         <p:spPr>
           <a:xfrm>
-            <a:off x="53898" y="1060975"/>
-            <a:ext cx="5716442" cy="3019775"/>
+            <a:off x="1579418" y="822036"/>
+            <a:ext cx="8312727" cy="5138542"/>
           </a:xfrm>
           <a:prstGeom prst="rect">
             <a:avLst/>
@@ -11051,7 +9317,7 @@
     </p:spTree>
     <p:extLst>
       <p:ext uri="{BB962C8B-B14F-4D97-AF65-F5344CB8AC3E}">
-        <p14:creationId xmlns:p14="http://schemas.microsoft.com/office/powerpoint/2010/main" val="1135006656"/>
+        <p14:creationId xmlns:p14="http://schemas.microsoft.com/office/powerpoint/2010/main" val="1093135528"/>
       </p:ext>
     </p:extLst>
   </p:cSld>
@@ -11134,10 +9400,10 @@
       </p:sp>
       <p:sp>
         <p:nvSpPr>
-          <p:cNvPr id="21" name="직사각형 20">
-            <a:extLst>
-              <a:ext uri="{FF2B5EF4-FFF2-40B4-BE49-F238E27FC236}">
-                <a16:creationId xmlns:a16="http://schemas.microsoft.com/office/drawing/2014/main" id="{027BA219-B386-4835-83B6-EC8AA96BA769}"/>
+          <p:cNvPr id="32" name="직사각형 31">
+            <a:extLst>
+              <a:ext uri="{FF2B5EF4-FFF2-40B4-BE49-F238E27FC236}">
+                <a16:creationId xmlns:a16="http://schemas.microsoft.com/office/drawing/2014/main" id="{DF506191-7123-4B7A-82AE-2E95C3BCF629}"/>
               </a:ext>
             </a:extLst>
           </p:cNvPr>
@@ -11146,14 +9412,14 @@
         </p:nvSpPr>
         <p:spPr>
           <a:xfrm>
-            <a:off x="0" y="4961434"/>
-            <a:ext cx="12192000" cy="1849633"/>
+            <a:off x="0" y="0"/>
+            <a:ext cx="12192000" cy="184941"/>
           </a:xfrm>
           <a:prstGeom prst="rect">
             <a:avLst/>
           </a:prstGeom>
           <a:solidFill>
-            <a:srgbClr val="5F0080"/>
+            <a:srgbClr val="00B0F0"/>
           </a:solidFill>
           <a:ln>
             <a:noFill/>
@@ -11186,249 +9452,10 @@
       </p:sp>
       <p:sp>
         <p:nvSpPr>
-          <p:cNvPr id="29" name="TextBox 28">
-            <a:extLst>
-              <a:ext uri="{FF2B5EF4-FFF2-40B4-BE49-F238E27FC236}">
-                <a16:creationId xmlns:a16="http://schemas.microsoft.com/office/drawing/2014/main" id="{36EAD7AF-08DF-405E-955F-6B98CD9F944A}"/>
-              </a:ext>
-            </a:extLst>
-          </p:cNvPr>
-          <p:cNvSpPr txBox="1"/>
-          <p:nvPr/>
-        </p:nvSpPr>
-        <p:spPr>
-          <a:xfrm>
-            <a:off x="326413" y="5091778"/>
-            <a:ext cx="5078634" cy="453650"/>
-          </a:xfrm>
-          <a:prstGeom prst="rect">
-            <a:avLst/>
-          </a:prstGeom>
-          <a:noFill/>
-        </p:spPr>
-        <p:txBody>
-          <a:bodyPr wrap="none" rtlCol="0">
-            <a:spAutoFit/>
-          </a:bodyPr>
-          <a:lstStyle/>
-          <a:p>
-            <a:pPr algn="ctr">
-              <a:lnSpc>
-                <a:spcPct val="130000"/>
-              </a:lnSpc>
-            </a:pPr>
-            <a:r>
-              <a:rPr lang="en-US" altLang="ko-KR" sz="2000" b="1" spc="-50" dirty="0">
-                <a:ln>
-                  <a:solidFill>
-                    <a:srgbClr val="5F0080">
-                      <a:alpha val="0"/>
-                    </a:srgbClr>
-                  </a:solidFill>
-                </a:ln>
-                <a:solidFill>
-                  <a:srgbClr val="FF0000"/>
-                </a:solidFill>
-                <a:latin typeface="Noto Sans KR" panose="020B0200000000000000" pitchFamily="50" charset="-127"/>
-                <a:ea typeface="Noto Sans KR" panose="020B0200000000000000" pitchFamily="50" charset="-127"/>
-              </a:rPr>
-              <a:t>FFXIV SIMHELPER </a:t>
-            </a:r>
-            <a:r>
-              <a:rPr lang="ko-KR" altLang="en-US" sz="2000" b="1" spc="-50" dirty="0">
-                <a:ln>
-                  <a:solidFill>
-                    <a:srgbClr val="5F0080">
-                      <a:alpha val="0"/>
-                    </a:srgbClr>
-                  </a:solidFill>
-                </a:ln>
-                <a:solidFill>
-                  <a:srgbClr val="FF0000"/>
-                </a:solidFill>
-                <a:latin typeface="Noto Sans KR" panose="020B0200000000000000" pitchFamily="50" charset="-127"/>
-                <a:ea typeface="Noto Sans KR" panose="020B0200000000000000" pitchFamily="50" charset="-127"/>
-              </a:rPr>
-              <a:t>파일에서 </a:t>
-            </a:r>
-            <a:r>
-              <a:rPr lang="en-US" altLang="ko-KR" sz="2000" b="1" spc="-50" dirty="0">
-                <a:ln>
-                  <a:solidFill>
-                    <a:srgbClr val="5F0080">
-                      <a:alpha val="0"/>
-                    </a:srgbClr>
-                  </a:solidFill>
-                </a:ln>
-                <a:solidFill>
-                  <a:srgbClr val="FF0000"/>
-                </a:solidFill>
-                <a:latin typeface="Noto Sans KR" panose="020B0200000000000000" pitchFamily="50" charset="-127"/>
-                <a:ea typeface="Noto Sans KR" panose="020B0200000000000000" pitchFamily="50" charset="-127"/>
-              </a:rPr>
-              <a:t>RUN</a:t>
-            </a:r>
-            <a:r>
-              <a:rPr lang="ko-KR" altLang="en-US" sz="2000" b="1" spc="-50" dirty="0">
-                <a:ln>
-                  <a:solidFill>
-                    <a:srgbClr val="5F0080">
-                      <a:alpha val="0"/>
-                    </a:srgbClr>
-                  </a:solidFill>
-                </a:ln>
-                <a:solidFill>
-                  <a:srgbClr val="FF0000"/>
-                </a:solidFill>
-                <a:latin typeface="Noto Sans KR" panose="020B0200000000000000" pitchFamily="50" charset="-127"/>
-                <a:ea typeface="Noto Sans KR" panose="020B0200000000000000" pitchFamily="50" charset="-127"/>
-              </a:rPr>
-              <a:t>을 실행한다</a:t>
-            </a:r>
-            <a:endParaRPr lang="en-US" altLang="ko-KR" sz="2000" b="1" spc="-50" dirty="0">
-              <a:ln>
-                <a:solidFill>
-                  <a:srgbClr val="5F0080">
-                    <a:alpha val="0"/>
-                  </a:srgbClr>
-                </a:solidFill>
-              </a:ln>
-              <a:solidFill>
-                <a:srgbClr val="FF0000"/>
-              </a:solidFill>
-              <a:latin typeface="Noto Sans KR" panose="020B0200000000000000" pitchFamily="50" charset="-127"/>
-              <a:ea typeface="Noto Sans KR" panose="020B0200000000000000" pitchFamily="50" charset="-127"/>
-            </a:endParaRPr>
-          </a:p>
-        </p:txBody>
-      </p:sp>
-      <p:sp>
-        <p:nvSpPr>
-          <p:cNvPr id="30" name="TextBox 29">
-            <a:extLst>
-              <a:ext uri="{FF2B5EF4-FFF2-40B4-BE49-F238E27FC236}">
-                <a16:creationId xmlns:a16="http://schemas.microsoft.com/office/drawing/2014/main" id="{58916B2C-E057-4377-BFCF-9D2349AC17D0}"/>
-              </a:ext>
-            </a:extLst>
-          </p:cNvPr>
-          <p:cNvSpPr txBox="1"/>
-          <p:nvPr/>
-        </p:nvSpPr>
-        <p:spPr>
-          <a:xfrm>
-            <a:off x="7075039" y="5091778"/>
-            <a:ext cx="3812262" cy="453650"/>
-          </a:xfrm>
-          <a:prstGeom prst="rect">
-            <a:avLst/>
-          </a:prstGeom>
-          <a:noFill/>
-        </p:spPr>
-        <p:txBody>
-          <a:bodyPr wrap="none" rtlCol="0">
-            <a:spAutoFit/>
-          </a:bodyPr>
-          <a:lstStyle/>
-          <a:p>
-            <a:pPr algn="ctr">
-              <a:lnSpc>
-                <a:spcPct val="130000"/>
-              </a:lnSpc>
-            </a:pPr>
-            <a:r>
-              <a:rPr lang="en-US" altLang="ko-KR" sz="2000" b="1" spc="-50" dirty="0">
-                <a:ln>
-                  <a:solidFill>
-                    <a:srgbClr val="5F0080">
-                      <a:alpha val="0"/>
-                    </a:srgbClr>
-                  </a:solidFill>
-                </a:ln>
-                <a:solidFill>
-                  <a:schemeClr val="bg1"/>
-                </a:solidFill>
-                <a:latin typeface="Noto Sans KR" panose="020B0200000000000000" pitchFamily="50" charset="-127"/>
-                <a:ea typeface="Noto Sans KR" panose="020B0200000000000000" pitchFamily="50" charset="-127"/>
-              </a:rPr>
-              <a:t>FFXIV</a:t>
-            </a:r>
-            <a:r>
-              <a:rPr lang="ko-KR" altLang="en-US" sz="2000" b="1" spc="-50" dirty="0">
-                <a:ln>
-                  <a:solidFill>
-                    <a:srgbClr val="5F0080">
-                      <a:alpha val="0"/>
-                    </a:srgbClr>
-                  </a:solidFill>
-                </a:ln>
-                <a:solidFill>
-                  <a:schemeClr val="bg1"/>
-                </a:solidFill>
-                <a:latin typeface="Noto Sans KR" panose="020B0200000000000000" pitchFamily="50" charset="-127"/>
-                <a:ea typeface="Noto Sans KR" panose="020B0200000000000000" pitchFamily="50" charset="-127"/>
-              </a:rPr>
-              <a:t> </a:t>
-            </a:r>
-            <a:r>
-              <a:rPr lang="en-US" altLang="ko-KR" sz="2000" b="1" spc="-50" dirty="0">
-                <a:ln>
-                  <a:solidFill>
-                    <a:srgbClr val="5F0080">
-                      <a:alpha val="0"/>
-                    </a:srgbClr>
-                  </a:solidFill>
-                </a:ln>
-                <a:solidFill>
-                  <a:schemeClr val="bg1"/>
-                </a:solidFill>
-                <a:latin typeface="Noto Sans KR" panose="020B0200000000000000" pitchFamily="50" charset="-127"/>
-                <a:ea typeface="Noto Sans KR" panose="020B0200000000000000" pitchFamily="50" charset="-127"/>
-              </a:rPr>
-              <a:t>SIMHELPER </a:t>
-            </a:r>
-            <a:r>
-              <a:rPr lang="ko-KR" altLang="en-US" sz="2000" b="1" spc="-50" dirty="0">
-                <a:ln>
-                  <a:solidFill>
-                    <a:srgbClr val="5F0080">
-                      <a:alpha val="0"/>
-                    </a:srgbClr>
-                  </a:solidFill>
-                </a:ln>
-                <a:solidFill>
-                  <a:schemeClr val="bg1"/>
-                </a:solidFill>
-                <a:latin typeface="Noto Sans KR" panose="020B0200000000000000" pitchFamily="50" charset="-127"/>
-                <a:ea typeface="Noto Sans KR" panose="020B0200000000000000" pitchFamily="50" charset="-127"/>
-              </a:rPr>
-              <a:t>실행 준비 끝</a:t>
-            </a:r>
-            <a:r>
-              <a:rPr lang="en-US" altLang="ko-KR" sz="2000" b="1" spc="-50" dirty="0">
-                <a:ln>
-                  <a:solidFill>
-                    <a:srgbClr val="5F0080">
-                      <a:alpha val="0"/>
-                    </a:srgbClr>
-                  </a:solidFill>
-                </a:ln>
-                <a:solidFill>
-                  <a:schemeClr val="bg1"/>
-                </a:solidFill>
-                <a:latin typeface="Noto Sans KR" panose="020B0200000000000000" pitchFamily="50" charset="-127"/>
-                <a:ea typeface="Noto Sans KR" panose="020B0200000000000000" pitchFamily="50" charset="-127"/>
-              </a:rPr>
-              <a:t>!!</a:t>
-            </a:r>
-          </a:p>
-        </p:txBody>
-      </p:sp>
-      <p:sp>
-        <p:nvSpPr>
-          <p:cNvPr id="32" name="직사각형 31">
-            <a:extLst>
-              <a:ext uri="{FF2B5EF4-FFF2-40B4-BE49-F238E27FC236}">
-                <a16:creationId xmlns:a16="http://schemas.microsoft.com/office/drawing/2014/main" id="{DF506191-7123-4B7A-82AE-2E95C3BCF629}"/>
+          <p:cNvPr id="9" name="직사각형 8">
+            <a:extLst>
+              <a:ext uri="{FF2B5EF4-FFF2-40B4-BE49-F238E27FC236}">
+                <a16:creationId xmlns:a16="http://schemas.microsoft.com/office/drawing/2014/main" id="{6E0429CD-A3E9-5AE0-6F40-536B92F8E5A4}"/>
               </a:ext>
             </a:extLst>
           </p:cNvPr>
@@ -11437,14 +9464,14 @@
         </p:nvSpPr>
         <p:spPr>
           <a:xfrm>
-            <a:off x="0" y="0"/>
-            <a:ext cx="12192000" cy="184941"/>
+            <a:off x="0" y="4351328"/>
+            <a:ext cx="12192000" cy="2506672"/>
           </a:xfrm>
           <a:prstGeom prst="rect">
             <a:avLst/>
           </a:prstGeom>
           <a:solidFill>
-            <a:srgbClr val="5F0080"/>
+            <a:srgbClr val="00B0F0"/>
           </a:solidFill>
           <a:ln>
             <a:noFill/>
@@ -11475,201 +9502,12 @@
           </a:p>
         </p:txBody>
       </p:sp>
-      <p:cxnSp>
-        <p:nvCxnSpPr>
-          <p:cNvPr id="4" name="직선 연결선 3">
-            <a:extLst>
-              <a:ext uri="{FF2B5EF4-FFF2-40B4-BE49-F238E27FC236}">
-                <a16:creationId xmlns:a16="http://schemas.microsoft.com/office/drawing/2014/main" id="{5EBCE355-431D-09DC-9F96-43F483C22544}"/>
-              </a:ext>
-            </a:extLst>
-          </p:cNvPr>
-          <p:cNvCxnSpPr>
-            <a:cxnSpLocks/>
-          </p:cNvCxnSpPr>
-          <p:nvPr/>
-        </p:nvCxnSpPr>
-        <p:spPr>
-          <a:xfrm rot="16200000">
-            <a:off x="4520074" y="5554662"/>
-            <a:ext cx="2500532" cy="0"/>
-          </a:xfrm>
-          <a:prstGeom prst="line">
-            <a:avLst/>
-          </a:prstGeom>
-          <a:ln w="12700">
-            <a:solidFill>
-              <a:schemeClr val="bg1"/>
-            </a:solidFill>
-          </a:ln>
-        </p:spPr>
-        <p:style>
-          <a:lnRef idx="1">
-            <a:schemeClr val="accent1"/>
-          </a:lnRef>
-          <a:fillRef idx="0">
-            <a:schemeClr val="accent1"/>
-          </a:fillRef>
-          <a:effectRef idx="0">
-            <a:schemeClr val="accent1"/>
-          </a:effectRef>
-          <a:fontRef idx="minor">
-            <a:schemeClr val="tx1"/>
-          </a:fontRef>
-        </p:style>
-      </p:cxnSp>
-      <p:sp>
-        <p:nvSpPr>
-          <p:cNvPr id="5" name="TextBox 4">
-            <a:extLst>
-              <a:ext uri="{FF2B5EF4-FFF2-40B4-BE49-F238E27FC236}">
-                <a16:creationId xmlns:a16="http://schemas.microsoft.com/office/drawing/2014/main" id="{57098B54-2360-2FFC-BE3D-0816367A4C41}"/>
-              </a:ext>
-            </a:extLst>
-          </p:cNvPr>
-          <p:cNvSpPr txBox="1"/>
-          <p:nvPr/>
-        </p:nvSpPr>
-        <p:spPr>
-          <a:xfrm>
-            <a:off x="2316920" y="312055"/>
-            <a:ext cx="1097620" cy="372655"/>
-          </a:xfrm>
-          <a:prstGeom prst="rect">
-            <a:avLst/>
-          </a:prstGeom>
-          <a:noFill/>
-        </p:spPr>
-        <p:txBody>
-          <a:bodyPr wrap="none" rtlCol="0" anchor="ctr">
-            <a:noAutofit/>
-          </a:bodyPr>
-          <a:lstStyle/>
-          <a:p>
-            <a:pPr algn="ctr">
-              <a:lnSpc>
-                <a:spcPct val="110000"/>
-              </a:lnSpc>
-            </a:pPr>
-            <a:r>
-              <a:rPr lang="en-US" altLang="ko-KR" sz="2800" b="1" spc="-80" dirty="0">
-                <a:ln>
-                  <a:solidFill>
-                    <a:srgbClr val="5F0080">
-                      <a:alpha val="0"/>
-                    </a:srgbClr>
-                  </a:solidFill>
-                </a:ln>
-                <a:solidFill>
-                  <a:schemeClr val="tx1">
-                    <a:lumMod val="85000"/>
-                    <a:lumOff val="15000"/>
-                  </a:schemeClr>
-                </a:solidFill>
-                <a:latin typeface="Noto Sans KR" panose="020B0200000000000000" pitchFamily="50" charset="-127"/>
-                <a:ea typeface="Noto Sans KR" panose="020B0200000000000000" pitchFamily="50" charset="-127"/>
-              </a:rPr>
-              <a:t>Step </a:t>
-            </a:r>
-            <a:r>
-              <a:rPr lang="en-US" altLang="ko-KR" sz="2800" b="1" spc="-80" dirty="0">
-                <a:ln>
-                  <a:solidFill>
-                    <a:srgbClr val="5F0080">
-                      <a:alpha val="0"/>
-                    </a:srgbClr>
-                  </a:solidFill>
-                </a:ln>
-                <a:solidFill>
-                  <a:srgbClr val="5F0080"/>
-                </a:solidFill>
-                <a:latin typeface="Noto Sans KR" panose="020B0200000000000000" pitchFamily="50" charset="-127"/>
-                <a:ea typeface="Noto Sans KR" panose="020B0200000000000000" pitchFamily="50" charset="-127"/>
-              </a:rPr>
-              <a:t>5</a:t>
-            </a:r>
-          </a:p>
-        </p:txBody>
-      </p:sp>
-      <p:sp>
-        <p:nvSpPr>
-          <p:cNvPr id="9" name="TextBox 8">
-            <a:extLst>
-              <a:ext uri="{FF2B5EF4-FFF2-40B4-BE49-F238E27FC236}">
-                <a16:creationId xmlns:a16="http://schemas.microsoft.com/office/drawing/2014/main" id="{1802AA23-9459-C043-E511-CC9035B432BC}"/>
-              </a:ext>
-            </a:extLst>
-          </p:cNvPr>
-          <p:cNvSpPr txBox="1"/>
-          <p:nvPr/>
-        </p:nvSpPr>
-        <p:spPr>
-          <a:xfrm>
-            <a:off x="8435667" y="339722"/>
-            <a:ext cx="1097620" cy="372655"/>
-          </a:xfrm>
-          <a:prstGeom prst="rect">
-            <a:avLst/>
-          </a:prstGeom>
-          <a:noFill/>
-        </p:spPr>
-        <p:txBody>
-          <a:bodyPr wrap="none" rtlCol="0" anchor="ctr">
-            <a:noAutofit/>
-          </a:bodyPr>
-          <a:lstStyle/>
-          <a:p>
-            <a:pPr algn="ctr">
-              <a:lnSpc>
-                <a:spcPct val="110000"/>
-              </a:lnSpc>
-            </a:pPr>
-            <a:r>
-              <a:rPr lang="en-US" altLang="ko-KR" sz="2800" b="1" spc="-80" dirty="0">
-                <a:ln>
-                  <a:solidFill>
-                    <a:srgbClr val="5F0080">
-                      <a:alpha val="0"/>
-                    </a:srgbClr>
-                  </a:solidFill>
-                </a:ln>
-                <a:solidFill>
-                  <a:schemeClr val="tx1">
-                    <a:lumMod val="85000"/>
-                    <a:lumOff val="15000"/>
-                  </a:schemeClr>
-                </a:solidFill>
-                <a:latin typeface="Noto Sans KR" panose="020B0200000000000000" pitchFamily="50" charset="-127"/>
-                <a:ea typeface="Noto Sans KR" panose="020B0200000000000000" pitchFamily="50" charset="-127"/>
-              </a:rPr>
-              <a:t>Step </a:t>
-            </a:r>
-            <a:r>
-              <a:rPr lang="en-US" altLang="ko-KR" sz="2800" b="1" spc="-80" dirty="0">
-                <a:ln>
-                  <a:solidFill>
-                    <a:srgbClr val="5F0080">
-                      <a:alpha val="0"/>
-                    </a:srgbClr>
-                  </a:solidFill>
-                </a:ln>
-                <a:solidFill>
-                  <a:srgbClr val="5F0080"/>
-                </a:solidFill>
-                <a:latin typeface="Noto Sans KR" panose="020B0200000000000000" pitchFamily="50" charset="-127"/>
-                <a:ea typeface="Noto Sans KR" panose="020B0200000000000000" pitchFamily="50" charset="-127"/>
-              </a:rPr>
-              <a:t>6</a:t>
-            </a:r>
-          </a:p>
-        </p:txBody>
-      </p:sp>
       <p:pic>
         <p:nvPicPr>
-          <p:cNvPr id="10" name="그림 9">
-            <a:extLst>
-              <a:ext uri="{FF2B5EF4-FFF2-40B4-BE49-F238E27FC236}">
-                <a16:creationId xmlns:a16="http://schemas.microsoft.com/office/drawing/2014/main" id="{85EC36C5-3908-236C-6E61-255266B6F5C0}"/>
+          <p:cNvPr id="4" name="그림 3">
+            <a:extLst>
+              <a:ext uri="{FF2B5EF4-FFF2-40B4-BE49-F238E27FC236}">
+                <a16:creationId xmlns:a16="http://schemas.microsoft.com/office/drawing/2014/main" id="{1C63FF26-B1D5-2298-45D9-17EA4387B512}"/>
               </a:ext>
             </a:extLst>
           </p:cNvPr>
@@ -11686,8 +9524,8 @@
         </p:blipFill>
         <p:spPr>
           <a:xfrm>
-            <a:off x="508000" y="1192518"/>
-            <a:ext cx="4783617" cy="2805131"/>
+            <a:off x="2042919" y="1188238"/>
+            <a:ext cx="7429346" cy="4053428"/>
           </a:xfrm>
           <a:prstGeom prst="rect">
             <a:avLst/>
@@ -11696,10 +9534,10 @@
       </p:pic>
       <p:pic>
         <p:nvPicPr>
-          <p:cNvPr id="12" name="그림 11">
-            <a:extLst>
-              <a:ext uri="{FF2B5EF4-FFF2-40B4-BE49-F238E27FC236}">
-                <a16:creationId xmlns:a16="http://schemas.microsoft.com/office/drawing/2014/main" id="{614E0259-C7FB-81A9-CBC5-FBA3474C347C}"/>
+          <p:cNvPr id="6" name="그림 5">
+            <a:extLst>
+              <a:ext uri="{FF2B5EF4-FFF2-40B4-BE49-F238E27FC236}">
+                <a16:creationId xmlns:a16="http://schemas.microsoft.com/office/drawing/2014/main" id="{D4792201-F573-E875-8BE3-222544516080}"/>
               </a:ext>
             </a:extLst>
           </p:cNvPr>
@@ -11716,121 +9554,189 @@
         </p:blipFill>
         <p:spPr>
           <a:xfrm>
-            <a:off x="6489209" y="1148725"/>
-            <a:ext cx="4765436" cy="2848923"/>
+            <a:off x="1550150" y="859461"/>
+            <a:ext cx="8340436" cy="5138542"/>
           </a:xfrm>
           <a:prstGeom prst="rect">
             <a:avLst/>
           </a:prstGeom>
         </p:spPr>
       </p:pic>
-      <p:cxnSp>
-        <p:nvCxnSpPr>
-          <p:cNvPr id="3" name="직선 연결선 2">
-            <a:extLst>
-              <a:ext uri="{FF2B5EF4-FFF2-40B4-BE49-F238E27FC236}">
-                <a16:creationId xmlns:a16="http://schemas.microsoft.com/office/drawing/2014/main" id="{A45D5781-A98B-CBA1-C5E6-F1BF093E43CE}"/>
-              </a:ext>
-            </a:extLst>
-          </p:cNvPr>
-          <p:cNvCxnSpPr>
-            <a:cxnSpLocks/>
-          </p:cNvCxnSpPr>
+      <p:sp>
+        <p:nvSpPr>
+          <p:cNvPr id="7" name="TextBox 6">
+            <a:extLst>
+              <a:ext uri="{FF2B5EF4-FFF2-40B4-BE49-F238E27FC236}">
+                <a16:creationId xmlns:a16="http://schemas.microsoft.com/office/drawing/2014/main" id="{78CED026-E715-99FC-AF50-122035D8EED2}"/>
+              </a:ext>
+            </a:extLst>
+          </p:cNvPr>
+          <p:cNvSpPr txBox="1"/>
           <p:nvPr/>
-        </p:nvCxnSpPr>
-        <p:spPr>
-          <a:xfrm>
-            <a:off x="5770340" y="46932"/>
-            <a:ext cx="0" cy="4914502"/>
-          </a:xfrm>
-          <a:prstGeom prst="line">
-            <a:avLst/>
-          </a:prstGeom>
-          <a:ln w="12700">
-            <a:solidFill>
-              <a:srgbClr val="5F0080"/>
-            </a:solidFill>
-          </a:ln>
-        </p:spPr>
-        <p:style>
-          <a:lnRef idx="1">
-            <a:schemeClr val="accent1"/>
-          </a:lnRef>
-          <a:fillRef idx="0">
-            <a:schemeClr val="accent1"/>
-          </a:fillRef>
-          <a:effectRef idx="0">
-            <a:schemeClr val="accent1"/>
-          </a:effectRef>
-          <a:fontRef idx="minor">
-            <a:schemeClr val="tx1"/>
-          </a:fontRef>
-        </p:style>
-      </p:cxnSp>
-      <p:pic>
-        <p:nvPicPr>
-          <p:cNvPr id="13" name="그림 12">
-            <a:extLst>
-              <a:ext uri="{FF2B5EF4-FFF2-40B4-BE49-F238E27FC236}">
-                <a16:creationId xmlns:a16="http://schemas.microsoft.com/office/drawing/2014/main" id="{B4B90520-2153-B7BF-850C-1AF2440E93F7}"/>
-              </a:ext>
-            </a:extLst>
-          </p:cNvPr>
-          <p:cNvPicPr>
-            <a:picLocks noChangeAspect="1"/>
-          </p:cNvPicPr>
-          <p:nvPr/>
-        </p:nvPicPr>
-        <p:blipFill>
-          <a:blip r:embed="rId4"/>
-          <a:stretch>
-            <a:fillRect/>
-          </a:stretch>
-        </p:blipFill>
-        <p:spPr>
-          <a:xfrm>
-            <a:off x="230909" y="969818"/>
-            <a:ext cx="5320944" cy="3519056"/>
+        </p:nvSpPr>
+        <p:spPr>
+          <a:xfrm>
+            <a:off x="3433524" y="6061886"/>
+            <a:ext cx="4573688" cy="453650"/>
           </a:xfrm>
           <a:prstGeom prst="rect">
             <a:avLst/>
           </a:prstGeom>
-        </p:spPr>
-      </p:pic>
-      <p:pic>
-        <p:nvPicPr>
-          <p:cNvPr id="14" name="그림 13">
-            <a:extLst>
-              <a:ext uri="{FF2B5EF4-FFF2-40B4-BE49-F238E27FC236}">
-                <a16:creationId xmlns:a16="http://schemas.microsoft.com/office/drawing/2014/main" id="{5C87B8F0-E6B0-8BAB-B627-D4D15217925C}"/>
-              </a:ext>
-            </a:extLst>
-          </p:cNvPr>
-          <p:cNvPicPr>
-            <a:picLocks noChangeAspect="1"/>
-          </p:cNvPicPr>
+          <a:noFill/>
+        </p:spPr>
+        <p:txBody>
+          <a:bodyPr wrap="none" rtlCol="0">
+            <a:spAutoFit/>
+          </a:bodyPr>
+          <a:lstStyle/>
+          <a:p>
+            <a:pPr algn="ctr">
+              <a:lnSpc>
+                <a:spcPct val="130000"/>
+              </a:lnSpc>
+            </a:pPr>
+            <a:r>
+              <a:rPr lang="ko-KR" altLang="en-US" sz="2000" b="1" spc="-50" dirty="0" err="1">
+                <a:ln>
+                  <a:solidFill>
+                    <a:srgbClr val="5F0080">
+                      <a:alpha val="0"/>
+                    </a:srgbClr>
+                  </a:solidFill>
+                </a:ln>
+                <a:solidFill>
+                  <a:schemeClr val="bg1"/>
+                </a:solidFill>
+                <a:latin typeface="Noto Sans KR" panose="020B0200000000000000" pitchFamily="50" charset="-127"/>
+                <a:ea typeface="Noto Sans KR" panose="020B0200000000000000" pitchFamily="50" charset="-127"/>
+              </a:rPr>
+              <a:t>직업칸을</a:t>
+            </a:r>
+            <a:r>
+              <a:rPr lang="ko-KR" altLang="en-US" sz="2000" b="1" spc="-50" dirty="0">
+                <a:ln>
+                  <a:solidFill>
+                    <a:srgbClr val="5F0080">
+                      <a:alpha val="0"/>
+                    </a:srgbClr>
+                  </a:solidFill>
+                </a:ln>
+                <a:solidFill>
+                  <a:schemeClr val="bg1"/>
+                </a:solidFill>
+                <a:latin typeface="Noto Sans KR" panose="020B0200000000000000" pitchFamily="50" charset="-127"/>
+                <a:ea typeface="Noto Sans KR" panose="020B0200000000000000" pitchFamily="50" charset="-127"/>
+              </a:rPr>
+              <a:t> 클릭하여 원하는 직업을 선택한다</a:t>
+            </a:r>
+            <a:endParaRPr lang="en-US" altLang="ko-KR" sz="2000" spc="-50" dirty="0">
+              <a:ln>
+                <a:solidFill>
+                  <a:srgbClr val="5F0080">
+                    <a:alpha val="0"/>
+                  </a:srgbClr>
+                </a:solidFill>
+              </a:ln>
+              <a:solidFill>
+                <a:schemeClr val="bg1"/>
+              </a:solidFill>
+              <a:latin typeface="Noto Sans KR" panose="020B0200000000000000" pitchFamily="50" charset="-127"/>
+              <a:ea typeface="Noto Sans KR" panose="020B0200000000000000" pitchFamily="50" charset="-127"/>
+            </a:endParaRPr>
+          </a:p>
+        </p:txBody>
+      </p:sp>
+      <p:sp>
+        <p:nvSpPr>
+          <p:cNvPr id="8" name="TextBox 7">
+            <a:extLst>
+              <a:ext uri="{FF2B5EF4-FFF2-40B4-BE49-F238E27FC236}">
+                <a16:creationId xmlns:a16="http://schemas.microsoft.com/office/drawing/2014/main" id="{AF9784D7-92BC-ECD1-E776-3F43533C89EC}"/>
+              </a:ext>
+            </a:extLst>
+          </p:cNvPr>
+          <p:cNvSpPr txBox="1"/>
           <p:nvPr/>
-        </p:nvPicPr>
-        <p:blipFill>
-          <a:blip r:embed="rId4"/>
-          <a:stretch>
-            <a:fillRect/>
-          </a:stretch>
-        </p:blipFill>
-        <p:spPr>
-          <a:xfrm>
-            <a:off x="6211455" y="969818"/>
-            <a:ext cx="5320944" cy="3519056"/>
+        </p:nvSpPr>
+        <p:spPr>
+          <a:xfrm>
+            <a:off x="5171558" y="322417"/>
+            <a:ext cx="1097620" cy="372655"/>
           </a:xfrm>
           <a:prstGeom prst="rect">
             <a:avLst/>
           </a:prstGeom>
-        </p:spPr>
-      </p:pic>
+          <a:noFill/>
+        </p:spPr>
+        <p:txBody>
+          <a:bodyPr wrap="none" rtlCol="0" anchor="ctr">
+            <a:noAutofit/>
+          </a:bodyPr>
+          <a:lstStyle/>
+          <a:p>
+            <a:pPr algn="ctr">
+              <a:lnSpc>
+                <a:spcPct val="110000"/>
+              </a:lnSpc>
+            </a:pPr>
+            <a:r>
+              <a:rPr lang="en-US" altLang="ko-KR" sz="2800" b="1" spc="-80" dirty="0">
+                <a:ln>
+                  <a:solidFill>
+                    <a:srgbClr val="5F0080">
+                      <a:alpha val="0"/>
+                    </a:srgbClr>
+                  </a:solidFill>
+                </a:ln>
+                <a:solidFill>
+                  <a:schemeClr val="tx1">
+                    <a:lumMod val="85000"/>
+                    <a:lumOff val="15000"/>
+                  </a:schemeClr>
+                </a:solidFill>
+                <a:latin typeface="Noto Sans KR" panose="020B0200000000000000" pitchFamily="50" charset="-127"/>
+                <a:ea typeface="Noto Sans KR" panose="020B0200000000000000" pitchFamily="50" charset="-127"/>
+              </a:rPr>
+              <a:t>Step </a:t>
+            </a:r>
+            <a:r>
+              <a:rPr lang="en-US" altLang="ko-KR" sz="2800" b="1" spc="-80" dirty="0">
+                <a:ln>
+                  <a:solidFill>
+                    <a:srgbClr val="5F0080">
+                      <a:alpha val="0"/>
+                    </a:srgbClr>
+                  </a:solidFill>
+                </a:ln>
+                <a:solidFill>
+                  <a:srgbClr val="00B0F0"/>
+                </a:solidFill>
+                <a:latin typeface="Noto Sans KR" panose="020B0200000000000000" pitchFamily="50" charset="-127"/>
+                <a:ea typeface="Noto Sans KR" panose="020B0200000000000000" pitchFamily="50" charset="-127"/>
+              </a:rPr>
+              <a:t>2</a:t>
+            </a:r>
+            <a:endParaRPr lang="en-US" altLang="ko-KR" sz="2800" b="1" spc="-80" dirty="0">
+              <a:ln>
+                <a:solidFill>
+                  <a:srgbClr val="5F0080">
+                    <a:alpha val="0"/>
+                  </a:srgbClr>
+                </a:solidFill>
+              </a:ln>
+              <a:solidFill>
+                <a:srgbClr val="5F0080"/>
+              </a:solidFill>
+              <a:latin typeface="Noto Sans KR" panose="020B0200000000000000" pitchFamily="50" charset="-127"/>
+              <a:ea typeface="Noto Sans KR" panose="020B0200000000000000" pitchFamily="50" charset="-127"/>
+            </a:endParaRPr>
+          </a:p>
+        </p:txBody>
+      </p:sp>
     </p:spTree>
     <p:extLst>
       <p:ext uri="{BB962C8B-B14F-4D97-AF65-F5344CB8AC3E}">
-        <p14:creationId xmlns:p14="http://schemas.microsoft.com/office/powerpoint/2010/main" val="1336998296"/>
+        <p14:creationId xmlns:p14="http://schemas.microsoft.com/office/powerpoint/2010/main" val="1391296875"/>
       </p:ext>
     </p:extLst>
   </p:cSld>
@@ -11870,9 +9776,9 @@
           <p:nvPr/>
         </p:nvSpPr>
         <p:spPr>
-          <a:xfrm flipV="1">
-            <a:off x="-1" y="3732244"/>
-            <a:ext cx="12192001" cy="3125754"/>
+          <a:xfrm>
+            <a:off x="0" y="3051060"/>
+            <a:ext cx="12192001" cy="2506672"/>
           </a:xfrm>
           <a:prstGeom prst="rect">
             <a:avLst/>
@@ -11913,10 +9819,10 @@
       </p:sp>
       <p:sp>
         <p:nvSpPr>
-          <p:cNvPr id="21" name="직사각형 20">
-            <a:extLst>
-              <a:ext uri="{FF2B5EF4-FFF2-40B4-BE49-F238E27FC236}">
-                <a16:creationId xmlns:a16="http://schemas.microsoft.com/office/drawing/2014/main" id="{027BA219-B386-4835-83B6-EC8AA96BA769}"/>
+          <p:cNvPr id="32" name="직사각형 31">
+            <a:extLst>
+              <a:ext uri="{FF2B5EF4-FFF2-40B4-BE49-F238E27FC236}">
+                <a16:creationId xmlns:a16="http://schemas.microsoft.com/office/drawing/2014/main" id="{DF506191-7123-4B7A-82AE-2E95C3BCF629}"/>
               </a:ext>
             </a:extLst>
           </p:cNvPr>
@@ -11926,7 +9832,7 @@
         <p:spPr>
           <a:xfrm>
             <a:off x="0" y="0"/>
-            <a:ext cx="2682240" cy="6857999"/>
+            <a:ext cx="12192000" cy="184941"/>
           </a:xfrm>
           <a:prstGeom prst="rect">
             <a:avLst/>
@@ -11965,569 +9871,62 @@
       </p:sp>
       <p:sp>
         <p:nvSpPr>
-          <p:cNvPr id="22" name="TextBox 21">
-            <a:extLst>
-              <a:ext uri="{FF2B5EF4-FFF2-40B4-BE49-F238E27FC236}">
-                <a16:creationId xmlns:a16="http://schemas.microsoft.com/office/drawing/2014/main" id="{681A4676-13EE-419E-B470-AE48D6C3F5A1}"/>
-              </a:ext>
-            </a:extLst>
-          </p:cNvPr>
-          <p:cNvSpPr txBox="1"/>
+          <p:cNvPr id="9" name="직사각형 8">
+            <a:extLst>
+              <a:ext uri="{FF2B5EF4-FFF2-40B4-BE49-F238E27FC236}">
+                <a16:creationId xmlns:a16="http://schemas.microsoft.com/office/drawing/2014/main" id="{6E0429CD-A3E9-5AE0-6F40-536B92F8E5A4}"/>
+              </a:ext>
+            </a:extLst>
+          </p:cNvPr>
+          <p:cNvSpPr/>
           <p:nvPr/>
         </p:nvSpPr>
         <p:spPr>
           <a:xfrm>
-            <a:off x="4869255" y="310552"/>
-            <a:ext cx="3818994" cy="565026"/>
+            <a:off x="0" y="4351328"/>
+            <a:ext cx="12192000" cy="2506672"/>
           </a:xfrm>
           <a:prstGeom prst="rect">
             <a:avLst/>
           </a:prstGeom>
-          <a:noFill/>
-        </p:spPr>
-        <p:txBody>
-          <a:bodyPr wrap="none" rtlCol="0">
-            <a:spAutoFit/>
-          </a:bodyPr>
-          <a:lstStyle/>
-          <a:p>
-            <a:pPr>
-              <a:lnSpc>
-                <a:spcPct val="110000"/>
-              </a:lnSpc>
-            </a:pPr>
-            <a:r>
-              <a:rPr lang="ko-KR" altLang="en-US" sz="3000" b="1" spc="-80" dirty="0">
-                <a:ln>
-                  <a:solidFill>
-                    <a:srgbClr val="5F0080">
-                      <a:alpha val="0"/>
-                    </a:srgbClr>
-                  </a:solidFill>
-                </a:ln>
-                <a:solidFill>
-                  <a:srgbClr val="00B0F0"/>
-                </a:solidFill>
-                <a:latin typeface="Noto Sans KR" panose="020B0200000000000000" pitchFamily="50" charset="-127"/>
-                <a:ea typeface="Noto Sans KR" panose="020B0200000000000000" pitchFamily="50" charset="-127"/>
-              </a:rPr>
-              <a:t>빠른 시뮬레이션 </a:t>
-            </a:r>
-            <a:r>
-              <a:rPr lang="ko-KR" altLang="en-US" sz="3000" b="1" spc="-80" dirty="0">
-                <a:ln>
-                  <a:solidFill>
-                    <a:srgbClr val="5F0080">
-                      <a:alpha val="0"/>
-                    </a:srgbClr>
-                  </a:solidFill>
-                </a:ln>
-                <a:solidFill>
-                  <a:schemeClr val="tx1">
-                    <a:lumMod val="85000"/>
-                    <a:lumOff val="15000"/>
-                  </a:schemeClr>
-                </a:solidFill>
-                <a:latin typeface="Noto Sans KR" panose="020B0200000000000000" pitchFamily="50" charset="-127"/>
-                <a:ea typeface="Noto Sans KR" panose="020B0200000000000000" pitchFamily="50" charset="-127"/>
-              </a:rPr>
-              <a:t>돌리기</a:t>
-            </a:r>
-            <a:endParaRPr lang="en-US" altLang="ko-KR" sz="3000" b="1" spc="-80" dirty="0">
-              <a:ln>
-                <a:solidFill>
-                  <a:srgbClr val="5F0080">
-                    <a:alpha val="0"/>
-                  </a:srgbClr>
-                </a:solidFill>
-              </a:ln>
-              <a:solidFill>
-                <a:srgbClr val="00B0F0"/>
-              </a:solidFill>
-              <a:latin typeface="Noto Sans KR" panose="020B0200000000000000" pitchFamily="50" charset="-127"/>
-              <a:ea typeface="Noto Sans KR" panose="020B0200000000000000" pitchFamily="50" charset="-127"/>
-            </a:endParaRPr>
-          </a:p>
-        </p:txBody>
-      </p:sp>
-      <p:sp>
-        <p:nvSpPr>
-          <p:cNvPr id="23" name="TextBox 22">
-            <a:extLst>
-              <a:ext uri="{FF2B5EF4-FFF2-40B4-BE49-F238E27FC236}">
-                <a16:creationId xmlns:a16="http://schemas.microsoft.com/office/drawing/2014/main" id="{BDE4DBB7-F7BA-410B-AFDE-0CC26C23E042}"/>
-              </a:ext>
-            </a:extLst>
-          </p:cNvPr>
-          <p:cNvSpPr txBox="1"/>
-          <p:nvPr/>
-        </p:nvSpPr>
-        <p:spPr>
-          <a:xfrm>
-            <a:off x="4869255" y="1336130"/>
-            <a:ext cx="6546890" cy="983474"/>
-          </a:xfrm>
-          <a:prstGeom prst="rect">
-            <a:avLst/>
-          </a:prstGeom>
-          <a:noFill/>
-        </p:spPr>
-        <p:txBody>
-          <a:bodyPr wrap="square" rtlCol="0">
-            <a:spAutoFit/>
-          </a:bodyPr>
-          <a:lstStyle/>
-          <a:p>
-            <a:pPr>
-              <a:lnSpc>
-                <a:spcPct val="130000"/>
-              </a:lnSpc>
-            </a:pPr>
-            <a:r>
-              <a:rPr lang="ko-KR" altLang="en-US" sz="1600" b="1" spc="-80" dirty="0">
-                <a:ln>
-                  <a:solidFill>
-                    <a:srgbClr val="5F0080">
-                      <a:alpha val="0"/>
-                    </a:srgbClr>
-                  </a:solidFill>
-                </a:ln>
-                <a:solidFill>
-                  <a:srgbClr val="00B0F0"/>
-                </a:solidFill>
-                <a:latin typeface="Noto Sans KR" panose="020B0200000000000000" pitchFamily="50" charset="-127"/>
-                <a:ea typeface="Noto Sans KR" panose="020B0200000000000000" pitchFamily="50" charset="-127"/>
-              </a:rPr>
-              <a:t>빠른 시뮬레이션</a:t>
-            </a:r>
-            <a:r>
-              <a:rPr lang="ko-KR" altLang="en-US" sz="1500" spc="-50" dirty="0">
-                <a:ln>
-                  <a:solidFill>
-                    <a:srgbClr val="5F0080">
-                      <a:alpha val="0"/>
-                    </a:srgbClr>
-                  </a:solidFill>
-                </a:ln>
-                <a:solidFill>
-                  <a:schemeClr val="tx1">
-                    <a:lumMod val="85000"/>
-                    <a:lumOff val="15000"/>
-                  </a:schemeClr>
-                </a:solidFill>
-                <a:latin typeface="Noto Sans KR" panose="020B0200000000000000" pitchFamily="50" charset="-127"/>
-                <a:ea typeface="Noto Sans KR" panose="020B0200000000000000" pitchFamily="50" charset="-127"/>
-              </a:rPr>
-              <a:t>은 각 장비 부위마다 원하는 템을 선택한 이후 </a:t>
-            </a:r>
-            <a:endParaRPr lang="en-US" altLang="ko-KR" sz="1500" spc="-50" dirty="0">
-              <a:ln>
-                <a:solidFill>
-                  <a:srgbClr val="5F0080">
-                    <a:alpha val="0"/>
-                  </a:srgbClr>
-                </a:solidFill>
-              </a:ln>
-              <a:solidFill>
-                <a:schemeClr val="tx1">
-                  <a:lumMod val="85000"/>
-                  <a:lumOff val="15000"/>
-                </a:schemeClr>
-              </a:solidFill>
-              <a:latin typeface="Noto Sans KR" panose="020B0200000000000000" pitchFamily="50" charset="-127"/>
-              <a:ea typeface="Noto Sans KR" panose="020B0200000000000000" pitchFamily="50" charset="-127"/>
-            </a:endParaRPr>
-          </a:p>
-          <a:p>
-            <a:pPr>
-              <a:lnSpc>
-                <a:spcPct val="130000"/>
-              </a:lnSpc>
-            </a:pPr>
-            <a:r>
-              <a:rPr lang="ko-KR" altLang="en-US" sz="1500" spc="-50" dirty="0">
-                <a:ln>
-                  <a:solidFill>
-                    <a:srgbClr val="5F0080">
-                      <a:alpha val="0"/>
-                    </a:srgbClr>
-                  </a:solidFill>
-                </a:ln>
-                <a:solidFill>
-                  <a:schemeClr val="tx1">
-                    <a:lumMod val="85000"/>
-                    <a:lumOff val="15000"/>
-                  </a:schemeClr>
-                </a:solidFill>
-                <a:latin typeface="Noto Sans KR" panose="020B0200000000000000" pitchFamily="50" charset="-127"/>
-                <a:ea typeface="Noto Sans KR" panose="020B0200000000000000" pitchFamily="50" charset="-127"/>
-              </a:rPr>
-              <a:t>해당 장비로 뽑을 수 있는 </a:t>
-            </a:r>
-            <a:r>
-              <a:rPr lang="en-US" altLang="ko-KR" sz="1500" spc="-50" dirty="0">
-                <a:ln>
-                  <a:solidFill>
-                    <a:srgbClr val="5F0080">
-                      <a:alpha val="0"/>
-                    </a:srgbClr>
-                  </a:solidFill>
-                </a:ln>
-                <a:solidFill>
-                  <a:schemeClr val="tx1">
-                    <a:lumMod val="85000"/>
-                    <a:lumOff val="15000"/>
-                  </a:schemeClr>
-                </a:solidFill>
-                <a:latin typeface="Noto Sans KR" panose="020B0200000000000000" pitchFamily="50" charset="-127"/>
-                <a:ea typeface="Noto Sans KR" panose="020B0200000000000000" pitchFamily="50" charset="-127"/>
-              </a:rPr>
-              <a:t>DPS(Damage per Second),</a:t>
-            </a:r>
-            <a:r>
-              <a:rPr lang="ko-KR" altLang="en-US" sz="1500" spc="-50" dirty="0">
-                <a:ln>
-                  <a:solidFill>
-                    <a:srgbClr val="5F0080">
-                      <a:alpha val="0"/>
-                    </a:srgbClr>
-                  </a:solidFill>
-                </a:ln>
-                <a:solidFill>
-                  <a:schemeClr val="tx1">
-                    <a:lumMod val="85000"/>
-                    <a:lumOff val="15000"/>
-                  </a:schemeClr>
-                </a:solidFill>
-                <a:latin typeface="Noto Sans KR" panose="020B0200000000000000" pitchFamily="50" charset="-127"/>
-                <a:ea typeface="Noto Sans KR" panose="020B0200000000000000" pitchFamily="50" charset="-127"/>
-              </a:rPr>
-              <a:t> </a:t>
-            </a:r>
-            <a:r>
-              <a:rPr lang="ko-KR" altLang="en-US" sz="1500" spc="-50" dirty="0" err="1">
-                <a:ln>
-                  <a:solidFill>
-                    <a:srgbClr val="5F0080">
-                      <a:alpha val="0"/>
-                    </a:srgbClr>
-                  </a:solidFill>
-                </a:ln>
-                <a:solidFill>
-                  <a:schemeClr val="tx1">
-                    <a:lumMod val="85000"/>
-                    <a:lumOff val="15000"/>
-                  </a:schemeClr>
-                </a:solidFill>
-                <a:latin typeface="Noto Sans KR" panose="020B0200000000000000" pitchFamily="50" charset="-127"/>
-                <a:ea typeface="Noto Sans KR" panose="020B0200000000000000" pitchFamily="50" charset="-127"/>
-              </a:rPr>
-              <a:t>딜사이클</a:t>
-            </a:r>
-            <a:r>
-              <a:rPr lang="en-US" altLang="ko-KR" sz="1500" spc="-50" dirty="0">
-                <a:ln>
-                  <a:solidFill>
-                    <a:srgbClr val="5F0080">
-                      <a:alpha val="0"/>
-                    </a:srgbClr>
-                  </a:solidFill>
-                </a:ln>
-                <a:solidFill>
-                  <a:schemeClr val="tx1">
-                    <a:lumMod val="85000"/>
-                    <a:lumOff val="15000"/>
-                  </a:schemeClr>
-                </a:solidFill>
-                <a:latin typeface="Noto Sans KR" panose="020B0200000000000000" pitchFamily="50" charset="-127"/>
-                <a:ea typeface="Noto Sans KR" panose="020B0200000000000000" pitchFamily="50" charset="-127"/>
-              </a:rPr>
-              <a:t>, </a:t>
-            </a:r>
-            <a:r>
-              <a:rPr lang="ko-KR" altLang="en-US" sz="1500" spc="-50" dirty="0">
-                <a:ln>
-                  <a:solidFill>
-                    <a:srgbClr val="5F0080">
-                      <a:alpha val="0"/>
-                    </a:srgbClr>
-                  </a:solidFill>
-                </a:ln>
-                <a:solidFill>
-                  <a:schemeClr val="tx1">
-                    <a:lumMod val="85000"/>
-                    <a:lumOff val="15000"/>
-                  </a:schemeClr>
-                </a:solidFill>
-                <a:latin typeface="Noto Sans KR" panose="020B0200000000000000" pitchFamily="50" charset="-127"/>
-                <a:ea typeface="Noto Sans KR" panose="020B0200000000000000" pitchFamily="50" charset="-127"/>
-              </a:rPr>
-              <a:t>각 스킬들의 비중을</a:t>
-            </a:r>
-            <a:endParaRPr lang="en-US" altLang="ko-KR" sz="1500" spc="-50" dirty="0">
-              <a:ln>
-                <a:solidFill>
-                  <a:srgbClr val="5F0080">
-                    <a:alpha val="0"/>
-                  </a:srgbClr>
-                </a:solidFill>
-              </a:ln>
-              <a:solidFill>
-                <a:schemeClr val="tx1">
-                  <a:lumMod val="85000"/>
-                  <a:lumOff val="15000"/>
-                </a:schemeClr>
-              </a:solidFill>
-              <a:latin typeface="Noto Sans KR" panose="020B0200000000000000" pitchFamily="50" charset="-127"/>
-              <a:ea typeface="Noto Sans KR" panose="020B0200000000000000" pitchFamily="50" charset="-127"/>
-            </a:endParaRPr>
-          </a:p>
-          <a:p>
-            <a:pPr>
-              <a:lnSpc>
-                <a:spcPct val="130000"/>
-              </a:lnSpc>
-            </a:pPr>
-            <a:r>
-              <a:rPr lang="ko-KR" altLang="en-US" sz="1500" spc="-50" dirty="0">
-                <a:ln>
-                  <a:solidFill>
-                    <a:srgbClr val="5F0080">
-                      <a:alpha val="0"/>
-                    </a:srgbClr>
-                  </a:solidFill>
-                </a:ln>
-                <a:solidFill>
-                  <a:schemeClr val="tx1">
-                    <a:lumMod val="85000"/>
-                    <a:lumOff val="15000"/>
-                  </a:schemeClr>
-                </a:solidFill>
-                <a:latin typeface="Noto Sans KR" panose="020B0200000000000000" pitchFamily="50" charset="-127"/>
-                <a:ea typeface="Noto Sans KR" panose="020B0200000000000000" pitchFamily="50" charset="-127"/>
-              </a:rPr>
-              <a:t>제공함으로써 사용자의 퍼포먼스를 가늠할 수 있게 도와준다</a:t>
-            </a:r>
-            <a:r>
-              <a:rPr lang="en-US" altLang="ko-KR" sz="1500" spc="-50" dirty="0">
-                <a:ln>
-                  <a:solidFill>
-                    <a:srgbClr val="5F0080">
-                      <a:alpha val="0"/>
-                    </a:srgbClr>
-                  </a:solidFill>
-                </a:ln>
-                <a:solidFill>
-                  <a:schemeClr val="tx1">
-                    <a:lumMod val="85000"/>
-                    <a:lumOff val="15000"/>
-                  </a:schemeClr>
-                </a:solidFill>
-                <a:latin typeface="Noto Sans KR" panose="020B0200000000000000" pitchFamily="50" charset="-127"/>
-                <a:ea typeface="Noto Sans KR" panose="020B0200000000000000" pitchFamily="50" charset="-127"/>
-              </a:rPr>
-              <a:t>.</a:t>
-            </a:r>
-            <a:endParaRPr lang="ko-KR" altLang="en-US" sz="1500" spc="-50" dirty="0">
-              <a:ln>
-                <a:solidFill>
-                  <a:srgbClr val="5F0080">
-                    <a:alpha val="0"/>
-                  </a:srgbClr>
-                </a:solidFill>
-              </a:ln>
-              <a:solidFill>
-                <a:schemeClr val="tx1">
-                  <a:lumMod val="85000"/>
-                  <a:lumOff val="15000"/>
-                </a:schemeClr>
-              </a:solidFill>
-              <a:latin typeface="Noto Sans KR" panose="020B0200000000000000" pitchFamily="50" charset="-127"/>
-              <a:ea typeface="Noto Sans KR" panose="020B0200000000000000" pitchFamily="50" charset="-127"/>
-            </a:endParaRPr>
-          </a:p>
-        </p:txBody>
-      </p:sp>
-      <p:sp>
-        <p:nvSpPr>
-          <p:cNvPr id="24" name="TextBox 23">
-            <a:extLst>
-              <a:ext uri="{FF2B5EF4-FFF2-40B4-BE49-F238E27FC236}">
-                <a16:creationId xmlns:a16="http://schemas.microsoft.com/office/drawing/2014/main" id="{2EC91375-63AF-4292-AFA1-D258D12CC67B}"/>
-              </a:ext>
-            </a:extLst>
-          </p:cNvPr>
-          <p:cNvSpPr txBox="1"/>
-          <p:nvPr/>
-        </p:nvSpPr>
-        <p:spPr>
-          <a:xfrm>
-            <a:off x="4869255" y="4819947"/>
-            <a:ext cx="4935967" cy="1407821"/>
-          </a:xfrm>
-          <a:prstGeom prst="rect">
-            <a:avLst/>
-          </a:prstGeom>
-          <a:noFill/>
-        </p:spPr>
-        <p:txBody>
-          <a:bodyPr wrap="none" rtlCol="0">
-            <a:spAutoFit/>
-          </a:bodyPr>
-          <a:lstStyle/>
-          <a:p>
-            <a:pPr marL="285750" indent="-285750">
-              <a:lnSpc>
-                <a:spcPct val="120000"/>
-              </a:lnSpc>
-              <a:spcAft>
-                <a:spcPts val="600"/>
-              </a:spcAft>
-              <a:buFont typeface="Wingdings" panose="05000000000000000000" pitchFamily="2" charset="2"/>
-              <a:buChar char="ü"/>
-            </a:pPr>
-            <a:r>
-              <a:rPr lang="ko-KR" altLang="en-US" sz="1500" spc="-50" dirty="0">
-                <a:ln>
-                  <a:solidFill>
-                    <a:srgbClr val="5F0080">
-                      <a:alpha val="0"/>
-                    </a:srgbClr>
-                  </a:solidFill>
-                </a:ln>
-                <a:solidFill>
-                  <a:schemeClr val="tx1">
-                    <a:lumMod val="85000"/>
-                    <a:lumOff val="15000"/>
-                  </a:schemeClr>
-                </a:solidFill>
-                <a:latin typeface="Noto Sans KR" panose="020B0200000000000000" pitchFamily="50" charset="-127"/>
-                <a:ea typeface="Noto Sans KR" panose="020B0200000000000000" pitchFamily="50" charset="-127"/>
-              </a:rPr>
-              <a:t>결과값의 일관성을 유지한다</a:t>
-            </a:r>
-          </a:p>
-          <a:p>
-            <a:pPr marL="285750" indent="-285750">
-              <a:lnSpc>
-                <a:spcPct val="120000"/>
-              </a:lnSpc>
-              <a:spcAft>
-                <a:spcPts val="600"/>
-              </a:spcAft>
-              <a:buFont typeface="Wingdings" panose="05000000000000000000" pitchFamily="2" charset="2"/>
-              <a:buChar char="ü"/>
-            </a:pPr>
-            <a:r>
-              <a:rPr lang="ko-KR" altLang="en-US" sz="1500" spc="-50" dirty="0">
-                <a:ln>
-                  <a:solidFill>
-                    <a:srgbClr val="5F0080">
-                      <a:alpha val="0"/>
-                    </a:srgbClr>
-                  </a:solidFill>
-                </a:ln>
-                <a:solidFill>
-                  <a:schemeClr val="tx1">
-                    <a:lumMod val="85000"/>
-                    <a:lumOff val="15000"/>
-                  </a:schemeClr>
-                </a:solidFill>
-                <a:latin typeface="Noto Sans KR" panose="020B0200000000000000" pitchFamily="50" charset="-127"/>
-                <a:ea typeface="Noto Sans KR" panose="020B0200000000000000" pitchFamily="50" charset="-127"/>
-              </a:rPr>
-              <a:t>보편적인 사용성을 추구한다</a:t>
-            </a:r>
-          </a:p>
-          <a:p>
-            <a:pPr marL="285750" indent="-285750">
-              <a:lnSpc>
-                <a:spcPct val="120000"/>
-              </a:lnSpc>
-              <a:spcAft>
-                <a:spcPts val="600"/>
-              </a:spcAft>
-              <a:buFont typeface="Wingdings" panose="05000000000000000000" pitchFamily="2" charset="2"/>
-              <a:buChar char="ü"/>
-            </a:pPr>
-            <a:r>
-              <a:rPr lang="ko-KR" altLang="en-US" sz="1500" spc="-50" dirty="0">
-                <a:ln>
-                  <a:solidFill>
-                    <a:srgbClr val="5F0080">
-                      <a:alpha val="0"/>
-                    </a:srgbClr>
-                  </a:solidFill>
-                </a:ln>
-                <a:solidFill>
-                  <a:schemeClr val="tx1">
-                    <a:lumMod val="85000"/>
-                    <a:lumOff val="15000"/>
-                  </a:schemeClr>
-                </a:solidFill>
-                <a:latin typeface="Noto Sans KR" panose="020B0200000000000000" pitchFamily="50" charset="-127"/>
-                <a:ea typeface="Noto Sans KR" panose="020B0200000000000000" pitchFamily="50" charset="-127"/>
-              </a:rPr>
-              <a:t>유용한 피드백을 제공한다</a:t>
-            </a:r>
-          </a:p>
-          <a:p>
-            <a:pPr marL="285750" indent="-285750">
-              <a:lnSpc>
-                <a:spcPct val="120000"/>
-              </a:lnSpc>
-              <a:spcAft>
-                <a:spcPts val="600"/>
-              </a:spcAft>
-              <a:buFont typeface="Wingdings" panose="05000000000000000000" pitchFamily="2" charset="2"/>
-              <a:buChar char="ü"/>
-            </a:pPr>
-            <a:r>
-              <a:rPr lang="ko-KR" altLang="en-US" sz="1500" spc="-50" dirty="0">
-                <a:ln>
-                  <a:solidFill>
-                    <a:srgbClr val="5F0080">
-                      <a:alpha val="0"/>
-                    </a:srgbClr>
-                  </a:solidFill>
-                </a:ln>
-                <a:solidFill>
-                  <a:schemeClr val="tx1">
-                    <a:lumMod val="85000"/>
-                    <a:lumOff val="15000"/>
-                  </a:schemeClr>
-                </a:solidFill>
-                <a:latin typeface="Noto Sans KR" panose="020B0200000000000000" pitchFamily="50" charset="-127"/>
-                <a:ea typeface="Noto Sans KR" panose="020B0200000000000000" pitchFamily="50" charset="-127"/>
-              </a:rPr>
-              <a:t>저장 슬롯을 제공하여 쉽게 원하는 장비로 되돌아갈 수 있다</a:t>
-            </a:r>
-            <a:endParaRPr lang="en-US" altLang="ko-KR" sz="1500" spc="-50" dirty="0">
-              <a:ln>
-                <a:solidFill>
-                  <a:srgbClr val="5F0080">
-                    <a:alpha val="0"/>
-                  </a:srgbClr>
-                </a:solidFill>
-              </a:ln>
-              <a:solidFill>
-                <a:schemeClr val="tx1">
-                  <a:lumMod val="85000"/>
-                  <a:lumOff val="15000"/>
-                </a:schemeClr>
-              </a:solidFill>
-              <a:latin typeface="Noto Sans KR" panose="020B0200000000000000" pitchFamily="50" charset="-127"/>
-              <a:ea typeface="Noto Sans KR" panose="020B0200000000000000" pitchFamily="50" charset="-127"/>
-            </a:endParaRPr>
+          <a:solidFill>
+            <a:srgbClr val="00B0F0"/>
+          </a:solidFill>
+          <a:ln>
+            <a:noFill/>
+          </a:ln>
+        </p:spPr>
+        <p:style>
+          <a:lnRef idx="2">
+            <a:schemeClr val="accent1">
+              <a:shade val="50000"/>
+            </a:schemeClr>
+          </a:lnRef>
+          <a:fillRef idx="1">
+            <a:schemeClr val="accent1"/>
+          </a:fillRef>
+          <a:effectRef idx="0">
+            <a:schemeClr val="accent1"/>
+          </a:effectRef>
+          <a:fontRef idx="minor">
+            <a:schemeClr val="lt1"/>
+          </a:fontRef>
+        </p:style>
+        <p:txBody>
+          <a:bodyPr rtlCol="0" anchor="ctr"/>
+          <a:lstStyle/>
+          <a:p>
+            <a:pPr algn="ctr"/>
+            <a:endParaRPr lang="ko-KR" altLang="en-US"/>
           </a:p>
         </p:txBody>
       </p:sp>
       <p:pic>
         <p:nvPicPr>
-          <p:cNvPr id="5" name="그림 4">
-            <a:extLst>
-              <a:ext uri="{FF2B5EF4-FFF2-40B4-BE49-F238E27FC236}">
-                <a16:creationId xmlns:a16="http://schemas.microsoft.com/office/drawing/2014/main" id="{977974D2-5DE5-48FC-C0B6-9C4C41301400}"/>
+          <p:cNvPr id="3" name="그림 2">
+            <a:extLst>
+              <a:ext uri="{FF2B5EF4-FFF2-40B4-BE49-F238E27FC236}">
+                <a16:creationId xmlns:a16="http://schemas.microsoft.com/office/drawing/2014/main" id="{4EA955A6-76C5-1C6C-E4ED-294CD491AFB7}"/>
               </a:ext>
             </a:extLst>
           </p:cNvPr>
@@ -12544,18 +9943,236 @@
         </p:blipFill>
         <p:spPr>
           <a:xfrm>
-            <a:off x="4869255" y="2954303"/>
-            <a:ext cx="3655423" cy="1512496"/>
+            <a:off x="2005693" y="1161326"/>
+            <a:ext cx="7429346" cy="4042271"/>
           </a:xfrm>
           <a:prstGeom prst="rect">
             <a:avLst/>
           </a:prstGeom>
         </p:spPr>
       </p:pic>
+      <p:pic>
+        <p:nvPicPr>
+          <p:cNvPr id="6" name="그림 5">
+            <a:extLst>
+              <a:ext uri="{FF2B5EF4-FFF2-40B4-BE49-F238E27FC236}">
+                <a16:creationId xmlns:a16="http://schemas.microsoft.com/office/drawing/2014/main" id="{F6F8E1B6-426F-4445-D203-20AC33E90974}"/>
+              </a:ext>
+            </a:extLst>
+          </p:cNvPr>
+          <p:cNvPicPr>
+            <a:picLocks noChangeAspect="1"/>
+          </p:cNvPicPr>
+          <p:nvPr/>
+        </p:nvPicPr>
+        <p:blipFill>
+          <a:blip r:embed="rId3"/>
+          <a:stretch>
+            <a:fillRect/>
+          </a:stretch>
+        </p:blipFill>
+        <p:spPr>
+          <a:xfrm>
+            <a:off x="1550150" y="859461"/>
+            <a:ext cx="8340436" cy="5138542"/>
+          </a:xfrm>
+          <a:prstGeom prst="rect">
+            <a:avLst/>
+          </a:prstGeom>
+        </p:spPr>
+      </p:pic>
+      <p:sp>
+        <p:nvSpPr>
+          <p:cNvPr id="8" name="TextBox 7">
+            <a:extLst>
+              <a:ext uri="{FF2B5EF4-FFF2-40B4-BE49-F238E27FC236}">
+                <a16:creationId xmlns:a16="http://schemas.microsoft.com/office/drawing/2014/main" id="{33730470-E5D2-6101-9F27-EEAC2526C6A4}"/>
+              </a:ext>
+            </a:extLst>
+          </p:cNvPr>
+          <p:cNvSpPr txBox="1"/>
+          <p:nvPr/>
+        </p:nvSpPr>
+        <p:spPr>
+          <a:xfrm>
+            <a:off x="3132965" y="6061886"/>
+            <a:ext cx="5174815" cy="453650"/>
+          </a:xfrm>
+          <a:prstGeom prst="rect">
+            <a:avLst/>
+          </a:prstGeom>
+          <a:noFill/>
+        </p:spPr>
+        <p:txBody>
+          <a:bodyPr wrap="none" rtlCol="0">
+            <a:spAutoFit/>
+          </a:bodyPr>
+          <a:lstStyle/>
+          <a:p>
+            <a:pPr algn="ctr">
+              <a:lnSpc>
+                <a:spcPct val="130000"/>
+              </a:lnSpc>
+            </a:pPr>
+            <a:r>
+              <a:rPr lang="ko-KR" altLang="en-US" sz="2000" b="1" spc="-50" dirty="0">
+                <a:ln>
+                  <a:solidFill>
+                    <a:srgbClr val="5F0080">
+                      <a:alpha val="0"/>
+                    </a:srgbClr>
+                  </a:solidFill>
+                </a:ln>
+                <a:solidFill>
+                  <a:schemeClr val="bg1"/>
+                </a:solidFill>
+                <a:latin typeface="Noto Sans KR" panose="020B0200000000000000" pitchFamily="50" charset="-127"/>
+                <a:ea typeface="Noto Sans KR" panose="020B0200000000000000" pitchFamily="50" charset="-127"/>
+              </a:rPr>
+              <a:t>종족 </a:t>
+            </a:r>
+            <a:r>
+              <a:rPr lang="ko-KR" altLang="en-US" sz="2000" b="1" spc="-50" dirty="0" err="1">
+                <a:ln>
+                  <a:solidFill>
+                    <a:srgbClr val="5F0080">
+                      <a:alpha val="0"/>
+                    </a:srgbClr>
+                  </a:solidFill>
+                </a:ln>
+                <a:solidFill>
+                  <a:schemeClr val="bg1"/>
+                </a:solidFill>
+                <a:latin typeface="Noto Sans KR" panose="020B0200000000000000" pitchFamily="50" charset="-127"/>
+                <a:ea typeface="Noto Sans KR" panose="020B0200000000000000" pitchFamily="50" charset="-127"/>
+              </a:rPr>
+              <a:t>특성칸을</a:t>
+            </a:r>
+            <a:r>
+              <a:rPr lang="ko-KR" altLang="en-US" sz="2000" b="1" spc="-50" dirty="0">
+                <a:ln>
+                  <a:solidFill>
+                    <a:srgbClr val="5F0080">
+                      <a:alpha val="0"/>
+                    </a:srgbClr>
+                  </a:solidFill>
+                </a:ln>
+                <a:solidFill>
+                  <a:schemeClr val="bg1"/>
+                </a:solidFill>
+                <a:latin typeface="Noto Sans KR" panose="020B0200000000000000" pitchFamily="50" charset="-127"/>
+                <a:ea typeface="Noto Sans KR" panose="020B0200000000000000" pitchFamily="50" charset="-127"/>
+              </a:rPr>
+              <a:t> 클릭하여 원하는 종족을 선택한다</a:t>
+            </a:r>
+            <a:endParaRPr lang="en-US" altLang="ko-KR" sz="2000" spc="-50" dirty="0">
+              <a:ln>
+                <a:solidFill>
+                  <a:srgbClr val="5F0080">
+                    <a:alpha val="0"/>
+                  </a:srgbClr>
+                </a:solidFill>
+              </a:ln>
+              <a:solidFill>
+                <a:schemeClr val="bg1"/>
+              </a:solidFill>
+              <a:latin typeface="Noto Sans KR" panose="020B0200000000000000" pitchFamily="50" charset="-127"/>
+              <a:ea typeface="Noto Sans KR" panose="020B0200000000000000" pitchFamily="50" charset="-127"/>
+            </a:endParaRPr>
+          </a:p>
+        </p:txBody>
+      </p:sp>
+      <p:sp>
+        <p:nvSpPr>
+          <p:cNvPr id="10" name="TextBox 9">
+            <a:extLst>
+              <a:ext uri="{FF2B5EF4-FFF2-40B4-BE49-F238E27FC236}">
+                <a16:creationId xmlns:a16="http://schemas.microsoft.com/office/drawing/2014/main" id="{1FBA9668-F698-64DC-2228-B11B118B86E7}"/>
+              </a:ext>
+            </a:extLst>
+          </p:cNvPr>
+          <p:cNvSpPr txBox="1"/>
+          <p:nvPr/>
+        </p:nvSpPr>
+        <p:spPr>
+          <a:xfrm>
+            <a:off x="5171554" y="342464"/>
+            <a:ext cx="1097620" cy="372655"/>
+          </a:xfrm>
+          <a:prstGeom prst="rect">
+            <a:avLst/>
+          </a:prstGeom>
+          <a:noFill/>
+        </p:spPr>
+        <p:txBody>
+          <a:bodyPr wrap="none" rtlCol="0" anchor="ctr">
+            <a:noAutofit/>
+          </a:bodyPr>
+          <a:lstStyle/>
+          <a:p>
+            <a:pPr algn="ctr">
+              <a:lnSpc>
+                <a:spcPct val="110000"/>
+              </a:lnSpc>
+            </a:pPr>
+            <a:r>
+              <a:rPr lang="en-US" altLang="ko-KR" sz="2800" b="1" spc="-80" dirty="0">
+                <a:ln>
+                  <a:solidFill>
+                    <a:srgbClr val="5F0080">
+                      <a:alpha val="0"/>
+                    </a:srgbClr>
+                  </a:solidFill>
+                </a:ln>
+                <a:solidFill>
+                  <a:schemeClr val="tx1">
+                    <a:lumMod val="85000"/>
+                    <a:lumOff val="15000"/>
+                  </a:schemeClr>
+                </a:solidFill>
+                <a:latin typeface="Noto Sans KR" panose="020B0200000000000000" pitchFamily="50" charset="-127"/>
+                <a:ea typeface="Noto Sans KR" panose="020B0200000000000000" pitchFamily="50" charset="-127"/>
+              </a:rPr>
+              <a:t>Step </a:t>
+            </a:r>
+            <a:r>
+              <a:rPr lang="en-US" altLang="ko-KR" sz="2800" b="1" spc="-80" dirty="0">
+                <a:ln>
+                  <a:solidFill>
+                    <a:srgbClr val="5F0080">
+                      <a:alpha val="0"/>
+                    </a:srgbClr>
+                  </a:solidFill>
+                </a:ln>
+                <a:solidFill>
+                  <a:srgbClr val="00B0F0"/>
+                </a:solidFill>
+                <a:latin typeface="Noto Sans KR" panose="020B0200000000000000" pitchFamily="50" charset="-127"/>
+                <a:ea typeface="Noto Sans KR" panose="020B0200000000000000" pitchFamily="50" charset="-127"/>
+              </a:rPr>
+              <a:t>3</a:t>
+            </a:r>
+            <a:endParaRPr lang="en-US" altLang="ko-KR" sz="2800" b="1" spc="-80" dirty="0">
+              <a:ln>
+                <a:solidFill>
+                  <a:srgbClr val="5F0080">
+                    <a:alpha val="0"/>
+                  </a:srgbClr>
+                </a:solidFill>
+              </a:ln>
+              <a:solidFill>
+                <a:srgbClr val="5F0080"/>
+              </a:solidFill>
+              <a:latin typeface="Noto Sans KR" panose="020B0200000000000000" pitchFamily="50" charset="-127"/>
+              <a:ea typeface="Noto Sans KR" panose="020B0200000000000000" pitchFamily="50" charset="-127"/>
+            </a:endParaRPr>
+          </a:p>
+        </p:txBody>
+      </p:sp>
     </p:spTree>
     <p:extLst>
       <p:ext uri="{BB962C8B-B14F-4D97-AF65-F5344CB8AC3E}">
-        <p14:creationId xmlns:p14="http://schemas.microsoft.com/office/powerpoint/2010/main" val="3009794355"/>
+        <p14:creationId xmlns:p14="http://schemas.microsoft.com/office/powerpoint/2010/main" val="2511942083"/>
       </p:ext>
     </p:extLst>
   </p:cSld>
@@ -12595,9 +10212,9 @@
           <p:nvPr/>
         </p:nvSpPr>
         <p:spPr>
-          <a:xfrm flipV="1">
-            <a:off x="-1" y="3429000"/>
-            <a:ext cx="12192001" cy="3428999"/>
+          <a:xfrm>
+            <a:off x="0" y="3051060"/>
+            <a:ext cx="12192001" cy="2506672"/>
           </a:xfrm>
           <a:prstGeom prst="rect">
             <a:avLst/>
@@ -12638,10 +10255,10 @@
       </p:sp>
       <p:sp>
         <p:nvSpPr>
-          <p:cNvPr id="21" name="직사각형 20">
-            <a:extLst>
-              <a:ext uri="{FF2B5EF4-FFF2-40B4-BE49-F238E27FC236}">
-                <a16:creationId xmlns:a16="http://schemas.microsoft.com/office/drawing/2014/main" id="{027BA219-B386-4835-83B6-EC8AA96BA769}"/>
+          <p:cNvPr id="32" name="직사각형 31">
+            <a:extLst>
+              <a:ext uri="{FF2B5EF4-FFF2-40B4-BE49-F238E27FC236}">
+                <a16:creationId xmlns:a16="http://schemas.microsoft.com/office/drawing/2014/main" id="{DF506191-7123-4B7A-82AE-2E95C3BCF629}"/>
               </a:ext>
             </a:extLst>
           </p:cNvPr>
@@ -12651,7 +10268,7 @@
         <p:spPr>
           <a:xfrm>
             <a:off x="0" y="0"/>
-            <a:ext cx="2682240" cy="6857999"/>
+            <a:ext cx="12192000" cy="184941"/>
           </a:xfrm>
           <a:prstGeom prst="rect">
             <a:avLst/>
@@ -12690,511 +10307,62 @@
       </p:sp>
       <p:sp>
         <p:nvSpPr>
-          <p:cNvPr id="24" name="TextBox 23">
-            <a:extLst>
-              <a:ext uri="{FF2B5EF4-FFF2-40B4-BE49-F238E27FC236}">
-                <a16:creationId xmlns:a16="http://schemas.microsoft.com/office/drawing/2014/main" id="{2EC91375-63AF-4292-AFA1-D258D12CC67B}"/>
-              </a:ext>
-            </a:extLst>
-          </p:cNvPr>
-          <p:cNvSpPr txBox="1"/>
+          <p:cNvPr id="9" name="직사각형 8">
+            <a:extLst>
+              <a:ext uri="{FF2B5EF4-FFF2-40B4-BE49-F238E27FC236}">
+                <a16:creationId xmlns:a16="http://schemas.microsoft.com/office/drawing/2014/main" id="{6E0429CD-A3E9-5AE0-6F40-536B92F8E5A4}"/>
+              </a:ext>
+            </a:extLst>
+          </p:cNvPr>
+          <p:cNvSpPr/>
           <p:nvPr/>
         </p:nvSpPr>
         <p:spPr>
           <a:xfrm>
-            <a:off x="4217556" y="4815681"/>
-            <a:ext cx="7398179" cy="1852558"/>
+            <a:off x="0" y="4351328"/>
+            <a:ext cx="12192000" cy="2506672"/>
           </a:xfrm>
           <a:prstGeom prst="rect">
             <a:avLst/>
           </a:prstGeom>
-          <a:noFill/>
-        </p:spPr>
-        <p:txBody>
-          <a:bodyPr wrap="none" rtlCol="0">
-            <a:spAutoFit/>
-          </a:bodyPr>
-          <a:lstStyle/>
-          <a:p>
-            <a:pPr>
-              <a:lnSpc>
-                <a:spcPct val="120000"/>
-              </a:lnSpc>
-              <a:spcAft>
-                <a:spcPts val="600"/>
-              </a:spcAft>
-            </a:pPr>
-            <a:r>
-              <a:rPr lang="en-US" altLang="ko-KR" sz="1600" b="1" spc="-50" dirty="0">
-                <a:ln>
-                  <a:solidFill>
-                    <a:srgbClr val="5F0080">
-                      <a:alpha val="0"/>
-                    </a:srgbClr>
-                  </a:solidFill>
-                </a:ln>
-                <a:solidFill>
-                  <a:srgbClr val="0070C0"/>
-                </a:solidFill>
-                <a:latin typeface="Noto Sans KR" panose="020B0200000000000000" pitchFamily="50" charset="-127"/>
-                <a:ea typeface="Noto Sans KR" panose="020B0200000000000000" pitchFamily="50" charset="-127"/>
-              </a:rPr>
-              <a:t>1.</a:t>
-            </a:r>
-            <a:r>
-              <a:rPr lang="en-US" altLang="ko-KR" sz="1600" spc="-50" dirty="0">
-                <a:ln>
-                  <a:solidFill>
-                    <a:srgbClr val="5F0080">
-                      <a:alpha val="0"/>
-                    </a:srgbClr>
-                  </a:solidFill>
-                </a:ln>
-                <a:solidFill>
-                  <a:schemeClr val="tx1">
-                    <a:lumMod val="85000"/>
-                    <a:lumOff val="15000"/>
-                  </a:schemeClr>
-                </a:solidFill>
-                <a:latin typeface="Noto Sans KR" panose="020B0200000000000000" pitchFamily="50" charset="-127"/>
-                <a:ea typeface="Noto Sans KR" panose="020B0200000000000000" pitchFamily="50" charset="-127"/>
-              </a:rPr>
-              <a:t> </a:t>
-            </a:r>
-            <a:r>
-              <a:rPr lang="ko-KR" altLang="en-US" sz="1600" spc="-50" dirty="0">
-                <a:ln>
-                  <a:solidFill>
-                    <a:srgbClr val="5F0080">
-                      <a:alpha val="0"/>
-                    </a:srgbClr>
-                  </a:solidFill>
-                </a:ln>
-                <a:solidFill>
-                  <a:schemeClr val="tx1">
-                    <a:lumMod val="85000"/>
-                    <a:lumOff val="15000"/>
-                  </a:schemeClr>
-                </a:solidFill>
-                <a:latin typeface="Noto Sans KR" panose="020B0200000000000000" pitchFamily="50" charset="-127"/>
-                <a:ea typeface="Noto Sans KR" panose="020B0200000000000000" pitchFamily="50" charset="-127"/>
-              </a:rPr>
-              <a:t>사용자가 원하는 직업을 선택할 수 있습니다</a:t>
-            </a:r>
-            <a:r>
-              <a:rPr lang="en-US" altLang="ko-KR" sz="1600" spc="-50" dirty="0">
-                <a:ln>
-                  <a:solidFill>
-                    <a:srgbClr val="5F0080">
-                      <a:alpha val="0"/>
-                    </a:srgbClr>
-                  </a:solidFill>
-                </a:ln>
-                <a:solidFill>
-                  <a:schemeClr val="tx1">
-                    <a:lumMod val="85000"/>
-                    <a:lumOff val="15000"/>
-                  </a:schemeClr>
-                </a:solidFill>
-                <a:latin typeface="Noto Sans KR" panose="020B0200000000000000" pitchFamily="50" charset="-127"/>
-                <a:ea typeface="Noto Sans KR" panose="020B0200000000000000" pitchFamily="50" charset="-127"/>
-              </a:rPr>
-              <a:t>.</a:t>
-            </a:r>
-            <a:endParaRPr lang="ko-KR" altLang="en-US" sz="1600" spc="-50" dirty="0">
-              <a:ln>
-                <a:solidFill>
-                  <a:srgbClr val="5F0080">
-                    <a:alpha val="0"/>
-                  </a:srgbClr>
-                </a:solidFill>
-              </a:ln>
-              <a:solidFill>
-                <a:schemeClr val="tx1">
-                  <a:lumMod val="85000"/>
-                  <a:lumOff val="15000"/>
-                </a:schemeClr>
-              </a:solidFill>
-              <a:latin typeface="Noto Sans KR" panose="020B0200000000000000" pitchFamily="50" charset="-127"/>
-              <a:ea typeface="Noto Sans KR" panose="020B0200000000000000" pitchFamily="50" charset="-127"/>
-            </a:endParaRPr>
-          </a:p>
-          <a:p>
-            <a:pPr>
-              <a:lnSpc>
-                <a:spcPct val="120000"/>
-              </a:lnSpc>
-              <a:spcAft>
-                <a:spcPts val="600"/>
-              </a:spcAft>
-            </a:pPr>
-            <a:r>
-              <a:rPr lang="en-US" altLang="ko-KR" sz="1600" b="1" spc="-50" dirty="0">
-                <a:ln>
-                  <a:solidFill>
-                    <a:srgbClr val="5F0080">
-                      <a:alpha val="0"/>
-                    </a:srgbClr>
-                  </a:solidFill>
-                </a:ln>
-                <a:solidFill>
-                  <a:srgbClr val="0070C0"/>
-                </a:solidFill>
-                <a:latin typeface="Noto Sans KR" panose="020B0200000000000000" pitchFamily="50" charset="-127"/>
-                <a:ea typeface="Noto Sans KR" panose="020B0200000000000000" pitchFamily="50" charset="-127"/>
-              </a:rPr>
-              <a:t>2.</a:t>
-            </a:r>
-            <a:r>
-              <a:rPr lang="en-US" altLang="ko-KR" sz="1600" b="1" spc="-50" dirty="0">
-                <a:ln>
-                  <a:solidFill>
-                    <a:srgbClr val="5F0080">
-                      <a:alpha val="0"/>
-                    </a:srgbClr>
-                  </a:solidFill>
-                </a:ln>
-                <a:solidFill>
-                  <a:schemeClr val="tx1">
-                    <a:lumMod val="85000"/>
-                    <a:lumOff val="15000"/>
-                  </a:schemeClr>
-                </a:solidFill>
-                <a:latin typeface="Noto Sans KR" panose="020B0200000000000000" pitchFamily="50" charset="-127"/>
-                <a:ea typeface="Noto Sans KR" panose="020B0200000000000000" pitchFamily="50" charset="-127"/>
-              </a:rPr>
-              <a:t> </a:t>
-            </a:r>
-            <a:r>
-              <a:rPr lang="ko-KR" altLang="en-US" sz="1600" spc="-50" dirty="0">
-                <a:ln>
-                  <a:solidFill>
-                    <a:srgbClr val="5F0080">
-                      <a:alpha val="0"/>
-                    </a:srgbClr>
-                  </a:solidFill>
-                </a:ln>
-                <a:solidFill>
-                  <a:schemeClr val="tx1">
-                    <a:lumMod val="85000"/>
-                    <a:lumOff val="15000"/>
-                  </a:schemeClr>
-                </a:solidFill>
-                <a:latin typeface="Noto Sans KR" panose="020B0200000000000000" pitchFamily="50" charset="-127"/>
-                <a:ea typeface="Noto Sans KR" panose="020B0200000000000000" pitchFamily="50" charset="-127"/>
-              </a:rPr>
-              <a:t>종족 특성을 선택할 수 있습니다</a:t>
-            </a:r>
-          </a:p>
-          <a:p>
-            <a:pPr>
-              <a:lnSpc>
-                <a:spcPct val="120000"/>
-              </a:lnSpc>
-              <a:spcAft>
-                <a:spcPts val="600"/>
-              </a:spcAft>
-            </a:pPr>
-            <a:r>
-              <a:rPr lang="en-US" altLang="ko-KR" sz="1600" b="1" spc="-50" dirty="0">
-                <a:ln>
-                  <a:solidFill>
-                    <a:srgbClr val="5F0080">
-                      <a:alpha val="0"/>
-                    </a:srgbClr>
-                  </a:solidFill>
-                </a:ln>
-                <a:solidFill>
-                  <a:srgbClr val="0070C0"/>
-                </a:solidFill>
-                <a:latin typeface="Noto Sans KR" panose="020B0200000000000000" pitchFamily="50" charset="-127"/>
-                <a:ea typeface="Noto Sans KR" panose="020B0200000000000000" pitchFamily="50" charset="-127"/>
-              </a:rPr>
-              <a:t>3.</a:t>
-            </a:r>
-            <a:r>
-              <a:rPr lang="en-US" altLang="ko-KR" sz="1600" spc="-50" dirty="0">
-                <a:ln>
-                  <a:solidFill>
-                    <a:srgbClr val="5F0080">
-                      <a:alpha val="0"/>
-                    </a:srgbClr>
-                  </a:solidFill>
-                </a:ln>
-                <a:solidFill>
-                  <a:schemeClr val="tx1">
-                    <a:lumMod val="85000"/>
-                    <a:lumOff val="15000"/>
-                  </a:schemeClr>
-                </a:solidFill>
-                <a:latin typeface="Noto Sans KR" panose="020B0200000000000000" pitchFamily="50" charset="-127"/>
-                <a:ea typeface="Noto Sans KR" panose="020B0200000000000000" pitchFamily="50" charset="-127"/>
-              </a:rPr>
-              <a:t> </a:t>
-            </a:r>
-            <a:r>
-              <a:rPr lang="ko-KR" altLang="en-US" sz="1600" spc="-50" dirty="0" err="1">
-                <a:ln>
-                  <a:solidFill>
-                    <a:srgbClr val="5F0080">
-                      <a:alpha val="0"/>
-                    </a:srgbClr>
-                  </a:solidFill>
-                </a:ln>
-                <a:solidFill>
-                  <a:schemeClr val="tx1">
-                    <a:lumMod val="85000"/>
-                    <a:lumOff val="15000"/>
-                  </a:schemeClr>
-                </a:solidFill>
-                <a:latin typeface="Noto Sans KR" panose="020B0200000000000000" pitchFamily="50" charset="-127"/>
-                <a:ea typeface="Noto Sans KR" panose="020B0200000000000000" pitchFamily="50" charset="-127"/>
-              </a:rPr>
-              <a:t>장비칸에</a:t>
-            </a:r>
-            <a:r>
-              <a:rPr lang="ko-KR" altLang="en-US" sz="1600" spc="-50" dirty="0">
-                <a:ln>
-                  <a:solidFill>
-                    <a:srgbClr val="5F0080">
-                      <a:alpha val="0"/>
-                    </a:srgbClr>
-                  </a:solidFill>
-                </a:ln>
-                <a:solidFill>
-                  <a:schemeClr val="tx1">
-                    <a:lumMod val="85000"/>
-                    <a:lumOff val="15000"/>
-                  </a:schemeClr>
-                </a:solidFill>
-                <a:latin typeface="Noto Sans KR" panose="020B0200000000000000" pitchFamily="50" charset="-127"/>
-                <a:ea typeface="Noto Sans KR" panose="020B0200000000000000" pitchFamily="50" charset="-127"/>
-              </a:rPr>
-              <a:t> 원하는 아이템을 선택할 수 있습니다</a:t>
-            </a:r>
-          </a:p>
-          <a:p>
-            <a:pPr>
-              <a:lnSpc>
-                <a:spcPct val="120000"/>
-              </a:lnSpc>
-              <a:spcAft>
-                <a:spcPts val="600"/>
-              </a:spcAft>
-            </a:pPr>
-            <a:r>
-              <a:rPr lang="en-US" altLang="ko-KR" sz="1600" b="1" spc="-50" dirty="0">
-                <a:ln>
-                  <a:solidFill>
-                    <a:srgbClr val="5F0080">
-                      <a:alpha val="0"/>
-                    </a:srgbClr>
-                  </a:solidFill>
-                </a:ln>
-                <a:solidFill>
-                  <a:srgbClr val="0070C0"/>
-                </a:solidFill>
-                <a:latin typeface="Noto Sans KR" panose="020B0200000000000000" pitchFamily="50" charset="-127"/>
-                <a:ea typeface="Noto Sans KR" panose="020B0200000000000000" pitchFamily="50" charset="-127"/>
-              </a:rPr>
-              <a:t>4.</a:t>
-            </a:r>
-            <a:r>
-              <a:rPr lang="en-US" altLang="ko-KR" sz="1600" spc="-50" dirty="0">
-                <a:ln>
-                  <a:solidFill>
-                    <a:srgbClr val="5F0080">
-                      <a:alpha val="0"/>
-                    </a:srgbClr>
-                  </a:solidFill>
-                </a:ln>
-                <a:solidFill>
-                  <a:schemeClr val="tx1">
-                    <a:lumMod val="85000"/>
-                    <a:lumOff val="15000"/>
-                  </a:schemeClr>
-                </a:solidFill>
-                <a:latin typeface="Noto Sans KR" panose="020B0200000000000000" pitchFamily="50" charset="-127"/>
-                <a:ea typeface="Noto Sans KR" panose="020B0200000000000000" pitchFamily="50" charset="-127"/>
-              </a:rPr>
-              <a:t> </a:t>
-            </a:r>
-            <a:r>
-              <a:rPr lang="ko-KR" altLang="en-US" sz="1600" spc="-50" dirty="0">
-                <a:ln>
-                  <a:solidFill>
-                    <a:srgbClr val="5F0080">
-                      <a:alpha val="0"/>
-                    </a:srgbClr>
-                  </a:solidFill>
-                </a:ln>
-                <a:solidFill>
-                  <a:schemeClr val="tx1">
-                    <a:lumMod val="85000"/>
-                    <a:lumOff val="15000"/>
-                  </a:schemeClr>
-                </a:solidFill>
-                <a:latin typeface="Noto Sans KR" panose="020B0200000000000000" pitchFamily="50" charset="-127"/>
-                <a:ea typeface="Noto Sans KR" panose="020B0200000000000000" pitchFamily="50" charset="-127"/>
-              </a:rPr>
-              <a:t>각 장비의 </a:t>
-            </a:r>
-            <a:r>
-              <a:rPr lang="ko-KR" altLang="en-US" sz="1600" spc="-50" dirty="0" err="1">
-                <a:ln>
-                  <a:solidFill>
-                    <a:srgbClr val="5F0080">
-                      <a:alpha val="0"/>
-                    </a:srgbClr>
-                  </a:solidFill>
-                </a:ln>
-                <a:solidFill>
-                  <a:schemeClr val="tx1">
-                    <a:lumMod val="85000"/>
-                    <a:lumOff val="15000"/>
-                  </a:schemeClr>
-                </a:solidFill>
-                <a:latin typeface="Noto Sans KR" panose="020B0200000000000000" pitchFamily="50" charset="-127"/>
-                <a:ea typeface="Noto Sans KR" panose="020B0200000000000000" pitchFamily="50" charset="-127"/>
-              </a:rPr>
-              <a:t>마테리아를</a:t>
-            </a:r>
-            <a:r>
-              <a:rPr lang="ko-KR" altLang="en-US" sz="1600" spc="-50" dirty="0">
-                <a:ln>
-                  <a:solidFill>
-                    <a:srgbClr val="5F0080">
-                      <a:alpha val="0"/>
-                    </a:srgbClr>
-                  </a:solidFill>
-                </a:ln>
-                <a:solidFill>
-                  <a:schemeClr val="tx1">
-                    <a:lumMod val="85000"/>
-                    <a:lumOff val="15000"/>
-                  </a:schemeClr>
-                </a:solidFill>
-                <a:latin typeface="Noto Sans KR" panose="020B0200000000000000" pitchFamily="50" charset="-127"/>
-                <a:ea typeface="Noto Sans KR" panose="020B0200000000000000" pitchFamily="50" charset="-127"/>
-              </a:rPr>
-              <a:t> 선택하는 창입니다</a:t>
-            </a:r>
-            <a:r>
-              <a:rPr lang="en-US" altLang="ko-KR" sz="1600" spc="-50" dirty="0">
-                <a:ln>
-                  <a:solidFill>
-                    <a:srgbClr val="5F0080">
-                      <a:alpha val="0"/>
-                    </a:srgbClr>
-                  </a:solidFill>
-                </a:ln>
-                <a:solidFill>
-                  <a:schemeClr val="tx1">
-                    <a:lumMod val="85000"/>
-                    <a:lumOff val="15000"/>
-                  </a:schemeClr>
-                </a:solidFill>
-                <a:latin typeface="Noto Sans KR" panose="020B0200000000000000" pitchFamily="50" charset="-127"/>
-                <a:ea typeface="Noto Sans KR" panose="020B0200000000000000" pitchFamily="50" charset="-127"/>
-              </a:rPr>
-              <a:t>.</a:t>
-            </a:r>
-          </a:p>
-          <a:p>
-            <a:pPr>
-              <a:lnSpc>
-                <a:spcPct val="120000"/>
-              </a:lnSpc>
-              <a:spcAft>
-                <a:spcPts val="600"/>
-              </a:spcAft>
-            </a:pPr>
-            <a:r>
-              <a:rPr lang="en-US" altLang="ko-KR" sz="1600" b="1" spc="-50" dirty="0">
-                <a:ln>
-                  <a:solidFill>
-                    <a:srgbClr val="5F0080">
-                      <a:alpha val="0"/>
-                    </a:srgbClr>
-                  </a:solidFill>
-                </a:ln>
-                <a:solidFill>
-                  <a:srgbClr val="0070C0"/>
-                </a:solidFill>
-                <a:latin typeface="Noto Sans KR" panose="020B0200000000000000" pitchFamily="50" charset="-127"/>
-                <a:ea typeface="Noto Sans KR" panose="020B0200000000000000" pitchFamily="50" charset="-127"/>
-              </a:rPr>
-              <a:t>5.</a:t>
-            </a:r>
-            <a:r>
-              <a:rPr lang="en-US" altLang="ko-KR" sz="1600" spc="-50" dirty="0">
-                <a:ln>
-                  <a:solidFill>
-                    <a:srgbClr val="5F0080">
-                      <a:alpha val="0"/>
-                    </a:srgbClr>
-                  </a:solidFill>
-                </a:ln>
-                <a:solidFill>
-                  <a:schemeClr val="tx1">
-                    <a:lumMod val="85000"/>
-                    <a:lumOff val="15000"/>
-                  </a:schemeClr>
-                </a:solidFill>
-                <a:latin typeface="Noto Sans KR" panose="020B0200000000000000" pitchFamily="50" charset="-127"/>
-                <a:ea typeface="Noto Sans KR" panose="020B0200000000000000" pitchFamily="50" charset="-127"/>
-              </a:rPr>
-              <a:t> </a:t>
-            </a:r>
-            <a:r>
-              <a:rPr lang="ko-KR" altLang="en-US" sz="1600" spc="-50" dirty="0">
-                <a:ln>
-                  <a:solidFill>
-                    <a:srgbClr val="5F0080">
-                      <a:alpha val="0"/>
-                    </a:srgbClr>
-                  </a:solidFill>
-                </a:ln>
-                <a:solidFill>
-                  <a:schemeClr val="tx1">
-                    <a:lumMod val="85000"/>
-                    <a:lumOff val="15000"/>
-                  </a:schemeClr>
-                </a:solidFill>
-                <a:latin typeface="Noto Sans KR" panose="020B0200000000000000" pitchFamily="50" charset="-127"/>
-                <a:ea typeface="Noto Sans KR" panose="020B0200000000000000" pitchFamily="50" charset="-127"/>
-              </a:rPr>
-              <a:t>저장 슬롯으로 세팅을 저장하고 언제든지 원할 때 간편하게 불러올 수 있는 기능입니다</a:t>
-            </a:r>
-            <a:r>
-              <a:rPr lang="en-US" altLang="ko-KR" sz="1200" spc="-50" dirty="0">
-                <a:ln>
-                  <a:solidFill>
-                    <a:srgbClr val="5F0080">
-                      <a:alpha val="0"/>
-                    </a:srgbClr>
-                  </a:solidFill>
-                </a:ln>
-                <a:solidFill>
-                  <a:schemeClr val="tx1">
-                    <a:lumMod val="85000"/>
-                    <a:lumOff val="15000"/>
-                  </a:schemeClr>
-                </a:solidFill>
-                <a:latin typeface="Noto Sans KR" panose="020B0200000000000000" pitchFamily="50" charset="-127"/>
-                <a:ea typeface="Noto Sans KR" panose="020B0200000000000000" pitchFamily="50" charset="-127"/>
-              </a:rPr>
-              <a:t>.</a:t>
-            </a:r>
+          <a:solidFill>
+            <a:srgbClr val="00B0F0"/>
+          </a:solidFill>
+          <a:ln>
+            <a:noFill/>
+          </a:ln>
+        </p:spPr>
+        <p:style>
+          <a:lnRef idx="2">
+            <a:schemeClr val="accent1">
+              <a:shade val="50000"/>
+            </a:schemeClr>
+          </a:lnRef>
+          <a:fillRef idx="1">
+            <a:schemeClr val="accent1"/>
+          </a:fillRef>
+          <a:effectRef idx="0">
+            <a:schemeClr val="accent1"/>
+          </a:effectRef>
+          <a:fontRef idx="minor">
+            <a:schemeClr val="lt1"/>
+          </a:fontRef>
+        </p:style>
+        <p:txBody>
+          <a:bodyPr rtlCol="0" anchor="ctr"/>
+          <a:lstStyle/>
+          <a:p>
+            <a:pPr algn="ctr"/>
+            <a:endParaRPr lang="ko-KR" altLang="en-US"/>
           </a:p>
         </p:txBody>
       </p:sp>
       <p:pic>
         <p:nvPicPr>
-          <p:cNvPr id="3" name="그림 2">
-            <a:extLst>
-              <a:ext uri="{FF2B5EF4-FFF2-40B4-BE49-F238E27FC236}">
-                <a16:creationId xmlns:a16="http://schemas.microsoft.com/office/drawing/2014/main" id="{448D9C8E-7E6C-010C-246B-2F9C06A65B1B}"/>
+          <p:cNvPr id="6" name="그림 5">
+            <a:extLst>
+              <a:ext uri="{FF2B5EF4-FFF2-40B4-BE49-F238E27FC236}">
+                <a16:creationId xmlns:a16="http://schemas.microsoft.com/office/drawing/2014/main" id="{2CBE42D9-7437-2EF3-5B84-D34FAFAC0E03}"/>
               </a:ext>
             </a:extLst>
           </p:cNvPr>
@@ -13211,20 +10379,50 @@
         </p:blipFill>
         <p:spPr>
           <a:xfrm>
-            <a:off x="3890977" y="1010009"/>
-            <a:ext cx="6463557" cy="3617840"/>
+            <a:off x="2005693" y="1161327"/>
+            <a:ext cx="7429346" cy="4042270"/>
           </a:xfrm>
           <a:prstGeom prst="rect">
             <a:avLst/>
           </a:prstGeom>
         </p:spPr>
       </p:pic>
-      <p:sp>
-        <p:nvSpPr>
-          <p:cNvPr id="4" name="TextBox 3">
-            <a:extLst>
-              <a:ext uri="{FF2B5EF4-FFF2-40B4-BE49-F238E27FC236}">
-                <a16:creationId xmlns:a16="http://schemas.microsoft.com/office/drawing/2014/main" id="{B72AD964-6F1B-0D12-225D-98DE27E7E530}"/>
+      <p:pic>
+        <p:nvPicPr>
+          <p:cNvPr id="5" name="그림 4">
+            <a:extLst>
+              <a:ext uri="{FF2B5EF4-FFF2-40B4-BE49-F238E27FC236}">
+                <a16:creationId xmlns:a16="http://schemas.microsoft.com/office/drawing/2014/main" id="{8C3CA0CC-8A41-F499-5859-7CDA1AB7BE5D}"/>
+              </a:ext>
+            </a:extLst>
+          </p:cNvPr>
+          <p:cNvPicPr>
+            <a:picLocks noChangeAspect="1"/>
+          </p:cNvPicPr>
+          <p:nvPr/>
+        </p:nvPicPr>
+        <p:blipFill>
+          <a:blip r:embed="rId3"/>
+          <a:stretch>
+            <a:fillRect/>
+          </a:stretch>
+        </p:blipFill>
+        <p:spPr>
+          <a:xfrm>
+            <a:off x="1550150" y="859461"/>
+            <a:ext cx="8340436" cy="5138542"/>
+          </a:xfrm>
+          <a:prstGeom prst="rect">
+            <a:avLst/>
+          </a:prstGeom>
+        </p:spPr>
+      </p:pic>
+      <p:sp>
+        <p:nvSpPr>
+          <p:cNvPr id="7" name="TextBox 6">
+            <a:extLst>
+              <a:ext uri="{FF2B5EF4-FFF2-40B4-BE49-F238E27FC236}">
+                <a16:creationId xmlns:a16="http://schemas.microsoft.com/office/drawing/2014/main" id="{A2DC3856-C68B-60AD-2560-46DDA33D15ED}"/>
               </a:ext>
             </a:extLst>
           </p:cNvPr>
@@ -13233,8 +10431,8 @@
         </p:nvSpPr>
         <p:spPr>
           <a:xfrm>
-            <a:off x="5090115" y="141578"/>
-            <a:ext cx="4583306" cy="565026"/>
+            <a:off x="5171554" y="342464"/>
+            <a:ext cx="1097620" cy="372655"/>
           </a:xfrm>
           <a:prstGeom prst="rect">
             <a:avLst/>
@@ -13242,18 +10440,18 @@
           <a:noFill/>
         </p:spPr>
         <p:txBody>
-          <a:bodyPr wrap="none" rtlCol="0">
-            <a:spAutoFit/>
+          <a:bodyPr wrap="none" rtlCol="0" anchor="ctr">
+            <a:noAutofit/>
           </a:bodyPr>
           <a:lstStyle/>
           <a:p>
-            <a:pPr>
+            <a:pPr algn="ctr">
               <a:lnSpc>
                 <a:spcPct val="110000"/>
               </a:lnSpc>
             </a:pPr>
             <a:r>
-              <a:rPr lang="ko-KR" altLang="en-US" sz="3000" b="1" spc="-80" dirty="0">
+              <a:rPr lang="en-US" altLang="ko-KR" sz="2800" b="1" spc="-80" dirty="0">
                 <a:ln>
                   <a:solidFill>
                     <a:srgbClr val="5F0080">
@@ -13262,15 +10460,18 @@
                   </a:solidFill>
                 </a:ln>
                 <a:solidFill>
-                  <a:srgbClr val="00B0F0"/>
+                  <a:schemeClr val="tx1">
+                    <a:lumMod val="85000"/>
+                    <a:lumOff val="15000"/>
+                  </a:schemeClr>
                 </a:solidFill>
                 <a:latin typeface="Noto Sans KR" panose="020B0200000000000000" pitchFamily="50" charset="-127"/>
                 <a:ea typeface="Noto Sans KR" panose="020B0200000000000000" pitchFamily="50" charset="-127"/>
               </a:rPr>
-              <a:t>빠른 시뮬레이션 </a:t>
-            </a:r>
-            <a:r>
-              <a:rPr lang="ko-KR" altLang="en-US" sz="3000" b="1" spc="-80" dirty="0">
+              <a:t>Step </a:t>
+            </a:r>
+            <a:r>
+              <a:rPr lang="en-US" altLang="ko-KR" sz="2800" b="1" spc="-80" dirty="0">
                 <a:ln>
                   <a:solidFill>
                     <a:srgbClr val="5F0080">
@@ -13279,17 +10480,14 @@
                   </a:solidFill>
                 </a:ln>
                 <a:solidFill>
-                  <a:schemeClr val="tx1">
-                    <a:lumMod val="85000"/>
-                    <a:lumOff val="15000"/>
-                  </a:schemeClr>
+                  <a:srgbClr val="00B0F0"/>
                 </a:solidFill>
                 <a:latin typeface="Noto Sans KR" panose="020B0200000000000000" pitchFamily="50" charset="-127"/>
                 <a:ea typeface="Noto Sans KR" panose="020B0200000000000000" pitchFamily="50" charset="-127"/>
               </a:rPr>
-              <a:t>인터페이스</a:t>
-            </a:r>
-            <a:endParaRPr lang="en-US" altLang="ko-KR" sz="3000" b="1" spc="-80" dirty="0">
+              <a:t>4</a:t>
+            </a:r>
+            <a:endParaRPr lang="en-US" altLang="ko-KR" sz="2800" b="1" spc="-80" dirty="0">
               <a:ln>
                 <a:solidFill>
                   <a:srgbClr val="5F0080">
@@ -13298,7 +10496,7 @@
                 </a:solidFill>
               </a:ln>
               <a:solidFill>
-                <a:srgbClr val="00B0F0"/>
+                <a:srgbClr val="5F0080"/>
               </a:solidFill>
               <a:latin typeface="Noto Sans KR" panose="020B0200000000000000" pitchFamily="50" charset="-127"/>
               <a:ea typeface="Noto Sans KR" panose="020B0200000000000000" pitchFamily="50" charset="-127"/>
@@ -13306,10 +10504,111 @@
           </a:p>
         </p:txBody>
       </p:sp>
+      <p:sp>
+        <p:nvSpPr>
+          <p:cNvPr id="8" name="TextBox 7">
+            <a:extLst>
+              <a:ext uri="{FF2B5EF4-FFF2-40B4-BE49-F238E27FC236}">
+                <a16:creationId xmlns:a16="http://schemas.microsoft.com/office/drawing/2014/main" id="{D1D861B3-00C6-4556-7A27-B6244405DB46}"/>
+              </a:ext>
+            </a:extLst>
+          </p:cNvPr>
+          <p:cNvSpPr txBox="1"/>
+          <p:nvPr/>
+        </p:nvSpPr>
+        <p:spPr>
+          <a:xfrm>
+            <a:off x="3171443" y="6061886"/>
+            <a:ext cx="5097870" cy="453650"/>
+          </a:xfrm>
+          <a:prstGeom prst="rect">
+            <a:avLst/>
+          </a:prstGeom>
+          <a:noFill/>
+        </p:spPr>
+        <p:txBody>
+          <a:bodyPr wrap="none" rtlCol="0">
+            <a:spAutoFit/>
+          </a:bodyPr>
+          <a:lstStyle/>
+          <a:p>
+            <a:pPr algn="ctr">
+              <a:lnSpc>
+                <a:spcPct val="130000"/>
+              </a:lnSpc>
+            </a:pPr>
+            <a:r>
+              <a:rPr lang="ko-KR" altLang="en-US" sz="2000" b="1" spc="-50" dirty="0">
+                <a:ln>
+                  <a:solidFill>
+                    <a:srgbClr val="5F0080">
+                      <a:alpha val="0"/>
+                    </a:srgbClr>
+                  </a:solidFill>
+                </a:ln>
+                <a:solidFill>
+                  <a:schemeClr val="bg1"/>
+                </a:solidFill>
+                <a:latin typeface="Noto Sans KR" panose="020B0200000000000000" pitchFamily="50" charset="-127"/>
+                <a:ea typeface="Noto Sans KR" panose="020B0200000000000000" pitchFamily="50" charset="-127"/>
+              </a:rPr>
+              <a:t>각 </a:t>
+            </a:r>
+            <a:r>
+              <a:rPr lang="ko-KR" altLang="en-US" sz="2000" b="1" spc="-50" dirty="0" err="1">
+                <a:ln>
+                  <a:solidFill>
+                    <a:srgbClr val="5F0080">
+                      <a:alpha val="0"/>
+                    </a:srgbClr>
+                  </a:solidFill>
+                </a:ln>
+                <a:solidFill>
+                  <a:schemeClr val="bg1"/>
+                </a:solidFill>
+                <a:latin typeface="Noto Sans KR" panose="020B0200000000000000" pitchFamily="50" charset="-127"/>
+                <a:ea typeface="Noto Sans KR" panose="020B0200000000000000" pitchFamily="50" charset="-127"/>
+              </a:rPr>
+              <a:t>장비칸을</a:t>
+            </a:r>
+            <a:r>
+              <a:rPr lang="ko-KR" altLang="en-US" sz="2000" b="1" spc="-50" dirty="0">
+                <a:ln>
+                  <a:solidFill>
+                    <a:srgbClr val="5F0080">
+                      <a:alpha val="0"/>
+                    </a:srgbClr>
+                  </a:solidFill>
+                </a:ln>
+                <a:solidFill>
+                  <a:schemeClr val="bg1"/>
+                </a:solidFill>
+                <a:latin typeface="Noto Sans KR" panose="020B0200000000000000" pitchFamily="50" charset="-127"/>
+                <a:ea typeface="Noto Sans KR" panose="020B0200000000000000" pitchFamily="50" charset="-127"/>
+              </a:rPr>
+              <a:t> 클릭하여 원하는 장비를 설정합니다</a:t>
+            </a:r>
+            <a:endParaRPr lang="en-US" altLang="ko-KR" sz="2000" spc="-50" dirty="0">
+              <a:ln>
+                <a:solidFill>
+                  <a:srgbClr val="5F0080">
+                    <a:alpha val="0"/>
+                  </a:srgbClr>
+                </a:solidFill>
+              </a:ln>
+              <a:solidFill>
+                <a:schemeClr val="bg1"/>
+              </a:solidFill>
+              <a:latin typeface="Noto Sans KR" panose="020B0200000000000000" pitchFamily="50" charset="-127"/>
+              <a:ea typeface="Noto Sans KR" panose="020B0200000000000000" pitchFamily="50" charset="-127"/>
+            </a:endParaRPr>
+          </a:p>
+        </p:txBody>
+      </p:sp>
     </p:spTree>
     <p:extLst>
       <p:ext uri="{BB962C8B-B14F-4D97-AF65-F5344CB8AC3E}">
-        <p14:creationId xmlns:p14="http://schemas.microsoft.com/office/powerpoint/2010/main" val="816980231"/>
+        <p14:creationId xmlns:p14="http://schemas.microsoft.com/office/powerpoint/2010/main" val="1032731842"/>
       </p:ext>
     </p:extLst>
   </p:cSld>
@@ -13392,93 +10691,6 @@
       </p:sp>
       <p:sp>
         <p:nvSpPr>
-          <p:cNvPr id="22" name="TextBox 21">
-            <a:extLst>
-              <a:ext uri="{FF2B5EF4-FFF2-40B4-BE49-F238E27FC236}">
-                <a16:creationId xmlns:a16="http://schemas.microsoft.com/office/drawing/2014/main" id="{555A23D9-0E6E-4436-B3B4-BD47EF89C488}"/>
-              </a:ext>
-            </a:extLst>
-          </p:cNvPr>
-          <p:cNvSpPr txBox="1"/>
-          <p:nvPr/>
-        </p:nvSpPr>
-        <p:spPr>
-          <a:xfrm>
-            <a:off x="5171554" y="342464"/>
-            <a:ext cx="1097620" cy="372655"/>
-          </a:xfrm>
-          <a:prstGeom prst="rect">
-            <a:avLst/>
-          </a:prstGeom>
-          <a:noFill/>
-        </p:spPr>
-        <p:txBody>
-          <a:bodyPr wrap="none" rtlCol="0" anchor="ctr">
-            <a:noAutofit/>
-          </a:bodyPr>
-          <a:lstStyle/>
-          <a:p>
-            <a:pPr algn="ctr">
-              <a:lnSpc>
-                <a:spcPct val="110000"/>
-              </a:lnSpc>
-            </a:pPr>
-            <a:r>
-              <a:rPr lang="en-US" altLang="ko-KR" sz="2800" b="1" spc="-80" dirty="0">
-                <a:ln>
-                  <a:solidFill>
-                    <a:srgbClr val="5F0080">
-                      <a:alpha val="0"/>
-                    </a:srgbClr>
-                  </a:solidFill>
-                </a:ln>
-                <a:solidFill>
-                  <a:schemeClr val="tx1">
-                    <a:lumMod val="85000"/>
-                    <a:lumOff val="15000"/>
-                  </a:schemeClr>
-                </a:solidFill>
-                <a:latin typeface="Noto Sans KR" panose="020B0200000000000000" pitchFamily="50" charset="-127"/>
-                <a:ea typeface="Noto Sans KR" panose="020B0200000000000000" pitchFamily="50" charset="-127"/>
-              </a:rPr>
-              <a:t>Step </a:t>
-            </a:r>
-            <a:r>
-              <a:rPr lang="en-US" altLang="ko-KR" sz="2800" b="1" spc="-80" dirty="0">
-                <a:ln>
-                  <a:solidFill>
-                    <a:srgbClr val="5F0080">
-                      <a:alpha val="0"/>
-                    </a:srgbClr>
-                  </a:solidFill>
-                </a:ln>
-                <a:solidFill>
-                  <a:srgbClr val="00B0F0"/>
-                </a:solidFill>
-                <a:latin typeface="Noto Sans KR" panose="020B0200000000000000" pitchFamily="50" charset="-127"/>
-                <a:ea typeface="Noto Sans KR" panose="020B0200000000000000" pitchFamily="50" charset="-127"/>
-              </a:rPr>
-              <a:t>1</a:t>
-            </a:r>
-            <a:endParaRPr lang="en-US" altLang="ko-KR" sz="2800" b="1" spc="-80" dirty="0">
-              <a:ln>
-                <a:solidFill>
-                  <a:srgbClr val="5F0080">
-                    <a:alpha val="0"/>
-                  </a:srgbClr>
-                </a:solidFill>
-              </a:ln>
-              <a:solidFill>
-                <a:srgbClr val="5F0080"/>
-              </a:solidFill>
-              <a:latin typeface="Noto Sans KR" panose="020B0200000000000000" pitchFamily="50" charset="-127"/>
-              <a:ea typeface="Noto Sans KR" panose="020B0200000000000000" pitchFamily="50" charset="-127"/>
-            </a:endParaRPr>
-          </a:p>
-        </p:txBody>
-      </p:sp>
-      <p:sp>
-        <p:nvSpPr>
           <p:cNvPr id="32" name="직사각형 31">
             <a:extLst>
               <a:ext uri="{FF2B5EF4-FFF2-40B4-BE49-F238E27FC236}">
@@ -13581,96 +10793,12 @@
           </a:p>
         </p:txBody>
       </p:sp>
-      <p:sp>
-        <p:nvSpPr>
-          <p:cNvPr id="2" name="TextBox 1">
-            <a:extLst>
-              <a:ext uri="{FF2B5EF4-FFF2-40B4-BE49-F238E27FC236}">
-                <a16:creationId xmlns:a16="http://schemas.microsoft.com/office/drawing/2014/main" id="{AF0FBD69-00CE-A6AC-315E-4804229E585F}"/>
-              </a:ext>
-            </a:extLst>
-          </p:cNvPr>
-          <p:cNvSpPr txBox="1"/>
-          <p:nvPr/>
-        </p:nvSpPr>
-        <p:spPr>
-          <a:xfrm>
-            <a:off x="4186932" y="6061886"/>
-            <a:ext cx="3066865" cy="453650"/>
-          </a:xfrm>
-          <a:prstGeom prst="rect">
-            <a:avLst/>
-          </a:prstGeom>
-          <a:noFill/>
-        </p:spPr>
-        <p:txBody>
-          <a:bodyPr wrap="none" rtlCol="0">
-            <a:spAutoFit/>
-          </a:bodyPr>
-          <a:lstStyle/>
-          <a:p>
-            <a:pPr algn="ctr">
-              <a:lnSpc>
-                <a:spcPct val="130000"/>
-              </a:lnSpc>
-            </a:pPr>
-            <a:r>
-              <a:rPr lang="ko-KR" altLang="en-US" sz="2000" b="1" spc="-50" dirty="0">
-                <a:ln>
-                  <a:solidFill>
-                    <a:srgbClr val="5F0080">
-                      <a:alpha val="0"/>
-                    </a:srgbClr>
-                  </a:solidFill>
-                </a:ln>
-                <a:solidFill>
-                  <a:schemeClr val="bg1"/>
-                </a:solidFill>
-                <a:latin typeface="Noto Sans KR" panose="020B0200000000000000" pitchFamily="50" charset="-127"/>
-                <a:ea typeface="Noto Sans KR" panose="020B0200000000000000" pitchFamily="50" charset="-127"/>
-              </a:rPr>
-              <a:t>빠른 시뮬레이션</a:t>
-            </a:r>
-            <a:r>
-              <a:rPr lang="ko-KR" altLang="en-US" sz="2000" spc="-50" dirty="0">
-                <a:ln>
-                  <a:solidFill>
-                    <a:srgbClr val="5F0080">
-                      <a:alpha val="0"/>
-                    </a:srgbClr>
-                  </a:solidFill>
-                </a:ln>
-                <a:solidFill>
-                  <a:schemeClr val="bg1"/>
-                </a:solidFill>
-                <a:latin typeface="Noto Sans KR" panose="020B0200000000000000" pitchFamily="50" charset="-127"/>
-                <a:ea typeface="Noto Sans KR" panose="020B0200000000000000" pitchFamily="50" charset="-127"/>
-              </a:rPr>
-              <a:t>을 클릭한다</a:t>
-            </a:r>
-            <a:endParaRPr lang="en-US" altLang="ko-KR" sz="2000" spc="-50" dirty="0">
-              <a:ln>
-                <a:solidFill>
-                  <a:srgbClr val="5F0080">
-                    <a:alpha val="0"/>
-                  </a:srgbClr>
-                </a:solidFill>
-              </a:ln>
-              <a:solidFill>
-                <a:schemeClr val="bg1"/>
-              </a:solidFill>
-              <a:latin typeface="Noto Sans KR" panose="020B0200000000000000" pitchFamily="50" charset="-127"/>
-              <a:ea typeface="Noto Sans KR" panose="020B0200000000000000" pitchFamily="50" charset="-127"/>
-            </a:endParaRPr>
-          </a:p>
-        </p:txBody>
-      </p:sp>
       <p:pic>
         <p:nvPicPr>
-          <p:cNvPr id="3" name="그림 2">
-            <a:extLst>
-              <a:ext uri="{FF2B5EF4-FFF2-40B4-BE49-F238E27FC236}">
-                <a16:creationId xmlns:a16="http://schemas.microsoft.com/office/drawing/2014/main" id="{D7E9788A-CB6F-CF21-6877-EC6AAF50298F}"/>
+          <p:cNvPr id="4" name="그림 3">
+            <a:extLst>
+              <a:ext uri="{FF2B5EF4-FFF2-40B4-BE49-F238E27FC236}">
+                <a16:creationId xmlns:a16="http://schemas.microsoft.com/office/drawing/2014/main" id="{D13B970E-548E-A55E-84D9-967D1470F9BB}"/>
               </a:ext>
             </a:extLst>
           </p:cNvPr>
@@ -13687,8 +10815,8 @@
         </p:blipFill>
         <p:spPr>
           <a:xfrm>
-            <a:off x="2005692" y="1150169"/>
-            <a:ext cx="7429346" cy="4053427"/>
+            <a:off x="2005691" y="1150169"/>
+            <a:ext cx="7429347" cy="4053427"/>
           </a:xfrm>
           <a:prstGeom prst="rect">
             <a:avLst/>
@@ -13697,10 +10825,10 @@
       </p:pic>
       <p:pic>
         <p:nvPicPr>
-          <p:cNvPr id="4" name="그림 3">
-            <a:extLst>
-              <a:ext uri="{FF2B5EF4-FFF2-40B4-BE49-F238E27FC236}">
-                <a16:creationId xmlns:a16="http://schemas.microsoft.com/office/drawing/2014/main" id="{2B31720C-85E9-1CE4-C8BD-06E3CA969205}"/>
+          <p:cNvPr id="5" name="그림 4">
+            <a:extLst>
+              <a:ext uri="{FF2B5EF4-FFF2-40B4-BE49-F238E27FC236}">
+                <a16:creationId xmlns:a16="http://schemas.microsoft.com/office/drawing/2014/main" id="{69F1E524-058C-B694-1AD4-6F180AB5618D}"/>
               </a:ext>
             </a:extLst>
           </p:cNvPr>
@@ -13717,18 +10845,206 @@
         </p:blipFill>
         <p:spPr>
           <a:xfrm>
-            <a:off x="1579418" y="822036"/>
-            <a:ext cx="8312727" cy="5138542"/>
+            <a:off x="1550150" y="859461"/>
+            <a:ext cx="8340436" cy="5138542"/>
           </a:xfrm>
           <a:prstGeom prst="rect">
             <a:avLst/>
           </a:prstGeom>
         </p:spPr>
       </p:pic>
+      <p:sp>
+        <p:nvSpPr>
+          <p:cNvPr id="6" name="TextBox 5">
+            <a:extLst>
+              <a:ext uri="{FF2B5EF4-FFF2-40B4-BE49-F238E27FC236}">
+                <a16:creationId xmlns:a16="http://schemas.microsoft.com/office/drawing/2014/main" id="{B93C64B8-D559-BAA8-8041-B3827B768709}"/>
+              </a:ext>
+            </a:extLst>
+          </p:cNvPr>
+          <p:cNvSpPr txBox="1"/>
+          <p:nvPr/>
+        </p:nvSpPr>
+        <p:spPr>
+          <a:xfrm>
+            <a:off x="5171554" y="342464"/>
+            <a:ext cx="1097620" cy="372655"/>
+          </a:xfrm>
+          <a:prstGeom prst="rect">
+            <a:avLst/>
+          </a:prstGeom>
+          <a:noFill/>
+        </p:spPr>
+        <p:txBody>
+          <a:bodyPr wrap="none" rtlCol="0" anchor="ctr">
+            <a:noAutofit/>
+          </a:bodyPr>
+          <a:lstStyle/>
+          <a:p>
+            <a:pPr algn="ctr">
+              <a:lnSpc>
+                <a:spcPct val="110000"/>
+              </a:lnSpc>
+            </a:pPr>
+            <a:r>
+              <a:rPr lang="en-US" altLang="ko-KR" sz="2800" b="1" spc="-80" dirty="0">
+                <a:ln>
+                  <a:solidFill>
+                    <a:srgbClr val="5F0080">
+                      <a:alpha val="0"/>
+                    </a:srgbClr>
+                  </a:solidFill>
+                </a:ln>
+                <a:solidFill>
+                  <a:schemeClr val="tx1">
+                    <a:lumMod val="85000"/>
+                    <a:lumOff val="15000"/>
+                  </a:schemeClr>
+                </a:solidFill>
+                <a:latin typeface="Noto Sans KR" panose="020B0200000000000000" pitchFamily="50" charset="-127"/>
+                <a:ea typeface="Noto Sans KR" panose="020B0200000000000000" pitchFamily="50" charset="-127"/>
+              </a:rPr>
+              <a:t>Step </a:t>
+            </a:r>
+            <a:r>
+              <a:rPr lang="en-US" altLang="ko-KR" sz="2800" b="1" spc="-80" dirty="0">
+                <a:ln>
+                  <a:solidFill>
+                    <a:srgbClr val="5F0080">
+                      <a:alpha val="0"/>
+                    </a:srgbClr>
+                  </a:solidFill>
+                </a:ln>
+                <a:solidFill>
+                  <a:srgbClr val="00B0F0"/>
+                </a:solidFill>
+                <a:latin typeface="Noto Sans KR" panose="020B0200000000000000" pitchFamily="50" charset="-127"/>
+                <a:ea typeface="Noto Sans KR" panose="020B0200000000000000" pitchFamily="50" charset="-127"/>
+              </a:rPr>
+              <a:t>5</a:t>
+            </a:r>
+            <a:endParaRPr lang="en-US" altLang="ko-KR" sz="2800" b="1" spc="-80" dirty="0">
+              <a:ln>
+                <a:solidFill>
+                  <a:srgbClr val="5F0080">
+                    <a:alpha val="0"/>
+                  </a:srgbClr>
+                </a:solidFill>
+              </a:ln>
+              <a:solidFill>
+                <a:srgbClr val="5F0080"/>
+              </a:solidFill>
+              <a:latin typeface="Noto Sans KR" panose="020B0200000000000000" pitchFamily="50" charset="-127"/>
+              <a:ea typeface="Noto Sans KR" panose="020B0200000000000000" pitchFamily="50" charset="-127"/>
+            </a:endParaRPr>
+          </a:p>
+        </p:txBody>
+      </p:sp>
+      <p:sp>
+        <p:nvSpPr>
+          <p:cNvPr id="7" name="TextBox 6">
+            <a:extLst>
+              <a:ext uri="{FF2B5EF4-FFF2-40B4-BE49-F238E27FC236}">
+                <a16:creationId xmlns:a16="http://schemas.microsoft.com/office/drawing/2014/main" id="{C6D38236-AB5C-FA5F-236E-7C98D00D8E55}"/>
+              </a:ext>
+            </a:extLst>
+          </p:cNvPr>
+          <p:cNvSpPr txBox="1"/>
+          <p:nvPr/>
+        </p:nvSpPr>
+        <p:spPr>
+          <a:xfrm>
+            <a:off x="1969994" y="6061886"/>
+            <a:ext cx="7500772" cy="453650"/>
+          </a:xfrm>
+          <a:prstGeom prst="rect">
+            <a:avLst/>
+          </a:prstGeom>
+          <a:noFill/>
+        </p:spPr>
+        <p:txBody>
+          <a:bodyPr wrap="none" rtlCol="0">
+            <a:spAutoFit/>
+          </a:bodyPr>
+          <a:lstStyle/>
+          <a:p>
+            <a:pPr algn="ctr">
+              <a:lnSpc>
+                <a:spcPct val="130000"/>
+              </a:lnSpc>
+            </a:pPr>
+            <a:r>
+              <a:rPr lang="ko-KR" altLang="en-US" sz="2000" b="1" spc="-50" dirty="0">
+                <a:ln>
+                  <a:solidFill>
+                    <a:srgbClr val="5F0080">
+                      <a:alpha val="0"/>
+                    </a:srgbClr>
+                  </a:solidFill>
+                </a:ln>
+                <a:solidFill>
+                  <a:schemeClr val="bg1"/>
+                </a:solidFill>
+                <a:latin typeface="Noto Sans KR" panose="020B0200000000000000" pitchFamily="50" charset="-127"/>
+                <a:ea typeface="Noto Sans KR" panose="020B0200000000000000" pitchFamily="50" charset="-127"/>
+              </a:rPr>
+              <a:t>장비 칸 밑에 </a:t>
+            </a:r>
+            <a:r>
+              <a:rPr lang="ko-KR" altLang="en-US" sz="2000" b="1" spc="-50" dirty="0" err="1">
+                <a:ln>
+                  <a:solidFill>
+                    <a:srgbClr val="5F0080">
+                      <a:alpha val="0"/>
+                    </a:srgbClr>
+                  </a:solidFill>
+                </a:ln>
+                <a:solidFill>
+                  <a:schemeClr val="bg1"/>
+                </a:solidFill>
+                <a:latin typeface="Noto Sans KR" panose="020B0200000000000000" pitchFamily="50" charset="-127"/>
+                <a:ea typeface="Noto Sans KR" panose="020B0200000000000000" pitchFamily="50" charset="-127"/>
+              </a:rPr>
+              <a:t>마테리얼</a:t>
+            </a:r>
+            <a:r>
+              <a:rPr lang="ko-KR" altLang="en-US" sz="2000" b="1" spc="-50" dirty="0">
+                <a:ln>
+                  <a:solidFill>
+                    <a:srgbClr val="5F0080">
+                      <a:alpha val="0"/>
+                    </a:srgbClr>
+                  </a:solidFill>
+                </a:ln>
+                <a:solidFill>
+                  <a:schemeClr val="bg1"/>
+                </a:solidFill>
+                <a:latin typeface="Noto Sans KR" panose="020B0200000000000000" pitchFamily="50" charset="-127"/>
+                <a:ea typeface="Noto Sans KR" panose="020B0200000000000000" pitchFamily="50" charset="-127"/>
+              </a:rPr>
+              <a:t> 칸을 클릭하여 원하는 능력치를 설정하면 됩니다</a:t>
+            </a:r>
+            <a:endParaRPr lang="en-US" altLang="ko-KR" sz="2000" spc="-50" dirty="0">
+              <a:ln>
+                <a:solidFill>
+                  <a:srgbClr val="5F0080">
+                    <a:alpha val="0"/>
+                  </a:srgbClr>
+                </a:solidFill>
+              </a:ln>
+              <a:solidFill>
+                <a:schemeClr val="bg1"/>
+              </a:solidFill>
+              <a:latin typeface="Noto Sans KR" panose="020B0200000000000000" pitchFamily="50" charset="-127"/>
+              <a:ea typeface="Noto Sans KR" panose="020B0200000000000000" pitchFamily="50" charset="-127"/>
+            </a:endParaRPr>
+          </a:p>
+        </p:txBody>
+      </p:sp>
     </p:spTree>
     <p:extLst>
       <p:ext uri="{BB962C8B-B14F-4D97-AF65-F5344CB8AC3E}">
-        <p14:creationId xmlns:p14="http://schemas.microsoft.com/office/powerpoint/2010/main" val="1093135528"/>
+        <p14:creationId xmlns:p14="http://schemas.microsoft.com/office/powerpoint/2010/main" val="961744824"/>
       </p:ext>
     </p:extLst>
   </p:cSld>
